--- a/Presentation.pptx
+++ b/Presentation.pptx
@@ -2,10 +2,16 @@
 <file path=ppt/presentation.xml><?xml version="1.0" encoding="utf-8"?>
 <p:presentation xmlns:a="http://schemas.openxmlformats.org/drawingml/2006/main" xmlns:r="http://schemas.openxmlformats.org/officeDocument/2006/relationships" xmlns:p="http://schemas.openxmlformats.org/presentationml/2006/main" saveSubsetFonts="1">
   <p:sldMasterIdLst>
-    <p:sldMasterId id="2147483648" r:id="rId1"/>
+    <p:sldMasterId id="2147483660" r:id="rId1"/>
   </p:sldMasterIdLst>
   <p:sldIdLst>
     <p:sldId id="256" r:id="rId2"/>
+    <p:sldId id="257" r:id="rId3"/>
+    <p:sldId id="258" r:id="rId4"/>
+    <p:sldId id="259" r:id="rId5"/>
+    <p:sldId id="260" r:id="rId6"/>
+    <p:sldId id="261" r:id="rId7"/>
+    <p:sldId id="262" r:id="rId8"/>
   </p:sldIdLst>
   <p:sldSz cx="12192000" cy="6858000"/>
   <p:notesSz cx="6858000" cy="9144000"/>
@@ -13,7 +19,7 @@
     <a:defPPr>
       <a:defRPr lang="en-US"/>
     </a:defPPr>
-    <a:lvl1pPr marL="0" algn="l" defTabSz="914400" rtl="0" eaLnBrk="1" latinLnBrk="0" hangingPunct="1">
+    <a:lvl1pPr marL="0" algn="l" defTabSz="457200" rtl="0" eaLnBrk="1" latinLnBrk="0" hangingPunct="1">
       <a:defRPr sz="1800" kern="1200">
         <a:solidFill>
           <a:schemeClr val="tx1"/>
@@ -23,7 +29,7 @@
         <a:cs typeface="+mn-cs"/>
       </a:defRPr>
     </a:lvl1pPr>
-    <a:lvl2pPr marL="457200" algn="l" defTabSz="914400" rtl="0" eaLnBrk="1" latinLnBrk="0" hangingPunct="1">
+    <a:lvl2pPr marL="457200" algn="l" defTabSz="457200" rtl="0" eaLnBrk="1" latinLnBrk="0" hangingPunct="1">
       <a:defRPr sz="1800" kern="1200">
         <a:solidFill>
           <a:schemeClr val="tx1"/>
@@ -33,7 +39,7 @@
         <a:cs typeface="+mn-cs"/>
       </a:defRPr>
     </a:lvl2pPr>
-    <a:lvl3pPr marL="914400" algn="l" defTabSz="914400" rtl="0" eaLnBrk="1" latinLnBrk="0" hangingPunct="1">
+    <a:lvl3pPr marL="914400" algn="l" defTabSz="457200" rtl="0" eaLnBrk="1" latinLnBrk="0" hangingPunct="1">
       <a:defRPr sz="1800" kern="1200">
         <a:solidFill>
           <a:schemeClr val="tx1"/>
@@ -43,7 +49,7 @@
         <a:cs typeface="+mn-cs"/>
       </a:defRPr>
     </a:lvl3pPr>
-    <a:lvl4pPr marL="1371600" algn="l" defTabSz="914400" rtl="0" eaLnBrk="1" latinLnBrk="0" hangingPunct="1">
+    <a:lvl4pPr marL="1371600" algn="l" defTabSz="457200" rtl="0" eaLnBrk="1" latinLnBrk="0" hangingPunct="1">
       <a:defRPr sz="1800" kern="1200">
         <a:solidFill>
           <a:schemeClr val="tx1"/>
@@ -53,7 +59,7 @@
         <a:cs typeface="+mn-cs"/>
       </a:defRPr>
     </a:lvl4pPr>
-    <a:lvl5pPr marL="1828800" algn="l" defTabSz="914400" rtl="0" eaLnBrk="1" latinLnBrk="0" hangingPunct="1">
+    <a:lvl5pPr marL="1828800" algn="l" defTabSz="457200" rtl="0" eaLnBrk="1" latinLnBrk="0" hangingPunct="1">
       <a:defRPr sz="1800" kern="1200">
         <a:solidFill>
           <a:schemeClr val="tx1"/>
@@ -63,7 +69,7 @@
         <a:cs typeface="+mn-cs"/>
       </a:defRPr>
     </a:lvl5pPr>
-    <a:lvl6pPr marL="2286000" algn="l" defTabSz="914400" rtl="0" eaLnBrk="1" latinLnBrk="0" hangingPunct="1">
+    <a:lvl6pPr marL="2286000" algn="l" defTabSz="457200" rtl="0" eaLnBrk="1" latinLnBrk="0" hangingPunct="1">
       <a:defRPr sz="1800" kern="1200">
         <a:solidFill>
           <a:schemeClr val="tx1"/>
@@ -73,7 +79,7 @@
         <a:cs typeface="+mn-cs"/>
       </a:defRPr>
     </a:lvl6pPr>
-    <a:lvl7pPr marL="2743200" algn="l" defTabSz="914400" rtl="0" eaLnBrk="1" latinLnBrk="0" hangingPunct="1">
+    <a:lvl7pPr marL="2743200" algn="l" defTabSz="457200" rtl="0" eaLnBrk="1" latinLnBrk="0" hangingPunct="1">
       <a:defRPr sz="1800" kern="1200">
         <a:solidFill>
           <a:schemeClr val="tx1"/>
@@ -83,7 +89,7 @@
         <a:cs typeface="+mn-cs"/>
       </a:defRPr>
     </a:lvl7pPr>
-    <a:lvl8pPr marL="3200400" algn="l" defTabSz="914400" rtl="0" eaLnBrk="1" latinLnBrk="0" hangingPunct="1">
+    <a:lvl8pPr marL="3200400" algn="l" defTabSz="457200" rtl="0" eaLnBrk="1" latinLnBrk="0" hangingPunct="1">
       <a:defRPr sz="1800" kern="1200">
         <a:solidFill>
           <a:schemeClr val="tx1"/>
@@ -93,7 +99,7 @@
         <a:cs typeface="+mn-cs"/>
       </a:defRPr>
     </a:lvl8pPr>
-    <a:lvl9pPr marL="3657600" algn="l" defTabSz="914400" rtl="0" eaLnBrk="1" latinLnBrk="0" hangingPunct="1">
+    <a:lvl9pPr marL="3657600" algn="l" defTabSz="457200" rtl="0" eaLnBrk="1" latinLnBrk="0" hangingPunct="1">
       <a:defRPr sz="1800" kern="1200">
         <a:solidFill>
           <a:schemeClr val="tx1"/>
@@ -104,11 +110,16 @@
       </a:defRPr>
     </a:lvl9pPr>
   </p:defaultTextStyle>
+  <p:extLst>
+    <p:ext uri="{EFAFB233-063F-42B5-8137-9DF3F51BA10A}">
+      <p15:sldGuideLst xmlns:p15="http://schemas.microsoft.com/office/powerpoint/2012/main"/>
+    </p:ext>
+  </p:extLst>
 </p:presentation>
 </file>
 
 <file path=ppt/slideLayouts/slideLayout1.xml><?xml version="1.0" encoding="utf-8"?>
-<p:sldLayout xmlns:a="http://schemas.openxmlformats.org/drawingml/2006/main" xmlns:r="http://schemas.openxmlformats.org/officeDocument/2006/relationships" xmlns:p="http://schemas.openxmlformats.org/presentationml/2006/main" type="title" preserve="1">
+<p:sldLayout xmlns:a="http://schemas.openxmlformats.org/drawingml/2006/main" xmlns:r="http://schemas.openxmlformats.org/officeDocument/2006/relationships" xmlns:p="http://schemas.openxmlformats.org/presentationml/2006/main" showMasterSp="0" type="title" preserve="1">
   <p:cSld name="Title Slide">
     <p:spTree>
       <p:nvGrpSpPr>
@@ -124,15 +135,539 @@
           <a:chExt cx="0" cy="0"/>
         </a:xfrm>
       </p:grpSpPr>
-      <p:sp>
-        <p:nvSpPr>
-          <p:cNvPr id="2" name="Title 1">
-            <a:extLst>
-              <a:ext uri="{FF2B5EF4-FFF2-40B4-BE49-F238E27FC236}">
-                <a16:creationId xmlns:a16="http://schemas.microsoft.com/office/drawing/2014/main" id="{98330E25-7DBF-4AFE-B684-E0FADADB695D}"/>
-              </a:ext>
-            </a:extLst>
-          </p:cNvPr>
+      <p:grpSp>
+        <p:nvGrpSpPr>
+          <p:cNvPr id="7" name="Group 6"/>
+          <p:cNvGrpSpPr/>
+          <p:nvPr/>
+        </p:nvGrpSpPr>
+        <p:grpSpPr>
+          <a:xfrm>
+            <a:off x="0" y="-8467"/>
+            <a:ext cx="12192000" cy="6866467"/>
+            <a:chOff x="0" y="-8467"/>
+            <a:chExt cx="12192000" cy="6866467"/>
+          </a:xfrm>
+        </p:grpSpPr>
+        <p:cxnSp>
+          <p:nvCxnSpPr>
+            <p:cNvPr id="32" name="Straight Connector 31"/>
+            <p:cNvCxnSpPr/>
+            <p:nvPr/>
+          </p:nvCxnSpPr>
+          <p:spPr>
+            <a:xfrm>
+              <a:off x="9371012" y="0"/>
+              <a:ext cx="1219200" cy="6858000"/>
+            </a:xfrm>
+            <a:prstGeom prst="line">
+              <a:avLst/>
+            </a:prstGeom>
+            <a:ln w="9525">
+              <a:solidFill>
+                <a:schemeClr val="bg1">
+                  <a:lumMod val="75000"/>
+                </a:schemeClr>
+              </a:solidFill>
+            </a:ln>
+          </p:spPr>
+          <p:style>
+            <a:lnRef idx="2">
+              <a:schemeClr val="accent1"/>
+            </a:lnRef>
+            <a:fillRef idx="0">
+              <a:schemeClr val="accent1"/>
+            </a:fillRef>
+            <a:effectRef idx="1">
+              <a:schemeClr val="accent1"/>
+            </a:effectRef>
+            <a:fontRef idx="minor">
+              <a:schemeClr val="tx1"/>
+            </a:fontRef>
+          </p:style>
+        </p:cxnSp>
+        <p:cxnSp>
+          <p:nvCxnSpPr>
+            <p:cNvPr id="21" name="Straight Connector 20"/>
+            <p:cNvCxnSpPr/>
+            <p:nvPr/>
+          </p:nvCxnSpPr>
+          <p:spPr>
+            <a:xfrm flipH="1">
+              <a:off x="7425267" y="3681413"/>
+              <a:ext cx="4763558" cy="3176587"/>
+            </a:xfrm>
+            <a:prstGeom prst="line">
+              <a:avLst/>
+            </a:prstGeom>
+            <a:ln w="9525">
+              <a:solidFill>
+                <a:schemeClr val="bg1">
+                  <a:lumMod val="85000"/>
+                </a:schemeClr>
+              </a:solidFill>
+            </a:ln>
+          </p:spPr>
+          <p:style>
+            <a:lnRef idx="2">
+              <a:schemeClr val="accent1"/>
+            </a:lnRef>
+            <a:fillRef idx="0">
+              <a:schemeClr val="accent1"/>
+            </a:fillRef>
+            <a:effectRef idx="1">
+              <a:schemeClr val="accent1"/>
+            </a:effectRef>
+            <a:fontRef idx="minor">
+              <a:schemeClr val="tx1"/>
+            </a:fontRef>
+          </p:style>
+        </p:cxnSp>
+        <p:sp>
+          <p:nvSpPr>
+            <p:cNvPr id="24" name="Rectangle 23"/>
+            <p:cNvSpPr/>
+            <p:nvPr/>
+          </p:nvSpPr>
+          <p:spPr>
+            <a:xfrm>
+              <a:off x="9181476" y="-8467"/>
+              <a:ext cx="3007349" cy="6866467"/>
+            </a:xfrm>
+            <a:custGeom>
+              <a:avLst/>
+              <a:gdLst/>
+              <a:ahLst/>
+              <a:cxnLst/>
+              <a:rect l="l" t="t" r="r" b="b"/>
+              <a:pathLst>
+                <a:path w="3007349" h="6866467">
+                  <a:moveTo>
+                    <a:pt x="2045532" y="0"/>
+                  </a:moveTo>
+                  <a:lnTo>
+                    <a:pt x="3007349" y="0"/>
+                  </a:lnTo>
+                  <a:lnTo>
+                    <a:pt x="3007349" y="6866467"/>
+                  </a:lnTo>
+                  <a:lnTo>
+                    <a:pt x="0" y="6866467"/>
+                  </a:lnTo>
+                  <a:lnTo>
+                    <a:pt x="2045532" y="0"/>
+                  </a:lnTo>
+                  <a:close/>
+                </a:path>
+              </a:pathLst>
+            </a:custGeom>
+            <a:solidFill>
+              <a:schemeClr val="accent1">
+                <a:alpha val="30000"/>
+              </a:schemeClr>
+            </a:solidFill>
+            <a:ln>
+              <a:noFill/>
+            </a:ln>
+            <a:effectLst/>
+          </p:spPr>
+          <p:style>
+            <a:lnRef idx="1">
+              <a:schemeClr val="accent1"/>
+            </a:lnRef>
+            <a:fillRef idx="3">
+              <a:schemeClr val="accent1"/>
+            </a:fillRef>
+            <a:effectRef idx="2">
+              <a:schemeClr val="accent1"/>
+            </a:effectRef>
+            <a:fontRef idx="minor">
+              <a:schemeClr val="lt1"/>
+            </a:fontRef>
+          </p:style>
+        </p:sp>
+        <p:sp>
+          <p:nvSpPr>
+            <p:cNvPr id="26" name="Rectangle 25"/>
+            <p:cNvSpPr/>
+            <p:nvPr/>
+          </p:nvSpPr>
+          <p:spPr>
+            <a:xfrm>
+              <a:off x="9603442" y="-8467"/>
+              <a:ext cx="2588558" cy="6866467"/>
+            </a:xfrm>
+            <a:custGeom>
+              <a:avLst/>
+              <a:gdLst/>
+              <a:ahLst/>
+              <a:cxnLst/>
+              <a:rect l="l" t="t" r="r" b="b"/>
+              <a:pathLst>
+                <a:path w="2573311" h="6866467">
+                  <a:moveTo>
+                    <a:pt x="0" y="0"/>
+                  </a:moveTo>
+                  <a:lnTo>
+                    <a:pt x="2573311" y="0"/>
+                  </a:lnTo>
+                  <a:lnTo>
+                    <a:pt x="2573311" y="6866467"/>
+                  </a:lnTo>
+                  <a:lnTo>
+                    <a:pt x="1202336" y="6866467"/>
+                  </a:lnTo>
+                  <a:lnTo>
+                    <a:pt x="0" y="0"/>
+                  </a:lnTo>
+                  <a:close/>
+                </a:path>
+              </a:pathLst>
+            </a:custGeom>
+            <a:solidFill>
+              <a:schemeClr val="accent1">
+                <a:alpha val="20000"/>
+              </a:schemeClr>
+            </a:solidFill>
+            <a:ln>
+              <a:noFill/>
+            </a:ln>
+            <a:effectLst/>
+          </p:spPr>
+          <p:style>
+            <a:lnRef idx="1">
+              <a:schemeClr val="accent1"/>
+            </a:lnRef>
+            <a:fillRef idx="3">
+              <a:schemeClr val="accent1"/>
+            </a:fillRef>
+            <a:effectRef idx="2">
+              <a:schemeClr val="accent1"/>
+            </a:effectRef>
+            <a:fontRef idx="minor">
+              <a:schemeClr val="lt1"/>
+            </a:fontRef>
+          </p:style>
+        </p:sp>
+        <p:sp>
+          <p:nvSpPr>
+            <p:cNvPr id="27" name="Isosceles Triangle 26"/>
+            <p:cNvSpPr/>
+            <p:nvPr/>
+          </p:nvSpPr>
+          <p:spPr>
+            <a:xfrm>
+              <a:off x="8932333" y="3048000"/>
+              <a:ext cx="3259667" cy="3810000"/>
+            </a:xfrm>
+            <a:prstGeom prst="triangle">
+              <a:avLst>
+                <a:gd name="adj" fmla="val 100000"/>
+              </a:avLst>
+            </a:prstGeom>
+            <a:solidFill>
+              <a:schemeClr val="accent2">
+                <a:alpha val="72000"/>
+              </a:schemeClr>
+            </a:solidFill>
+            <a:ln>
+              <a:noFill/>
+            </a:ln>
+            <a:effectLst/>
+          </p:spPr>
+          <p:style>
+            <a:lnRef idx="1">
+              <a:schemeClr val="accent1"/>
+            </a:lnRef>
+            <a:fillRef idx="3">
+              <a:schemeClr val="accent1"/>
+            </a:fillRef>
+            <a:effectRef idx="2">
+              <a:schemeClr val="accent1"/>
+            </a:effectRef>
+            <a:fontRef idx="minor">
+              <a:schemeClr val="lt1"/>
+            </a:fontRef>
+          </p:style>
+        </p:sp>
+        <p:sp>
+          <p:nvSpPr>
+            <p:cNvPr id="28" name="Rectangle 27"/>
+            <p:cNvSpPr/>
+            <p:nvPr/>
+          </p:nvSpPr>
+          <p:spPr>
+            <a:xfrm>
+              <a:off x="9334500" y="-8467"/>
+              <a:ext cx="2854326" cy="6866467"/>
+            </a:xfrm>
+            <a:custGeom>
+              <a:avLst/>
+              <a:gdLst/>
+              <a:ahLst/>
+              <a:cxnLst/>
+              <a:rect l="l" t="t" r="r" b="b"/>
+              <a:pathLst>
+                <a:path w="2858013" h="6866467">
+                  <a:moveTo>
+                    <a:pt x="0" y="0"/>
+                  </a:moveTo>
+                  <a:lnTo>
+                    <a:pt x="2858013" y="0"/>
+                  </a:lnTo>
+                  <a:lnTo>
+                    <a:pt x="2858013" y="6866467"/>
+                  </a:lnTo>
+                  <a:lnTo>
+                    <a:pt x="2473942" y="6866467"/>
+                  </a:lnTo>
+                  <a:lnTo>
+                    <a:pt x="0" y="0"/>
+                  </a:lnTo>
+                  <a:close/>
+                </a:path>
+              </a:pathLst>
+            </a:custGeom>
+            <a:solidFill>
+              <a:schemeClr val="accent2">
+                <a:lumMod val="75000"/>
+                <a:alpha val="70000"/>
+              </a:schemeClr>
+            </a:solidFill>
+            <a:ln>
+              <a:noFill/>
+            </a:ln>
+            <a:effectLst/>
+          </p:spPr>
+          <p:style>
+            <a:lnRef idx="1">
+              <a:schemeClr val="accent1"/>
+            </a:lnRef>
+            <a:fillRef idx="3">
+              <a:schemeClr val="accent1"/>
+            </a:fillRef>
+            <a:effectRef idx="2">
+              <a:schemeClr val="accent1"/>
+            </a:effectRef>
+            <a:fontRef idx="minor">
+              <a:schemeClr val="lt1"/>
+            </a:fontRef>
+          </p:style>
+        </p:sp>
+        <p:sp>
+          <p:nvSpPr>
+            <p:cNvPr id="29" name="Rectangle 28"/>
+            <p:cNvSpPr/>
+            <p:nvPr/>
+          </p:nvSpPr>
+          <p:spPr>
+            <a:xfrm>
+              <a:off x="10898730" y="-8467"/>
+              <a:ext cx="1290094" cy="6866467"/>
+            </a:xfrm>
+            <a:custGeom>
+              <a:avLst/>
+              <a:gdLst/>
+              <a:ahLst/>
+              <a:cxnLst/>
+              <a:rect l="l" t="t" r="r" b="b"/>
+              <a:pathLst>
+                <a:path w="1290094" h="6858000">
+                  <a:moveTo>
+                    <a:pt x="1019735" y="0"/>
+                  </a:moveTo>
+                  <a:lnTo>
+                    <a:pt x="1290094" y="0"/>
+                  </a:lnTo>
+                  <a:lnTo>
+                    <a:pt x="1290094" y="6858000"/>
+                  </a:lnTo>
+                  <a:lnTo>
+                    <a:pt x="0" y="6858000"/>
+                  </a:lnTo>
+                  <a:lnTo>
+                    <a:pt x="1019735" y="0"/>
+                  </a:lnTo>
+                  <a:close/>
+                </a:path>
+              </a:pathLst>
+            </a:custGeom>
+            <a:solidFill>
+              <a:schemeClr val="accent1">
+                <a:lumMod val="60000"/>
+                <a:lumOff val="40000"/>
+                <a:alpha val="70000"/>
+              </a:schemeClr>
+            </a:solidFill>
+            <a:ln>
+              <a:noFill/>
+            </a:ln>
+            <a:effectLst/>
+          </p:spPr>
+          <p:style>
+            <a:lnRef idx="1">
+              <a:schemeClr val="accent1"/>
+            </a:lnRef>
+            <a:fillRef idx="3">
+              <a:schemeClr val="accent1"/>
+            </a:fillRef>
+            <a:effectRef idx="2">
+              <a:schemeClr val="accent1"/>
+            </a:effectRef>
+            <a:fontRef idx="minor">
+              <a:schemeClr val="lt1"/>
+            </a:fontRef>
+          </p:style>
+        </p:sp>
+        <p:sp>
+          <p:nvSpPr>
+            <p:cNvPr id="30" name="Rectangle 29"/>
+            <p:cNvSpPr/>
+            <p:nvPr/>
+          </p:nvSpPr>
+          <p:spPr>
+            <a:xfrm>
+              <a:off x="10938999" y="-8467"/>
+              <a:ext cx="1249825" cy="6866467"/>
+            </a:xfrm>
+            <a:custGeom>
+              <a:avLst/>
+              <a:gdLst/>
+              <a:ahLst/>
+              <a:cxnLst/>
+              <a:rect l="l" t="t" r="r" b="b"/>
+              <a:pathLst>
+                <a:path w="1249825" h="6858000">
+                  <a:moveTo>
+                    <a:pt x="0" y="0"/>
+                  </a:moveTo>
+                  <a:lnTo>
+                    <a:pt x="1249825" y="0"/>
+                  </a:lnTo>
+                  <a:lnTo>
+                    <a:pt x="1249825" y="6858000"/>
+                  </a:lnTo>
+                  <a:lnTo>
+                    <a:pt x="1109382" y="6858000"/>
+                  </a:lnTo>
+                  <a:lnTo>
+                    <a:pt x="0" y="0"/>
+                  </a:lnTo>
+                  <a:close/>
+                </a:path>
+              </a:pathLst>
+            </a:custGeom>
+            <a:solidFill>
+              <a:schemeClr val="accent1">
+                <a:alpha val="65000"/>
+              </a:schemeClr>
+            </a:solidFill>
+            <a:ln>
+              <a:noFill/>
+            </a:ln>
+            <a:effectLst/>
+          </p:spPr>
+          <p:style>
+            <a:lnRef idx="1">
+              <a:schemeClr val="accent1"/>
+            </a:lnRef>
+            <a:fillRef idx="3">
+              <a:schemeClr val="accent1"/>
+            </a:fillRef>
+            <a:effectRef idx="2">
+              <a:schemeClr val="accent1"/>
+            </a:effectRef>
+            <a:fontRef idx="minor">
+              <a:schemeClr val="lt1"/>
+            </a:fontRef>
+          </p:style>
+        </p:sp>
+        <p:sp>
+          <p:nvSpPr>
+            <p:cNvPr id="31" name="Isosceles Triangle 30"/>
+            <p:cNvSpPr/>
+            <p:nvPr/>
+          </p:nvSpPr>
+          <p:spPr>
+            <a:xfrm>
+              <a:off x="10371666" y="3589867"/>
+              <a:ext cx="1817159" cy="3268133"/>
+            </a:xfrm>
+            <a:prstGeom prst="triangle">
+              <a:avLst>
+                <a:gd name="adj" fmla="val 100000"/>
+              </a:avLst>
+            </a:prstGeom>
+            <a:solidFill>
+              <a:schemeClr val="accent1">
+                <a:alpha val="80000"/>
+              </a:schemeClr>
+            </a:solidFill>
+            <a:ln>
+              <a:noFill/>
+            </a:ln>
+            <a:effectLst/>
+          </p:spPr>
+          <p:style>
+            <a:lnRef idx="1">
+              <a:schemeClr val="accent1"/>
+            </a:lnRef>
+            <a:fillRef idx="3">
+              <a:schemeClr val="accent1"/>
+            </a:fillRef>
+            <a:effectRef idx="2">
+              <a:schemeClr val="accent1"/>
+            </a:effectRef>
+            <a:fontRef idx="minor">
+              <a:schemeClr val="lt1"/>
+            </a:fontRef>
+          </p:style>
+        </p:sp>
+        <p:sp>
+          <p:nvSpPr>
+            <p:cNvPr id="19" name="Isosceles Triangle 18"/>
+            <p:cNvSpPr/>
+            <p:nvPr/>
+          </p:nvSpPr>
+          <p:spPr>
+            <a:xfrm rot="10800000">
+              <a:off x="0" y="0"/>
+              <a:ext cx="842596" cy="5666154"/>
+            </a:xfrm>
+            <a:prstGeom prst="triangle">
+              <a:avLst>
+                <a:gd name="adj" fmla="val 100000"/>
+              </a:avLst>
+            </a:prstGeom>
+            <a:solidFill>
+              <a:schemeClr val="accent1">
+                <a:alpha val="85000"/>
+              </a:schemeClr>
+            </a:solidFill>
+            <a:ln>
+              <a:noFill/>
+            </a:ln>
+            <a:effectLst/>
+          </p:spPr>
+          <p:style>
+            <a:lnRef idx="1">
+              <a:schemeClr val="accent1"/>
+            </a:lnRef>
+            <a:fillRef idx="3">
+              <a:schemeClr val="accent1"/>
+            </a:fillRef>
+            <a:effectRef idx="2">
+              <a:schemeClr val="accent1"/>
+            </a:effectRef>
+            <a:fontRef idx="minor">
+              <a:schemeClr val="lt1"/>
+            </a:fontRef>
+          </p:style>
+        </p:sp>
+      </p:grpSp>
+      <p:sp>
+        <p:nvSpPr>
+          <p:cNvPr id="2" name="Title 1"/>
           <p:cNvSpPr>
             <a:spLocks noGrp="1"/>
           </p:cNvSpPr>
@@ -142,15 +677,21 @@
         </p:nvSpPr>
         <p:spPr>
           <a:xfrm>
-            <a:off x="1524000" y="1122363"/>
-            <a:ext cx="9144000" cy="2387600"/>
+            <a:off x="1507067" y="2404534"/>
+            <a:ext cx="7766936" cy="1646302"/>
           </a:xfrm>
         </p:spPr>
         <p:txBody>
-          <a:bodyPr anchor="b"/>
+          <a:bodyPr anchor="b">
+            <a:noAutofit/>
+          </a:bodyPr>
           <a:lstStyle>
-            <a:lvl1pPr algn="ctr">
-              <a:defRPr sz="6000"/>
+            <a:lvl1pPr algn="r">
+              <a:defRPr sz="5400">
+                <a:solidFill>
+                  <a:schemeClr val="accent1"/>
+                </a:solidFill>
+              </a:defRPr>
             </a:lvl1pPr>
           </a:lstStyle>
           <a:p>
@@ -158,19 +699,13 @@
               <a:rPr lang="en-US"/>
               <a:t>Click to edit Master title style</a:t>
             </a:r>
-            <a:endParaRPr lang="en-GB"/>
-          </a:p>
-        </p:txBody>
-      </p:sp>
-      <p:sp>
-        <p:nvSpPr>
-          <p:cNvPr id="3" name="Subtitle 2">
-            <a:extLst>
-              <a:ext uri="{FF2B5EF4-FFF2-40B4-BE49-F238E27FC236}">
-                <a16:creationId xmlns:a16="http://schemas.microsoft.com/office/drawing/2014/main" id="{05819B57-5C52-49C6-918D-871E4683BAA0}"/>
-              </a:ext>
-            </a:extLst>
-          </p:cNvPr>
+            <a:endParaRPr lang="en-US" dirty="0"/>
+          </a:p>
+        </p:txBody>
+      </p:sp>
+      <p:sp>
+        <p:nvSpPr>
+          <p:cNvPr id="3" name="Subtitle 2"/>
           <p:cNvSpPr>
             <a:spLocks noGrp="1"/>
           </p:cNvSpPr>
@@ -180,48 +715,103 @@
         </p:nvSpPr>
         <p:spPr>
           <a:xfrm>
-            <a:off x="1524000" y="3602038"/>
-            <a:ext cx="9144000" cy="1655762"/>
+            <a:off x="1507067" y="4050833"/>
+            <a:ext cx="7766936" cy="1096899"/>
           </a:xfrm>
         </p:spPr>
         <p:txBody>
-          <a:bodyPr/>
+          <a:bodyPr anchor="t"/>
           <a:lstStyle>
-            <a:lvl1pPr marL="0" indent="0" algn="ctr">
-              <a:buNone/>
-              <a:defRPr sz="2400"/>
+            <a:lvl1pPr marL="0" indent="0" algn="r">
+              <a:buNone/>
+              <a:defRPr>
+                <a:solidFill>
+                  <a:schemeClr val="tx1">
+                    <a:lumMod val="50000"/>
+                    <a:lumOff val="50000"/>
+                  </a:schemeClr>
+                </a:solidFill>
+              </a:defRPr>
             </a:lvl1pPr>
             <a:lvl2pPr marL="457200" indent="0" algn="ctr">
               <a:buNone/>
-              <a:defRPr sz="2000"/>
+              <a:defRPr>
+                <a:solidFill>
+                  <a:schemeClr val="tx1">
+                    <a:tint val="75000"/>
+                  </a:schemeClr>
+                </a:solidFill>
+              </a:defRPr>
             </a:lvl2pPr>
             <a:lvl3pPr marL="914400" indent="0" algn="ctr">
               <a:buNone/>
-              <a:defRPr sz="1800"/>
+              <a:defRPr>
+                <a:solidFill>
+                  <a:schemeClr val="tx1">
+                    <a:tint val="75000"/>
+                  </a:schemeClr>
+                </a:solidFill>
+              </a:defRPr>
             </a:lvl3pPr>
             <a:lvl4pPr marL="1371600" indent="0" algn="ctr">
               <a:buNone/>
-              <a:defRPr sz="1600"/>
+              <a:defRPr>
+                <a:solidFill>
+                  <a:schemeClr val="tx1">
+                    <a:tint val="75000"/>
+                  </a:schemeClr>
+                </a:solidFill>
+              </a:defRPr>
             </a:lvl4pPr>
             <a:lvl5pPr marL="1828800" indent="0" algn="ctr">
               <a:buNone/>
-              <a:defRPr sz="1600"/>
+              <a:defRPr>
+                <a:solidFill>
+                  <a:schemeClr val="tx1">
+                    <a:tint val="75000"/>
+                  </a:schemeClr>
+                </a:solidFill>
+              </a:defRPr>
             </a:lvl5pPr>
             <a:lvl6pPr marL="2286000" indent="0" algn="ctr">
               <a:buNone/>
-              <a:defRPr sz="1600"/>
+              <a:defRPr>
+                <a:solidFill>
+                  <a:schemeClr val="tx1">
+                    <a:tint val="75000"/>
+                  </a:schemeClr>
+                </a:solidFill>
+              </a:defRPr>
             </a:lvl6pPr>
             <a:lvl7pPr marL="2743200" indent="0" algn="ctr">
               <a:buNone/>
-              <a:defRPr sz="1600"/>
+              <a:defRPr>
+                <a:solidFill>
+                  <a:schemeClr val="tx1">
+                    <a:tint val="75000"/>
+                  </a:schemeClr>
+                </a:solidFill>
+              </a:defRPr>
             </a:lvl7pPr>
             <a:lvl8pPr marL="3200400" indent="0" algn="ctr">
               <a:buNone/>
-              <a:defRPr sz="1600"/>
+              <a:defRPr>
+                <a:solidFill>
+                  <a:schemeClr val="tx1">
+                    <a:tint val="75000"/>
+                  </a:schemeClr>
+                </a:solidFill>
+              </a:defRPr>
             </a:lvl8pPr>
             <a:lvl9pPr marL="3657600" indent="0" algn="ctr">
               <a:buNone/>
-              <a:defRPr sz="1600"/>
+              <a:defRPr>
+                <a:solidFill>
+                  <a:schemeClr val="tx1">
+                    <a:tint val="75000"/>
+                  </a:schemeClr>
+                </a:solidFill>
+              </a:defRPr>
             </a:lvl9pPr>
           </a:lstStyle>
           <a:p>
@@ -229,19 +819,13 @@
               <a:rPr lang="en-US"/>
               <a:t>Click to edit Master subtitle style</a:t>
             </a:r>
-            <a:endParaRPr lang="en-GB"/>
-          </a:p>
-        </p:txBody>
-      </p:sp>
-      <p:sp>
-        <p:nvSpPr>
-          <p:cNvPr id="4" name="Date Placeholder 3">
-            <a:extLst>
-              <a:ext uri="{FF2B5EF4-FFF2-40B4-BE49-F238E27FC236}">
-                <a16:creationId xmlns:a16="http://schemas.microsoft.com/office/drawing/2014/main" id="{D8C0B777-AFA0-429A-95DE-129813BFDD0C}"/>
-              </a:ext>
-            </a:extLst>
-          </p:cNvPr>
+            <a:endParaRPr lang="en-US" dirty="0"/>
+          </a:p>
+        </p:txBody>
+      </p:sp>
+      <p:sp>
+        <p:nvSpPr>
+          <p:cNvPr id="4" name="Date Placeholder 3"/>
           <p:cNvSpPr>
             <a:spLocks noGrp="1"/>
           </p:cNvSpPr>
@@ -256,7 +840,7 @@
           <a:p>
             <a:fld id="{3EE02DEA-DAE7-412D-98C1-743910D649DD}" type="datetimeFigureOut">
               <a:rPr lang="en-GB" smtClean="0"/>
-              <a:t>18/03/2022</a:t>
+              <a:t>23/03/2022</a:t>
             </a:fld>
             <a:endParaRPr lang="en-GB"/>
           </a:p>
@@ -264,13 +848,7 @@
       </p:sp>
       <p:sp>
         <p:nvSpPr>
-          <p:cNvPr id="5" name="Footer Placeholder 4">
-            <a:extLst>
-              <a:ext uri="{FF2B5EF4-FFF2-40B4-BE49-F238E27FC236}">
-                <a16:creationId xmlns:a16="http://schemas.microsoft.com/office/drawing/2014/main" id="{64C7D2C7-87CD-4991-8A23-D6C748E3A687}"/>
-              </a:ext>
-            </a:extLst>
-          </p:cNvPr>
+          <p:cNvPr id="5" name="Footer Placeholder 4"/>
           <p:cNvSpPr>
             <a:spLocks noGrp="1"/>
           </p:cNvSpPr>
@@ -289,13 +867,7 @@
       </p:sp>
       <p:sp>
         <p:nvSpPr>
-          <p:cNvPr id="6" name="Slide Number Placeholder 5">
-            <a:extLst>
-              <a:ext uri="{FF2B5EF4-FFF2-40B4-BE49-F238E27FC236}">
-                <a16:creationId xmlns:a16="http://schemas.microsoft.com/office/drawing/2014/main" id="{B3C02D83-8F16-4C89-A229-EB2C20D25151}"/>
-              </a:ext>
-            </a:extLst>
-          </p:cNvPr>
+          <p:cNvPr id="6" name="Slide Number Placeholder 5"/>
           <p:cNvSpPr>
             <a:spLocks noGrp="1"/>
           </p:cNvSpPr>
@@ -319,7 +891,7 @@
     </p:spTree>
     <p:extLst>
       <p:ext uri="{BB962C8B-B14F-4D97-AF65-F5344CB8AC3E}">
-        <p14:creationId xmlns:p14="http://schemas.microsoft.com/office/powerpoint/2010/main" val="1785014402"/>
+        <p14:creationId xmlns:p14="http://schemas.microsoft.com/office/powerpoint/2010/main" val="306808853"/>
       </p:ext>
     </p:extLst>
   </p:cSld>
@@ -330,6 +902,1619 @@
 </file>
 
 <file path=ppt/slideLayouts/slideLayout10.xml><?xml version="1.0" encoding="utf-8"?>
+<p:sldLayout xmlns:a="http://schemas.openxmlformats.org/drawingml/2006/main" xmlns:r="http://schemas.openxmlformats.org/officeDocument/2006/relationships" xmlns:p="http://schemas.openxmlformats.org/presentationml/2006/main" preserve="1">
+  <p:cSld name="Title and Caption">
+    <p:spTree>
+      <p:nvGrpSpPr>
+        <p:cNvPr id="1" name=""/>
+        <p:cNvGrpSpPr/>
+        <p:nvPr/>
+      </p:nvGrpSpPr>
+      <p:grpSpPr>
+        <a:xfrm>
+          <a:off x="0" y="0"/>
+          <a:ext cx="0" cy="0"/>
+          <a:chOff x="0" y="0"/>
+          <a:chExt cx="0" cy="0"/>
+        </a:xfrm>
+      </p:grpSpPr>
+      <p:sp>
+        <p:nvSpPr>
+          <p:cNvPr id="2" name="Title 1"/>
+          <p:cNvSpPr>
+            <a:spLocks noGrp="1"/>
+          </p:cNvSpPr>
+          <p:nvPr>
+            <p:ph type="title"/>
+          </p:nvPr>
+        </p:nvSpPr>
+        <p:spPr>
+          <a:xfrm>
+            <a:off x="677335" y="609600"/>
+            <a:ext cx="8596668" cy="3403600"/>
+          </a:xfrm>
+        </p:spPr>
+        <p:txBody>
+          <a:bodyPr anchor="ctr">
+            <a:normAutofit/>
+          </a:bodyPr>
+          <a:lstStyle>
+            <a:lvl1pPr algn="l">
+              <a:defRPr sz="4400" b="0" cap="none"/>
+            </a:lvl1pPr>
+          </a:lstStyle>
+          <a:p>
+            <a:r>
+              <a:rPr lang="en-US"/>
+              <a:t>Click to edit Master title style</a:t>
+            </a:r>
+            <a:endParaRPr lang="en-US" dirty="0"/>
+          </a:p>
+        </p:txBody>
+      </p:sp>
+      <p:sp>
+        <p:nvSpPr>
+          <p:cNvPr id="3" name="Text Placeholder 2"/>
+          <p:cNvSpPr>
+            <a:spLocks noGrp="1"/>
+          </p:cNvSpPr>
+          <p:nvPr>
+            <p:ph type="body" idx="1"/>
+          </p:nvPr>
+        </p:nvSpPr>
+        <p:spPr>
+          <a:xfrm>
+            <a:off x="677335" y="4470400"/>
+            <a:ext cx="8596668" cy="1570962"/>
+          </a:xfrm>
+        </p:spPr>
+        <p:txBody>
+          <a:bodyPr anchor="ctr">
+            <a:normAutofit/>
+          </a:bodyPr>
+          <a:lstStyle>
+            <a:lvl1pPr marL="0" indent="0" algn="l">
+              <a:buNone/>
+              <a:defRPr sz="1800">
+                <a:solidFill>
+                  <a:schemeClr val="tx1">
+                    <a:lumMod val="75000"/>
+                    <a:lumOff val="25000"/>
+                  </a:schemeClr>
+                </a:solidFill>
+              </a:defRPr>
+            </a:lvl1pPr>
+            <a:lvl2pPr marL="457200" indent="0">
+              <a:buNone/>
+              <a:defRPr sz="1800">
+                <a:solidFill>
+                  <a:schemeClr val="tx1">
+                    <a:tint val="75000"/>
+                  </a:schemeClr>
+                </a:solidFill>
+              </a:defRPr>
+            </a:lvl2pPr>
+            <a:lvl3pPr marL="914400" indent="0">
+              <a:buNone/>
+              <a:defRPr sz="1600">
+                <a:solidFill>
+                  <a:schemeClr val="tx1">
+                    <a:tint val="75000"/>
+                  </a:schemeClr>
+                </a:solidFill>
+              </a:defRPr>
+            </a:lvl3pPr>
+            <a:lvl4pPr marL="1371600" indent="0">
+              <a:buNone/>
+              <a:defRPr sz="1400">
+                <a:solidFill>
+                  <a:schemeClr val="tx1">
+                    <a:tint val="75000"/>
+                  </a:schemeClr>
+                </a:solidFill>
+              </a:defRPr>
+            </a:lvl4pPr>
+            <a:lvl5pPr marL="1828800" indent="0">
+              <a:buNone/>
+              <a:defRPr sz="1400">
+                <a:solidFill>
+                  <a:schemeClr val="tx1">
+                    <a:tint val="75000"/>
+                  </a:schemeClr>
+                </a:solidFill>
+              </a:defRPr>
+            </a:lvl5pPr>
+            <a:lvl6pPr marL="2286000" indent="0">
+              <a:buNone/>
+              <a:defRPr sz="1400">
+                <a:solidFill>
+                  <a:schemeClr val="tx1">
+                    <a:tint val="75000"/>
+                  </a:schemeClr>
+                </a:solidFill>
+              </a:defRPr>
+            </a:lvl6pPr>
+            <a:lvl7pPr marL="2743200" indent="0">
+              <a:buNone/>
+              <a:defRPr sz="1400">
+                <a:solidFill>
+                  <a:schemeClr val="tx1">
+                    <a:tint val="75000"/>
+                  </a:schemeClr>
+                </a:solidFill>
+              </a:defRPr>
+            </a:lvl7pPr>
+            <a:lvl8pPr marL="3200400" indent="0">
+              <a:buNone/>
+              <a:defRPr sz="1400">
+                <a:solidFill>
+                  <a:schemeClr val="tx1">
+                    <a:tint val="75000"/>
+                  </a:schemeClr>
+                </a:solidFill>
+              </a:defRPr>
+            </a:lvl8pPr>
+            <a:lvl9pPr marL="3657600" indent="0">
+              <a:buNone/>
+              <a:defRPr sz="1400">
+                <a:solidFill>
+                  <a:schemeClr val="tx1">
+                    <a:tint val="75000"/>
+                  </a:schemeClr>
+                </a:solidFill>
+              </a:defRPr>
+            </a:lvl9pPr>
+          </a:lstStyle>
+          <a:p>
+            <a:pPr lvl="0"/>
+            <a:r>
+              <a:rPr lang="en-US"/>
+              <a:t>Click to edit Master text styles</a:t>
+            </a:r>
+          </a:p>
+        </p:txBody>
+      </p:sp>
+      <p:sp>
+        <p:nvSpPr>
+          <p:cNvPr id="4" name="Date Placeholder 3"/>
+          <p:cNvSpPr>
+            <a:spLocks noGrp="1"/>
+          </p:cNvSpPr>
+          <p:nvPr>
+            <p:ph type="dt" sz="half" idx="10"/>
+          </p:nvPr>
+        </p:nvSpPr>
+        <p:spPr/>
+        <p:txBody>
+          <a:bodyPr/>
+          <a:lstStyle/>
+          <a:p>
+            <a:fld id="{3EE02DEA-DAE7-412D-98C1-743910D649DD}" type="datetimeFigureOut">
+              <a:rPr lang="en-GB" smtClean="0"/>
+              <a:t>23/03/2022</a:t>
+            </a:fld>
+            <a:endParaRPr lang="en-GB"/>
+          </a:p>
+        </p:txBody>
+      </p:sp>
+      <p:sp>
+        <p:nvSpPr>
+          <p:cNvPr id="5" name="Footer Placeholder 4"/>
+          <p:cNvSpPr>
+            <a:spLocks noGrp="1"/>
+          </p:cNvSpPr>
+          <p:nvPr>
+            <p:ph type="ftr" sz="quarter" idx="11"/>
+          </p:nvPr>
+        </p:nvSpPr>
+        <p:spPr/>
+        <p:txBody>
+          <a:bodyPr/>
+          <a:lstStyle/>
+          <a:p>
+            <a:endParaRPr lang="en-GB"/>
+          </a:p>
+        </p:txBody>
+      </p:sp>
+      <p:sp>
+        <p:nvSpPr>
+          <p:cNvPr id="6" name="Slide Number Placeholder 5"/>
+          <p:cNvSpPr>
+            <a:spLocks noGrp="1"/>
+          </p:cNvSpPr>
+          <p:nvPr>
+            <p:ph type="sldNum" sz="quarter" idx="12"/>
+          </p:nvPr>
+        </p:nvSpPr>
+        <p:spPr/>
+        <p:txBody>
+          <a:bodyPr/>
+          <a:lstStyle/>
+          <a:p>
+            <a:fld id="{83BCB99F-473C-4401-8F91-6629E74B487C}" type="slidenum">
+              <a:rPr lang="en-GB" smtClean="0"/>
+              <a:t>‹#›</a:t>
+            </a:fld>
+            <a:endParaRPr lang="en-GB"/>
+          </a:p>
+        </p:txBody>
+      </p:sp>
+    </p:spTree>
+    <p:extLst>
+      <p:ext uri="{BB962C8B-B14F-4D97-AF65-F5344CB8AC3E}">
+        <p14:creationId xmlns:p14="http://schemas.microsoft.com/office/powerpoint/2010/main" val="3943169828"/>
+      </p:ext>
+    </p:extLst>
+  </p:cSld>
+  <p:clrMapOvr>
+    <a:masterClrMapping/>
+  </p:clrMapOvr>
+</p:sldLayout>
+</file>
+
+<file path=ppt/slideLayouts/slideLayout11.xml><?xml version="1.0" encoding="utf-8"?>
+<p:sldLayout xmlns:a="http://schemas.openxmlformats.org/drawingml/2006/main" xmlns:r="http://schemas.openxmlformats.org/officeDocument/2006/relationships" xmlns:p="http://schemas.openxmlformats.org/presentationml/2006/main" preserve="1">
+  <p:cSld name="Quote with Caption">
+    <p:spTree>
+      <p:nvGrpSpPr>
+        <p:cNvPr id="1" name=""/>
+        <p:cNvGrpSpPr/>
+        <p:nvPr/>
+      </p:nvGrpSpPr>
+      <p:grpSpPr>
+        <a:xfrm>
+          <a:off x="0" y="0"/>
+          <a:ext cx="0" cy="0"/>
+          <a:chOff x="0" y="0"/>
+          <a:chExt cx="0" cy="0"/>
+        </a:xfrm>
+      </p:grpSpPr>
+      <p:sp>
+        <p:nvSpPr>
+          <p:cNvPr id="2" name="Title 1"/>
+          <p:cNvSpPr>
+            <a:spLocks noGrp="1"/>
+          </p:cNvSpPr>
+          <p:nvPr>
+            <p:ph type="title"/>
+          </p:nvPr>
+        </p:nvSpPr>
+        <p:spPr>
+          <a:xfrm>
+            <a:off x="931334" y="609600"/>
+            <a:ext cx="8094134" cy="3022600"/>
+          </a:xfrm>
+        </p:spPr>
+        <p:txBody>
+          <a:bodyPr anchor="ctr">
+            <a:normAutofit/>
+          </a:bodyPr>
+          <a:lstStyle>
+            <a:lvl1pPr algn="l">
+              <a:defRPr sz="4400" b="0" cap="none"/>
+            </a:lvl1pPr>
+          </a:lstStyle>
+          <a:p>
+            <a:r>
+              <a:rPr lang="en-US"/>
+              <a:t>Click to edit Master title style</a:t>
+            </a:r>
+            <a:endParaRPr lang="en-US" dirty="0"/>
+          </a:p>
+        </p:txBody>
+      </p:sp>
+      <p:sp>
+        <p:nvSpPr>
+          <p:cNvPr id="23" name="Text Placeholder 9"/>
+          <p:cNvSpPr>
+            <a:spLocks noGrp="1"/>
+          </p:cNvSpPr>
+          <p:nvPr>
+            <p:ph type="body" sz="quarter" idx="13"/>
+          </p:nvPr>
+        </p:nvSpPr>
+        <p:spPr>
+          <a:xfrm>
+            <a:off x="1366139" y="3632200"/>
+            <a:ext cx="7224524" cy="381000"/>
+          </a:xfrm>
+        </p:spPr>
+        <p:txBody>
+          <a:bodyPr anchor="ctr">
+            <a:noAutofit/>
+          </a:bodyPr>
+          <a:lstStyle>
+            <a:lvl1pPr marL="0" indent="0">
+              <a:buFontTx/>
+              <a:buNone/>
+              <a:defRPr sz="1600">
+                <a:solidFill>
+                  <a:schemeClr val="tx1">
+                    <a:lumMod val="50000"/>
+                    <a:lumOff val="50000"/>
+                  </a:schemeClr>
+                </a:solidFill>
+              </a:defRPr>
+            </a:lvl1pPr>
+            <a:lvl2pPr marL="457200" indent="0">
+              <a:buFontTx/>
+              <a:buNone/>
+              <a:defRPr/>
+            </a:lvl2pPr>
+            <a:lvl3pPr marL="914400" indent="0">
+              <a:buFontTx/>
+              <a:buNone/>
+              <a:defRPr/>
+            </a:lvl3pPr>
+            <a:lvl4pPr marL="1371600" indent="0">
+              <a:buFontTx/>
+              <a:buNone/>
+              <a:defRPr/>
+            </a:lvl4pPr>
+            <a:lvl5pPr marL="1828800" indent="0">
+              <a:buFontTx/>
+              <a:buNone/>
+              <a:defRPr/>
+            </a:lvl5pPr>
+          </a:lstStyle>
+          <a:p>
+            <a:pPr lvl="0"/>
+            <a:r>
+              <a:rPr lang="en-US"/>
+              <a:t>Click to edit Master text styles</a:t>
+            </a:r>
+          </a:p>
+        </p:txBody>
+      </p:sp>
+      <p:sp>
+        <p:nvSpPr>
+          <p:cNvPr id="3" name="Text Placeholder 2"/>
+          <p:cNvSpPr>
+            <a:spLocks noGrp="1"/>
+          </p:cNvSpPr>
+          <p:nvPr>
+            <p:ph type="body" idx="1"/>
+          </p:nvPr>
+        </p:nvSpPr>
+        <p:spPr>
+          <a:xfrm>
+            <a:off x="677335" y="4470400"/>
+            <a:ext cx="8596668" cy="1570962"/>
+          </a:xfrm>
+        </p:spPr>
+        <p:txBody>
+          <a:bodyPr anchor="ctr">
+            <a:normAutofit/>
+          </a:bodyPr>
+          <a:lstStyle>
+            <a:lvl1pPr marL="0" indent="0" algn="l">
+              <a:buNone/>
+              <a:defRPr sz="1800">
+                <a:solidFill>
+                  <a:schemeClr val="tx1">
+                    <a:lumMod val="75000"/>
+                    <a:lumOff val="25000"/>
+                  </a:schemeClr>
+                </a:solidFill>
+              </a:defRPr>
+            </a:lvl1pPr>
+            <a:lvl2pPr marL="457200" indent="0">
+              <a:buNone/>
+              <a:defRPr sz="1800">
+                <a:solidFill>
+                  <a:schemeClr val="tx1">
+                    <a:tint val="75000"/>
+                  </a:schemeClr>
+                </a:solidFill>
+              </a:defRPr>
+            </a:lvl2pPr>
+            <a:lvl3pPr marL="914400" indent="0">
+              <a:buNone/>
+              <a:defRPr sz="1600">
+                <a:solidFill>
+                  <a:schemeClr val="tx1">
+                    <a:tint val="75000"/>
+                  </a:schemeClr>
+                </a:solidFill>
+              </a:defRPr>
+            </a:lvl3pPr>
+            <a:lvl4pPr marL="1371600" indent="0">
+              <a:buNone/>
+              <a:defRPr sz="1400">
+                <a:solidFill>
+                  <a:schemeClr val="tx1">
+                    <a:tint val="75000"/>
+                  </a:schemeClr>
+                </a:solidFill>
+              </a:defRPr>
+            </a:lvl4pPr>
+            <a:lvl5pPr marL="1828800" indent="0">
+              <a:buNone/>
+              <a:defRPr sz="1400">
+                <a:solidFill>
+                  <a:schemeClr val="tx1">
+                    <a:tint val="75000"/>
+                  </a:schemeClr>
+                </a:solidFill>
+              </a:defRPr>
+            </a:lvl5pPr>
+            <a:lvl6pPr marL="2286000" indent="0">
+              <a:buNone/>
+              <a:defRPr sz="1400">
+                <a:solidFill>
+                  <a:schemeClr val="tx1">
+                    <a:tint val="75000"/>
+                  </a:schemeClr>
+                </a:solidFill>
+              </a:defRPr>
+            </a:lvl6pPr>
+            <a:lvl7pPr marL="2743200" indent="0">
+              <a:buNone/>
+              <a:defRPr sz="1400">
+                <a:solidFill>
+                  <a:schemeClr val="tx1">
+                    <a:tint val="75000"/>
+                  </a:schemeClr>
+                </a:solidFill>
+              </a:defRPr>
+            </a:lvl7pPr>
+            <a:lvl8pPr marL="3200400" indent="0">
+              <a:buNone/>
+              <a:defRPr sz="1400">
+                <a:solidFill>
+                  <a:schemeClr val="tx1">
+                    <a:tint val="75000"/>
+                  </a:schemeClr>
+                </a:solidFill>
+              </a:defRPr>
+            </a:lvl8pPr>
+            <a:lvl9pPr marL="3657600" indent="0">
+              <a:buNone/>
+              <a:defRPr sz="1400">
+                <a:solidFill>
+                  <a:schemeClr val="tx1">
+                    <a:tint val="75000"/>
+                  </a:schemeClr>
+                </a:solidFill>
+              </a:defRPr>
+            </a:lvl9pPr>
+          </a:lstStyle>
+          <a:p>
+            <a:pPr lvl="0"/>
+            <a:r>
+              <a:rPr lang="en-US"/>
+              <a:t>Click to edit Master text styles</a:t>
+            </a:r>
+          </a:p>
+        </p:txBody>
+      </p:sp>
+      <p:sp>
+        <p:nvSpPr>
+          <p:cNvPr id="4" name="Date Placeholder 3"/>
+          <p:cNvSpPr>
+            <a:spLocks noGrp="1"/>
+          </p:cNvSpPr>
+          <p:nvPr>
+            <p:ph type="dt" sz="half" idx="10"/>
+          </p:nvPr>
+        </p:nvSpPr>
+        <p:spPr/>
+        <p:txBody>
+          <a:bodyPr/>
+          <a:lstStyle/>
+          <a:p>
+            <a:fld id="{3EE02DEA-DAE7-412D-98C1-743910D649DD}" type="datetimeFigureOut">
+              <a:rPr lang="en-GB" smtClean="0"/>
+              <a:t>23/03/2022</a:t>
+            </a:fld>
+            <a:endParaRPr lang="en-GB"/>
+          </a:p>
+        </p:txBody>
+      </p:sp>
+      <p:sp>
+        <p:nvSpPr>
+          <p:cNvPr id="5" name="Footer Placeholder 4"/>
+          <p:cNvSpPr>
+            <a:spLocks noGrp="1"/>
+          </p:cNvSpPr>
+          <p:nvPr>
+            <p:ph type="ftr" sz="quarter" idx="11"/>
+          </p:nvPr>
+        </p:nvSpPr>
+        <p:spPr/>
+        <p:txBody>
+          <a:bodyPr/>
+          <a:lstStyle/>
+          <a:p>
+            <a:endParaRPr lang="en-GB"/>
+          </a:p>
+        </p:txBody>
+      </p:sp>
+      <p:sp>
+        <p:nvSpPr>
+          <p:cNvPr id="6" name="Slide Number Placeholder 5"/>
+          <p:cNvSpPr>
+            <a:spLocks noGrp="1"/>
+          </p:cNvSpPr>
+          <p:nvPr>
+            <p:ph type="sldNum" sz="quarter" idx="12"/>
+          </p:nvPr>
+        </p:nvSpPr>
+        <p:spPr/>
+        <p:txBody>
+          <a:bodyPr/>
+          <a:lstStyle/>
+          <a:p>
+            <a:fld id="{83BCB99F-473C-4401-8F91-6629E74B487C}" type="slidenum">
+              <a:rPr lang="en-GB" smtClean="0"/>
+              <a:t>‹#›</a:t>
+            </a:fld>
+            <a:endParaRPr lang="en-GB"/>
+          </a:p>
+        </p:txBody>
+      </p:sp>
+      <p:sp>
+        <p:nvSpPr>
+          <p:cNvPr id="20" name="TextBox 19"/>
+          <p:cNvSpPr txBox="1"/>
+          <p:nvPr/>
+        </p:nvSpPr>
+        <p:spPr>
+          <a:xfrm>
+            <a:off x="541870" y="790378"/>
+            <a:ext cx="609600" cy="584776"/>
+          </a:xfrm>
+          <a:prstGeom prst="rect">
+            <a:avLst/>
+          </a:prstGeom>
+        </p:spPr>
+        <p:txBody>
+          <a:bodyPr vert="horz" lIns="91440" tIns="45720" rIns="91440" bIns="45720" rtlCol="0" anchor="ctr">
+            <a:noAutofit/>
+          </a:bodyPr>
+          <a:lstStyle/>
+          <a:p>
+            <a:pPr lvl="0"/>
+            <a:r>
+              <a:rPr lang="en-US" sz="8000" baseline="0" dirty="0">
+                <a:ln w="3175" cmpd="sng">
+                  <a:noFill/>
+                </a:ln>
+                <a:solidFill>
+                  <a:schemeClr val="accent1">
+                    <a:lumMod val="60000"/>
+                    <a:lumOff val="40000"/>
+                  </a:schemeClr>
+                </a:solidFill>
+                <a:effectLst/>
+                <a:latin typeface="Arial"/>
+              </a:rPr>
+              <a:t>“</a:t>
+            </a:r>
+          </a:p>
+        </p:txBody>
+      </p:sp>
+      <p:sp>
+        <p:nvSpPr>
+          <p:cNvPr id="22" name="TextBox 21"/>
+          <p:cNvSpPr txBox="1"/>
+          <p:nvPr/>
+        </p:nvSpPr>
+        <p:spPr>
+          <a:xfrm>
+            <a:off x="8893011" y="2886556"/>
+            <a:ext cx="609600" cy="584776"/>
+          </a:xfrm>
+          <a:prstGeom prst="rect">
+            <a:avLst/>
+          </a:prstGeom>
+        </p:spPr>
+        <p:txBody>
+          <a:bodyPr vert="horz" lIns="91440" tIns="45720" rIns="91440" bIns="45720" rtlCol="0" anchor="ctr">
+            <a:noAutofit/>
+          </a:bodyPr>
+          <a:lstStyle/>
+          <a:p>
+            <a:pPr lvl="0"/>
+            <a:r>
+              <a:rPr lang="en-US" sz="8000" baseline="0" dirty="0">
+                <a:ln w="3175" cmpd="sng">
+                  <a:noFill/>
+                </a:ln>
+                <a:solidFill>
+                  <a:schemeClr val="accent1">
+                    <a:lumMod val="60000"/>
+                    <a:lumOff val="40000"/>
+                  </a:schemeClr>
+                </a:solidFill>
+                <a:latin typeface="Arial"/>
+              </a:rPr>
+              <a:t>”</a:t>
+            </a:r>
+            <a:endParaRPr lang="en-US" dirty="0">
+              <a:solidFill>
+                <a:schemeClr val="accent1">
+                  <a:lumMod val="60000"/>
+                  <a:lumOff val="40000"/>
+                </a:schemeClr>
+              </a:solidFill>
+              <a:latin typeface="Arial"/>
+            </a:endParaRPr>
+          </a:p>
+        </p:txBody>
+      </p:sp>
+    </p:spTree>
+    <p:extLst>
+      <p:ext uri="{BB962C8B-B14F-4D97-AF65-F5344CB8AC3E}">
+        <p14:creationId xmlns:p14="http://schemas.microsoft.com/office/powerpoint/2010/main" val="422663569"/>
+      </p:ext>
+    </p:extLst>
+  </p:cSld>
+  <p:clrMapOvr>
+    <a:masterClrMapping/>
+  </p:clrMapOvr>
+</p:sldLayout>
+</file>
+
+<file path=ppt/slideLayouts/slideLayout12.xml><?xml version="1.0" encoding="utf-8"?>
+<p:sldLayout xmlns:a="http://schemas.openxmlformats.org/drawingml/2006/main" xmlns:r="http://schemas.openxmlformats.org/officeDocument/2006/relationships" xmlns:p="http://schemas.openxmlformats.org/presentationml/2006/main" preserve="1">
+  <p:cSld name="Name Card">
+    <p:spTree>
+      <p:nvGrpSpPr>
+        <p:cNvPr id="1" name=""/>
+        <p:cNvGrpSpPr/>
+        <p:nvPr/>
+      </p:nvGrpSpPr>
+      <p:grpSpPr>
+        <a:xfrm>
+          <a:off x="0" y="0"/>
+          <a:ext cx="0" cy="0"/>
+          <a:chOff x="0" y="0"/>
+          <a:chExt cx="0" cy="0"/>
+        </a:xfrm>
+      </p:grpSpPr>
+      <p:sp>
+        <p:nvSpPr>
+          <p:cNvPr id="2" name="Title 1"/>
+          <p:cNvSpPr>
+            <a:spLocks noGrp="1"/>
+          </p:cNvSpPr>
+          <p:nvPr>
+            <p:ph type="title"/>
+          </p:nvPr>
+        </p:nvSpPr>
+        <p:spPr>
+          <a:xfrm>
+            <a:off x="677335" y="1931988"/>
+            <a:ext cx="8596668" cy="2595460"/>
+          </a:xfrm>
+        </p:spPr>
+        <p:txBody>
+          <a:bodyPr anchor="b">
+            <a:normAutofit/>
+          </a:bodyPr>
+          <a:lstStyle>
+            <a:lvl1pPr algn="l">
+              <a:defRPr sz="4400" b="0" cap="none"/>
+            </a:lvl1pPr>
+          </a:lstStyle>
+          <a:p>
+            <a:r>
+              <a:rPr lang="en-US"/>
+              <a:t>Click to edit Master title style</a:t>
+            </a:r>
+            <a:endParaRPr lang="en-US" dirty="0"/>
+          </a:p>
+        </p:txBody>
+      </p:sp>
+      <p:sp>
+        <p:nvSpPr>
+          <p:cNvPr id="3" name="Text Placeholder 2"/>
+          <p:cNvSpPr>
+            <a:spLocks noGrp="1"/>
+          </p:cNvSpPr>
+          <p:nvPr>
+            <p:ph type="body" idx="1"/>
+          </p:nvPr>
+        </p:nvSpPr>
+        <p:spPr>
+          <a:xfrm>
+            <a:off x="677335" y="4527448"/>
+            <a:ext cx="8596668" cy="1513914"/>
+          </a:xfrm>
+        </p:spPr>
+        <p:txBody>
+          <a:bodyPr anchor="t">
+            <a:normAutofit/>
+          </a:bodyPr>
+          <a:lstStyle>
+            <a:lvl1pPr marL="0" indent="0" algn="l">
+              <a:buNone/>
+              <a:defRPr sz="1800">
+                <a:solidFill>
+                  <a:schemeClr val="tx1">
+                    <a:lumMod val="75000"/>
+                    <a:lumOff val="25000"/>
+                  </a:schemeClr>
+                </a:solidFill>
+              </a:defRPr>
+            </a:lvl1pPr>
+            <a:lvl2pPr marL="457200" indent="0">
+              <a:buNone/>
+              <a:defRPr sz="1800">
+                <a:solidFill>
+                  <a:schemeClr val="tx1">
+                    <a:tint val="75000"/>
+                  </a:schemeClr>
+                </a:solidFill>
+              </a:defRPr>
+            </a:lvl2pPr>
+            <a:lvl3pPr marL="914400" indent="0">
+              <a:buNone/>
+              <a:defRPr sz="1600">
+                <a:solidFill>
+                  <a:schemeClr val="tx1">
+                    <a:tint val="75000"/>
+                  </a:schemeClr>
+                </a:solidFill>
+              </a:defRPr>
+            </a:lvl3pPr>
+            <a:lvl4pPr marL="1371600" indent="0">
+              <a:buNone/>
+              <a:defRPr sz="1400">
+                <a:solidFill>
+                  <a:schemeClr val="tx1">
+                    <a:tint val="75000"/>
+                  </a:schemeClr>
+                </a:solidFill>
+              </a:defRPr>
+            </a:lvl4pPr>
+            <a:lvl5pPr marL="1828800" indent="0">
+              <a:buNone/>
+              <a:defRPr sz="1400">
+                <a:solidFill>
+                  <a:schemeClr val="tx1">
+                    <a:tint val="75000"/>
+                  </a:schemeClr>
+                </a:solidFill>
+              </a:defRPr>
+            </a:lvl5pPr>
+            <a:lvl6pPr marL="2286000" indent="0">
+              <a:buNone/>
+              <a:defRPr sz="1400">
+                <a:solidFill>
+                  <a:schemeClr val="tx1">
+                    <a:tint val="75000"/>
+                  </a:schemeClr>
+                </a:solidFill>
+              </a:defRPr>
+            </a:lvl6pPr>
+            <a:lvl7pPr marL="2743200" indent="0">
+              <a:buNone/>
+              <a:defRPr sz="1400">
+                <a:solidFill>
+                  <a:schemeClr val="tx1">
+                    <a:tint val="75000"/>
+                  </a:schemeClr>
+                </a:solidFill>
+              </a:defRPr>
+            </a:lvl7pPr>
+            <a:lvl8pPr marL="3200400" indent="0">
+              <a:buNone/>
+              <a:defRPr sz="1400">
+                <a:solidFill>
+                  <a:schemeClr val="tx1">
+                    <a:tint val="75000"/>
+                  </a:schemeClr>
+                </a:solidFill>
+              </a:defRPr>
+            </a:lvl8pPr>
+            <a:lvl9pPr marL="3657600" indent="0">
+              <a:buNone/>
+              <a:defRPr sz="1400">
+                <a:solidFill>
+                  <a:schemeClr val="tx1">
+                    <a:tint val="75000"/>
+                  </a:schemeClr>
+                </a:solidFill>
+              </a:defRPr>
+            </a:lvl9pPr>
+          </a:lstStyle>
+          <a:p>
+            <a:pPr lvl="0"/>
+            <a:r>
+              <a:rPr lang="en-US"/>
+              <a:t>Click to edit Master text styles</a:t>
+            </a:r>
+          </a:p>
+        </p:txBody>
+      </p:sp>
+      <p:sp>
+        <p:nvSpPr>
+          <p:cNvPr id="4" name="Date Placeholder 3"/>
+          <p:cNvSpPr>
+            <a:spLocks noGrp="1"/>
+          </p:cNvSpPr>
+          <p:nvPr>
+            <p:ph type="dt" sz="half" idx="10"/>
+          </p:nvPr>
+        </p:nvSpPr>
+        <p:spPr/>
+        <p:txBody>
+          <a:bodyPr/>
+          <a:lstStyle/>
+          <a:p>
+            <a:fld id="{3EE02DEA-DAE7-412D-98C1-743910D649DD}" type="datetimeFigureOut">
+              <a:rPr lang="en-GB" smtClean="0"/>
+              <a:t>23/03/2022</a:t>
+            </a:fld>
+            <a:endParaRPr lang="en-GB"/>
+          </a:p>
+        </p:txBody>
+      </p:sp>
+      <p:sp>
+        <p:nvSpPr>
+          <p:cNvPr id="5" name="Footer Placeholder 4"/>
+          <p:cNvSpPr>
+            <a:spLocks noGrp="1"/>
+          </p:cNvSpPr>
+          <p:nvPr>
+            <p:ph type="ftr" sz="quarter" idx="11"/>
+          </p:nvPr>
+        </p:nvSpPr>
+        <p:spPr/>
+        <p:txBody>
+          <a:bodyPr/>
+          <a:lstStyle/>
+          <a:p>
+            <a:endParaRPr lang="en-GB"/>
+          </a:p>
+        </p:txBody>
+      </p:sp>
+      <p:sp>
+        <p:nvSpPr>
+          <p:cNvPr id="6" name="Slide Number Placeholder 5"/>
+          <p:cNvSpPr>
+            <a:spLocks noGrp="1"/>
+          </p:cNvSpPr>
+          <p:nvPr>
+            <p:ph type="sldNum" sz="quarter" idx="12"/>
+          </p:nvPr>
+        </p:nvSpPr>
+        <p:spPr/>
+        <p:txBody>
+          <a:bodyPr/>
+          <a:lstStyle/>
+          <a:p>
+            <a:fld id="{83BCB99F-473C-4401-8F91-6629E74B487C}" type="slidenum">
+              <a:rPr lang="en-GB" smtClean="0"/>
+              <a:t>‹#›</a:t>
+            </a:fld>
+            <a:endParaRPr lang="en-GB"/>
+          </a:p>
+        </p:txBody>
+      </p:sp>
+    </p:spTree>
+    <p:extLst>
+      <p:ext uri="{BB962C8B-B14F-4D97-AF65-F5344CB8AC3E}">
+        <p14:creationId xmlns:p14="http://schemas.microsoft.com/office/powerpoint/2010/main" val="3150411219"/>
+      </p:ext>
+    </p:extLst>
+  </p:cSld>
+  <p:clrMapOvr>
+    <a:masterClrMapping/>
+  </p:clrMapOvr>
+</p:sldLayout>
+</file>
+
+<file path=ppt/slideLayouts/slideLayout13.xml><?xml version="1.0" encoding="utf-8"?>
+<p:sldLayout xmlns:a="http://schemas.openxmlformats.org/drawingml/2006/main" xmlns:r="http://schemas.openxmlformats.org/officeDocument/2006/relationships" xmlns:p="http://schemas.openxmlformats.org/presentationml/2006/main" preserve="1">
+  <p:cSld name="Quote Name Card">
+    <p:spTree>
+      <p:nvGrpSpPr>
+        <p:cNvPr id="1" name=""/>
+        <p:cNvGrpSpPr/>
+        <p:nvPr/>
+      </p:nvGrpSpPr>
+      <p:grpSpPr>
+        <a:xfrm>
+          <a:off x="0" y="0"/>
+          <a:ext cx="0" cy="0"/>
+          <a:chOff x="0" y="0"/>
+          <a:chExt cx="0" cy="0"/>
+        </a:xfrm>
+      </p:grpSpPr>
+      <p:sp>
+        <p:nvSpPr>
+          <p:cNvPr id="2" name="Title 1"/>
+          <p:cNvSpPr>
+            <a:spLocks noGrp="1"/>
+          </p:cNvSpPr>
+          <p:nvPr>
+            <p:ph type="title"/>
+          </p:nvPr>
+        </p:nvSpPr>
+        <p:spPr>
+          <a:xfrm>
+            <a:off x="931334" y="609600"/>
+            <a:ext cx="8094134" cy="3022600"/>
+          </a:xfrm>
+        </p:spPr>
+        <p:txBody>
+          <a:bodyPr anchor="ctr">
+            <a:normAutofit/>
+          </a:bodyPr>
+          <a:lstStyle>
+            <a:lvl1pPr algn="l">
+              <a:defRPr sz="4400" b="0" cap="none"/>
+            </a:lvl1pPr>
+          </a:lstStyle>
+          <a:p>
+            <a:r>
+              <a:rPr lang="en-US"/>
+              <a:t>Click to edit Master title style</a:t>
+            </a:r>
+            <a:endParaRPr lang="en-US" dirty="0"/>
+          </a:p>
+        </p:txBody>
+      </p:sp>
+      <p:sp>
+        <p:nvSpPr>
+          <p:cNvPr id="23" name="Text Placeholder 9"/>
+          <p:cNvSpPr>
+            <a:spLocks noGrp="1"/>
+          </p:cNvSpPr>
+          <p:nvPr>
+            <p:ph type="body" sz="quarter" idx="13"/>
+          </p:nvPr>
+        </p:nvSpPr>
+        <p:spPr>
+          <a:xfrm>
+            <a:off x="677332" y="4013200"/>
+            <a:ext cx="8596669" cy="514248"/>
+          </a:xfrm>
+        </p:spPr>
+        <p:txBody>
+          <a:bodyPr anchor="b">
+            <a:noAutofit/>
+          </a:bodyPr>
+          <a:lstStyle>
+            <a:lvl1pPr marL="0" indent="0">
+              <a:buFontTx/>
+              <a:buNone/>
+              <a:defRPr sz="2400">
+                <a:solidFill>
+                  <a:schemeClr val="tx1">
+                    <a:lumMod val="75000"/>
+                    <a:lumOff val="25000"/>
+                  </a:schemeClr>
+                </a:solidFill>
+              </a:defRPr>
+            </a:lvl1pPr>
+            <a:lvl2pPr marL="457200" indent="0">
+              <a:buFontTx/>
+              <a:buNone/>
+              <a:defRPr/>
+            </a:lvl2pPr>
+            <a:lvl3pPr marL="914400" indent="0">
+              <a:buFontTx/>
+              <a:buNone/>
+              <a:defRPr/>
+            </a:lvl3pPr>
+            <a:lvl4pPr marL="1371600" indent="0">
+              <a:buFontTx/>
+              <a:buNone/>
+              <a:defRPr/>
+            </a:lvl4pPr>
+            <a:lvl5pPr marL="1828800" indent="0">
+              <a:buFontTx/>
+              <a:buNone/>
+              <a:defRPr/>
+            </a:lvl5pPr>
+          </a:lstStyle>
+          <a:p>
+            <a:pPr lvl="0"/>
+            <a:r>
+              <a:rPr lang="en-US"/>
+              <a:t>Click to edit Master text styles</a:t>
+            </a:r>
+          </a:p>
+        </p:txBody>
+      </p:sp>
+      <p:sp>
+        <p:nvSpPr>
+          <p:cNvPr id="3" name="Text Placeholder 2"/>
+          <p:cNvSpPr>
+            <a:spLocks noGrp="1"/>
+          </p:cNvSpPr>
+          <p:nvPr>
+            <p:ph type="body" idx="1"/>
+          </p:nvPr>
+        </p:nvSpPr>
+        <p:spPr>
+          <a:xfrm>
+            <a:off x="677335" y="4527448"/>
+            <a:ext cx="8596668" cy="1513914"/>
+          </a:xfrm>
+        </p:spPr>
+        <p:txBody>
+          <a:bodyPr anchor="t">
+            <a:normAutofit/>
+          </a:bodyPr>
+          <a:lstStyle>
+            <a:lvl1pPr marL="0" indent="0" algn="l">
+              <a:buNone/>
+              <a:defRPr sz="1800">
+                <a:solidFill>
+                  <a:schemeClr val="tx1">
+                    <a:lumMod val="50000"/>
+                    <a:lumOff val="50000"/>
+                  </a:schemeClr>
+                </a:solidFill>
+              </a:defRPr>
+            </a:lvl1pPr>
+            <a:lvl2pPr marL="457200" indent="0">
+              <a:buNone/>
+              <a:defRPr sz="1800">
+                <a:solidFill>
+                  <a:schemeClr val="tx1">
+                    <a:tint val="75000"/>
+                  </a:schemeClr>
+                </a:solidFill>
+              </a:defRPr>
+            </a:lvl2pPr>
+            <a:lvl3pPr marL="914400" indent="0">
+              <a:buNone/>
+              <a:defRPr sz="1600">
+                <a:solidFill>
+                  <a:schemeClr val="tx1">
+                    <a:tint val="75000"/>
+                  </a:schemeClr>
+                </a:solidFill>
+              </a:defRPr>
+            </a:lvl3pPr>
+            <a:lvl4pPr marL="1371600" indent="0">
+              <a:buNone/>
+              <a:defRPr sz="1400">
+                <a:solidFill>
+                  <a:schemeClr val="tx1">
+                    <a:tint val="75000"/>
+                  </a:schemeClr>
+                </a:solidFill>
+              </a:defRPr>
+            </a:lvl4pPr>
+            <a:lvl5pPr marL="1828800" indent="0">
+              <a:buNone/>
+              <a:defRPr sz="1400">
+                <a:solidFill>
+                  <a:schemeClr val="tx1">
+                    <a:tint val="75000"/>
+                  </a:schemeClr>
+                </a:solidFill>
+              </a:defRPr>
+            </a:lvl5pPr>
+            <a:lvl6pPr marL="2286000" indent="0">
+              <a:buNone/>
+              <a:defRPr sz="1400">
+                <a:solidFill>
+                  <a:schemeClr val="tx1">
+                    <a:tint val="75000"/>
+                  </a:schemeClr>
+                </a:solidFill>
+              </a:defRPr>
+            </a:lvl6pPr>
+            <a:lvl7pPr marL="2743200" indent="0">
+              <a:buNone/>
+              <a:defRPr sz="1400">
+                <a:solidFill>
+                  <a:schemeClr val="tx1">
+                    <a:tint val="75000"/>
+                  </a:schemeClr>
+                </a:solidFill>
+              </a:defRPr>
+            </a:lvl7pPr>
+            <a:lvl8pPr marL="3200400" indent="0">
+              <a:buNone/>
+              <a:defRPr sz="1400">
+                <a:solidFill>
+                  <a:schemeClr val="tx1">
+                    <a:tint val="75000"/>
+                  </a:schemeClr>
+                </a:solidFill>
+              </a:defRPr>
+            </a:lvl8pPr>
+            <a:lvl9pPr marL="3657600" indent="0">
+              <a:buNone/>
+              <a:defRPr sz="1400">
+                <a:solidFill>
+                  <a:schemeClr val="tx1">
+                    <a:tint val="75000"/>
+                  </a:schemeClr>
+                </a:solidFill>
+              </a:defRPr>
+            </a:lvl9pPr>
+          </a:lstStyle>
+          <a:p>
+            <a:pPr lvl="0"/>
+            <a:r>
+              <a:rPr lang="en-US"/>
+              <a:t>Click to edit Master text styles</a:t>
+            </a:r>
+          </a:p>
+        </p:txBody>
+      </p:sp>
+      <p:sp>
+        <p:nvSpPr>
+          <p:cNvPr id="4" name="Date Placeholder 3"/>
+          <p:cNvSpPr>
+            <a:spLocks noGrp="1"/>
+          </p:cNvSpPr>
+          <p:nvPr>
+            <p:ph type="dt" sz="half" idx="10"/>
+          </p:nvPr>
+        </p:nvSpPr>
+        <p:spPr/>
+        <p:txBody>
+          <a:bodyPr/>
+          <a:lstStyle/>
+          <a:p>
+            <a:fld id="{3EE02DEA-DAE7-412D-98C1-743910D649DD}" type="datetimeFigureOut">
+              <a:rPr lang="en-GB" smtClean="0"/>
+              <a:t>23/03/2022</a:t>
+            </a:fld>
+            <a:endParaRPr lang="en-GB"/>
+          </a:p>
+        </p:txBody>
+      </p:sp>
+      <p:sp>
+        <p:nvSpPr>
+          <p:cNvPr id="5" name="Footer Placeholder 4"/>
+          <p:cNvSpPr>
+            <a:spLocks noGrp="1"/>
+          </p:cNvSpPr>
+          <p:nvPr>
+            <p:ph type="ftr" sz="quarter" idx="11"/>
+          </p:nvPr>
+        </p:nvSpPr>
+        <p:spPr/>
+        <p:txBody>
+          <a:bodyPr/>
+          <a:lstStyle/>
+          <a:p>
+            <a:endParaRPr lang="en-GB"/>
+          </a:p>
+        </p:txBody>
+      </p:sp>
+      <p:sp>
+        <p:nvSpPr>
+          <p:cNvPr id="6" name="Slide Number Placeholder 5"/>
+          <p:cNvSpPr>
+            <a:spLocks noGrp="1"/>
+          </p:cNvSpPr>
+          <p:nvPr>
+            <p:ph type="sldNum" sz="quarter" idx="12"/>
+          </p:nvPr>
+        </p:nvSpPr>
+        <p:spPr/>
+        <p:txBody>
+          <a:bodyPr/>
+          <a:lstStyle/>
+          <a:p>
+            <a:fld id="{83BCB99F-473C-4401-8F91-6629E74B487C}" type="slidenum">
+              <a:rPr lang="en-GB" smtClean="0"/>
+              <a:t>‹#›</a:t>
+            </a:fld>
+            <a:endParaRPr lang="en-GB"/>
+          </a:p>
+        </p:txBody>
+      </p:sp>
+      <p:sp>
+        <p:nvSpPr>
+          <p:cNvPr id="24" name="TextBox 23"/>
+          <p:cNvSpPr txBox="1"/>
+          <p:nvPr/>
+        </p:nvSpPr>
+        <p:spPr>
+          <a:xfrm>
+            <a:off x="541870" y="790378"/>
+            <a:ext cx="609600" cy="584776"/>
+          </a:xfrm>
+          <a:prstGeom prst="rect">
+            <a:avLst/>
+          </a:prstGeom>
+        </p:spPr>
+        <p:txBody>
+          <a:bodyPr vert="horz" lIns="91440" tIns="45720" rIns="91440" bIns="45720" rtlCol="0" anchor="ctr">
+            <a:noAutofit/>
+          </a:bodyPr>
+          <a:lstStyle/>
+          <a:p>
+            <a:pPr lvl="0"/>
+            <a:r>
+              <a:rPr lang="en-US" sz="8000" baseline="0" dirty="0">
+                <a:ln w="3175" cmpd="sng">
+                  <a:noFill/>
+                </a:ln>
+                <a:solidFill>
+                  <a:schemeClr val="accent1">
+                    <a:lumMod val="60000"/>
+                    <a:lumOff val="40000"/>
+                  </a:schemeClr>
+                </a:solidFill>
+                <a:effectLst/>
+                <a:latin typeface="Arial"/>
+              </a:rPr>
+              <a:t>“</a:t>
+            </a:r>
+          </a:p>
+        </p:txBody>
+      </p:sp>
+      <p:sp>
+        <p:nvSpPr>
+          <p:cNvPr id="25" name="TextBox 24"/>
+          <p:cNvSpPr txBox="1"/>
+          <p:nvPr/>
+        </p:nvSpPr>
+        <p:spPr>
+          <a:xfrm>
+            <a:off x="8893011" y="2886556"/>
+            <a:ext cx="609600" cy="584776"/>
+          </a:xfrm>
+          <a:prstGeom prst="rect">
+            <a:avLst/>
+          </a:prstGeom>
+        </p:spPr>
+        <p:txBody>
+          <a:bodyPr vert="horz" lIns="91440" tIns="45720" rIns="91440" bIns="45720" rtlCol="0" anchor="ctr">
+            <a:noAutofit/>
+          </a:bodyPr>
+          <a:lstStyle/>
+          <a:p>
+            <a:pPr lvl="0"/>
+            <a:r>
+              <a:rPr lang="en-US" sz="8000" baseline="0" dirty="0">
+                <a:ln w="3175" cmpd="sng">
+                  <a:noFill/>
+                </a:ln>
+                <a:solidFill>
+                  <a:schemeClr val="accent1">
+                    <a:lumMod val="60000"/>
+                    <a:lumOff val="40000"/>
+                  </a:schemeClr>
+                </a:solidFill>
+                <a:effectLst/>
+                <a:latin typeface="Arial"/>
+              </a:rPr>
+              <a:t>”</a:t>
+            </a:r>
+          </a:p>
+        </p:txBody>
+      </p:sp>
+    </p:spTree>
+    <p:extLst>
+      <p:ext uri="{BB962C8B-B14F-4D97-AF65-F5344CB8AC3E}">
+        <p14:creationId xmlns:p14="http://schemas.microsoft.com/office/powerpoint/2010/main" val="2887638925"/>
+      </p:ext>
+    </p:extLst>
+  </p:cSld>
+  <p:clrMapOvr>
+    <a:masterClrMapping/>
+  </p:clrMapOvr>
+</p:sldLayout>
+</file>
+
+<file path=ppt/slideLayouts/slideLayout14.xml><?xml version="1.0" encoding="utf-8"?>
+<p:sldLayout xmlns:a="http://schemas.openxmlformats.org/drawingml/2006/main" xmlns:r="http://schemas.openxmlformats.org/officeDocument/2006/relationships" xmlns:p="http://schemas.openxmlformats.org/presentationml/2006/main" preserve="1">
+  <p:cSld name="True or False">
+    <p:spTree>
+      <p:nvGrpSpPr>
+        <p:cNvPr id="1" name=""/>
+        <p:cNvGrpSpPr/>
+        <p:nvPr/>
+      </p:nvGrpSpPr>
+      <p:grpSpPr>
+        <a:xfrm>
+          <a:off x="0" y="0"/>
+          <a:ext cx="0" cy="0"/>
+          <a:chOff x="0" y="0"/>
+          <a:chExt cx="0" cy="0"/>
+        </a:xfrm>
+      </p:grpSpPr>
+      <p:sp>
+        <p:nvSpPr>
+          <p:cNvPr id="2" name="Title 1"/>
+          <p:cNvSpPr>
+            <a:spLocks noGrp="1"/>
+          </p:cNvSpPr>
+          <p:nvPr>
+            <p:ph type="title"/>
+          </p:nvPr>
+        </p:nvSpPr>
+        <p:spPr>
+          <a:xfrm>
+            <a:off x="685799" y="609600"/>
+            <a:ext cx="8588203" cy="3022600"/>
+          </a:xfrm>
+        </p:spPr>
+        <p:txBody>
+          <a:bodyPr anchor="ctr">
+            <a:normAutofit/>
+          </a:bodyPr>
+          <a:lstStyle>
+            <a:lvl1pPr algn="l">
+              <a:defRPr sz="4400" b="0" cap="none"/>
+            </a:lvl1pPr>
+          </a:lstStyle>
+          <a:p>
+            <a:r>
+              <a:rPr lang="en-US"/>
+              <a:t>Click to edit Master title style</a:t>
+            </a:r>
+            <a:endParaRPr lang="en-US" dirty="0"/>
+          </a:p>
+        </p:txBody>
+      </p:sp>
+      <p:sp>
+        <p:nvSpPr>
+          <p:cNvPr id="23" name="Text Placeholder 9"/>
+          <p:cNvSpPr>
+            <a:spLocks noGrp="1"/>
+          </p:cNvSpPr>
+          <p:nvPr>
+            <p:ph type="body" sz="quarter" idx="13"/>
+          </p:nvPr>
+        </p:nvSpPr>
+        <p:spPr>
+          <a:xfrm>
+            <a:off x="677332" y="4013200"/>
+            <a:ext cx="8596669" cy="514248"/>
+          </a:xfrm>
+        </p:spPr>
+        <p:txBody>
+          <a:bodyPr anchor="b">
+            <a:noAutofit/>
+          </a:bodyPr>
+          <a:lstStyle>
+            <a:lvl1pPr marL="0" indent="0">
+              <a:buFontTx/>
+              <a:buNone/>
+              <a:defRPr sz="2400">
+                <a:solidFill>
+                  <a:schemeClr val="accent1"/>
+                </a:solidFill>
+              </a:defRPr>
+            </a:lvl1pPr>
+            <a:lvl2pPr marL="457200" indent="0">
+              <a:buFontTx/>
+              <a:buNone/>
+              <a:defRPr/>
+            </a:lvl2pPr>
+            <a:lvl3pPr marL="914400" indent="0">
+              <a:buFontTx/>
+              <a:buNone/>
+              <a:defRPr/>
+            </a:lvl3pPr>
+            <a:lvl4pPr marL="1371600" indent="0">
+              <a:buFontTx/>
+              <a:buNone/>
+              <a:defRPr/>
+            </a:lvl4pPr>
+            <a:lvl5pPr marL="1828800" indent="0">
+              <a:buFontTx/>
+              <a:buNone/>
+              <a:defRPr/>
+            </a:lvl5pPr>
+          </a:lstStyle>
+          <a:p>
+            <a:pPr lvl="0"/>
+            <a:r>
+              <a:rPr lang="en-US"/>
+              <a:t>Click to edit Master text styles</a:t>
+            </a:r>
+          </a:p>
+        </p:txBody>
+      </p:sp>
+      <p:sp>
+        <p:nvSpPr>
+          <p:cNvPr id="3" name="Text Placeholder 2"/>
+          <p:cNvSpPr>
+            <a:spLocks noGrp="1"/>
+          </p:cNvSpPr>
+          <p:nvPr>
+            <p:ph type="body" idx="1"/>
+          </p:nvPr>
+        </p:nvSpPr>
+        <p:spPr>
+          <a:xfrm>
+            <a:off x="677335" y="4527448"/>
+            <a:ext cx="8596668" cy="1513914"/>
+          </a:xfrm>
+        </p:spPr>
+        <p:txBody>
+          <a:bodyPr anchor="t">
+            <a:normAutofit/>
+          </a:bodyPr>
+          <a:lstStyle>
+            <a:lvl1pPr marL="0" indent="0" algn="l">
+              <a:buNone/>
+              <a:defRPr sz="1800">
+                <a:solidFill>
+                  <a:schemeClr val="tx1">
+                    <a:lumMod val="50000"/>
+                    <a:lumOff val="50000"/>
+                  </a:schemeClr>
+                </a:solidFill>
+              </a:defRPr>
+            </a:lvl1pPr>
+            <a:lvl2pPr marL="457200" indent="0">
+              <a:buNone/>
+              <a:defRPr sz="1800">
+                <a:solidFill>
+                  <a:schemeClr val="tx1">
+                    <a:tint val="75000"/>
+                  </a:schemeClr>
+                </a:solidFill>
+              </a:defRPr>
+            </a:lvl2pPr>
+            <a:lvl3pPr marL="914400" indent="0">
+              <a:buNone/>
+              <a:defRPr sz="1600">
+                <a:solidFill>
+                  <a:schemeClr val="tx1">
+                    <a:tint val="75000"/>
+                  </a:schemeClr>
+                </a:solidFill>
+              </a:defRPr>
+            </a:lvl3pPr>
+            <a:lvl4pPr marL="1371600" indent="0">
+              <a:buNone/>
+              <a:defRPr sz="1400">
+                <a:solidFill>
+                  <a:schemeClr val="tx1">
+                    <a:tint val="75000"/>
+                  </a:schemeClr>
+                </a:solidFill>
+              </a:defRPr>
+            </a:lvl4pPr>
+            <a:lvl5pPr marL="1828800" indent="0">
+              <a:buNone/>
+              <a:defRPr sz="1400">
+                <a:solidFill>
+                  <a:schemeClr val="tx1">
+                    <a:tint val="75000"/>
+                  </a:schemeClr>
+                </a:solidFill>
+              </a:defRPr>
+            </a:lvl5pPr>
+            <a:lvl6pPr marL="2286000" indent="0">
+              <a:buNone/>
+              <a:defRPr sz="1400">
+                <a:solidFill>
+                  <a:schemeClr val="tx1">
+                    <a:tint val="75000"/>
+                  </a:schemeClr>
+                </a:solidFill>
+              </a:defRPr>
+            </a:lvl6pPr>
+            <a:lvl7pPr marL="2743200" indent="0">
+              <a:buNone/>
+              <a:defRPr sz="1400">
+                <a:solidFill>
+                  <a:schemeClr val="tx1">
+                    <a:tint val="75000"/>
+                  </a:schemeClr>
+                </a:solidFill>
+              </a:defRPr>
+            </a:lvl7pPr>
+            <a:lvl8pPr marL="3200400" indent="0">
+              <a:buNone/>
+              <a:defRPr sz="1400">
+                <a:solidFill>
+                  <a:schemeClr val="tx1">
+                    <a:tint val="75000"/>
+                  </a:schemeClr>
+                </a:solidFill>
+              </a:defRPr>
+            </a:lvl8pPr>
+            <a:lvl9pPr marL="3657600" indent="0">
+              <a:buNone/>
+              <a:defRPr sz="1400">
+                <a:solidFill>
+                  <a:schemeClr val="tx1">
+                    <a:tint val="75000"/>
+                  </a:schemeClr>
+                </a:solidFill>
+              </a:defRPr>
+            </a:lvl9pPr>
+          </a:lstStyle>
+          <a:p>
+            <a:pPr lvl="0"/>
+            <a:r>
+              <a:rPr lang="en-US"/>
+              <a:t>Click to edit Master text styles</a:t>
+            </a:r>
+          </a:p>
+        </p:txBody>
+      </p:sp>
+      <p:sp>
+        <p:nvSpPr>
+          <p:cNvPr id="4" name="Date Placeholder 3"/>
+          <p:cNvSpPr>
+            <a:spLocks noGrp="1"/>
+          </p:cNvSpPr>
+          <p:nvPr>
+            <p:ph type="dt" sz="half" idx="10"/>
+          </p:nvPr>
+        </p:nvSpPr>
+        <p:spPr/>
+        <p:txBody>
+          <a:bodyPr/>
+          <a:lstStyle/>
+          <a:p>
+            <a:fld id="{3EE02DEA-DAE7-412D-98C1-743910D649DD}" type="datetimeFigureOut">
+              <a:rPr lang="en-GB" smtClean="0"/>
+              <a:t>23/03/2022</a:t>
+            </a:fld>
+            <a:endParaRPr lang="en-GB"/>
+          </a:p>
+        </p:txBody>
+      </p:sp>
+      <p:sp>
+        <p:nvSpPr>
+          <p:cNvPr id="5" name="Footer Placeholder 4"/>
+          <p:cNvSpPr>
+            <a:spLocks noGrp="1"/>
+          </p:cNvSpPr>
+          <p:nvPr>
+            <p:ph type="ftr" sz="quarter" idx="11"/>
+          </p:nvPr>
+        </p:nvSpPr>
+        <p:spPr/>
+        <p:txBody>
+          <a:bodyPr/>
+          <a:lstStyle/>
+          <a:p>
+            <a:endParaRPr lang="en-GB"/>
+          </a:p>
+        </p:txBody>
+      </p:sp>
+      <p:sp>
+        <p:nvSpPr>
+          <p:cNvPr id="6" name="Slide Number Placeholder 5"/>
+          <p:cNvSpPr>
+            <a:spLocks noGrp="1"/>
+          </p:cNvSpPr>
+          <p:nvPr>
+            <p:ph type="sldNum" sz="quarter" idx="12"/>
+          </p:nvPr>
+        </p:nvSpPr>
+        <p:spPr/>
+        <p:txBody>
+          <a:bodyPr/>
+          <a:lstStyle/>
+          <a:p>
+            <a:fld id="{83BCB99F-473C-4401-8F91-6629E74B487C}" type="slidenum">
+              <a:rPr lang="en-GB" smtClean="0"/>
+              <a:t>‹#›</a:t>
+            </a:fld>
+            <a:endParaRPr lang="en-GB"/>
+          </a:p>
+        </p:txBody>
+      </p:sp>
+    </p:spTree>
+    <p:extLst>
+      <p:ext uri="{BB962C8B-B14F-4D97-AF65-F5344CB8AC3E}">
+        <p14:creationId xmlns:p14="http://schemas.microsoft.com/office/powerpoint/2010/main" val="3725790986"/>
+      </p:ext>
+    </p:extLst>
+  </p:cSld>
+  <p:clrMapOvr>
+    <a:masterClrMapping/>
+  </p:clrMapOvr>
+</p:sldLayout>
+</file>
+
+<file path=ppt/slideLayouts/slideLayout15.xml><?xml version="1.0" encoding="utf-8"?>
 <p:sldLayout xmlns:a="http://schemas.openxmlformats.org/drawingml/2006/main" xmlns:r="http://schemas.openxmlformats.org/officeDocument/2006/relationships" xmlns:p="http://schemas.openxmlformats.org/presentationml/2006/main" type="vertTx" preserve="1">
   <p:cSld name="Title and Vertical Text">
     <p:spTree>
@@ -348,13 +2533,7 @@
       </p:grpSpPr>
       <p:sp>
         <p:nvSpPr>
-          <p:cNvPr id="2" name="Title 1">
-            <a:extLst>
-              <a:ext uri="{FF2B5EF4-FFF2-40B4-BE49-F238E27FC236}">
-                <a16:creationId xmlns:a16="http://schemas.microsoft.com/office/drawing/2014/main" id="{671472A8-985C-471C-8DAB-1930615CF2A0}"/>
-              </a:ext>
-            </a:extLst>
-          </p:cNvPr>
+          <p:cNvPr id="2" name="Title 1"/>
           <p:cNvSpPr>
             <a:spLocks noGrp="1"/>
           </p:cNvSpPr>
@@ -371,19 +2550,13 @@
               <a:rPr lang="en-US"/>
               <a:t>Click to edit Master title style</a:t>
             </a:r>
-            <a:endParaRPr lang="en-GB"/>
-          </a:p>
-        </p:txBody>
-      </p:sp>
-      <p:sp>
-        <p:nvSpPr>
-          <p:cNvPr id="3" name="Vertical Text Placeholder 2">
-            <a:extLst>
-              <a:ext uri="{FF2B5EF4-FFF2-40B4-BE49-F238E27FC236}">
-                <a16:creationId xmlns:a16="http://schemas.microsoft.com/office/drawing/2014/main" id="{7F2604E4-C0DB-47D6-9FCC-11714DDEDA98}"/>
-              </a:ext>
-            </a:extLst>
-          </p:cNvPr>
+            <a:endParaRPr lang="en-US" dirty="0"/>
+          </a:p>
+        </p:txBody>
+      </p:sp>
+      <p:sp>
+        <p:nvSpPr>
+          <p:cNvPr id="3" name="Vertical Text Placeholder 2"/>
           <p:cNvSpPr>
             <a:spLocks noGrp="1"/>
           </p:cNvSpPr>
@@ -429,19 +2602,13 @@
               <a:rPr lang="en-US"/>
               <a:t>Fifth level</a:t>
             </a:r>
-            <a:endParaRPr lang="en-GB"/>
-          </a:p>
-        </p:txBody>
-      </p:sp>
-      <p:sp>
-        <p:nvSpPr>
-          <p:cNvPr id="4" name="Date Placeholder 3">
-            <a:extLst>
-              <a:ext uri="{FF2B5EF4-FFF2-40B4-BE49-F238E27FC236}">
-                <a16:creationId xmlns:a16="http://schemas.microsoft.com/office/drawing/2014/main" id="{FB37D6EE-8D4C-410E-B016-6F860FE256D1}"/>
-              </a:ext>
-            </a:extLst>
-          </p:cNvPr>
+            <a:endParaRPr lang="en-US" dirty="0"/>
+          </a:p>
+        </p:txBody>
+      </p:sp>
+      <p:sp>
+        <p:nvSpPr>
+          <p:cNvPr id="4" name="Date Placeholder 3"/>
           <p:cNvSpPr>
             <a:spLocks noGrp="1"/>
           </p:cNvSpPr>
@@ -456,7 +2623,7 @@
           <a:p>
             <a:fld id="{3EE02DEA-DAE7-412D-98C1-743910D649DD}" type="datetimeFigureOut">
               <a:rPr lang="en-GB" smtClean="0"/>
-              <a:t>18/03/2022</a:t>
+              <a:t>23/03/2022</a:t>
             </a:fld>
             <a:endParaRPr lang="en-GB"/>
           </a:p>
@@ -464,13 +2631,7 @@
       </p:sp>
       <p:sp>
         <p:nvSpPr>
-          <p:cNvPr id="5" name="Footer Placeholder 4">
-            <a:extLst>
-              <a:ext uri="{FF2B5EF4-FFF2-40B4-BE49-F238E27FC236}">
-                <a16:creationId xmlns:a16="http://schemas.microsoft.com/office/drawing/2014/main" id="{E9FDD4F2-1B22-4132-B6E0-CD6C98C55EDA}"/>
-              </a:ext>
-            </a:extLst>
-          </p:cNvPr>
+          <p:cNvPr id="5" name="Footer Placeholder 4"/>
           <p:cNvSpPr>
             <a:spLocks noGrp="1"/>
           </p:cNvSpPr>
@@ -489,13 +2650,7 @@
       </p:sp>
       <p:sp>
         <p:nvSpPr>
-          <p:cNvPr id="6" name="Slide Number Placeholder 5">
-            <a:extLst>
-              <a:ext uri="{FF2B5EF4-FFF2-40B4-BE49-F238E27FC236}">
-                <a16:creationId xmlns:a16="http://schemas.microsoft.com/office/drawing/2014/main" id="{F3C23545-3D4F-48DF-A276-ADC51D117684}"/>
-              </a:ext>
-            </a:extLst>
-          </p:cNvPr>
+          <p:cNvPr id="6" name="Slide Number Placeholder 5"/>
           <p:cNvSpPr>
             <a:spLocks noGrp="1"/>
           </p:cNvSpPr>
@@ -519,7 +2674,7 @@
     </p:spTree>
     <p:extLst>
       <p:ext uri="{BB962C8B-B14F-4D97-AF65-F5344CB8AC3E}">
-        <p14:creationId xmlns:p14="http://schemas.microsoft.com/office/powerpoint/2010/main" val="1857951973"/>
+        <p14:creationId xmlns:p14="http://schemas.microsoft.com/office/powerpoint/2010/main" val="3111240412"/>
       </p:ext>
     </p:extLst>
   </p:cSld>
@@ -529,7 +2684,7 @@
 </p:sldLayout>
 </file>
 
-<file path=ppt/slideLayouts/slideLayout11.xml><?xml version="1.0" encoding="utf-8"?>
+<file path=ppt/slideLayouts/slideLayout16.xml><?xml version="1.0" encoding="utf-8"?>
 <p:sldLayout xmlns:a="http://schemas.openxmlformats.org/drawingml/2006/main" xmlns:r="http://schemas.openxmlformats.org/officeDocument/2006/relationships" xmlns:p="http://schemas.openxmlformats.org/presentationml/2006/main" type="vertTitleAndTx" preserve="1">
   <p:cSld name="Vertical Title and Text">
     <p:spTree>
@@ -548,13 +2703,7 @@
       </p:grpSpPr>
       <p:sp>
         <p:nvSpPr>
-          <p:cNvPr id="2" name="Vertical Title 1">
-            <a:extLst>
-              <a:ext uri="{FF2B5EF4-FFF2-40B4-BE49-F238E27FC236}">
-                <a16:creationId xmlns:a16="http://schemas.microsoft.com/office/drawing/2014/main" id="{970B58DE-06C9-47B4-BCBB-89C9CDD92964}"/>
-              </a:ext>
-            </a:extLst>
-          </p:cNvPr>
+          <p:cNvPr id="2" name="Vertical Title 1"/>
           <p:cNvSpPr>
             <a:spLocks noGrp="1"/>
           </p:cNvSpPr>
@@ -564,31 +2713,25 @@
         </p:nvSpPr>
         <p:spPr>
           <a:xfrm>
-            <a:off x="8724900" y="365125"/>
-            <a:ext cx="2628900" cy="5811838"/>
+            <a:off x="7967673" y="609599"/>
+            <a:ext cx="1304743" cy="5251451"/>
           </a:xfrm>
         </p:spPr>
         <p:txBody>
-          <a:bodyPr vert="eaVert"/>
+          <a:bodyPr vert="eaVert" anchor="ctr"/>
           <a:lstStyle/>
           <a:p>
             <a:r>
               <a:rPr lang="en-US"/>
               <a:t>Click to edit Master title style</a:t>
             </a:r>
-            <a:endParaRPr lang="en-GB"/>
-          </a:p>
-        </p:txBody>
-      </p:sp>
-      <p:sp>
-        <p:nvSpPr>
-          <p:cNvPr id="3" name="Vertical Text Placeholder 2">
-            <a:extLst>
-              <a:ext uri="{FF2B5EF4-FFF2-40B4-BE49-F238E27FC236}">
-                <a16:creationId xmlns:a16="http://schemas.microsoft.com/office/drawing/2014/main" id="{A5D0C412-4E03-4CAC-BA55-566CA60382E6}"/>
-              </a:ext>
-            </a:extLst>
-          </p:cNvPr>
+            <a:endParaRPr lang="en-US" dirty="0"/>
+          </a:p>
+        </p:txBody>
+      </p:sp>
+      <p:sp>
+        <p:nvSpPr>
+          <p:cNvPr id="3" name="Vertical Text Placeholder 2"/>
           <p:cNvSpPr>
             <a:spLocks noGrp="1"/>
           </p:cNvSpPr>
@@ -598,8 +2741,8 @@
         </p:nvSpPr>
         <p:spPr>
           <a:xfrm>
-            <a:off x="838200" y="365125"/>
-            <a:ext cx="7734300" cy="5811838"/>
+            <a:off x="677335" y="609600"/>
+            <a:ext cx="7060150" cy="5251450"/>
           </a:xfrm>
         </p:spPr>
         <p:txBody>
@@ -639,19 +2782,13 @@
               <a:rPr lang="en-US"/>
               <a:t>Fifth level</a:t>
             </a:r>
-            <a:endParaRPr lang="en-GB"/>
-          </a:p>
-        </p:txBody>
-      </p:sp>
-      <p:sp>
-        <p:nvSpPr>
-          <p:cNvPr id="4" name="Date Placeholder 3">
-            <a:extLst>
-              <a:ext uri="{FF2B5EF4-FFF2-40B4-BE49-F238E27FC236}">
-                <a16:creationId xmlns:a16="http://schemas.microsoft.com/office/drawing/2014/main" id="{01F8A0CD-9D33-4064-BFB1-9DFEBF68DFE8}"/>
-              </a:ext>
-            </a:extLst>
-          </p:cNvPr>
+            <a:endParaRPr lang="en-US" dirty="0"/>
+          </a:p>
+        </p:txBody>
+      </p:sp>
+      <p:sp>
+        <p:nvSpPr>
+          <p:cNvPr id="4" name="Date Placeholder 3"/>
           <p:cNvSpPr>
             <a:spLocks noGrp="1"/>
           </p:cNvSpPr>
@@ -666,7 +2803,7 @@
           <a:p>
             <a:fld id="{3EE02DEA-DAE7-412D-98C1-743910D649DD}" type="datetimeFigureOut">
               <a:rPr lang="en-GB" smtClean="0"/>
-              <a:t>18/03/2022</a:t>
+              <a:t>23/03/2022</a:t>
             </a:fld>
             <a:endParaRPr lang="en-GB"/>
           </a:p>
@@ -674,13 +2811,7 @@
       </p:sp>
       <p:sp>
         <p:nvSpPr>
-          <p:cNvPr id="5" name="Footer Placeholder 4">
-            <a:extLst>
-              <a:ext uri="{FF2B5EF4-FFF2-40B4-BE49-F238E27FC236}">
-                <a16:creationId xmlns:a16="http://schemas.microsoft.com/office/drawing/2014/main" id="{394B0222-56DC-4876-93D8-9A6197AC4B25}"/>
-              </a:ext>
-            </a:extLst>
-          </p:cNvPr>
+          <p:cNvPr id="5" name="Footer Placeholder 4"/>
           <p:cNvSpPr>
             <a:spLocks noGrp="1"/>
           </p:cNvSpPr>
@@ -699,13 +2830,7 @@
       </p:sp>
       <p:sp>
         <p:nvSpPr>
-          <p:cNvPr id="6" name="Slide Number Placeholder 5">
-            <a:extLst>
-              <a:ext uri="{FF2B5EF4-FFF2-40B4-BE49-F238E27FC236}">
-                <a16:creationId xmlns:a16="http://schemas.microsoft.com/office/drawing/2014/main" id="{2E58388A-EF70-4E53-80F0-C3C3C6CFDD32}"/>
-              </a:ext>
-            </a:extLst>
-          </p:cNvPr>
+          <p:cNvPr id="6" name="Slide Number Placeholder 5"/>
           <p:cNvSpPr>
             <a:spLocks noGrp="1"/>
           </p:cNvSpPr>
@@ -729,7 +2854,7 @@
     </p:spTree>
     <p:extLst>
       <p:ext uri="{BB962C8B-B14F-4D97-AF65-F5344CB8AC3E}">
-        <p14:creationId xmlns:p14="http://schemas.microsoft.com/office/powerpoint/2010/main" val="943339133"/>
+        <p14:creationId xmlns:p14="http://schemas.microsoft.com/office/powerpoint/2010/main" val="3363617393"/>
       </p:ext>
     </p:extLst>
   </p:cSld>
@@ -758,13 +2883,7 @@
       </p:grpSpPr>
       <p:sp>
         <p:nvSpPr>
-          <p:cNvPr id="2" name="Title 1">
-            <a:extLst>
-              <a:ext uri="{FF2B5EF4-FFF2-40B4-BE49-F238E27FC236}">
-                <a16:creationId xmlns:a16="http://schemas.microsoft.com/office/drawing/2014/main" id="{B684A619-2A66-495C-AB74-B9B1BB436325}"/>
-              </a:ext>
-            </a:extLst>
-          </p:cNvPr>
+          <p:cNvPr id="2" name="Title 1"/>
           <p:cNvSpPr>
             <a:spLocks noGrp="1"/>
           </p:cNvSpPr>
@@ -774,38 +2893,38 @@
         </p:nvSpPr>
         <p:spPr/>
         <p:txBody>
+          <a:bodyPr>
+            <a:normAutofit/>
+          </a:bodyPr>
+          <a:lstStyle>
+            <a:lvl1pPr>
+              <a:defRPr sz="3600"/>
+            </a:lvl1pPr>
+          </a:lstStyle>
+          <a:p>
+            <a:r>
+              <a:rPr lang="en-US"/>
+              <a:t>Click to edit Master title style</a:t>
+            </a:r>
+            <a:endParaRPr lang="en-US" dirty="0"/>
+          </a:p>
+        </p:txBody>
+      </p:sp>
+      <p:sp>
+        <p:nvSpPr>
+          <p:cNvPr id="3" name="Content Placeholder 2"/>
+          <p:cNvSpPr>
+            <a:spLocks noGrp="1"/>
+          </p:cNvSpPr>
+          <p:nvPr>
+            <p:ph idx="1"/>
+          </p:nvPr>
+        </p:nvSpPr>
+        <p:spPr/>
+        <p:txBody>
           <a:bodyPr/>
           <a:lstStyle/>
           <a:p>
-            <a:r>
-              <a:rPr lang="en-US"/>
-              <a:t>Click to edit Master title style</a:t>
-            </a:r>
-            <a:endParaRPr lang="en-GB"/>
-          </a:p>
-        </p:txBody>
-      </p:sp>
-      <p:sp>
-        <p:nvSpPr>
-          <p:cNvPr id="3" name="Content Placeholder 2">
-            <a:extLst>
-              <a:ext uri="{FF2B5EF4-FFF2-40B4-BE49-F238E27FC236}">
-                <a16:creationId xmlns:a16="http://schemas.microsoft.com/office/drawing/2014/main" id="{18DE6089-FF3F-4F53-966B-79CB8B33CC4E}"/>
-              </a:ext>
-            </a:extLst>
-          </p:cNvPr>
-          <p:cNvSpPr>
-            <a:spLocks noGrp="1"/>
-          </p:cNvSpPr>
-          <p:nvPr>
-            <p:ph idx="1"/>
-          </p:nvPr>
-        </p:nvSpPr>
-        <p:spPr/>
-        <p:txBody>
-          <a:bodyPr/>
-          <a:lstStyle/>
-          <a:p>
             <a:pPr lvl="0"/>
             <a:r>
               <a:rPr lang="en-US"/>
@@ -839,19 +2958,13 @@
               <a:rPr lang="en-US"/>
               <a:t>Fifth level</a:t>
             </a:r>
-            <a:endParaRPr lang="en-GB"/>
-          </a:p>
-        </p:txBody>
-      </p:sp>
-      <p:sp>
-        <p:nvSpPr>
-          <p:cNvPr id="4" name="Date Placeholder 3">
-            <a:extLst>
-              <a:ext uri="{FF2B5EF4-FFF2-40B4-BE49-F238E27FC236}">
-                <a16:creationId xmlns:a16="http://schemas.microsoft.com/office/drawing/2014/main" id="{240390A1-A774-48D4-8B3D-A91673C03E1A}"/>
-              </a:ext>
-            </a:extLst>
-          </p:cNvPr>
+            <a:endParaRPr lang="en-US" dirty="0"/>
+          </a:p>
+        </p:txBody>
+      </p:sp>
+      <p:sp>
+        <p:nvSpPr>
+          <p:cNvPr id="4" name="Date Placeholder 3"/>
           <p:cNvSpPr>
             <a:spLocks noGrp="1"/>
           </p:cNvSpPr>
@@ -866,7 +2979,7 @@
           <a:p>
             <a:fld id="{3EE02DEA-DAE7-412D-98C1-743910D649DD}" type="datetimeFigureOut">
               <a:rPr lang="en-GB" smtClean="0"/>
-              <a:t>18/03/2022</a:t>
+              <a:t>23/03/2022</a:t>
             </a:fld>
             <a:endParaRPr lang="en-GB"/>
           </a:p>
@@ -874,13 +2987,7 @@
       </p:sp>
       <p:sp>
         <p:nvSpPr>
-          <p:cNvPr id="5" name="Footer Placeholder 4">
-            <a:extLst>
-              <a:ext uri="{FF2B5EF4-FFF2-40B4-BE49-F238E27FC236}">
-                <a16:creationId xmlns:a16="http://schemas.microsoft.com/office/drawing/2014/main" id="{21E0CCEF-F216-41B6-BA08-55DE6E466454}"/>
-              </a:ext>
-            </a:extLst>
-          </p:cNvPr>
+          <p:cNvPr id="5" name="Footer Placeholder 4"/>
           <p:cNvSpPr>
             <a:spLocks noGrp="1"/>
           </p:cNvSpPr>
@@ -899,13 +3006,7 @@
       </p:sp>
       <p:sp>
         <p:nvSpPr>
-          <p:cNvPr id="6" name="Slide Number Placeholder 5">
-            <a:extLst>
-              <a:ext uri="{FF2B5EF4-FFF2-40B4-BE49-F238E27FC236}">
-                <a16:creationId xmlns:a16="http://schemas.microsoft.com/office/drawing/2014/main" id="{4EA3B51F-C5DC-46E8-96FC-EDB3FBF7B3C9}"/>
-              </a:ext>
-            </a:extLst>
-          </p:cNvPr>
+          <p:cNvPr id="6" name="Slide Number Placeholder 5"/>
           <p:cNvSpPr>
             <a:spLocks noGrp="1"/>
           </p:cNvSpPr>
@@ -929,7 +3030,7 @@
     </p:spTree>
     <p:extLst>
       <p:ext uri="{BB962C8B-B14F-4D97-AF65-F5344CB8AC3E}">
-        <p14:creationId xmlns:p14="http://schemas.microsoft.com/office/powerpoint/2010/main" val="3558938039"/>
+        <p14:creationId xmlns:p14="http://schemas.microsoft.com/office/powerpoint/2010/main" val="3408524065"/>
       </p:ext>
     </p:extLst>
   </p:cSld>
@@ -958,13 +3059,7 @@
       </p:grpSpPr>
       <p:sp>
         <p:nvSpPr>
-          <p:cNvPr id="2" name="Title 1">
-            <a:extLst>
-              <a:ext uri="{FF2B5EF4-FFF2-40B4-BE49-F238E27FC236}">
-                <a16:creationId xmlns:a16="http://schemas.microsoft.com/office/drawing/2014/main" id="{F50F947B-A288-4A47-8C89-1E2F51CB707C}"/>
-              </a:ext>
-            </a:extLst>
-          </p:cNvPr>
+          <p:cNvPr id="2" name="Title 1"/>
           <p:cNvSpPr>
             <a:spLocks noGrp="1"/>
           </p:cNvSpPr>
@@ -974,15 +3069,15 @@
         </p:nvSpPr>
         <p:spPr>
           <a:xfrm>
-            <a:off x="831850" y="1709738"/>
-            <a:ext cx="10515600" cy="2852737"/>
+            <a:off x="677335" y="2700867"/>
+            <a:ext cx="8596668" cy="1826581"/>
           </a:xfrm>
         </p:spPr>
         <p:txBody>
           <a:bodyPr anchor="b"/>
           <a:lstStyle>
-            <a:lvl1pPr>
-              <a:defRPr sz="6000"/>
+            <a:lvl1pPr algn="l">
+              <a:defRPr sz="4000" b="0" cap="none"/>
             </a:lvl1pPr>
           </a:lstStyle>
           <a:p>
@@ -990,19 +3085,13 @@
               <a:rPr lang="en-US"/>
               <a:t>Click to edit Master title style</a:t>
             </a:r>
-            <a:endParaRPr lang="en-GB"/>
-          </a:p>
-        </p:txBody>
-      </p:sp>
-      <p:sp>
-        <p:nvSpPr>
-          <p:cNvPr id="3" name="Text Placeholder 2">
-            <a:extLst>
-              <a:ext uri="{FF2B5EF4-FFF2-40B4-BE49-F238E27FC236}">
-                <a16:creationId xmlns:a16="http://schemas.microsoft.com/office/drawing/2014/main" id="{D928BE3F-D940-4C4E-AB51-F91402CEF7E5}"/>
-              </a:ext>
-            </a:extLst>
-          </p:cNvPr>
+            <a:endParaRPr lang="en-US" dirty="0"/>
+          </a:p>
+        </p:txBody>
+      </p:sp>
+      <p:sp>
+        <p:nvSpPr>
+          <p:cNvPr id="3" name="Text Placeholder 2"/>
           <p:cNvSpPr>
             <a:spLocks noGrp="1"/>
           </p:cNvSpPr>
@@ -1012,102 +3101,103 @@
         </p:nvSpPr>
         <p:spPr>
           <a:xfrm>
-            <a:off x="831850" y="4589463"/>
-            <a:ext cx="10515600" cy="1500187"/>
+            <a:off x="677335" y="4527448"/>
+            <a:ext cx="8596668" cy="860400"/>
           </a:xfrm>
         </p:spPr>
         <p:txBody>
-          <a:bodyPr/>
+          <a:bodyPr anchor="t"/>
           <a:lstStyle>
-            <a:lvl1pPr marL="0" indent="0">
-              <a:buNone/>
-              <a:defRPr sz="2400">
+            <a:lvl1pPr marL="0" indent="0" algn="l">
+              <a:buNone/>
+              <a:defRPr sz="2000">
+                <a:solidFill>
+                  <a:schemeClr val="tx1">
+                    <a:lumMod val="50000"/>
+                    <a:lumOff val="50000"/>
+                  </a:schemeClr>
+                </a:solidFill>
+              </a:defRPr>
+            </a:lvl1pPr>
+            <a:lvl2pPr marL="457200" indent="0">
+              <a:buNone/>
+              <a:defRPr sz="1800">
                 <a:solidFill>
                   <a:schemeClr val="tx1">
                     <a:tint val="75000"/>
                   </a:schemeClr>
                 </a:solidFill>
               </a:defRPr>
-            </a:lvl1pPr>
-            <a:lvl2pPr marL="457200" indent="0">
-              <a:buNone/>
-              <a:defRPr sz="2000">
+            </a:lvl2pPr>
+            <a:lvl3pPr marL="914400" indent="0">
+              <a:buNone/>
+              <a:defRPr sz="1600">
                 <a:solidFill>
                   <a:schemeClr val="tx1">
                     <a:tint val="75000"/>
                   </a:schemeClr>
                 </a:solidFill>
               </a:defRPr>
-            </a:lvl2pPr>
-            <a:lvl3pPr marL="914400" indent="0">
-              <a:buNone/>
-              <a:defRPr sz="1800">
+            </a:lvl3pPr>
+            <a:lvl4pPr marL="1371600" indent="0">
+              <a:buNone/>
+              <a:defRPr sz="1400">
                 <a:solidFill>
                   <a:schemeClr val="tx1">
                     <a:tint val="75000"/>
                   </a:schemeClr>
                 </a:solidFill>
               </a:defRPr>
-            </a:lvl3pPr>
-            <a:lvl4pPr marL="1371600" indent="0">
-              <a:buNone/>
-              <a:defRPr sz="1600">
+            </a:lvl4pPr>
+            <a:lvl5pPr marL="1828800" indent="0">
+              <a:buNone/>
+              <a:defRPr sz="1400">
                 <a:solidFill>
                   <a:schemeClr val="tx1">
                     <a:tint val="75000"/>
                   </a:schemeClr>
                 </a:solidFill>
               </a:defRPr>
-            </a:lvl4pPr>
-            <a:lvl5pPr marL="1828800" indent="0">
-              <a:buNone/>
-              <a:defRPr sz="1600">
+            </a:lvl5pPr>
+            <a:lvl6pPr marL="2286000" indent="0">
+              <a:buNone/>
+              <a:defRPr sz="1400">
                 <a:solidFill>
                   <a:schemeClr val="tx1">
                     <a:tint val="75000"/>
                   </a:schemeClr>
                 </a:solidFill>
               </a:defRPr>
-            </a:lvl5pPr>
-            <a:lvl6pPr marL="2286000" indent="0">
-              <a:buNone/>
-              <a:defRPr sz="1600">
+            </a:lvl6pPr>
+            <a:lvl7pPr marL="2743200" indent="0">
+              <a:buNone/>
+              <a:defRPr sz="1400">
                 <a:solidFill>
                   <a:schemeClr val="tx1">
                     <a:tint val="75000"/>
                   </a:schemeClr>
                 </a:solidFill>
               </a:defRPr>
-            </a:lvl6pPr>
-            <a:lvl7pPr marL="2743200" indent="0">
-              <a:buNone/>
-              <a:defRPr sz="1600">
+            </a:lvl7pPr>
+            <a:lvl8pPr marL="3200400" indent="0">
+              <a:buNone/>
+              <a:defRPr sz="1400">
                 <a:solidFill>
                   <a:schemeClr val="tx1">
                     <a:tint val="75000"/>
                   </a:schemeClr>
                 </a:solidFill>
               </a:defRPr>
-            </a:lvl7pPr>
-            <a:lvl8pPr marL="3200400" indent="0">
-              <a:buNone/>
-              <a:defRPr sz="1600">
+            </a:lvl8pPr>
+            <a:lvl9pPr marL="3657600" indent="0">
+              <a:buNone/>
+              <a:defRPr sz="1400">
                 <a:solidFill>
                   <a:schemeClr val="tx1">
                     <a:tint val="75000"/>
                   </a:schemeClr>
                 </a:solidFill>
               </a:defRPr>
-            </a:lvl8pPr>
-            <a:lvl9pPr marL="3657600" indent="0">
-              <a:buNone/>
-              <a:defRPr sz="1600">
-                <a:solidFill>
-                  <a:schemeClr val="tx1">
-                    <a:tint val="75000"/>
-                  </a:schemeClr>
-                </a:solidFill>
-              </a:defRPr>
             </a:lvl9pPr>
           </a:lstStyle>
           <a:p>
@@ -1121,13 +3211,7 @@
       </p:sp>
       <p:sp>
         <p:nvSpPr>
-          <p:cNvPr id="4" name="Date Placeholder 3">
-            <a:extLst>
-              <a:ext uri="{FF2B5EF4-FFF2-40B4-BE49-F238E27FC236}">
-                <a16:creationId xmlns:a16="http://schemas.microsoft.com/office/drawing/2014/main" id="{21F2010E-5407-4DC8-BF39-8409B9DEE691}"/>
-              </a:ext>
-            </a:extLst>
-          </p:cNvPr>
+          <p:cNvPr id="4" name="Date Placeholder 3"/>
           <p:cNvSpPr>
             <a:spLocks noGrp="1"/>
           </p:cNvSpPr>
@@ -1142,7 +3226,7 @@
           <a:p>
             <a:fld id="{3EE02DEA-DAE7-412D-98C1-743910D649DD}" type="datetimeFigureOut">
               <a:rPr lang="en-GB" smtClean="0"/>
-              <a:t>18/03/2022</a:t>
+              <a:t>23/03/2022</a:t>
             </a:fld>
             <a:endParaRPr lang="en-GB"/>
           </a:p>
@@ -1150,13 +3234,7 @@
       </p:sp>
       <p:sp>
         <p:nvSpPr>
-          <p:cNvPr id="5" name="Footer Placeholder 4">
-            <a:extLst>
-              <a:ext uri="{FF2B5EF4-FFF2-40B4-BE49-F238E27FC236}">
-                <a16:creationId xmlns:a16="http://schemas.microsoft.com/office/drawing/2014/main" id="{C7956CE7-C60E-420D-8D73-A82B47FA934A}"/>
-              </a:ext>
-            </a:extLst>
-          </p:cNvPr>
+          <p:cNvPr id="5" name="Footer Placeholder 4"/>
           <p:cNvSpPr>
             <a:spLocks noGrp="1"/>
           </p:cNvSpPr>
@@ -1175,13 +3253,7 @@
       </p:sp>
       <p:sp>
         <p:nvSpPr>
-          <p:cNvPr id="6" name="Slide Number Placeholder 5">
-            <a:extLst>
-              <a:ext uri="{FF2B5EF4-FFF2-40B4-BE49-F238E27FC236}">
-                <a16:creationId xmlns:a16="http://schemas.microsoft.com/office/drawing/2014/main" id="{FC02D5FB-6037-4107-B39D-E8310EA0643A}"/>
-              </a:ext>
-            </a:extLst>
-          </p:cNvPr>
+          <p:cNvPr id="6" name="Slide Number Placeholder 5"/>
           <p:cNvSpPr>
             <a:spLocks noGrp="1"/>
           </p:cNvSpPr>
@@ -1205,7 +3277,7 @@
     </p:spTree>
     <p:extLst>
       <p:ext uri="{BB962C8B-B14F-4D97-AF65-F5344CB8AC3E}">
-        <p14:creationId xmlns:p14="http://schemas.microsoft.com/office/powerpoint/2010/main" val="1915902621"/>
+        <p14:creationId xmlns:p14="http://schemas.microsoft.com/office/powerpoint/2010/main" val="4244208373"/>
       </p:ext>
     </p:extLst>
   </p:cSld>
@@ -1234,13 +3306,7 @@
       </p:grpSpPr>
       <p:sp>
         <p:nvSpPr>
-          <p:cNvPr id="2" name="Title 1">
-            <a:extLst>
-              <a:ext uri="{FF2B5EF4-FFF2-40B4-BE49-F238E27FC236}">
-                <a16:creationId xmlns:a16="http://schemas.microsoft.com/office/drawing/2014/main" id="{500B4650-6F1F-4AAB-9CC4-56E649572F7C}"/>
-              </a:ext>
-            </a:extLst>
-          </p:cNvPr>
+          <p:cNvPr id="2" name="Title 1"/>
           <p:cNvSpPr>
             <a:spLocks noGrp="1"/>
           </p:cNvSpPr>
@@ -1257,19 +3323,13 @@
               <a:rPr lang="en-US"/>
               <a:t>Click to edit Master title style</a:t>
             </a:r>
-            <a:endParaRPr lang="en-GB"/>
-          </a:p>
-        </p:txBody>
-      </p:sp>
-      <p:sp>
-        <p:nvSpPr>
-          <p:cNvPr id="3" name="Content Placeholder 2">
-            <a:extLst>
-              <a:ext uri="{FF2B5EF4-FFF2-40B4-BE49-F238E27FC236}">
-                <a16:creationId xmlns:a16="http://schemas.microsoft.com/office/drawing/2014/main" id="{F4BB299C-9F2A-4A90-A3B9-D1E9C6A71241}"/>
-              </a:ext>
-            </a:extLst>
-          </p:cNvPr>
+            <a:endParaRPr lang="en-US" dirty="0"/>
+          </a:p>
+        </p:txBody>
+      </p:sp>
+      <p:sp>
+        <p:nvSpPr>
+          <p:cNvPr id="3" name="Content Placeholder 2"/>
           <p:cNvSpPr>
             <a:spLocks noGrp="1"/>
           </p:cNvSpPr>
@@ -1279,8 +3339,8 @@
         </p:nvSpPr>
         <p:spPr>
           <a:xfrm>
-            <a:off x="838200" y="1825625"/>
-            <a:ext cx="5181600" cy="4351338"/>
+            <a:off x="677334" y="2160589"/>
+            <a:ext cx="4184035" cy="3880772"/>
           </a:xfrm>
         </p:spPr>
         <p:txBody>
@@ -1320,19 +3380,13 @@
               <a:rPr lang="en-US"/>
               <a:t>Fifth level</a:t>
             </a:r>
-            <a:endParaRPr lang="en-GB"/>
-          </a:p>
-        </p:txBody>
-      </p:sp>
-      <p:sp>
-        <p:nvSpPr>
-          <p:cNvPr id="4" name="Content Placeholder 3">
-            <a:extLst>
-              <a:ext uri="{FF2B5EF4-FFF2-40B4-BE49-F238E27FC236}">
-                <a16:creationId xmlns:a16="http://schemas.microsoft.com/office/drawing/2014/main" id="{9F4214D7-60D3-40CC-B5E2-1AA4A62CE568}"/>
-              </a:ext>
-            </a:extLst>
-          </p:cNvPr>
+            <a:endParaRPr lang="en-US" dirty="0"/>
+          </a:p>
+        </p:txBody>
+      </p:sp>
+      <p:sp>
+        <p:nvSpPr>
+          <p:cNvPr id="4" name="Content Placeholder 3"/>
           <p:cNvSpPr>
             <a:spLocks noGrp="1"/>
           </p:cNvSpPr>
@@ -1342,8 +3396,8 @@
         </p:nvSpPr>
         <p:spPr>
           <a:xfrm>
-            <a:off x="6172200" y="1825625"/>
-            <a:ext cx="5181600" cy="4351338"/>
+            <a:off x="5089970" y="2160589"/>
+            <a:ext cx="4184034" cy="3880773"/>
           </a:xfrm>
         </p:spPr>
         <p:txBody>
@@ -1383,19 +3437,13 @@
               <a:rPr lang="en-US"/>
               <a:t>Fifth level</a:t>
             </a:r>
-            <a:endParaRPr lang="en-GB"/>
-          </a:p>
-        </p:txBody>
-      </p:sp>
-      <p:sp>
-        <p:nvSpPr>
-          <p:cNvPr id="5" name="Date Placeholder 4">
-            <a:extLst>
-              <a:ext uri="{FF2B5EF4-FFF2-40B4-BE49-F238E27FC236}">
-                <a16:creationId xmlns:a16="http://schemas.microsoft.com/office/drawing/2014/main" id="{C6332B2E-2B73-4084-9A28-5F783E899AE2}"/>
-              </a:ext>
-            </a:extLst>
-          </p:cNvPr>
+            <a:endParaRPr lang="en-US" dirty="0"/>
+          </a:p>
+        </p:txBody>
+      </p:sp>
+      <p:sp>
+        <p:nvSpPr>
+          <p:cNvPr id="5" name="Date Placeholder 4"/>
           <p:cNvSpPr>
             <a:spLocks noGrp="1"/>
           </p:cNvSpPr>
@@ -1410,7 +3458,7 @@
           <a:p>
             <a:fld id="{3EE02DEA-DAE7-412D-98C1-743910D649DD}" type="datetimeFigureOut">
               <a:rPr lang="en-GB" smtClean="0"/>
-              <a:t>18/03/2022</a:t>
+              <a:t>23/03/2022</a:t>
             </a:fld>
             <a:endParaRPr lang="en-GB"/>
           </a:p>
@@ -1418,13 +3466,7 @@
       </p:sp>
       <p:sp>
         <p:nvSpPr>
-          <p:cNvPr id="6" name="Footer Placeholder 5">
-            <a:extLst>
-              <a:ext uri="{FF2B5EF4-FFF2-40B4-BE49-F238E27FC236}">
-                <a16:creationId xmlns:a16="http://schemas.microsoft.com/office/drawing/2014/main" id="{06186955-CB37-4744-AE88-E7EDBFF0283B}"/>
-              </a:ext>
-            </a:extLst>
-          </p:cNvPr>
+          <p:cNvPr id="6" name="Footer Placeholder 5"/>
           <p:cNvSpPr>
             <a:spLocks noGrp="1"/>
           </p:cNvSpPr>
@@ -1443,13 +3485,7 @@
       </p:sp>
       <p:sp>
         <p:nvSpPr>
-          <p:cNvPr id="7" name="Slide Number Placeholder 6">
-            <a:extLst>
-              <a:ext uri="{FF2B5EF4-FFF2-40B4-BE49-F238E27FC236}">
-                <a16:creationId xmlns:a16="http://schemas.microsoft.com/office/drawing/2014/main" id="{DE472D7F-CDD9-40BA-B37D-228AAB2959F9}"/>
-              </a:ext>
-            </a:extLst>
-          </p:cNvPr>
+          <p:cNvPr id="7" name="Slide Number Placeholder 6"/>
           <p:cNvSpPr>
             <a:spLocks noGrp="1"/>
           </p:cNvSpPr>
@@ -1473,7 +3509,7 @@
     </p:spTree>
     <p:extLst>
       <p:ext uri="{BB962C8B-B14F-4D97-AF65-F5344CB8AC3E}">
-        <p14:creationId xmlns:p14="http://schemas.microsoft.com/office/powerpoint/2010/main" val="240786194"/>
+        <p14:creationId xmlns:p14="http://schemas.microsoft.com/office/powerpoint/2010/main" val="977061071"/>
       </p:ext>
     </p:extLst>
   </p:cSld>
@@ -1502,66 +3538,55 @@
       </p:grpSpPr>
       <p:sp>
         <p:nvSpPr>
-          <p:cNvPr id="2" name="Title 1">
-            <a:extLst>
-              <a:ext uri="{FF2B5EF4-FFF2-40B4-BE49-F238E27FC236}">
-                <a16:creationId xmlns:a16="http://schemas.microsoft.com/office/drawing/2014/main" id="{A2AB2D47-6A32-4189-BFDC-17D829E45EB0}"/>
-              </a:ext>
-            </a:extLst>
-          </p:cNvPr>
+          <p:cNvPr id="2" name="Title 1"/>
           <p:cNvSpPr>
             <a:spLocks noGrp="1"/>
           </p:cNvSpPr>
           <p:nvPr>
             <p:ph type="title"/>
+          </p:nvPr>
+        </p:nvSpPr>
+        <p:spPr/>
+        <p:txBody>
+          <a:bodyPr/>
+          <a:lstStyle>
+            <a:lvl1pPr>
+              <a:defRPr/>
+            </a:lvl1pPr>
+          </a:lstStyle>
+          <a:p>
+            <a:r>
+              <a:rPr lang="en-US"/>
+              <a:t>Click to edit Master title style</a:t>
+            </a:r>
+            <a:endParaRPr lang="en-US" dirty="0"/>
+          </a:p>
+        </p:txBody>
+      </p:sp>
+      <p:sp>
+        <p:nvSpPr>
+          <p:cNvPr id="3" name="Text Placeholder 2"/>
+          <p:cNvSpPr>
+            <a:spLocks noGrp="1"/>
+          </p:cNvSpPr>
+          <p:nvPr>
+            <p:ph type="body" idx="1"/>
           </p:nvPr>
         </p:nvSpPr>
         <p:spPr>
           <a:xfrm>
-            <a:off x="839788" y="365125"/>
-            <a:ext cx="10515600" cy="1325563"/>
+            <a:off x="675745" y="2160983"/>
+            <a:ext cx="4185623" cy="576262"/>
           </a:xfrm>
         </p:spPr>
         <p:txBody>
-          <a:bodyPr/>
-          <a:lstStyle/>
-          <a:p>
-            <a:r>
-              <a:rPr lang="en-US"/>
-              <a:t>Click to edit Master title style</a:t>
-            </a:r>
-            <a:endParaRPr lang="en-GB"/>
-          </a:p>
-        </p:txBody>
-      </p:sp>
-      <p:sp>
-        <p:nvSpPr>
-          <p:cNvPr id="3" name="Text Placeholder 2">
-            <a:extLst>
-              <a:ext uri="{FF2B5EF4-FFF2-40B4-BE49-F238E27FC236}">
-                <a16:creationId xmlns:a16="http://schemas.microsoft.com/office/drawing/2014/main" id="{61658188-F6D2-4FF9-8E19-05168AA2A088}"/>
-              </a:ext>
-            </a:extLst>
-          </p:cNvPr>
-          <p:cNvSpPr>
-            <a:spLocks noGrp="1"/>
-          </p:cNvSpPr>
-          <p:nvPr>
-            <p:ph type="body" idx="1"/>
-          </p:nvPr>
-        </p:nvSpPr>
-        <p:spPr>
-          <a:xfrm>
-            <a:off x="839788" y="1681163"/>
-            <a:ext cx="5157787" cy="823912"/>
-          </a:xfrm>
-        </p:spPr>
-        <p:txBody>
-          <a:bodyPr anchor="b"/>
+          <a:bodyPr anchor="b">
+            <a:noAutofit/>
+          </a:bodyPr>
           <a:lstStyle>
             <a:lvl1pPr marL="0" indent="0">
               <a:buNone/>
-              <a:defRPr sz="2400" b="1"/>
+              <a:defRPr sz="2400" b="0"/>
             </a:lvl1pPr>
             <a:lvl2pPr marL="457200" indent="0">
               <a:buNone/>
@@ -1607,13 +3632,7 @@
       </p:sp>
       <p:sp>
         <p:nvSpPr>
-          <p:cNvPr id="4" name="Content Placeholder 3">
-            <a:extLst>
-              <a:ext uri="{FF2B5EF4-FFF2-40B4-BE49-F238E27FC236}">
-                <a16:creationId xmlns:a16="http://schemas.microsoft.com/office/drawing/2014/main" id="{D7DEBE20-4967-4A90-BC42-26CCDC796D71}"/>
-              </a:ext>
-            </a:extLst>
-          </p:cNvPr>
+          <p:cNvPr id="4" name="Content Placeholder 3"/>
           <p:cNvSpPr>
             <a:spLocks noGrp="1"/>
           </p:cNvSpPr>
@@ -1623,12 +3642,14 @@
         </p:nvSpPr>
         <p:spPr>
           <a:xfrm>
-            <a:off x="839788" y="2505075"/>
-            <a:ext cx="5157787" cy="3684588"/>
+            <a:off x="675745" y="2737245"/>
+            <a:ext cx="4185623" cy="3304117"/>
           </a:xfrm>
         </p:spPr>
         <p:txBody>
-          <a:bodyPr/>
+          <a:bodyPr>
+            <a:normAutofit/>
+          </a:bodyPr>
           <a:lstStyle/>
           <a:p>
             <a:pPr lvl="0"/>
@@ -1664,19 +3685,13 @@
               <a:rPr lang="en-US"/>
               <a:t>Fifth level</a:t>
             </a:r>
-            <a:endParaRPr lang="en-GB"/>
-          </a:p>
-        </p:txBody>
-      </p:sp>
-      <p:sp>
-        <p:nvSpPr>
-          <p:cNvPr id="5" name="Text Placeholder 4">
-            <a:extLst>
-              <a:ext uri="{FF2B5EF4-FFF2-40B4-BE49-F238E27FC236}">
-                <a16:creationId xmlns:a16="http://schemas.microsoft.com/office/drawing/2014/main" id="{5F1DB933-33DA-45E0-9B88-F340591225E5}"/>
-              </a:ext>
-            </a:extLst>
-          </p:cNvPr>
+            <a:endParaRPr lang="en-US" dirty="0"/>
+          </a:p>
+        </p:txBody>
+      </p:sp>
+      <p:sp>
+        <p:nvSpPr>
+          <p:cNvPr id="5" name="Text Placeholder 4"/>
           <p:cNvSpPr>
             <a:spLocks noGrp="1"/>
           </p:cNvSpPr>
@@ -1686,16 +3701,18 @@
         </p:nvSpPr>
         <p:spPr>
           <a:xfrm>
-            <a:off x="6172200" y="1681163"/>
-            <a:ext cx="5183188" cy="823912"/>
+            <a:off x="5088383" y="2160983"/>
+            <a:ext cx="4185618" cy="576262"/>
           </a:xfrm>
         </p:spPr>
         <p:txBody>
-          <a:bodyPr anchor="b"/>
+          <a:bodyPr anchor="b">
+            <a:noAutofit/>
+          </a:bodyPr>
           <a:lstStyle>
             <a:lvl1pPr marL="0" indent="0">
               <a:buNone/>
-              <a:defRPr sz="2400" b="1"/>
+              <a:defRPr sz="2400" b="0"/>
             </a:lvl1pPr>
             <a:lvl2pPr marL="457200" indent="0">
               <a:buNone/>
@@ -1741,13 +3758,7 @@
       </p:sp>
       <p:sp>
         <p:nvSpPr>
-          <p:cNvPr id="6" name="Content Placeholder 5">
-            <a:extLst>
-              <a:ext uri="{FF2B5EF4-FFF2-40B4-BE49-F238E27FC236}">
-                <a16:creationId xmlns:a16="http://schemas.microsoft.com/office/drawing/2014/main" id="{6236E289-1723-409F-B033-B3970891E782}"/>
-              </a:ext>
-            </a:extLst>
-          </p:cNvPr>
+          <p:cNvPr id="6" name="Content Placeholder 5"/>
           <p:cNvSpPr>
             <a:spLocks noGrp="1"/>
           </p:cNvSpPr>
@@ -1757,12 +3768,14 @@
         </p:nvSpPr>
         <p:spPr>
           <a:xfrm>
-            <a:off x="6172200" y="2505075"/>
-            <a:ext cx="5183188" cy="3684588"/>
+            <a:off x="5088384" y="2737245"/>
+            <a:ext cx="4185617" cy="3304117"/>
           </a:xfrm>
         </p:spPr>
         <p:txBody>
-          <a:bodyPr/>
+          <a:bodyPr>
+            <a:normAutofit/>
+          </a:bodyPr>
           <a:lstStyle/>
           <a:p>
             <a:pPr lvl="0"/>
@@ -1798,19 +3811,13 @@
               <a:rPr lang="en-US"/>
               <a:t>Fifth level</a:t>
             </a:r>
-            <a:endParaRPr lang="en-GB"/>
-          </a:p>
-        </p:txBody>
-      </p:sp>
-      <p:sp>
-        <p:nvSpPr>
-          <p:cNvPr id="7" name="Date Placeholder 6">
-            <a:extLst>
-              <a:ext uri="{FF2B5EF4-FFF2-40B4-BE49-F238E27FC236}">
-                <a16:creationId xmlns:a16="http://schemas.microsoft.com/office/drawing/2014/main" id="{FC22D11C-5BDE-474F-9A5B-E429EAE66EF7}"/>
-              </a:ext>
-            </a:extLst>
-          </p:cNvPr>
+            <a:endParaRPr lang="en-US" dirty="0"/>
+          </a:p>
+        </p:txBody>
+      </p:sp>
+      <p:sp>
+        <p:nvSpPr>
+          <p:cNvPr id="7" name="Date Placeholder 6"/>
           <p:cNvSpPr>
             <a:spLocks noGrp="1"/>
           </p:cNvSpPr>
@@ -1825,7 +3832,7 @@
           <a:p>
             <a:fld id="{3EE02DEA-DAE7-412D-98C1-743910D649DD}" type="datetimeFigureOut">
               <a:rPr lang="en-GB" smtClean="0"/>
-              <a:t>18/03/2022</a:t>
+              <a:t>23/03/2022</a:t>
             </a:fld>
             <a:endParaRPr lang="en-GB"/>
           </a:p>
@@ -1833,13 +3840,7 @@
       </p:sp>
       <p:sp>
         <p:nvSpPr>
-          <p:cNvPr id="8" name="Footer Placeholder 7">
-            <a:extLst>
-              <a:ext uri="{FF2B5EF4-FFF2-40B4-BE49-F238E27FC236}">
-                <a16:creationId xmlns:a16="http://schemas.microsoft.com/office/drawing/2014/main" id="{46DD93D2-23E7-4F23-B4C6-7BE65E451F06}"/>
-              </a:ext>
-            </a:extLst>
-          </p:cNvPr>
+          <p:cNvPr id="8" name="Footer Placeholder 7"/>
           <p:cNvSpPr>
             <a:spLocks noGrp="1"/>
           </p:cNvSpPr>
@@ -1858,13 +3859,7 @@
       </p:sp>
       <p:sp>
         <p:nvSpPr>
-          <p:cNvPr id="9" name="Slide Number Placeholder 8">
-            <a:extLst>
-              <a:ext uri="{FF2B5EF4-FFF2-40B4-BE49-F238E27FC236}">
-                <a16:creationId xmlns:a16="http://schemas.microsoft.com/office/drawing/2014/main" id="{5E765DD5-377C-4282-B920-81FB484EEE47}"/>
-              </a:ext>
-            </a:extLst>
-          </p:cNvPr>
+          <p:cNvPr id="9" name="Slide Number Placeholder 8"/>
           <p:cNvSpPr>
             <a:spLocks noGrp="1"/>
           </p:cNvSpPr>
@@ -1888,7 +3883,7 @@
     </p:spTree>
     <p:extLst>
       <p:ext uri="{BB962C8B-B14F-4D97-AF65-F5344CB8AC3E}">
-        <p14:creationId xmlns:p14="http://schemas.microsoft.com/office/powerpoint/2010/main" val="3490534891"/>
+        <p14:creationId xmlns:p14="http://schemas.microsoft.com/office/powerpoint/2010/main" val="1310840369"/>
       </p:ext>
     </p:extLst>
   </p:cSld>
@@ -1917,13 +3912,7 @@
       </p:grpSpPr>
       <p:sp>
         <p:nvSpPr>
-          <p:cNvPr id="2" name="Title 1">
-            <a:extLst>
-              <a:ext uri="{FF2B5EF4-FFF2-40B4-BE49-F238E27FC236}">
-                <a16:creationId xmlns:a16="http://schemas.microsoft.com/office/drawing/2014/main" id="{6BD16BEB-9B7C-4142-AFCB-F6DC4816B2BC}"/>
-              </a:ext>
-            </a:extLst>
-          </p:cNvPr>
+          <p:cNvPr id="2" name="Title 1"/>
           <p:cNvSpPr>
             <a:spLocks noGrp="1"/>
           </p:cNvSpPr>
@@ -1931,7 +3920,12 @@
             <p:ph type="title"/>
           </p:nvPr>
         </p:nvSpPr>
-        <p:spPr/>
+        <p:spPr>
+          <a:xfrm>
+            <a:off x="677334" y="609600"/>
+            <a:ext cx="8596668" cy="1320800"/>
+          </a:xfrm>
+        </p:spPr>
         <p:txBody>
           <a:bodyPr/>
           <a:lstStyle/>
@@ -1940,19 +3934,13 @@
               <a:rPr lang="en-US"/>
               <a:t>Click to edit Master title style</a:t>
             </a:r>
-            <a:endParaRPr lang="en-GB"/>
-          </a:p>
-        </p:txBody>
-      </p:sp>
-      <p:sp>
-        <p:nvSpPr>
-          <p:cNvPr id="3" name="Date Placeholder 2">
-            <a:extLst>
-              <a:ext uri="{FF2B5EF4-FFF2-40B4-BE49-F238E27FC236}">
-                <a16:creationId xmlns:a16="http://schemas.microsoft.com/office/drawing/2014/main" id="{9E984BC0-BFB2-468E-8A77-46C355C2731F}"/>
-              </a:ext>
-            </a:extLst>
-          </p:cNvPr>
+            <a:endParaRPr lang="en-US" dirty="0"/>
+          </a:p>
+        </p:txBody>
+      </p:sp>
+      <p:sp>
+        <p:nvSpPr>
+          <p:cNvPr id="3" name="Date Placeholder 2"/>
           <p:cNvSpPr>
             <a:spLocks noGrp="1"/>
           </p:cNvSpPr>
@@ -1967,7 +3955,7 @@
           <a:p>
             <a:fld id="{3EE02DEA-DAE7-412D-98C1-743910D649DD}" type="datetimeFigureOut">
               <a:rPr lang="en-GB" smtClean="0"/>
-              <a:t>18/03/2022</a:t>
+              <a:t>23/03/2022</a:t>
             </a:fld>
             <a:endParaRPr lang="en-GB"/>
           </a:p>
@@ -1975,13 +3963,7 @@
       </p:sp>
       <p:sp>
         <p:nvSpPr>
-          <p:cNvPr id="4" name="Footer Placeholder 3">
-            <a:extLst>
-              <a:ext uri="{FF2B5EF4-FFF2-40B4-BE49-F238E27FC236}">
-                <a16:creationId xmlns:a16="http://schemas.microsoft.com/office/drawing/2014/main" id="{0E0EEB1C-3999-40C2-B65A-49C4CDB89D6F}"/>
-              </a:ext>
-            </a:extLst>
-          </p:cNvPr>
+          <p:cNvPr id="4" name="Footer Placeholder 3"/>
           <p:cNvSpPr>
             <a:spLocks noGrp="1"/>
           </p:cNvSpPr>
@@ -2000,13 +3982,7 @@
       </p:sp>
       <p:sp>
         <p:nvSpPr>
-          <p:cNvPr id="5" name="Slide Number Placeholder 4">
-            <a:extLst>
-              <a:ext uri="{FF2B5EF4-FFF2-40B4-BE49-F238E27FC236}">
-                <a16:creationId xmlns:a16="http://schemas.microsoft.com/office/drawing/2014/main" id="{96F33D82-638D-4A9D-9CEF-7DC898E7F8AE}"/>
-              </a:ext>
-            </a:extLst>
-          </p:cNvPr>
+          <p:cNvPr id="5" name="Slide Number Placeholder 4"/>
           <p:cNvSpPr>
             <a:spLocks noGrp="1"/>
           </p:cNvSpPr>
@@ -2030,7 +4006,7 @@
     </p:spTree>
     <p:extLst>
       <p:ext uri="{BB962C8B-B14F-4D97-AF65-F5344CB8AC3E}">
-        <p14:creationId xmlns:p14="http://schemas.microsoft.com/office/powerpoint/2010/main" val="3936072325"/>
+        <p14:creationId xmlns:p14="http://schemas.microsoft.com/office/powerpoint/2010/main" val="3688461398"/>
       </p:ext>
     </p:extLst>
   </p:cSld>
@@ -2059,13 +4035,7 @@
       </p:grpSpPr>
       <p:sp>
         <p:nvSpPr>
-          <p:cNvPr id="2" name="Date Placeholder 1">
-            <a:extLst>
-              <a:ext uri="{FF2B5EF4-FFF2-40B4-BE49-F238E27FC236}">
-                <a16:creationId xmlns:a16="http://schemas.microsoft.com/office/drawing/2014/main" id="{34BEB253-4646-4147-A046-94468D9053F3}"/>
-              </a:ext>
-            </a:extLst>
-          </p:cNvPr>
+          <p:cNvPr id="2" name="Date Placeholder 1"/>
           <p:cNvSpPr>
             <a:spLocks noGrp="1"/>
           </p:cNvSpPr>
@@ -2080,7 +4050,7 @@
           <a:p>
             <a:fld id="{3EE02DEA-DAE7-412D-98C1-743910D649DD}" type="datetimeFigureOut">
               <a:rPr lang="en-GB" smtClean="0"/>
-              <a:t>18/03/2022</a:t>
+              <a:t>23/03/2022</a:t>
             </a:fld>
             <a:endParaRPr lang="en-GB"/>
           </a:p>
@@ -2088,13 +4058,7 @@
       </p:sp>
       <p:sp>
         <p:nvSpPr>
-          <p:cNvPr id="3" name="Footer Placeholder 2">
-            <a:extLst>
-              <a:ext uri="{FF2B5EF4-FFF2-40B4-BE49-F238E27FC236}">
-                <a16:creationId xmlns:a16="http://schemas.microsoft.com/office/drawing/2014/main" id="{C3DC871A-5C39-4C61-96BA-E654594948B9}"/>
-              </a:ext>
-            </a:extLst>
-          </p:cNvPr>
+          <p:cNvPr id="3" name="Footer Placeholder 2"/>
           <p:cNvSpPr>
             <a:spLocks noGrp="1"/>
           </p:cNvSpPr>
@@ -2113,13 +4077,7 @@
       </p:sp>
       <p:sp>
         <p:nvSpPr>
-          <p:cNvPr id="4" name="Slide Number Placeholder 3">
-            <a:extLst>
-              <a:ext uri="{FF2B5EF4-FFF2-40B4-BE49-F238E27FC236}">
-                <a16:creationId xmlns:a16="http://schemas.microsoft.com/office/drawing/2014/main" id="{F3336B8A-C45A-4C16-A084-30F22C3F6C2F}"/>
-              </a:ext>
-            </a:extLst>
-          </p:cNvPr>
+          <p:cNvPr id="4" name="Slide Number Placeholder 3"/>
           <p:cNvSpPr>
             <a:spLocks noGrp="1"/>
           </p:cNvSpPr>
@@ -2143,7 +4101,7 @@
     </p:spTree>
     <p:extLst>
       <p:ext uri="{BB962C8B-B14F-4D97-AF65-F5344CB8AC3E}">
-        <p14:creationId xmlns:p14="http://schemas.microsoft.com/office/powerpoint/2010/main" val="972462489"/>
+        <p14:creationId xmlns:p14="http://schemas.microsoft.com/office/powerpoint/2010/main" val="1250015599"/>
       </p:ext>
     </p:extLst>
   </p:cSld>
@@ -2172,13 +4130,7 @@
       </p:grpSpPr>
       <p:sp>
         <p:nvSpPr>
-          <p:cNvPr id="2" name="Title 1">
-            <a:extLst>
-              <a:ext uri="{FF2B5EF4-FFF2-40B4-BE49-F238E27FC236}">
-                <a16:creationId xmlns:a16="http://schemas.microsoft.com/office/drawing/2014/main" id="{B3894E30-557F-4DBD-B39C-7F2724C97D0A}"/>
-              </a:ext>
-            </a:extLst>
-          </p:cNvPr>
+          <p:cNvPr id="2" name="Title 1"/>
           <p:cNvSpPr>
             <a:spLocks noGrp="1"/>
           </p:cNvSpPr>
@@ -2188,15 +4140,17 @@
         </p:nvSpPr>
         <p:spPr>
           <a:xfrm>
-            <a:off x="839788" y="457200"/>
-            <a:ext cx="3932237" cy="1600200"/>
+            <a:off x="677334" y="1498604"/>
+            <a:ext cx="3854528" cy="1278466"/>
           </a:xfrm>
         </p:spPr>
         <p:txBody>
-          <a:bodyPr anchor="b"/>
+          <a:bodyPr anchor="b">
+            <a:normAutofit/>
+          </a:bodyPr>
           <a:lstStyle>
             <a:lvl1pPr>
-              <a:defRPr sz="3200"/>
+              <a:defRPr sz="2000"/>
             </a:lvl1pPr>
           </a:lstStyle>
           <a:p>
@@ -2204,19 +4158,13 @@
               <a:rPr lang="en-US"/>
               <a:t>Click to edit Master title style</a:t>
             </a:r>
-            <a:endParaRPr lang="en-GB"/>
-          </a:p>
-        </p:txBody>
-      </p:sp>
-      <p:sp>
-        <p:nvSpPr>
-          <p:cNvPr id="3" name="Content Placeholder 2">
-            <a:extLst>
-              <a:ext uri="{FF2B5EF4-FFF2-40B4-BE49-F238E27FC236}">
-                <a16:creationId xmlns:a16="http://schemas.microsoft.com/office/drawing/2014/main" id="{392170B4-3653-44B0-9D01-49B57FF2F922}"/>
-              </a:ext>
-            </a:extLst>
-          </p:cNvPr>
+            <a:endParaRPr lang="en-US" dirty="0"/>
+          </a:p>
+        </p:txBody>
+      </p:sp>
+      <p:sp>
+        <p:nvSpPr>
+          <p:cNvPr id="3" name="Content Placeholder 2"/>
           <p:cNvSpPr>
             <a:spLocks noGrp="1"/>
           </p:cNvSpPr>
@@ -2226,41 +4174,15 @@
         </p:nvSpPr>
         <p:spPr>
           <a:xfrm>
-            <a:off x="5183188" y="987425"/>
-            <a:ext cx="6172200" cy="4873625"/>
+            <a:off x="4760461" y="514924"/>
+            <a:ext cx="4513541" cy="5526437"/>
           </a:xfrm>
         </p:spPr>
         <p:txBody>
-          <a:bodyPr/>
-          <a:lstStyle>
-            <a:lvl1pPr>
-              <a:defRPr sz="3200"/>
-            </a:lvl1pPr>
-            <a:lvl2pPr>
-              <a:defRPr sz="2800"/>
-            </a:lvl2pPr>
-            <a:lvl3pPr>
-              <a:defRPr sz="2400"/>
-            </a:lvl3pPr>
-            <a:lvl4pPr>
-              <a:defRPr sz="2000"/>
-            </a:lvl4pPr>
-            <a:lvl5pPr>
-              <a:defRPr sz="2000"/>
-            </a:lvl5pPr>
-            <a:lvl6pPr>
-              <a:defRPr sz="2000"/>
-            </a:lvl6pPr>
-            <a:lvl7pPr>
-              <a:defRPr sz="2000"/>
-            </a:lvl7pPr>
-            <a:lvl8pPr>
-              <a:defRPr sz="2000"/>
-            </a:lvl8pPr>
-            <a:lvl9pPr>
-              <a:defRPr sz="2000"/>
-            </a:lvl9pPr>
-          </a:lstStyle>
+          <a:bodyPr>
+            <a:normAutofit/>
+          </a:bodyPr>
+          <a:lstStyle/>
           <a:p>
             <a:pPr lvl="0"/>
             <a:r>
@@ -2295,19 +4217,13 @@
               <a:rPr lang="en-US"/>
               <a:t>Fifth level</a:t>
             </a:r>
-            <a:endParaRPr lang="en-GB"/>
-          </a:p>
-        </p:txBody>
-      </p:sp>
-      <p:sp>
-        <p:nvSpPr>
-          <p:cNvPr id="4" name="Text Placeholder 3">
-            <a:extLst>
-              <a:ext uri="{FF2B5EF4-FFF2-40B4-BE49-F238E27FC236}">
-                <a16:creationId xmlns:a16="http://schemas.microsoft.com/office/drawing/2014/main" id="{5EECE451-915F-4842-8161-EEFC4F55A0FC}"/>
-              </a:ext>
-            </a:extLst>
-          </p:cNvPr>
+            <a:endParaRPr lang="en-US" dirty="0"/>
+          </a:p>
+        </p:txBody>
+      </p:sp>
+      <p:sp>
+        <p:nvSpPr>
+          <p:cNvPr id="4" name="Text Placeholder 3"/>
           <p:cNvSpPr>
             <a:spLocks noGrp="1"/>
           </p:cNvSpPr>
@@ -2317,46 +4233,48 @@
         </p:nvSpPr>
         <p:spPr>
           <a:xfrm>
-            <a:off x="839788" y="2057400"/>
-            <a:ext cx="3932237" cy="3811588"/>
+            <a:off x="677334" y="2777069"/>
+            <a:ext cx="3854528" cy="2584449"/>
           </a:xfrm>
         </p:spPr>
         <p:txBody>
-          <a:bodyPr/>
+          <a:bodyPr>
+            <a:normAutofit/>
+          </a:bodyPr>
           <a:lstStyle>
             <a:lvl1pPr marL="0" indent="0">
               <a:buNone/>
-              <a:defRPr sz="1600"/>
+              <a:defRPr sz="1400"/>
             </a:lvl1pPr>
-            <a:lvl2pPr marL="457200" indent="0">
+            <a:lvl2pPr marL="457063" indent="0">
               <a:buNone/>
               <a:defRPr sz="1400"/>
             </a:lvl2pPr>
-            <a:lvl3pPr marL="914400" indent="0">
+            <a:lvl3pPr marL="914126" indent="0">
               <a:buNone/>
               <a:defRPr sz="1200"/>
             </a:lvl3pPr>
-            <a:lvl4pPr marL="1371600" indent="0">
+            <a:lvl4pPr marL="1371189" indent="0">
               <a:buNone/>
               <a:defRPr sz="1000"/>
             </a:lvl4pPr>
-            <a:lvl5pPr marL="1828800" indent="0">
+            <a:lvl5pPr marL="1828251" indent="0">
               <a:buNone/>
               <a:defRPr sz="1000"/>
             </a:lvl5pPr>
-            <a:lvl6pPr marL="2286000" indent="0">
+            <a:lvl6pPr marL="2285314" indent="0">
               <a:buNone/>
               <a:defRPr sz="1000"/>
             </a:lvl6pPr>
-            <a:lvl7pPr marL="2743200" indent="0">
+            <a:lvl7pPr marL="2742377" indent="0">
               <a:buNone/>
               <a:defRPr sz="1000"/>
             </a:lvl7pPr>
-            <a:lvl8pPr marL="3200400" indent="0">
+            <a:lvl8pPr marL="3199440" indent="0">
               <a:buNone/>
               <a:defRPr sz="1000"/>
             </a:lvl8pPr>
-            <a:lvl9pPr marL="3657600" indent="0">
+            <a:lvl9pPr marL="3656503" indent="0">
               <a:buNone/>
               <a:defRPr sz="1000"/>
             </a:lvl9pPr>
@@ -2372,13 +4290,7 @@
       </p:sp>
       <p:sp>
         <p:nvSpPr>
-          <p:cNvPr id="5" name="Date Placeholder 4">
-            <a:extLst>
-              <a:ext uri="{FF2B5EF4-FFF2-40B4-BE49-F238E27FC236}">
-                <a16:creationId xmlns:a16="http://schemas.microsoft.com/office/drawing/2014/main" id="{9FB135BD-6050-4002-8EC2-F56D472AF159}"/>
-              </a:ext>
-            </a:extLst>
-          </p:cNvPr>
+          <p:cNvPr id="5" name="Date Placeholder 4"/>
           <p:cNvSpPr>
             <a:spLocks noGrp="1"/>
           </p:cNvSpPr>
@@ -2393,7 +4305,7 @@
           <a:p>
             <a:fld id="{3EE02DEA-DAE7-412D-98C1-743910D649DD}" type="datetimeFigureOut">
               <a:rPr lang="en-GB" smtClean="0"/>
-              <a:t>18/03/2022</a:t>
+              <a:t>23/03/2022</a:t>
             </a:fld>
             <a:endParaRPr lang="en-GB"/>
           </a:p>
@@ -2401,13 +4313,7 @@
       </p:sp>
       <p:sp>
         <p:nvSpPr>
-          <p:cNvPr id="6" name="Footer Placeholder 5">
-            <a:extLst>
-              <a:ext uri="{FF2B5EF4-FFF2-40B4-BE49-F238E27FC236}">
-                <a16:creationId xmlns:a16="http://schemas.microsoft.com/office/drawing/2014/main" id="{389428A1-6117-4E0C-857C-2A07CA7F35F9}"/>
-              </a:ext>
-            </a:extLst>
-          </p:cNvPr>
+          <p:cNvPr id="6" name="Footer Placeholder 5"/>
           <p:cNvSpPr>
             <a:spLocks noGrp="1"/>
           </p:cNvSpPr>
@@ -2426,13 +4332,7 @@
       </p:sp>
       <p:sp>
         <p:nvSpPr>
-          <p:cNvPr id="7" name="Slide Number Placeholder 6">
-            <a:extLst>
-              <a:ext uri="{FF2B5EF4-FFF2-40B4-BE49-F238E27FC236}">
-                <a16:creationId xmlns:a16="http://schemas.microsoft.com/office/drawing/2014/main" id="{CA215CF5-BC5C-4DFC-919C-2F44B3FF6DA0}"/>
-              </a:ext>
-            </a:extLst>
-          </p:cNvPr>
+          <p:cNvPr id="7" name="Slide Number Placeholder 6"/>
           <p:cNvSpPr>
             <a:spLocks noGrp="1"/>
           </p:cNvSpPr>
@@ -2456,7 +4356,7 @@
     </p:spTree>
     <p:extLst>
       <p:ext uri="{BB962C8B-B14F-4D97-AF65-F5344CB8AC3E}">
-        <p14:creationId xmlns:p14="http://schemas.microsoft.com/office/powerpoint/2010/main" val="168085759"/>
+        <p14:creationId xmlns:p14="http://schemas.microsoft.com/office/powerpoint/2010/main" val="3276901530"/>
       </p:ext>
     </p:extLst>
   </p:cSld>
@@ -2485,13 +4385,7 @@
       </p:grpSpPr>
       <p:sp>
         <p:nvSpPr>
-          <p:cNvPr id="2" name="Title 1">
-            <a:extLst>
-              <a:ext uri="{FF2B5EF4-FFF2-40B4-BE49-F238E27FC236}">
-                <a16:creationId xmlns:a16="http://schemas.microsoft.com/office/drawing/2014/main" id="{86D47C4B-745B-468C-9C0B-B837D07ADF49}"/>
-              </a:ext>
-            </a:extLst>
-          </p:cNvPr>
+          <p:cNvPr id="2" name="Title 1"/>
           <p:cNvSpPr>
             <a:spLocks noGrp="1"/>
           </p:cNvSpPr>
@@ -2501,15 +4395,17 @@
         </p:nvSpPr>
         <p:spPr>
           <a:xfrm>
-            <a:off x="839788" y="457200"/>
-            <a:ext cx="3932237" cy="1600200"/>
+            <a:off x="677334" y="4800600"/>
+            <a:ext cx="8596667" cy="566738"/>
           </a:xfrm>
         </p:spPr>
         <p:txBody>
-          <a:bodyPr anchor="b"/>
+          <a:bodyPr anchor="b">
+            <a:normAutofit/>
+          </a:bodyPr>
           <a:lstStyle>
-            <a:lvl1pPr>
-              <a:defRPr sz="3200"/>
+            <a:lvl1pPr algn="l">
+              <a:defRPr sz="2400" b="0"/>
             </a:lvl1pPr>
           </a:lstStyle>
           <a:p>
@@ -2517,21 +4413,15 @@
               <a:rPr lang="en-US"/>
               <a:t>Click to edit Master title style</a:t>
             </a:r>
-            <a:endParaRPr lang="en-GB"/>
-          </a:p>
-        </p:txBody>
-      </p:sp>
-      <p:sp>
-        <p:nvSpPr>
-          <p:cNvPr id="3" name="Picture Placeholder 2">
-            <a:extLst>
-              <a:ext uri="{FF2B5EF4-FFF2-40B4-BE49-F238E27FC236}">
-                <a16:creationId xmlns:a16="http://schemas.microsoft.com/office/drawing/2014/main" id="{B0C718A1-5C68-4E07-834A-23288F301B62}"/>
-              </a:ext>
-            </a:extLst>
-          </p:cNvPr>
-          <p:cNvSpPr>
-            <a:spLocks noGrp="1"/>
+            <a:endParaRPr lang="en-US" dirty="0"/>
+          </a:p>
+        </p:txBody>
+      </p:sp>
+      <p:sp>
+        <p:nvSpPr>
+          <p:cNvPr id="3" name="Picture Placeholder 2"/>
+          <p:cNvSpPr>
+            <a:spLocks noGrp="1" noChangeAspect="1"/>
           </p:cNvSpPr>
           <p:nvPr>
             <p:ph type="pic" idx="1"/>
@@ -2539,118 +4429,120 @@
         </p:nvSpPr>
         <p:spPr>
           <a:xfrm>
-            <a:off x="5183188" y="987425"/>
-            <a:ext cx="6172200" cy="4873625"/>
+            <a:off x="677334" y="609600"/>
+            <a:ext cx="8596668" cy="3845718"/>
           </a:xfrm>
         </p:spPr>
         <p:txBody>
-          <a:bodyPr/>
+          <a:bodyPr anchor="t">
+            <a:normAutofit/>
+          </a:bodyPr>
           <a:lstStyle>
-            <a:lvl1pPr marL="0" indent="0">
-              <a:buNone/>
-              <a:defRPr sz="3200"/>
-            </a:lvl1pPr>
-            <a:lvl2pPr marL="457200" indent="0">
-              <a:buNone/>
-              <a:defRPr sz="2800"/>
-            </a:lvl2pPr>
-            <a:lvl3pPr marL="914400" indent="0">
-              <a:buNone/>
-              <a:defRPr sz="2400"/>
-            </a:lvl3pPr>
-            <a:lvl4pPr marL="1371600" indent="0">
-              <a:buNone/>
-              <a:defRPr sz="2000"/>
-            </a:lvl4pPr>
-            <a:lvl5pPr marL="1828800" indent="0">
-              <a:buNone/>
-              <a:defRPr sz="2000"/>
-            </a:lvl5pPr>
-            <a:lvl6pPr marL="2286000" indent="0">
-              <a:buNone/>
-              <a:defRPr sz="2000"/>
-            </a:lvl6pPr>
-            <a:lvl7pPr marL="2743200" indent="0">
-              <a:buNone/>
-              <a:defRPr sz="2000"/>
-            </a:lvl7pPr>
-            <a:lvl8pPr marL="3200400" indent="0">
-              <a:buNone/>
-              <a:defRPr sz="2000"/>
-            </a:lvl8pPr>
-            <a:lvl9pPr marL="3657600" indent="0">
-              <a:buNone/>
-              <a:defRPr sz="2000"/>
-            </a:lvl9pPr>
-          </a:lstStyle>
-          <a:p>
-            <a:endParaRPr lang="en-GB"/>
-          </a:p>
-        </p:txBody>
-      </p:sp>
-      <p:sp>
-        <p:nvSpPr>
-          <p:cNvPr id="4" name="Text Placeholder 3">
-            <a:extLst>
-              <a:ext uri="{FF2B5EF4-FFF2-40B4-BE49-F238E27FC236}">
-                <a16:creationId xmlns:a16="http://schemas.microsoft.com/office/drawing/2014/main" id="{C63A0746-49F4-4F64-A9A6-53377CDBBAA9}"/>
-              </a:ext>
-            </a:extLst>
-          </p:cNvPr>
-          <p:cNvSpPr>
-            <a:spLocks noGrp="1"/>
-          </p:cNvSpPr>
-          <p:nvPr>
-            <p:ph type="body" sz="half" idx="2"/>
-          </p:nvPr>
-        </p:nvSpPr>
-        <p:spPr>
-          <a:xfrm>
-            <a:off x="839788" y="2057400"/>
-            <a:ext cx="3932237" cy="3811588"/>
-          </a:xfrm>
-        </p:spPr>
-        <p:txBody>
-          <a:bodyPr/>
-          <a:lstStyle>
-            <a:lvl1pPr marL="0" indent="0">
+            <a:lvl1pPr marL="0" indent="0" algn="ctr">
               <a:buNone/>
               <a:defRPr sz="1600"/>
             </a:lvl1pPr>
             <a:lvl2pPr marL="457200" indent="0">
               <a:buNone/>
-              <a:defRPr sz="1400"/>
+              <a:defRPr sz="1600"/>
             </a:lvl2pPr>
             <a:lvl3pPr marL="914400" indent="0">
               <a:buNone/>
-              <a:defRPr sz="1200"/>
+              <a:defRPr sz="1600"/>
             </a:lvl3pPr>
             <a:lvl4pPr marL="1371600" indent="0">
               <a:buNone/>
-              <a:defRPr sz="1000"/>
+              <a:defRPr sz="1600"/>
             </a:lvl4pPr>
             <a:lvl5pPr marL="1828800" indent="0">
               <a:buNone/>
-              <a:defRPr sz="1000"/>
+              <a:defRPr sz="1600"/>
             </a:lvl5pPr>
             <a:lvl6pPr marL="2286000" indent="0">
               <a:buNone/>
-              <a:defRPr sz="1000"/>
+              <a:defRPr sz="1600"/>
             </a:lvl6pPr>
             <a:lvl7pPr marL="2743200" indent="0">
               <a:buNone/>
-              <a:defRPr sz="1000"/>
+              <a:defRPr sz="1600"/>
             </a:lvl7pPr>
             <a:lvl8pPr marL="3200400" indent="0">
               <a:buNone/>
-              <a:defRPr sz="1000"/>
+              <a:defRPr sz="1600"/>
             </a:lvl8pPr>
             <a:lvl9pPr marL="3657600" indent="0">
               <a:buNone/>
-              <a:defRPr sz="1000"/>
+              <a:defRPr sz="1600"/>
             </a:lvl9pPr>
           </a:lstStyle>
           <a:p>
+            <a:r>
+              <a:rPr lang="en-US"/>
+              <a:t>Click icon to add picture</a:t>
+            </a:r>
+            <a:endParaRPr lang="en-US" dirty="0"/>
+          </a:p>
+        </p:txBody>
+      </p:sp>
+      <p:sp>
+        <p:nvSpPr>
+          <p:cNvPr id="4" name="Text Placeholder 3"/>
+          <p:cNvSpPr>
+            <a:spLocks noGrp="1"/>
+          </p:cNvSpPr>
+          <p:nvPr>
+            <p:ph type="body" sz="half" idx="2"/>
+          </p:nvPr>
+        </p:nvSpPr>
+        <p:spPr>
+          <a:xfrm>
+            <a:off x="677334" y="5367338"/>
+            <a:ext cx="8596667" cy="674024"/>
+          </a:xfrm>
+        </p:spPr>
+        <p:txBody>
+          <a:bodyPr>
+            <a:normAutofit/>
+          </a:bodyPr>
+          <a:lstStyle>
+            <a:lvl1pPr marL="0" indent="0">
+              <a:buNone/>
+              <a:defRPr sz="1200"/>
+            </a:lvl1pPr>
+            <a:lvl2pPr marL="457200" indent="0">
+              <a:buNone/>
+              <a:defRPr sz="1200"/>
+            </a:lvl2pPr>
+            <a:lvl3pPr marL="914400" indent="0">
+              <a:buNone/>
+              <a:defRPr sz="1000"/>
+            </a:lvl3pPr>
+            <a:lvl4pPr marL="1371600" indent="0">
+              <a:buNone/>
+              <a:defRPr sz="900"/>
+            </a:lvl4pPr>
+            <a:lvl5pPr marL="1828800" indent="0">
+              <a:buNone/>
+              <a:defRPr sz="900"/>
+            </a:lvl5pPr>
+            <a:lvl6pPr marL="2286000" indent="0">
+              <a:buNone/>
+              <a:defRPr sz="900"/>
+            </a:lvl6pPr>
+            <a:lvl7pPr marL="2743200" indent="0">
+              <a:buNone/>
+              <a:defRPr sz="900"/>
+            </a:lvl7pPr>
+            <a:lvl8pPr marL="3200400" indent="0">
+              <a:buNone/>
+              <a:defRPr sz="900"/>
+            </a:lvl8pPr>
+            <a:lvl9pPr marL="3657600" indent="0">
+              <a:buNone/>
+              <a:defRPr sz="900"/>
+            </a:lvl9pPr>
+          </a:lstStyle>
+          <a:p>
             <a:pPr lvl="0"/>
             <a:r>
               <a:rPr lang="en-US"/>
@@ -2661,13 +4553,7 @@
       </p:sp>
       <p:sp>
         <p:nvSpPr>
-          <p:cNvPr id="5" name="Date Placeholder 4">
-            <a:extLst>
-              <a:ext uri="{FF2B5EF4-FFF2-40B4-BE49-F238E27FC236}">
-                <a16:creationId xmlns:a16="http://schemas.microsoft.com/office/drawing/2014/main" id="{BBF55A53-15E5-4AC8-9137-F9CD5FEA5266}"/>
-              </a:ext>
-            </a:extLst>
-          </p:cNvPr>
+          <p:cNvPr id="5" name="Date Placeholder 4"/>
           <p:cNvSpPr>
             <a:spLocks noGrp="1"/>
           </p:cNvSpPr>
@@ -2682,7 +4568,7 @@
           <a:p>
             <a:fld id="{3EE02DEA-DAE7-412D-98C1-743910D649DD}" type="datetimeFigureOut">
               <a:rPr lang="en-GB" smtClean="0"/>
-              <a:t>18/03/2022</a:t>
+              <a:t>23/03/2022</a:t>
             </a:fld>
             <a:endParaRPr lang="en-GB"/>
           </a:p>
@@ -2690,13 +4576,7 @@
       </p:sp>
       <p:sp>
         <p:nvSpPr>
-          <p:cNvPr id="6" name="Footer Placeholder 5">
-            <a:extLst>
-              <a:ext uri="{FF2B5EF4-FFF2-40B4-BE49-F238E27FC236}">
-                <a16:creationId xmlns:a16="http://schemas.microsoft.com/office/drawing/2014/main" id="{933777FF-0002-487F-9B52-655BD0A26573}"/>
-              </a:ext>
-            </a:extLst>
-          </p:cNvPr>
+          <p:cNvPr id="6" name="Footer Placeholder 5"/>
           <p:cNvSpPr>
             <a:spLocks noGrp="1"/>
           </p:cNvSpPr>
@@ -2715,13 +4595,7 @@
       </p:sp>
       <p:sp>
         <p:nvSpPr>
-          <p:cNvPr id="7" name="Slide Number Placeholder 6">
-            <a:extLst>
-              <a:ext uri="{FF2B5EF4-FFF2-40B4-BE49-F238E27FC236}">
-                <a16:creationId xmlns:a16="http://schemas.microsoft.com/office/drawing/2014/main" id="{E48C7287-E968-4E6F-ACBE-BA41FA565B46}"/>
-              </a:ext>
-            </a:extLst>
-          </p:cNvPr>
+          <p:cNvPr id="7" name="Slide Number Placeholder 6"/>
           <p:cNvSpPr>
             <a:spLocks noGrp="1"/>
           </p:cNvSpPr>
@@ -2745,7 +4619,7 @@
     </p:spTree>
     <p:extLst>
       <p:ext uri="{BB962C8B-B14F-4D97-AF65-F5344CB8AC3E}">
-        <p14:creationId xmlns:p14="http://schemas.microsoft.com/office/powerpoint/2010/main" val="2893272756"/>
+        <p14:creationId xmlns:p14="http://schemas.microsoft.com/office/powerpoint/2010/main" val="3623162181"/>
       </p:ext>
     </p:extLst>
   </p:cSld>
@@ -2777,15 +4651,539 @@
           <a:chExt cx="0" cy="0"/>
         </a:xfrm>
       </p:grpSpPr>
-      <p:sp>
-        <p:nvSpPr>
-          <p:cNvPr id="2" name="Title Placeholder 1">
-            <a:extLst>
-              <a:ext uri="{FF2B5EF4-FFF2-40B4-BE49-F238E27FC236}">
-                <a16:creationId xmlns:a16="http://schemas.microsoft.com/office/drawing/2014/main" id="{31FCD0E7-EBC6-4A20-B6A7-BF599443C581}"/>
-              </a:ext>
-            </a:extLst>
-          </p:cNvPr>
+      <p:grpSp>
+        <p:nvGrpSpPr>
+          <p:cNvPr id="7" name="Group 6"/>
+          <p:cNvGrpSpPr/>
+          <p:nvPr/>
+        </p:nvGrpSpPr>
+        <p:grpSpPr>
+          <a:xfrm>
+            <a:off x="0" y="-8467"/>
+            <a:ext cx="12192000" cy="6866467"/>
+            <a:chOff x="0" y="-8467"/>
+            <a:chExt cx="12192000" cy="6866467"/>
+          </a:xfrm>
+        </p:grpSpPr>
+        <p:cxnSp>
+          <p:nvCxnSpPr>
+            <p:cNvPr id="20" name="Straight Connector 19"/>
+            <p:cNvCxnSpPr/>
+            <p:nvPr/>
+          </p:nvCxnSpPr>
+          <p:spPr>
+            <a:xfrm>
+              <a:off x="9371012" y="0"/>
+              <a:ext cx="1219200" cy="6858000"/>
+            </a:xfrm>
+            <a:prstGeom prst="line">
+              <a:avLst/>
+            </a:prstGeom>
+            <a:ln w="9525">
+              <a:solidFill>
+                <a:schemeClr val="bg1">
+                  <a:lumMod val="75000"/>
+                </a:schemeClr>
+              </a:solidFill>
+            </a:ln>
+          </p:spPr>
+          <p:style>
+            <a:lnRef idx="2">
+              <a:schemeClr val="accent1"/>
+            </a:lnRef>
+            <a:fillRef idx="0">
+              <a:schemeClr val="accent1"/>
+            </a:fillRef>
+            <a:effectRef idx="1">
+              <a:schemeClr val="accent1"/>
+            </a:effectRef>
+            <a:fontRef idx="minor">
+              <a:schemeClr val="tx1"/>
+            </a:fontRef>
+          </p:style>
+        </p:cxnSp>
+        <p:cxnSp>
+          <p:nvCxnSpPr>
+            <p:cNvPr id="21" name="Straight Connector 20"/>
+            <p:cNvCxnSpPr/>
+            <p:nvPr/>
+          </p:nvCxnSpPr>
+          <p:spPr>
+            <a:xfrm flipH="1">
+              <a:off x="7425267" y="3681413"/>
+              <a:ext cx="4763558" cy="3176587"/>
+            </a:xfrm>
+            <a:prstGeom prst="line">
+              <a:avLst/>
+            </a:prstGeom>
+            <a:ln w="9525">
+              <a:solidFill>
+                <a:schemeClr val="bg1">
+                  <a:lumMod val="85000"/>
+                </a:schemeClr>
+              </a:solidFill>
+            </a:ln>
+          </p:spPr>
+          <p:style>
+            <a:lnRef idx="2">
+              <a:schemeClr val="accent1"/>
+            </a:lnRef>
+            <a:fillRef idx="0">
+              <a:schemeClr val="accent1"/>
+            </a:fillRef>
+            <a:effectRef idx="1">
+              <a:schemeClr val="accent1"/>
+            </a:effectRef>
+            <a:fontRef idx="minor">
+              <a:schemeClr val="tx1"/>
+            </a:fontRef>
+          </p:style>
+        </p:cxnSp>
+        <p:sp>
+          <p:nvSpPr>
+            <p:cNvPr id="22" name="Rectangle 23"/>
+            <p:cNvSpPr/>
+            <p:nvPr/>
+          </p:nvSpPr>
+          <p:spPr>
+            <a:xfrm>
+              <a:off x="9181476" y="-8467"/>
+              <a:ext cx="3007349" cy="6866467"/>
+            </a:xfrm>
+            <a:custGeom>
+              <a:avLst/>
+              <a:gdLst/>
+              <a:ahLst/>
+              <a:cxnLst/>
+              <a:rect l="l" t="t" r="r" b="b"/>
+              <a:pathLst>
+                <a:path w="3007349" h="6866467">
+                  <a:moveTo>
+                    <a:pt x="2045532" y="0"/>
+                  </a:moveTo>
+                  <a:lnTo>
+                    <a:pt x="3007349" y="0"/>
+                  </a:lnTo>
+                  <a:lnTo>
+                    <a:pt x="3007349" y="6866467"/>
+                  </a:lnTo>
+                  <a:lnTo>
+                    <a:pt x="0" y="6866467"/>
+                  </a:lnTo>
+                  <a:lnTo>
+                    <a:pt x="2045532" y="0"/>
+                  </a:lnTo>
+                  <a:close/>
+                </a:path>
+              </a:pathLst>
+            </a:custGeom>
+            <a:solidFill>
+              <a:schemeClr val="accent1">
+                <a:alpha val="30000"/>
+              </a:schemeClr>
+            </a:solidFill>
+            <a:ln>
+              <a:noFill/>
+            </a:ln>
+            <a:effectLst/>
+          </p:spPr>
+          <p:style>
+            <a:lnRef idx="1">
+              <a:schemeClr val="accent1"/>
+            </a:lnRef>
+            <a:fillRef idx="3">
+              <a:schemeClr val="accent1"/>
+            </a:fillRef>
+            <a:effectRef idx="2">
+              <a:schemeClr val="accent1"/>
+            </a:effectRef>
+            <a:fontRef idx="minor">
+              <a:schemeClr val="lt1"/>
+            </a:fontRef>
+          </p:style>
+        </p:sp>
+        <p:sp>
+          <p:nvSpPr>
+            <p:cNvPr id="23" name="Rectangle 25"/>
+            <p:cNvSpPr/>
+            <p:nvPr/>
+          </p:nvSpPr>
+          <p:spPr>
+            <a:xfrm>
+              <a:off x="9603442" y="-8467"/>
+              <a:ext cx="2588558" cy="6866467"/>
+            </a:xfrm>
+            <a:custGeom>
+              <a:avLst/>
+              <a:gdLst/>
+              <a:ahLst/>
+              <a:cxnLst/>
+              <a:rect l="l" t="t" r="r" b="b"/>
+              <a:pathLst>
+                <a:path w="2573311" h="6866467">
+                  <a:moveTo>
+                    <a:pt x="0" y="0"/>
+                  </a:moveTo>
+                  <a:lnTo>
+                    <a:pt x="2573311" y="0"/>
+                  </a:lnTo>
+                  <a:lnTo>
+                    <a:pt x="2573311" y="6866467"/>
+                  </a:lnTo>
+                  <a:lnTo>
+                    <a:pt x="1202336" y="6866467"/>
+                  </a:lnTo>
+                  <a:lnTo>
+                    <a:pt x="0" y="0"/>
+                  </a:lnTo>
+                  <a:close/>
+                </a:path>
+              </a:pathLst>
+            </a:custGeom>
+            <a:solidFill>
+              <a:schemeClr val="accent1">
+                <a:alpha val="20000"/>
+              </a:schemeClr>
+            </a:solidFill>
+            <a:ln>
+              <a:noFill/>
+            </a:ln>
+            <a:effectLst/>
+          </p:spPr>
+          <p:style>
+            <a:lnRef idx="1">
+              <a:schemeClr val="accent1"/>
+            </a:lnRef>
+            <a:fillRef idx="3">
+              <a:schemeClr val="accent1"/>
+            </a:fillRef>
+            <a:effectRef idx="2">
+              <a:schemeClr val="accent1"/>
+            </a:effectRef>
+            <a:fontRef idx="minor">
+              <a:schemeClr val="lt1"/>
+            </a:fontRef>
+          </p:style>
+        </p:sp>
+        <p:sp>
+          <p:nvSpPr>
+            <p:cNvPr id="24" name="Isosceles Triangle 23"/>
+            <p:cNvSpPr/>
+            <p:nvPr/>
+          </p:nvSpPr>
+          <p:spPr>
+            <a:xfrm>
+              <a:off x="8932333" y="3048000"/>
+              <a:ext cx="3259667" cy="3810000"/>
+            </a:xfrm>
+            <a:prstGeom prst="triangle">
+              <a:avLst>
+                <a:gd name="adj" fmla="val 100000"/>
+              </a:avLst>
+            </a:prstGeom>
+            <a:solidFill>
+              <a:schemeClr val="accent2">
+                <a:alpha val="72000"/>
+              </a:schemeClr>
+            </a:solidFill>
+            <a:ln>
+              <a:noFill/>
+            </a:ln>
+            <a:effectLst/>
+          </p:spPr>
+          <p:style>
+            <a:lnRef idx="1">
+              <a:schemeClr val="accent1"/>
+            </a:lnRef>
+            <a:fillRef idx="3">
+              <a:schemeClr val="accent1"/>
+            </a:fillRef>
+            <a:effectRef idx="2">
+              <a:schemeClr val="accent1"/>
+            </a:effectRef>
+            <a:fontRef idx="minor">
+              <a:schemeClr val="lt1"/>
+            </a:fontRef>
+          </p:style>
+        </p:sp>
+        <p:sp>
+          <p:nvSpPr>
+            <p:cNvPr id="25" name="Rectangle 27"/>
+            <p:cNvSpPr/>
+            <p:nvPr/>
+          </p:nvSpPr>
+          <p:spPr>
+            <a:xfrm>
+              <a:off x="9334500" y="-8467"/>
+              <a:ext cx="2854326" cy="6866467"/>
+            </a:xfrm>
+            <a:custGeom>
+              <a:avLst/>
+              <a:gdLst/>
+              <a:ahLst/>
+              <a:cxnLst/>
+              <a:rect l="l" t="t" r="r" b="b"/>
+              <a:pathLst>
+                <a:path w="2858013" h="6866467">
+                  <a:moveTo>
+                    <a:pt x="0" y="0"/>
+                  </a:moveTo>
+                  <a:lnTo>
+                    <a:pt x="2858013" y="0"/>
+                  </a:lnTo>
+                  <a:lnTo>
+                    <a:pt x="2858013" y="6866467"/>
+                  </a:lnTo>
+                  <a:lnTo>
+                    <a:pt x="2473942" y="6866467"/>
+                  </a:lnTo>
+                  <a:lnTo>
+                    <a:pt x="0" y="0"/>
+                  </a:lnTo>
+                  <a:close/>
+                </a:path>
+              </a:pathLst>
+            </a:custGeom>
+            <a:solidFill>
+              <a:schemeClr val="accent2">
+                <a:lumMod val="75000"/>
+                <a:alpha val="70000"/>
+              </a:schemeClr>
+            </a:solidFill>
+            <a:ln>
+              <a:noFill/>
+            </a:ln>
+            <a:effectLst/>
+          </p:spPr>
+          <p:style>
+            <a:lnRef idx="1">
+              <a:schemeClr val="accent1"/>
+            </a:lnRef>
+            <a:fillRef idx="3">
+              <a:schemeClr val="accent1"/>
+            </a:fillRef>
+            <a:effectRef idx="2">
+              <a:schemeClr val="accent1"/>
+            </a:effectRef>
+            <a:fontRef idx="minor">
+              <a:schemeClr val="lt1"/>
+            </a:fontRef>
+          </p:style>
+        </p:sp>
+        <p:sp>
+          <p:nvSpPr>
+            <p:cNvPr id="26" name="Rectangle 28"/>
+            <p:cNvSpPr/>
+            <p:nvPr/>
+          </p:nvSpPr>
+          <p:spPr>
+            <a:xfrm>
+              <a:off x="10898730" y="-8467"/>
+              <a:ext cx="1290094" cy="6866467"/>
+            </a:xfrm>
+            <a:custGeom>
+              <a:avLst/>
+              <a:gdLst/>
+              <a:ahLst/>
+              <a:cxnLst/>
+              <a:rect l="l" t="t" r="r" b="b"/>
+              <a:pathLst>
+                <a:path w="1290094" h="6858000">
+                  <a:moveTo>
+                    <a:pt x="1019735" y="0"/>
+                  </a:moveTo>
+                  <a:lnTo>
+                    <a:pt x="1290094" y="0"/>
+                  </a:lnTo>
+                  <a:lnTo>
+                    <a:pt x="1290094" y="6858000"/>
+                  </a:lnTo>
+                  <a:lnTo>
+                    <a:pt x="0" y="6858000"/>
+                  </a:lnTo>
+                  <a:lnTo>
+                    <a:pt x="1019735" y="0"/>
+                  </a:lnTo>
+                  <a:close/>
+                </a:path>
+              </a:pathLst>
+            </a:custGeom>
+            <a:solidFill>
+              <a:schemeClr val="accent1">
+                <a:lumMod val="60000"/>
+                <a:lumOff val="40000"/>
+                <a:alpha val="70000"/>
+              </a:schemeClr>
+            </a:solidFill>
+            <a:ln>
+              <a:noFill/>
+            </a:ln>
+            <a:effectLst/>
+          </p:spPr>
+          <p:style>
+            <a:lnRef idx="1">
+              <a:schemeClr val="accent1"/>
+            </a:lnRef>
+            <a:fillRef idx="3">
+              <a:schemeClr val="accent1"/>
+            </a:fillRef>
+            <a:effectRef idx="2">
+              <a:schemeClr val="accent1"/>
+            </a:effectRef>
+            <a:fontRef idx="minor">
+              <a:schemeClr val="lt1"/>
+            </a:fontRef>
+          </p:style>
+        </p:sp>
+        <p:sp>
+          <p:nvSpPr>
+            <p:cNvPr id="27" name="Rectangle 29"/>
+            <p:cNvSpPr/>
+            <p:nvPr/>
+          </p:nvSpPr>
+          <p:spPr>
+            <a:xfrm>
+              <a:off x="10938999" y="-8467"/>
+              <a:ext cx="1249825" cy="6866467"/>
+            </a:xfrm>
+            <a:custGeom>
+              <a:avLst/>
+              <a:gdLst/>
+              <a:ahLst/>
+              <a:cxnLst/>
+              <a:rect l="l" t="t" r="r" b="b"/>
+              <a:pathLst>
+                <a:path w="1249825" h="6858000">
+                  <a:moveTo>
+                    <a:pt x="0" y="0"/>
+                  </a:moveTo>
+                  <a:lnTo>
+                    <a:pt x="1249825" y="0"/>
+                  </a:lnTo>
+                  <a:lnTo>
+                    <a:pt x="1249825" y="6858000"/>
+                  </a:lnTo>
+                  <a:lnTo>
+                    <a:pt x="1109382" y="6858000"/>
+                  </a:lnTo>
+                  <a:lnTo>
+                    <a:pt x="0" y="0"/>
+                  </a:lnTo>
+                  <a:close/>
+                </a:path>
+              </a:pathLst>
+            </a:custGeom>
+            <a:solidFill>
+              <a:schemeClr val="accent1">
+                <a:alpha val="65000"/>
+              </a:schemeClr>
+            </a:solidFill>
+            <a:ln>
+              <a:noFill/>
+            </a:ln>
+            <a:effectLst/>
+          </p:spPr>
+          <p:style>
+            <a:lnRef idx="1">
+              <a:schemeClr val="accent1"/>
+            </a:lnRef>
+            <a:fillRef idx="3">
+              <a:schemeClr val="accent1"/>
+            </a:fillRef>
+            <a:effectRef idx="2">
+              <a:schemeClr val="accent1"/>
+            </a:effectRef>
+            <a:fontRef idx="minor">
+              <a:schemeClr val="lt1"/>
+            </a:fontRef>
+          </p:style>
+        </p:sp>
+        <p:sp>
+          <p:nvSpPr>
+            <p:cNvPr id="28" name="Isosceles Triangle 27"/>
+            <p:cNvSpPr/>
+            <p:nvPr/>
+          </p:nvSpPr>
+          <p:spPr>
+            <a:xfrm>
+              <a:off x="10371666" y="3589867"/>
+              <a:ext cx="1817159" cy="3268133"/>
+            </a:xfrm>
+            <a:prstGeom prst="triangle">
+              <a:avLst>
+                <a:gd name="adj" fmla="val 100000"/>
+              </a:avLst>
+            </a:prstGeom>
+            <a:solidFill>
+              <a:schemeClr val="accent1">
+                <a:alpha val="80000"/>
+              </a:schemeClr>
+            </a:solidFill>
+            <a:ln>
+              <a:noFill/>
+            </a:ln>
+            <a:effectLst/>
+          </p:spPr>
+          <p:style>
+            <a:lnRef idx="1">
+              <a:schemeClr val="accent1"/>
+            </a:lnRef>
+            <a:fillRef idx="3">
+              <a:schemeClr val="accent1"/>
+            </a:fillRef>
+            <a:effectRef idx="2">
+              <a:schemeClr val="accent1"/>
+            </a:effectRef>
+            <a:fontRef idx="minor">
+              <a:schemeClr val="lt1"/>
+            </a:fontRef>
+          </p:style>
+        </p:sp>
+        <p:sp>
+          <p:nvSpPr>
+            <p:cNvPr id="29" name="Isosceles Triangle 28"/>
+            <p:cNvSpPr/>
+            <p:nvPr/>
+          </p:nvSpPr>
+          <p:spPr>
+            <a:xfrm>
+              <a:off x="0" y="4013200"/>
+              <a:ext cx="448733" cy="2844800"/>
+            </a:xfrm>
+            <a:prstGeom prst="triangle">
+              <a:avLst>
+                <a:gd name="adj" fmla="val 0"/>
+              </a:avLst>
+            </a:prstGeom>
+            <a:solidFill>
+              <a:schemeClr val="accent1">
+                <a:alpha val="85000"/>
+              </a:schemeClr>
+            </a:solidFill>
+            <a:ln>
+              <a:noFill/>
+            </a:ln>
+            <a:effectLst/>
+          </p:spPr>
+          <p:style>
+            <a:lnRef idx="1">
+              <a:schemeClr val="accent1"/>
+            </a:lnRef>
+            <a:fillRef idx="3">
+              <a:schemeClr val="accent1"/>
+            </a:fillRef>
+            <a:effectRef idx="2">
+              <a:schemeClr val="accent1"/>
+            </a:effectRef>
+            <a:fontRef idx="minor">
+              <a:schemeClr val="lt1"/>
+            </a:fontRef>
+          </p:style>
+        </p:sp>
+      </p:grpSp>
+      <p:sp>
+        <p:nvSpPr>
+          <p:cNvPr id="2" name="Title Placeholder 1"/>
           <p:cNvSpPr>
             <a:spLocks noGrp="1"/>
           </p:cNvSpPr>
@@ -2795,15 +5193,15 @@
         </p:nvSpPr>
         <p:spPr>
           <a:xfrm>
-            <a:off x="838200" y="365125"/>
-            <a:ext cx="10515600" cy="1325563"/>
+            <a:off x="677334" y="609600"/>
+            <a:ext cx="8596668" cy="1320800"/>
           </a:xfrm>
           <a:prstGeom prst="rect">
             <a:avLst/>
           </a:prstGeom>
         </p:spPr>
         <p:txBody>
-          <a:bodyPr vert="horz" lIns="91440" tIns="45720" rIns="91440" bIns="45720" rtlCol="0" anchor="ctr">
+          <a:bodyPr vert="horz" lIns="91440" tIns="45720" rIns="91440" bIns="45720" rtlCol="0" anchor="t">
             <a:normAutofit/>
           </a:bodyPr>
           <a:lstStyle/>
@@ -2812,19 +5210,13 @@
               <a:rPr lang="en-US"/>
               <a:t>Click to edit Master title style</a:t>
             </a:r>
-            <a:endParaRPr lang="en-GB"/>
-          </a:p>
-        </p:txBody>
-      </p:sp>
-      <p:sp>
-        <p:nvSpPr>
-          <p:cNvPr id="3" name="Text Placeholder 2">
-            <a:extLst>
-              <a:ext uri="{FF2B5EF4-FFF2-40B4-BE49-F238E27FC236}">
-                <a16:creationId xmlns:a16="http://schemas.microsoft.com/office/drawing/2014/main" id="{CDC094CA-9A7D-44CB-84B6-7A60F8C14A2D}"/>
-              </a:ext>
-            </a:extLst>
-          </p:cNvPr>
+            <a:endParaRPr lang="en-US" dirty="0"/>
+          </a:p>
+        </p:txBody>
+      </p:sp>
+      <p:sp>
+        <p:nvSpPr>
+          <p:cNvPr id="3" name="Text Placeholder 2"/>
           <p:cNvSpPr>
             <a:spLocks noGrp="1"/>
           </p:cNvSpPr>
@@ -2834,8 +5226,8 @@
         </p:nvSpPr>
         <p:spPr>
           <a:xfrm>
-            <a:off x="838200" y="1825625"/>
-            <a:ext cx="10515600" cy="4351338"/>
+            <a:off x="677334" y="2160589"/>
+            <a:ext cx="8596668" cy="3880773"/>
           </a:xfrm>
           <a:prstGeom prst="rect">
             <a:avLst/>
@@ -2880,19 +5272,13 @@
               <a:rPr lang="en-US"/>
               <a:t>Fifth level</a:t>
             </a:r>
-            <a:endParaRPr lang="en-GB"/>
-          </a:p>
-        </p:txBody>
-      </p:sp>
-      <p:sp>
-        <p:nvSpPr>
-          <p:cNvPr id="4" name="Date Placeholder 3">
-            <a:extLst>
-              <a:ext uri="{FF2B5EF4-FFF2-40B4-BE49-F238E27FC236}">
-                <a16:creationId xmlns:a16="http://schemas.microsoft.com/office/drawing/2014/main" id="{F591FDC1-DE87-4D6F-A41D-1CD7BFF80E6E}"/>
-              </a:ext>
-            </a:extLst>
-          </p:cNvPr>
+            <a:endParaRPr lang="en-US" dirty="0"/>
+          </a:p>
+        </p:txBody>
+      </p:sp>
+      <p:sp>
+        <p:nvSpPr>
+          <p:cNvPr id="4" name="Date Placeholder 3"/>
           <p:cNvSpPr>
             <a:spLocks noGrp="1"/>
           </p:cNvSpPr>
@@ -2902,8 +5288,8 @@
         </p:nvSpPr>
         <p:spPr>
           <a:xfrm>
-            <a:off x="838200" y="6356350"/>
-            <a:ext cx="2743200" cy="365125"/>
+            <a:off x="7205133" y="6041362"/>
+            <a:ext cx="911939" cy="365125"/>
           </a:xfrm>
           <a:prstGeom prst="rect">
             <a:avLst/>
@@ -2912,8 +5298,8 @@
         <p:txBody>
           <a:bodyPr vert="horz" lIns="91440" tIns="45720" rIns="91440" bIns="45720" rtlCol="0" anchor="ctr"/>
           <a:lstStyle>
-            <a:lvl1pPr algn="l">
-              <a:defRPr sz="1200">
+            <a:lvl1pPr algn="r">
+              <a:defRPr sz="900">
                 <a:solidFill>
                   <a:schemeClr val="tx1">
                     <a:tint val="75000"/>
@@ -2925,7 +5311,7 @@
           <a:p>
             <a:fld id="{3EE02DEA-DAE7-412D-98C1-743910D649DD}" type="datetimeFigureOut">
               <a:rPr lang="en-GB" smtClean="0"/>
-              <a:t>18/03/2022</a:t>
+              <a:t>23/03/2022</a:t>
             </a:fld>
             <a:endParaRPr lang="en-GB"/>
           </a:p>
@@ -2933,13 +5319,7 @@
       </p:sp>
       <p:sp>
         <p:nvSpPr>
-          <p:cNvPr id="5" name="Footer Placeholder 4">
-            <a:extLst>
-              <a:ext uri="{FF2B5EF4-FFF2-40B4-BE49-F238E27FC236}">
-                <a16:creationId xmlns:a16="http://schemas.microsoft.com/office/drawing/2014/main" id="{44CD1930-3031-4AC9-BCA3-C63B46CADD1A}"/>
-              </a:ext>
-            </a:extLst>
-          </p:cNvPr>
+          <p:cNvPr id="5" name="Footer Placeholder 4"/>
           <p:cNvSpPr>
             <a:spLocks noGrp="1"/>
           </p:cNvSpPr>
@@ -2949,8 +5329,8 @@
         </p:nvSpPr>
         <p:spPr>
           <a:xfrm>
-            <a:off x="4038600" y="6356350"/>
-            <a:ext cx="4114800" cy="365125"/>
+            <a:off x="677334" y="6041362"/>
+            <a:ext cx="6297612" cy="365125"/>
           </a:xfrm>
           <a:prstGeom prst="rect">
             <a:avLst/>
@@ -2959,8 +5339,8 @@
         <p:txBody>
           <a:bodyPr vert="horz" lIns="91440" tIns="45720" rIns="91440" bIns="45720" rtlCol="0" anchor="ctr"/>
           <a:lstStyle>
-            <a:lvl1pPr algn="ctr">
-              <a:defRPr sz="1200">
+            <a:lvl1pPr algn="l">
+              <a:defRPr sz="900">
                 <a:solidFill>
                   <a:schemeClr val="tx1">
                     <a:tint val="75000"/>
@@ -2976,13 +5356,7 @@
       </p:sp>
       <p:sp>
         <p:nvSpPr>
-          <p:cNvPr id="6" name="Slide Number Placeholder 5">
-            <a:extLst>
-              <a:ext uri="{FF2B5EF4-FFF2-40B4-BE49-F238E27FC236}">
-                <a16:creationId xmlns:a16="http://schemas.microsoft.com/office/drawing/2014/main" id="{7ADF6FB3-ECC4-46B0-9C0D-447996667C9D}"/>
-              </a:ext>
-            </a:extLst>
-          </p:cNvPr>
+          <p:cNvPr id="6" name="Slide Number Placeholder 5"/>
           <p:cNvSpPr>
             <a:spLocks noGrp="1"/>
           </p:cNvSpPr>
@@ -2992,8 +5366,8 @@
         </p:nvSpPr>
         <p:spPr>
           <a:xfrm>
-            <a:off x="8610600" y="6356350"/>
-            <a:ext cx="2743200" cy="365125"/>
+            <a:off x="8590663" y="6041362"/>
+            <a:ext cx="683339" cy="365125"/>
           </a:xfrm>
           <a:prstGeom prst="rect">
             <a:avLst/>
@@ -3003,11 +5377,9 @@
           <a:bodyPr vert="horz" lIns="91440" tIns="45720" rIns="91440" bIns="45720" rtlCol="0" anchor="ctr"/>
           <a:lstStyle>
             <a:lvl1pPr algn="r">
-              <a:defRPr sz="1200">
-                <a:solidFill>
-                  <a:schemeClr val="tx1">
-                    <a:tint val="75000"/>
-                  </a:schemeClr>
+              <a:defRPr sz="900">
+                <a:solidFill>
+                  <a:schemeClr val="accent1"/>
                 </a:solidFill>
               </a:defRPr>
             </a:lvl1pPr>
@@ -3024,201 +5396,322 @@
     </p:spTree>
     <p:extLst>
       <p:ext uri="{BB962C8B-B14F-4D97-AF65-F5344CB8AC3E}">
-        <p14:creationId xmlns:p14="http://schemas.microsoft.com/office/powerpoint/2010/main" val="3272299648"/>
+        <p14:creationId xmlns:p14="http://schemas.microsoft.com/office/powerpoint/2010/main" val="1871158271"/>
       </p:ext>
     </p:extLst>
   </p:cSld>
   <p:clrMap bg1="lt1" tx1="dk1" bg2="lt2" tx2="dk2" accent1="accent1" accent2="accent2" accent3="accent3" accent4="accent4" accent5="accent5" accent6="accent6" hlink="hlink" folHlink="folHlink"/>
   <p:sldLayoutIdLst>
-    <p:sldLayoutId id="2147483649" r:id="rId1"/>
-    <p:sldLayoutId id="2147483650" r:id="rId2"/>
-    <p:sldLayoutId id="2147483651" r:id="rId3"/>
-    <p:sldLayoutId id="2147483652" r:id="rId4"/>
-    <p:sldLayoutId id="2147483653" r:id="rId5"/>
-    <p:sldLayoutId id="2147483654" r:id="rId6"/>
-    <p:sldLayoutId id="2147483655" r:id="rId7"/>
-    <p:sldLayoutId id="2147483656" r:id="rId8"/>
-    <p:sldLayoutId id="2147483657" r:id="rId9"/>
-    <p:sldLayoutId id="2147483658" r:id="rId10"/>
-    <p:sldLayoutId id="2147483659" r:id="rId11"/>
+    <p:sldLayoutId id="2147483661" r:id="rId1"/>
+    <p:sldLayoutId id="2147483662" r:id="rId2"/>
+    <p:sldLayoutId id="2147483663" r:id="rId3"/>
+    <p:sldLayoutId id="2147483664" r:id="rId4"/>
+    <p:sldLayoutId id="2147483665" r:id="rId5"/>
+    <p:sldLayoutId id="2147483666" r:id="rId6"/>
+    <p:sldLayoutId id="2147483667" r:id="rId7"/>
+    <p:sldLayoutId id="2147483668" r:id="rId8"/>
+    <p:sldLayoutId id="2147483669" r:id="rId9"/>
+    <p:sldLayoutId id="2147483670" r:id="rId10"/>
+    <p:sldLayoutId id="2147483671" r:id="rId11"/>
+    <p:sldLayoutId id="2147483672" r:id="rId12"/>
+    <p:sldLayoutId id="2147483673" r:id="rId13"/>
+    <p:sldLayoutId id="2147483674" r:id="rId14"/>
+    <p:sldLayoutId id="2147483675" r:id="rId15"/>
+    <p:sldLayoutId id="2147483676" r:id="rId16"/>
   </p:sldLayoutIdLst>
   <p:txStyles>
     <p:titleStyle>
-      <a:lvl1pPr algn="l" defTabSz="914400" rtl="0" eaLnBrk="1" latinLnBrk="0" hangingPunct="1">
-        <a:lnSpc>
-          <a:spcPct val="90000"/>
-        </a:lnSpc>
+      <a:lvl1pPr algn="l" defTabSz="457200" rtl="0" eaLnBrk="1" latinLnBrk="0" hangingPunct="1">
         <a:spcBef>
           <a:spcPct val="0"/>
         </a:spcBef>
         <a:buNone/>
-        <a:defRPr sz="4400" kern="1200">
+        <a:defRPr sz="3600" kern="1200">
           <a:solidFill>
-            <a:schemeClr val="tx1"/>
+            <a:schemeClr val="accent1"/>
           </a:solidFill>
           <a:latin typeface="+mj-lt"/>
           <a:ea typeface="+mj-ea"/>
           <a:cs typeface="+mj-cs"/>
         </a:defRPr>
       </a:lvl1pPr>
+      <a:lvl2pPr eaLnBrk="1" hangingPunct="1">
+        <a:defRPr>
+          <a:solidFill>
+            <a:schemeClr val="tx2"/>
+          </a:solidFill>
+        </a:defRPr>
+      </a:lvl2pPr>
+      <a:lvl3pPr eaLnBrk="1" hangingPunct="1">
+        <a:defRPr>
+          <a:solidFill>
+            <a:schemeClr val="tx2"/>
+          </a:solidFill>
+        </a:defRPr>
+      </a:lvl3pPr>
+      <a:lvl4pPr eaLnBrk="1" hangingPunct="1">
+        <a:defRPr>
+          <a:solidFill>
+            <a:schemeClr val="tx2"/>
+          </a:solidFill>
+        </a:defRPr>
+      </a:lvl4pPr>
+      <a:lvl5pPr eaLnBrk="1" hangingPunct="1">
+        <a:defRPr>
+          <a:solidFill>
+            <a:schemeClr val="tx2"/>
+          </a:solidFill>
+        </a:defRPr>
+      </a:lvl5pPr>
+      <a:lvl6pPr eaLnBrk="1" hangingPunct="1">
+        <a:defRPr>
+          <a:solidFill>
+            <a:schemeClr val="tx2"/>
+          </a:solidFill>
+        </a:defRPr>
+      </a:lvl6pPr>
+      <a:lvl7pPr eaLnBrk="1" hangingPunct="1">
+        <a:defRPr>
+          <a:solidFill>
+            <a:schemeClr val="tx2"/>
+          </a:solidFill>
+        </a:defRPr>
+      </a:lvl7pPr>
+      <a:lvl8pPr eaLnBrk="1" hangingPunct="1">
+        <a:defRPr>
+          <a:solidFill>
+            <a:schemeClr val="tx2"/>
+          </a:solidFill>
+        </a:defRPr>
+      </a:lvl8pPr>
+      <a:lvl9pPr eaLnBrk="1" hangingPunct="1">
+        <a:defRPr>
+          <a:solidFill>
+            <a:schemeClr val="tx2"/>
+          </a:solidFill>
+        </a:defRPr>
+      </a:lvl9pPr>
     </p:titleStyle>
     <p:bodyStyle>
-      <a:lvl1pPr marL="228600" indent="-228600" algn="l" defTabSz="914400" rtl="0" eaLnBrk="1" latinLnBrk="0" hangingPunct="1">
-        <a:lnSpc>
-          <a:spcPct val="90000"/>
-        </a:lnSpc>
+      <a:lvl1pPr marL="342900" indent="-342900" algn="l" defTabSz="457200" rtl="0" eaLnBrk="1" latinLnBrk="0" hangingPunct="1">
         <a:spcBef>
           <a:spcPts val="1000"/>
         </a:spcBef>
-        <a:buFont typeface="Arial" panose="020B0604020202020204" pitchFamily="34" charset="0"/>
-        <a:buChar char="•"/>
-        <a:defRPr sz="2800" kern="1200">
+        <a:spcAft>
+          <a:spcPts val="0"/>
+        </a:spcAft>
+        <a:buClr>
+          <a:schemeClr val="accent1"/>
+        </a:buClr>
+        <a:buSzPct val="80000"/>
+        <a:buFont typeface="Wingdings 3" charset="2"/>
+        <a:buChar char=""/>
+        <a:defRPr sz="1800" kern="1200">
           <a:solidFill>
-            <a:schemeClr val="tx1"/>
+            <a:schemeClr val="tx1">
+              <a:lumMod val="75000"/>
+              <a:lumOff val="25000"/>
+            </a:schemeClr>
           </a:solidFill>
           <a:latin typeface="+mn-lt"/>
           <a:ea typeface="+mn-ea"/>
           <a:cs typeface="+mn-cs"/>
         </a:defRPr>
       </a:lvl1pPr>
-      <a:lvl2pPr marL="685800" indent="-228600" algn="l" defTabSz="914400" rtl="0" eaLnBrk="1" latinLnBrk="0" hangingPunct="1">
-        <a:lnSpc>
-          <a:spcPct val="90000"/>
-        </a:lnSpc>
+      <a:lvl2pPr marL="742950" indent="-285750" algn="l" defTabSz="457200" rtl="0" eaLnBrk="1" latinLnBrk="0" hangingPunct="1">
         <a:spcBef>
-          <a:spcPts val="500"/>
+          <a:spcPts val="1000"/>
         </a:spcBef>
-        <a:buFont typeface="Arial" panose="020B0604020202020204" pitchFamily="34" charset="0"/>
-        <a:buChar char="•"/>
-        <a:defRPr sz="2400" kern="1200">
+        <a:spcAft>
+          <a:spcPts val="0"/>
+        </a:spcAft>
+        <a:buClr>
+          <a:schemeClr val="accent1"/>
+        </a:buClr>
+        <a:buSzPct val="80000"/>
+        <a:buFont typeface="Wingdings 3" charset="2"/>
+        <a:buChar char=""/>
+        <a:defRPr sz="1600" kern="1200">
           <a:solidFill>
-            <a:schemeClr val="tx1"/>
+            <a:schemeClr val="tx1">
+              <a:lumMod val="75000"/>
+              <a:lumOff val="25000"/>
+            </a:schemeClr>
           </a:solidFill>
           <a:latin typeface="+mn-lt"/>
           <a:ea typeface="+mn-ea"/>
           <a:cs typeface="+mn-cs"/>
         </a:defRPr>
       </a:lvl2pPr>
-      <a:lvl3pPr marL="1143000" indent="-228600" algn="l" defTabSz="914400" rtl="0" eaLnBrk="1" latinLnBrk="0" hangingPunct="1">
-        <a:lnSpc>
-          <a:spcPct val="90000"/>
-        </a:lnSpc>
+      <a:lvl3pPr marL="1143000" indent="-228600" algn="l" defTabSz="457200" rtl="0" eaLnBrk="1" latinLnBrk="0" hangingPunct="1">
         <a:spcBef>
-          <a:spcPts val="500"/>
+          <a:spcPts val="1000"/>
         </a:spcBef>
-        <a:buFont typeface="Arial" panose="020B0604020202020204" pitchFamily="34" charset="0"/>
-        <a:buChar char="•"/>
-        <a:defRPr sz="2000" kern="1200">
+        <a:spcAft>
+          <a:spcPts val="0"/>
+        </a:spcAft>
+        <a:buClr>
+          <a:schemeClr val="accent1"/>
+        </a:buClr>
+        <a:buSzPct val="80000"/>
+        <a:buFont typeface="Wingdings 3" charset="2"/>
+        <a:buChar char=""/>
+        <a:defRPr sz="1400" kern="1200">
           <a:solidFill>
-            <a:schemeClr val="tx1"/>
+            <a:schemeClr val="tx1">
+              <a:lumMod val="75000"/>
+              <a:lumOff val="25000"/>
+            </a:schemeClr>
           </a:solidFill>
           <a:latin typeface="+mn-lt"/>
           <a:ea typeface="+mn-ea"/>
           <a:cs typeface="+mn-cs"/>
         </a:defRPr>
       </a:lvl3pPr>
-      <a:lvl4pPr marL="1600200" indent="-228600" algn="l" defTabSz="914400" rtl="0" eaLnBrk="1" latinLnBrk="0" hangingPunct="1">
-        <a:lnSpc>
-          <a:spcPct val="90000"/>
-        </a:lnSpc>
+      <a:lvl4pPr marL="1600200" indent="-228600" algn="l" defTabSz="457200" rtl="0" eaLnBrk="1" latinLnBrk="0" hangingPunct="1">
         <a:spcBef>
-          <a:spcPts val="500"/>
+          <a:spcPts val="1000"/>
         </a:spcBef>
-        <a:buFont typeface="Arial" panose="020B0604020202020204" pitchFamily="34" charset="0"/>
-        <a:buChar char="•"/>
-        <a:defRPr sz="1800" kern="1200">
+        <a:spcAft>
+          <a:spcPts val="0"/>
+        </a:spcAft>
+        <a:buClr>
+          <a:schemeClr val="accent1"/>
+        </a:buClr>
+        <a:buSzPct val="80000"/>
+        <a:buFont typeface="Wingdings 3" charset="2"/>
+        <a:buChar char=""/>
+        <a:defRPr sz="1200" kern="1200">
           <a:solidFill>
-            <a:schemeClr val="tx1"/>
+            <a:schemeClr val="tx1">
+              <a:lumMod val="75000"/>
+              <a:lumOff val="25000"/>
+            </a:schemeClr>
           </a:solidFill>
           <a:latin typeface="+mn-lt"/>
           <a:ea typeface="+mn-ea"/>
           <a:cs typeface="+mn-cs"/>
         </a:defRPr>
       </a:lvl4pPr>
-      <a:lvl5pPr marL="2057400" indent="-228600" algn="l" defTabSz="914400" rtl="0" eaLnBrk="1" latinLnBrk="0" hangingPunct="1">
-        <a:lnSpc>
-          <a:spcPct val="90000"/>
-        </a:lnSpc>
+      <a:lvl5pPr marL="2057400" indent="-228600" algn="l" defTabSz="457200" rtl="0" eaLnBrk="1" latinLnBrk="0" hangingPunct="1">
         <a:spcBef>
-          <a:spcPts val="500"/>
+          <a:spcPts val="1000"/>
         </a:spcBef>
-        <a:buFont typeface="Arial" panose="020B0604020202020204" pitchFamily="34" charset="0"/>
-        <a:buChar char="•"/>
-        <a:defRPr sz="1800" kern="1200">
+        <a:spcAft>
+          <a:spcPts val="0"/>
+        </a:spcAft>
+        <a:buClr>
+          <a:schemeClr val="accent1"/>
+        </a:buClr>
+        <a:buSzPct val="80000"/>
+        <a:buFont typeface="Wingdings 3" charset="2"/>
+        <a:buChar char=""/>
+        <a:defRPr sz="1200" kern="1200">
           <a:solidFill>
-            <a:schemeClr val="tx1"/>
+            <a:schemeClr val="tx1">
+              <a:lumMod val="75000"/>
+              <a:lumOff val="25000"/>
+            </a:schemeClr>
           </a:solidFill>
           <a:latin typeface="+mn-lt"/>
           <a:ea typeface="+mn-ea"/>
           <a:cs typeface="+mn-cs"/>
         </a:defRPr>
       </a:lvl5pPr>
-      <a:lvl6pPr marL="2514600" indent="-228600" algn="l" defTabSz="914400" rtl="0" eaLnBrk="1" latinLnBrk="0" hangingPunct="1">
-        <a:lnSpc>
-          <a:spcPct val="90000"/>
-        </a:lnSpc>
+      <a:lvl6pPr marL="2514600" indent="-228600" algn="l" defTabSz="457200" rtl="0" eaLnBrk="1" latinLnBrk="0" hangingPunct="1">
         <a:spcBef>
-          <a:spcPts val="500"/>
+          <a:spcPts val="1000"/>
         </a:spcBef>
-        <a:buFont typeface="Arial" panose="020B0604020202020204" pitchFamily="34" charset="0"/>
-        <a:buChar char="•"/>
-        <a:defRPr sz="1800" kern="1200">
+        <a:spcAft>
+          <a:spcPts val="0"/>
+        </a:spcAft>
+        <a:buClr>
+          <a:schemeClr val="accent1"/>
+        </a:buClr>
+        <a:buSzPct val="80000"/>
+        <a:buFont typeface="Wingdings 3" charset="2"/>
+        <a:buChar char=""/>
+        <a:defRPr sz="1200" kern="1200">
           <a:solidFill>
-            <a:schemeClr val="tx1"/>
+            <a:schemeClr val="tx1">
+              <a:lumMod val="75000"/>
+              <a:lumOff val="25000"/>
+            </a:schemeClr>
           </a:solidFill>
           <a:latin typeface="+mn-lt"/>
           <a:ea typeface="+mn-ea"/>
           <a:cs typeface="+mn-cs"/>
         </a:defRPr>
       </a:lvl6pPr>
-      <a:lvl7pPr marL="2971800" indent="-228600" algn="l" defTabSz="914400" rtl="0" eaLnBrk="1" latinLnBrk="0" hangingPunct="1">
-        <a:lnSpc>
-          <a:spcPct val="90000"/>
-        </a:lnSpc>
+      <a:lvl7pPr marL="2971800" indent="-228600" algn="l" defTabSz="457200" rtl="0" eaLnBrk="1" latinLnBrk="0" hangingPunct="1">
         <a:spcBef>
-          <a:spcPts val="500"/>
+          <a:spcPts val="1000"/>
         </a:spcBef>
-        <a:buFont typeface="Arial" panose="020B0604020202020204" pitchFamily="34" charset="0"/>
-        <a:buChar char="•"/>
-        <a:defRPr sz="1800" kern="1200">
+        <a:spcAft>
+          <a:spcPts val="0"/>
+        </a:spcAft>
+        <a:buClr>
+          <a:schemeClr val="accent1"/>
+        </a:buClr>
+        <a:buSzPct val="80000"/>
+        <a:buFont typeface="Wingdings 3" charset="2"/>
+        <a:buChar char=""/>
+        <a:defRPr sz="1200" kern="1200">
           <a:solidFill>
-            <a:schemeClr val="tx1"/>
+            <a:schemeClr val="tx1">
+              <a:lumMod val="75000"/>
+              <a:lumOff val="25000"/>
+            </a:schemeClr>
           </a:solidFill>
           <a:latin typeface="+mn-lt"/>
           <a:ea typeface="+mn-ea"/>
           <a:cs typeface="+mn-cs"/>
         </a:defRPr>
       </a:lvl7pPr>
-      <a:lvl8pPr marL="3429000" indent="-228600" algn="l" defTabSz="914400" rtl="0" eaLnBrk="1" latinLnBrk="0" hangingPunct="1">
-        <a:lnSpc>
-          <a:spcPct val="90000"/>
-        </a:lnSpc>
+      <a:lvl8pPr marL="3429000" indent="-228600" algn="l" defTabSz="457200" rtl="0" eaLnBrk="1" latinLnBrk="0" hangingPunct="1">
         <a:spcBef>
-          <a:spcPts val="500"/>
+          <a:spcPts val="1000"/>
         </a:spcBef>
-        <a:buFont typeface="Arial" panose="020B0604020202020204" pitchFamily="34" charset="0"/>
-        <a:buChar char="•"/>
-        <a:defRPr sz="1800" kern="1200">
+        <a:spcAft>
+          <a:spcPts val="0"/>
+        </a:spcAft>
+        <a:buClr>
+          <a:schemeClr val="accent1"/>
+        </a:buClr>
+        <a:buSzPct val="80000"/>
+        <a:buFont typeface="Wingdings 3" charset="2"/>
+        <a:buChar char=""/>
+        <a:defRPr sz="1200" kern="1200">
           <a:solidFill>
-            <a:schemeClr val="tx1"/>
+            <a:schemeClr val="tx1">
+              <a:lumMod val="75000"/>
+              <a:lumOff val="25000"/>
+            </a:schemeClr>
           </a:solidFill>
           <a:latin typeface="+mn-lt"/>
           <a:ea typeface="+mn-ea"/>
           <a:cs typeface="+mn-cs"/>
         </a:defRPr>
       </a:lvl8pPr>
-      <a:lvl9pPr marL="3886200" indent="-228600" algn="l" defTabSz="914400" rtl="0" eaLnBrk="1" latinLnBrk="0" hangingPunct="1">
-        <a:lnSpc>
-          <a:spcPct val="90000"/>
-        </a:lnSpc>
+      <a:lvl9pPr marL="3886200" indent="-228600" algn="l" defTabSz="457200" rtl="0" eaLnBrk="1" latinLnBrk="0" hangingPunct="1">
         <a:spcBef>
-          <a:spcPts val="500"/>
+          <a:spcPts val="1000"/>
         </a:spcBef>
-        <a:buFont typeface="Arial" panose="020B0604020202020204" pitchFamily="34" charset="0"/>
-        <a:buChar char="•"/>
-        <a:defRPr sz="1800" kern="1200">
+        <a:spcAft>
+          <a:spcPts val="0"/>
+        </a:spcAft>
+        <a:buClr>
+          <a:schemeClr val="accent1"/>
+        </a:buClr>
+        <a:buSzPct val="80000"/>
+        <a:buFont typeface="Wingdings 3" charset="2"/>
+        <a:buChar char=""/>
+        <a:defRPr sz="1200" kern="1200">
           <a:solidFill>
-            <a:schemeClr val="tx1"/>
+            <a:schemeClr val="tx1">
+              <a:lumMod val="75000"/>
+              <a:lumOff val="25000"/>
+            </a:schemeClr>
           </a:solidFill>
           <a:latin typeface="+mn-lt"/>
           <a:ea typeface="+mn-ea"/>
@@ -3230,7 +5723,7 @@
       <a:defPPr>
         <a:defRPr lang="en-US"/>
       </a:defPPr>
-      <a:lvl1pPr marL="0" algn="l" defTabSz="914400" rtl="0" eaLnBrk="1" latinLnBrk="0" hangingPunct="1">
+      <a:lvl1pPr marL="0" algn="l" defTabSz="457200" rtl="0" eaLnBrk="1" latinLnBrk="0" hangingPunct="1">
         <a:defRPr sz="1800" kern="1200">
           <a:solidFill>
             <a:schemeClr val="tx1"/>
@@ -3240,7 +5733,7 @@
           <a:cs typeface="+mn-cs"/>
         </a:defRPr>
       </a:lvl1pPr>
-      <a:lvl2pPr marL="457200" algn="l" defTabSz="914400" rtl="0" eaLnBrk="1" latinLnBrk="0" hangingPunct="1">
+      <a:lvl2pPr marL="457200" algn="l" defTabSz="457200" rtl="0" eaLnBrk="1" latinLnBrk="0" hangingPunct="1">
         <a:defRPr sz="1800" kern="1200">
           <a:solidFill>
             <a:schemeClr val="tx1"/>
@@ -3250,7 +5743,7 @@
           <a:cs typeface="+mn-cs"/>
         </a:defRPr>
       </a:lvl2pPr>
-      <a:lvl3pPr marL="914400" algn="l" defTabSz="914400" rtl="0" eaLnBrk="1" latinLnBrk="0" hangingPunct="1">
+      <a:lvl3pPr marL="914400" algn="l" defTabSz="457200" rtl="0" eaLnBrk="1" latinLnBrk="0" hangingPunct="1">
         <a:defRPr sz="1800" kern="1200">
           <a:solidFill>
             <a:schemeClr val="tx1"/>
@@ -3260,7 +5753,7 @@
           <a:cs typeface="+mn-cs"/>
         </a:defRPr>
       </a:lvl3pPr>
-      <a:lvl4pPr marL="1371600" algn="l" defTabSz="914400" rtl="0" eaLnBrk="1" latinLnBrk="0" hangingPunct="1">
+      <a:lvl4pPr marL="1371600" algn="l" defTabSz="457200" rtl="0" eaLnBrk="1" latinLnBrk="0" hangingPunct="1">
         <a:defRPr sz="1800" kern="1200">
           <a:solidFill>
             <a:schemeClr val="tx1"/>
@@ -3270,7 +5763,7 @@
           <a:cs typeface="+mn-cs"/>
         </a:defRPr>
       </a:lvl4pPr>
-      <a:lvl5pPr marL="1828800" algn="l" defTabSz="914400" rtl="0" eaLnBrk="1" latinLnBrk="0" hangingPunct="1">
+      <a:lvl5pPr marL="1828800" algn="l" defTabSz="457200" rtl="0" eaLnBrk="1" latinLnBrk="0" hangingPunct="1">
         <a:defRPr sz="1800" kern="1200">
           <a:solidFill>
             <a:schemeClr val="tx1"/>
@@ -3280,7 +5773,7 @@
           <a:cs typeface="+mn-cs"/>
         </a:defRPr>
       </a:lvl5pPr>
-      <a:lvl6pPr marL="2286000" algn="l" defTabSz="914400" rtl="0" eaLnBrk="1" latinLnBrk="0" hangingPunct="1">
+      <a:lvl6pPr marL="2286000" algn="l" defTabSz="457200" rtl="0" eaLnBrk="1" latinLnBrk="0" hangingPunct="1">
         <a:defRPr sz="1800" kern="1200">
           <a:solidFill>
             <a:schemeClr val="tx1"/>
@@ -3290,7 +5783,7 @@
           <a:cs typeface="+mn-cs"/>
         </a:defRPr>
       </a:lvl6pPr>
-      <a:lvl7pPr marL="2743200" algn="l" defTabSz="914400" rtl="0" eaLnBrk="1" latinLnBrk="0" hangingPunct="1">
+      <a:lvl7pPr marL="2743200" algn="l" defTabSz="457200" rtl="0" eaLnBrk="1" latinLnBrk="0" hangingPunct="1">
         <a:defRPr sz="1800" kern="1200">
           <a:solidFill>
             <a:schemeClr val="tx1"/>
@@ -3300,7 +5793,7 @@
           <a:cs typeface="+mn-cs"/>
         </a:defRPr>
       </a:lvl7pPr>
-      <a:lvl8pPr marL="3200400" algn="l" defTabSz="914400" rtl="0" eaLnBrk="1" latinLnBrk="0" hangingPunct="1">
+      <a:lvl8pPr marL="3200400" algn="l" defTabSz="457200" rtl="0" eaLnBrk="1" latinLnBrk="0" hangingPunct="1">
         <a:defRPr sz="1800" kern="1200">
           <a:solidFill>
             <a:schemeClr val="tx1"/>
@@ -3310,7 +5803,7 @@
           <a:cs typeface="+mn-cs"/>
         </a:defRPr>
       </a:lvl8pPr>
-      <a:lvl9pPr marL="3657600" algn="l" defTabSz="914400" rtl="0" eaLnBrk="1" latinLnBrk="0" hangingPunct="1">
+      <a:lvl9pPr marL="3657600" algn="l" defTabSz="457200" rtl="0" eaLnBrk="1" latinLnBrk="0" hangingPunct="1">
         <a:defRPr sz="1800" kern="1200">
           <a:solidFill>
             <a:schemeClr val="tx1"/>
@@ -3328,6 +5821,20 @@
 <file path=ppt/slides/slide1.xml><?xml version="1.0" encoding="utf-8"?>
 <p:sld xmlns:a="http://schemas.openxmlformats.org/drawingml/2006/main" xmlns:r="http://schemas.openxmlformats.org/officeDocument/2006/relationships" xmlns:p="http://schemas.openxmlformats.org/presentationml/2006/main">
   <p:cSld>
+    <p:bg>
+      <p:bgPr>
+        <a:blipFill dpi="0" rotWithShape="1">
+          <a:blip r:embed="rId2">
+            <a:lum/>
+          </a:blip>
+          <a:srcRect/>
+          <a:stretch>
+            <a:fillRect t="-9000" b="-9000"/>
+          </a:stretch>
+        </a:blipFill>
+        <a:effectLst/>
+      </p:bgPr>
+    </p:bg>
     <p:spTree>
       <p:nvGrpSpPr>
         <p:cNvPr id="1" name=""/>
@@ -3358,12 +5865,20 @@
             <p:ph type="ctrTitle"/>
           </p:nvPr>
         </p:nvSpPr>
-        <p:spPr/>
+        <p:spPr>
+          <a:xfrm>
+            <a:off x="1116542" y="1966384"/>
+            <a:ext cx="7766936" cy="1646302"/>
+          </a:xfrm>
+        </p:spPr>
         <p:txBody>
           <a:bodyPr/>
           <a:lstStyle/>
           <a:p>
-            <a:endParaRPr lang="en-GB"/>
+            <a:r>
+              <a:rPr lang="en-GB" sz="6600" b="1" dirty="0"/>
+              <a:t>Lecture Finder</a:t>
+            </a:r>
           </a:p>
         </p:txBody>
       </p:sp>
@@ -3383,12 +5898,26 @@
             <p:ph type="subTitle" idx="1"/>
           </p:nvPr>
         </p:nvSpPr>
-        <p:spPr/>
-        <p:txBody>
-          <a:bodyPr/>
-          <a:lstStyle/>
-          <a:p>
-            <a:endParaRPr lang="en-GB"/>
+        <p:spPr>
+          <a:xfrm>
+            <a:off x="449792" y="4765208"/>
+            <a:ext cx="7766936" cy="1096899"/>
+          </a:xfrm>
+        </p:spPr>
+        <p:txBody>
+          <a:bodyPr>
+            <a:normAutofit/>
+          </a:bodyPr>
+          <a:lstStyle/>
+          <a:p>
+            <a:r>
+              <a:rPr lang="en-GB" sz="2000" b="1" dirty="0">
+                <a:solidFill>
+                  <a:schemeClr val="bg1"/>
+                </a:solidFill>
+              </a:rPr>
+              <a:t>By WAD2 Team 7A </a:t>
+            </a:r>
           </a:p>
         </p:txBody>
       </p:sp>
@@ -3405,10 +5934,691 @@
 </p:sld>
 </file>
 
+<file path=ppt/slides/slide2.xml><?xml version="1.0" encoding="utf-8"?>
+<p:sld xmlns:a="http://schemas.openxmlformats.org/drawingml/2006/main" xmlns:r="http://schemas.openxmlformats.org/officeDocument/2006/relationships" xmlns:p="http://schemas.openxmlformats.org/presentationml/2006/main">
+  <p:cSld>
+    <p:spTree>
+      <p:nvGrpSpPr>
+        <p:cNvPr id="1" name=""/>
+        <p:cNvGrpSpPr/>
+        <p:nvPr/>
+      </p:nvGrpSpPr>
+      <p:grpSpPr>
+        <a:xfrm>
+          <a:off x="0" y="0"/>
+          <a:ext cx="0" cy="0"/>
+          <a:chOff x="0" y="0"/>
+          <a:chExt cx="0" cy="0"/>
+        </a:xfrm>
+      </p:grpSpPr>
+      <p:sp>
+        <p:nvSpPr>
+          <p:cNvPr id="2" name="Title 1">
+            <a:extLst>
+              <a:ext uri="{FF2B5EF4-FFF2-40B4-BE49-F238E27FC236}">
+                <a16:creationId xmlns:a16="http://schemas.microsoft.com/office/drawing/2014/main" id="{515F3DFF-04DA-4AD0-BB85-1C2C14D7E666}"/>
+              </a:ext>
+            </a:extLst>
+          </p:cNvPr>
+          <p:cNvSpPr>
+            <a:spLocks noGrp="1"/>
+          </p:cNvSpPr>
+          <p:nvPr>
+            <p:ph type="title"/>
+          </p:nvPr>
+        </p:nvSpPr>
+        <p:spPr/>
+        <p:txBody>
+          <a:bodyPr/>
+          <a:lstStyle/>
+          <a:p>
+            <a:r>
+              <a:rPr lang="en-GB" dirty="0"/>
+              <a:t>The concept</a:t>
+            </a:r>
+          </a:p>
+        </p:txBody>
+      </p:sp>
+      <p:sp>
+        <p:nvSpPr>
+          <p:cNvPr id="3" name="Content Placeholder 2">
+            <a:extLst>
+              <a:ext uri="{FF2B5EF4-FFF2-40B4-BE49-F238E27FC236}">
+                <a16:creationId xmlns:a16="http://schemas.microsoft.com/office/drawing/2014/main" id="{2642CF70-E4DD-4C96-B937-609CE4D3CF49}"/>
+              </a:ext>
+            </a:extLst>
+          </p:cNvPr>
+          <p:cNvSpPr>
+            <a:spLocks noGrp="1"/>
+          </p:cNvSpPr>
+          <p:nvPr>
+            <p:ph idx="1"/>
+          </p:nvPr>
+        </p:nvSpPr>
+        <p:spPr/>
+        <p:txBody>
+          <a:bodyPr/>
+          <a:lstStyle/>
+          <a:p>
+            <a:r>
+              <a:rPr lang="en-US" sz="1800" dirty="0"/>
+              <a:t>The objective of this Web Application is to have a platform for professors to upload content (e.g. recorded lectures, reading materials and slides provided for various modules) as to help students find exact instances of a concept being referred to in in this content.</a:t>
+            </a:r>
+          </a:p>
+          <a:p>
+            <a:r>
+              <a:rPr lang="en-US" sz="1800" dirty="0"/>
+              <a:t>Users will be able to perform keyword searches and get filtered results based on professor name/module name</a:t>
+            </a:r>
+          </a:p>
+          <a:p>
+            <a:r>
+              <a:rPr lang="en-US" sz="1800" dirty="0"/>
+              <a:t>Users will also be able to create an account to save this content to their own profile.</a:t>
+            </a:r>
+          </a:p>
+          <a:p>
+            <a:r>
+              <a:rPr lang="en-US" sz="1800" dirty="0"/>
+              <a:t>Professors will be able to upload study materials for the students to save/highlight</a:t>
+            </a:r>
+          </a:p>
+        </p:txBody>
+      </p:sp>
+    </p:spTree>
+    <p:extLst>
+      <p:ext uri="{BB962C8B-B14F-4D97-AF65-F5344CB8AC3E}">
+        <p14:creationId xmlns:p14="http://schemas.microsoft.com/office/powerpoint/2010/main" val="380141780"/>
+      </p:ext>
+    </p:extLst>
+  </p:cSld>
+  <p:clrMapOvr>
+    <a:masterClrMapping/>
+  </p:clrMapOvr>
+</p:sld>
+</file>
+
+<file path=ppt/slides/slide3.xml><?xml version="1.0" encoding="utf-8"?>
+<p:sld xmlns:a="http://schemas.openxmlformats.org/drawingml/2006/main" xmlns:r="http://schemas.openxmlformats.org/officeDocument/2006/relationships" xmlns:p="http://schemas.openxmlformats.org/presentationml/2006/main">
+  <p:cSld>
+    <p:spTree>
+      <p:nvGrpSpPr>
+        <p:cNvPr id="1" name=""/>
+        <p:cNvGrpSpPr/>
+        <p:nvPr/>
+      </p:nvGrpSpPr>
+      <p:grpSpPr>
+        <a:xfrm>
+          <a:off x="0" y="0"/>
+          <a:ext cx="0" cy="0"/>
+          <a:chOff x="0" y="0"/>
+          <a:chExt cx="0" cy="0"/>
+        </a:xfrm>
+      </p:grpSpPr>
+      <p:sp>
+        <p:nvSpPr>
+          <p:cNvPr id="2" name="Title 1">
+            <a:extLst>
+              <a:ext uri="{FF2B5EF4-FFF2-40B4-BE49-F238E27FC236}">
+                <a16:creationId xmlns:a16="http://schemas.microsoft.com/office/drawing/2014/main" id="{B7BF20CB-A273-486B-BFA1-EA3B9D873B82}"/>
+              </a:ext>
+            </a:extLst>
+          </p:cNvPr>
+          <p:cNvSpPr>
+            <a:spLocks noGrp="1"/>
+          </p:cNvSpPr>
+          <p:nvPr>
+            <p:ph type="title"/>
+          </p:nvPr>
+        </p:nvSpPr>
+        <p:spPr/>
+        <p:txBody>
+          <a:bodyPr/>
+          <a:lstStyle/>
+          <a:p>
+            <a:r>
+              <a:rPr lang="en-GB" dirty="0"/>
+              <a:t>Product overview</a:t>
+            </a:r>
+          </a:p>
+        </p:txBody>
+      </p:sp>
+      <p:sp>
+        <p:nvSpPr>
+          <p:cNvPr id="3" name="Content Placeholder 2">
+            <a:extLst>
+              <a:ext uri="{FF2B5EF4-FFF2-40B4-BE49-F238E27FC236}">
+                <a16:creationId xmlns:a16="http://schemas.microsoft.com/office/drawing/2014/main" id="{63ED5301-AD50-4F7A-B618-9B6037EF7DA0}"/>
+              </a:ext>
+            </a:extLst>
+          </p:cNvPr>
+          <p:cNvSpPr>
+            <a:spLocks noGrp="1"/>
+          </p:cNvSpPr>
+          <p:nvPr>
+            <p:ph idx="1"/>
+          </p:nvPr>
+        </p:nvSpPr>
+        <p:spPr/>
+        <p:txBody>
+          <a:bodyPr/>
+          <a:lstStyle/>
+          <a:p>
+            <a:endParaRPr lang="en-GB" dirty="0"/>
+          </a:p>
+        </p:txBody>
+      </p:sp>
+    </p:spTree>
+    <p:extLst>
+      <p:ext uri="{BB962C8B-B14F-4D97-AF65-F5344CB8AC3E}">
+        <p14:creationId xmlns:p14="http://schemas.microsoft.com/office/powerpoint/2010/main" val="2773613496"/>
+      </p:ext>
+    </p:extLst>
+  </p:cSld>
+  <p:clrMapOvr>
+    <a:masterClrMapping/>
+  </p:clrMapOvr>
+</p:sld>
+</file>
+
+<file path=ppt/slides/slide4.xml><?xml version="1.0" encoding="utf-8"?>
+<p:sld xmlns:a="http://schemas.openxmlformats.org/drawingml/2006/main" xmlns:r="http://schemas.openxmlformats.org/officeDocument/2006/relationships" xmlns:p="http://schemas.openxmlformats.org/presentationml/2006/main">
+  <p:cSld>
+    <p:spTree>
+      <p:nvGrpSpPr>
+        <p:cNvPr id="1" name=""/>
+        <p:cNvGrpSpPr/>
+        <p:nvPr/>
+      </p:nvGrpSpPr>
+      <p:grpSpPr>
+        <a:xfrm>
+          <a:off x="0" y="0"/>
+          <a:ext cx="0" cy="0"/>
+          <a:chOff x="0" y="0"/>
+          <a:chExt cx="0" cy="0"/>
+        </a:xfrm>
+      </p:grpSpPr>
+      <p:sp>
+        <p:nvSpPr>
+          <p:cNvPr id="2" name="Title 1">
+            <a:extLst>
+              <a:ext uri="{FF2B5EF4-FFF2-40B4-BE49-F238E27FC236}">
+                <a16:creationId xmlns:a16="http://schemas.microsoft.com/office/drawing/2014/main" id="{394866E2-EF50-4F67-9533-6E92D8BD8782}"/>
+              </a:ext>
+            </a:extLst>
+          </p:cNvPr>
+          <p:cNvSpPr>
+            <a:spLocks noGrp="1"/>
+          </p:cNvSpPr>
+          <p:nvPr>
+            <p:ph type="title"/>
+          </p:nvPr>
+        </p:nvSpPr>
+        <p:spPr/>
+        <p:txBody>
+          <a:bodyPr/>
+          <a:lstStyle/>
+          <a:p>
+            <a:r>
+              <a:rPr lang="en-GB" dirty="0"/>
+              <a:t>Technologies used</a:t>
+            </a:r>
+          </a:p>
+        </p:txBody>
+      </p:sp>
+      <p:sp>
+        <p:nvSpPr>
+          <p:cNvPr id="3" name="Content Placeholder 2">
+            <a:extLst>
+              <a:ext uri="{FF2B5EF4-FFF2-40B4-BE49-F238E27FC236}">
+                <a16:creationId xmlns:a16="http://schemas.microsoft.com/office/drawing/2014/main" id="{C9900962-CA98-4B4A-B722-6392B89614FC}"/>
+              </a:ext>
+            </a:extLst>
+          </p:cNvPr>
+          <p:cNvSpPr>
+            <a:spLocks noGrp="1"/>
+          </p:cNvSpPr>
+          <p:nvPr>
+            <p:ph idx="1"/>
+          </p:nvPr>
+        </p:nvSpPr>
+        <p:spPr/>
+        <p:txBody>
+          <a:bodyPr/>
+          <a:lstStyle/>
+          <a:p>
+            <a:r>
+              <a:rPr lang="en-GB" dirty="0"/>
+              <a:t>CSS &amp; HTML</a:t>
+            </a:r>
+          </a:p>
+          <a:p>
+            <a:r>
+              <a:rPr lang="en-GB" dirty="0"/>
+              <a:t>JavaScript</a:t>
+            </a:r>
+          </a:p>
+          <a:p>
+            <a:pPr lvl="1"/>
+            <a:r>
+              <a:rPr lang="en-GB" dirty="0"/>
+              <a:t>We used JS to code functions like dark mode and popup forms</a:t>
+            </a:r>
+          </a:p>
+          <a:p>
+            <a:r>
+              <a:rPr lang="en-GB" dirty="0"/>
+              <a:t>Python</a:t>
+            </a:r>
+          </a:p>
+          <a:p>
+            <a:r>
+              <a:rPr lang="en-GB" dirty="0"/>
+              <a:t>PythonAnywhere</a:t>
+            </a:r>
+          </a:p>
+        </p:txBody>
+      </p:sp>
+    </p:spTree>
+    <p:extLst>
+      <p:ext uri="{BB962C8B-B14F-4D97-AF65-F5344CB8AC3E}">
+        <p14:creationId xmlns:p14="http://schemas.microsoft.com/office/powerpoint/2010/main" val="981801288"/>
+      </p:ext>
+    </p:extLst>
+  </p:cSld>
+  <p:clrMapOvr>
+    <a:masterClrMapping/>
+  </p:clrMapOvr>
+</p:sld>
+</file>
+
+<file path=ppt/slides/slide5.xml><?xml version="1.0" encoding="utf-8"?>
+<p:sld xmlns:a="http://schemas.openxmlformats.org/drawingml/2006/main" xmlns:r="http://schemas.openxmlformats.org/officeDocument/2006/relationships" xmlns:p="http://schemas.openxmlformats.org/presentationml/2006/main">
+  <p:cSld>
+    <p:spTree>
+      <p:nvGrpSpPr>
+        <p:cNvPr id="1" name=""/>
+        <p:cNvGrpSpPr/>
+        <p:nvPr/>
+      </p:nvGrpSpPr>
+      <p:grpSpPr>
+        <a:xfrm>
+          <a:off x="0" y="0"/>
+          <a:ext cx="0" cy="0"/>
+          <a:chOff x="0" y="0"/>
+          <a:chExt cx="0" cy="0"/>
+        </a:xfrm>
+      </p:grpSpPr>
+      <p:sp>
+        <p:nvSpPr>
+          <p:cNvPr id="2" name="Title 1">
+            <a:extLst>
+              <a:ext uri="{FF2B5EF4-FFF2-40B4-BE49-F238E27FC236}">
+                <a16:creationId xmlns:a16="http://schemas.microsoft.com/office/drawing/2014/main" id="{3AAD78B7-FCDE-46E1-9A72-BFA68DB4C49D}"/>
+              </a:ext>
+            </a:extLst>
+          </p:cNvPr>
+          <p:cNvSpPr>
+            <a:spLocks noGrp="1"/>
+          </p:cNvSpPr>
+          <p:nvPr>
+            <p:ph type="title"/>
+          </p:nvPr>
+        </p:nvSpPr>
+        <p:spPr/>
+        <p:txBody>
+          <a:bodyPr/>
+          <a:lstStyle/>
+          <a:p>
+            <a:r>
+              <a:rPr lang="en-GB" dirty="0"/>
+              <a:t>Front End</a:t>
+            </a:r>
+          </a:p>
+        </p:txBody>
+      </p:sp>
+      <p:sp>
+        <p:nvSpPr>
+          <p:cNvPr id="3" name="Content Placeholder 2">
+            <a:extLst>
+              <a:ext uri="{FF2B5EF4-FFF2-40B4-BE49-F238E27FC236}">
+                <a16:creationId xmlns:a16="http://schemas.microsoft.com/office/drawing/2014/main" id="{013E28E4-9249-4C5A-8C5D-F452377792AC}"/>
+              </a:ext>
+            </a:extLst>
+          </p:cNvPr>
+          <p:cNvSpPr>
+            <a:spLocks noGrp="1"/>
+          </p:cNvSpPr>
+          <p:nvPr>
+            <p:ph idx="1"/>
+          </p:nvPr>
+        </p:nvSpPr>
+        <p:spPr/>
+        <p:txBody>
+          <a:bodyPr>
+            <a:normAutofit lnSpcReduction="10000"/>
+          </a:bodyPr>
+          <a:lstStyle/>
+          <a:p>
+            <a:r>
+              <a:rPr lang="en-GB" dirty="0"/>
+              <a:t>Styling</a:t>
+            </a:r>
+          </a:p>
+          <a:p>
+            <a:pPr lvl="1"/>
+            <a:r>
+              <a:rPr lang="en-GB" dirty="0"/>
+              <a:t>Goal was to make the application look polished and refined</a:t>
+            </a:r>
+          </a:p>
+          <a:p>
+            <a:pPr lvl="1"/>
+            <a:r>
+              <a:rPr lang="en-GB" dirty="0"/>
+              <a:t>So we made a separate </a:t>
+            </a:r>
+            <a:r>
+              <a:rPr lang="en-GB" dirty="0" err="1"/>
+              <a:t>css</a:t>
+            </a:r>
+            <a:r>
+              <a:rPr lang="en-GB" dirty="0"/>
+              <a:t> file to implement different styles and formatting into our application</a:t>
+            </a:r>
+          </a:p>
+          <a:p>
+            <a:r>
+              <a:rPr lang="en-GB" dirty="0"/>
+              <a:t>Templates</a:t>
+            </a:r>
+          </a:p>
+          <a:p>
+            <a:pPr lvl="1"/>
+            <a:r>
+              <a:rPr lang="en-GB" dirty="0"/>
+              <a:t>Used the inheritance nature of templates so reduce duplicity </a:t>
+            </a:r>
+          </a:p>
+          <a:p>
+            <a:pPr lvl="1"/>
+            <a:r>
+              <a:rPr lang="en-GB" dirty="0"/>
+              <a:t>Each web page inherits the base.html as to keep formatting </a:t>
+            </a:r>
+            <a:r>
+              <a:rPr lang="en-GB" dirty="0" err="1"/>
+              <a:t>consistant</a:t>
+            </a:r>
+            <a:endParaRPr lang="en-GB" dirty="0"/>
+          </a:p>
+          <a:p>
+            <a:r>
+              <a:rPr lang="en-GB" dirty="0"/>
+              <a:t>User authentication</a:t>
+            </a:r>
+          </a:p>
+          <a:p>
+            <a:pPr lvl="1"/>
+            <a:r>
+              <a:rPr lang="en-GB" dirty="0"/>
+              <a:t>We used JS to help us make our sign in and log in forms functional and forms.py to actually store the user information</a:t>
+            </a:r>
+          </a:p>
+          <a:p>
+            <a:pPr lvl="1"/>
+            <a:r>
+              <a:rPr lang="en-GB" dirty="0"/>
+              <a:t>We created custom </a:t>
+            </a:r>
+            <a:r>
+              <a:rPr lang="en-GB" dirty="0" err="1"/>
+              <a:t>css</a:t>
+            </a:r>
+            <a:r>
+              <a:rPr lang="en-GB" dirty="0"/>
+              <a:t> error messages that clearly state what went wrong to the user, whilst looking polished</a:t>
+            </a:r>
+          </a:p>
+        </p:txBody>
+      </p:sp>
+    </p:spTree>
+    <p:extLst>
+      <p:ext uri="{BB962C8B-B14F-4D97-AF65-F5344CB8AC3E}">
+        <p14:creationId xmlns:p14="http://schemas.microsoft.com/office/powerpoint/2010/main" val="3565777637"/>
+      </p:ext>
+    </p:extLst>
+  </p:cSld>
+  <p:clrMapOvr>
+    <a:masterClrMapping/>
+  </p:clrMapOvr>
+</p:sld>
+</file>
+
+<file path=ppt/slides/slide6.xml><?xml version="1.0" encoding="utf-8"?>
+<p:sld xmlns:a="http://schemas.openxmlformats.org/drawingml/2006/main" xmlns:r="http://schemas.openxmlformats.org/officeDocument/2006/relationships" xmlns:p="http://schemas.openxmlformats.org/presentationml/2006/main">
+  <p:cSld>
+    <p:spTree>
+      <p:nvGrpSpPr>
+        <p:cNvPr id="1" name=""/>
+        <p:cNvGrpSpPr/>
+        <p:nvPr/>
+      </p:nvGrpSpPr>
+      <p:grpSpPr>
+        <a:xfrm>
+          <a:off x="0" y="0"/>
+          <a:ext cx="0" cy="0"/>
+          <a:chOff x="0" y="0"/>
+          <a:chExt cx="0" cy="0"/>
+        </a:xfrm>
+      </p:grpSpPr>
+      <p:sp>
+        <p:nvSpPr>
+          <p:cNvPr id="2" name="Title 1">
+            <a:extLst>
+              <a:ext uri="{FF2B5EF4-FFF2-40B4-BE49-F238E27FC236}">
+                <a16:creationId xmlns:a16="http://schemas.microsoft.com/office/drawing/2014/main" id="{004BA5BC-2C57-4273-BD32-A3A616D49070}"/>
+              </a:ext>
+            </a:extLst>
+          </p:cNvPr>
+          <p:cNvSpPr>
+            <a:spLocks noGrp="1"/>
+          </p:cNvSpPr>
+          <p:nvPr>
+            <p:ph type="title"/>
+          </p:nvPr>
+        </p:nvSpPr>
+        <p:spPr/>
+        <p:txBody>
+          <a:bodyPr/>
+          <a:lstStyle/>
+          <a:p>
+            <a:r>
+              <a:rPr lang="en-GB" dirty="0"/>
+              <a:t>Back End</a:t>
+            </a:r>
+          </a:p>
+        </p:txBody>
+      </p:sp>
+      <p:sp>
+        <p:nvSpPr>
+          <p:cNvPr id="3" name="Content Placeholder 2">
+            <a:extLst>
+              <a:ext uri="{FF2B5EF4-FFF2-40B4-BE49-F238E27FC236}">
+                <a16:creationId xmlns:a16="http://schemas.microsoft.com/office/drawing/2014/main" id="{F5BB5B4E-238E-4C71-A078-E69FDEC58AB8}"/>
+              </a:ext>
+            </a:extLst>
+          </p:cNvPr>
+          <p:cNvSpPr>
+            <a:spLocks noGrp="1"/>
+          </p:cNvSpPr>
+          <p:nvPr>
+            <p:ph idx="1"/>
+          </p:nvPr>
+        </p:nvSpPr>
+        <p:spPr/>
+        <p:txBody>
+          <a:bodyPr/>
+          <a:lstStyle/>
+          <a:p>
+            <a:r>
+              <a:rPr lang="en-GB" dirty="0"/>
+              <a:t>Models</a:t>
+            </a:r>
+          </a:p>
+          <a:p>
+            <a:pPr lvl="1"/>
+            <a:r>
+              <a:rPr lang="en-GB" dirty="0"/>
+              <a:t>Based on ER diagram we created in the design spec (without the </a:t>
+            </a:r>
+            <a:r>
+              <a:rPr lang="en-GB" dirty="0" err="1"/>
+              <a:t>moodle</a:t>
+            </a:r>
+            <a:r>
+              <a:rPr lang="en-GB" dirty="0"/>
+              <a:t> API)</a:t>
+            </a:r>
+          </a:p>
+          <a:p>
+            <a:r>
+              <a:rPr lang="en-GB" dirty="0"/>
+              <a:t>Views</a:t>
+            </a:r>
+          </a:p>
+          <a:p>
+            <a:pPr lvl="1"/>
+            <a:r>
+              <a:rPr lang="en-GB" dirty="0"/>
+              <a:t>We have separate views for each web page</a:t>
+            </a:r>
+          </a:p>
+          <a:p>
+            <a:r>
+              <a:rPr lang="en-GB" dirty="0"/>
+              <a:t>Population script</a:t>
+            </a:r>
+          </a:p>
+          <a:p>
+            <a:pPr lvl="1"/>
+            <a:r>
+              <a:rPr lang="en-GB" dirty="0"/>
+              <a:t>We used this to store user information</a:t>
+            </a:r>
+          </a:p>
+          <a:p>
+            <a:pPr lvl="1"/>
+            <a:r>
+              <a:rPr lang="en-GB" dirty="0"/>
+              <a:t>We used this to store the lecture content</a:t>
+            </a:r>
+          </a:p>
+          <a:p>
+            <a:endParaRPr lang="en-GB" dirty="0"/>
+          </a:p>
+        </p:txBody>
+      </p:sp>
+    </p:spTree>
+    <p:extLst>
+      <p:ext uri="{BB962C8B-B14F-4D97-AF65-F5344CB8AC3E}">
+        <p14:creationId xmlns:p14="http://schemas.microsoft.com/office/powerpoint/2010/main" val="1313590333"/>
+      </p:ext>
+    </p:extLst>
+  </p:cSld>
+  <p:clrMapOvr>
+    <a:masterClrMapping/>
+  </p:clrMapOvr>
+</p:sld>
+</file>
+
+<file path=ppt/slides/slide7.xml><?xml version="1.0" encoding="utf-8"?>
+<p:sld xmlns:a="http://schemas.openxmlformats.org/drawingml/2006/main" xmlns:r="http://schemas.openxmlformats.org/officeDocument/2006/relationships" xmlns:p="http://schemas.openxmlformats.org/presentationml/2006/main">
+  <p:cSld>
+    <p:spTree>
+      <p:nvGrpSpPr>
+        <p:cNvPr id="1" name=""/>
+        <p:cNvGrpSpPr/>
+        <p:nvPr/>
+      </p:nvGrpSpPr>
+      <p:grpSpPr>
+        <a:xfrm>
+          <a:off x="0" y="0"/>
+          <a:ext cx="0" cy="0"/>
+          <a:chOff x="0" y="0"/>
+          <a:chExt cx="0" cy="0"/>
+        </a:xfrm>
+      </p:grpSpPr>
+      <p:sp>
+        <p:nvSpPr>
+          <p:cNvPr id="2" name="Title 1">
+            <a:extLst>
+              <a:ext uri="{FF2B5EF4-FFF2-40B4-BE49-F238E27FC236}">
+                <a16:creationId xmlns:a16="http://schemas.microsoft.com/office/drawing/2014/main" id="{0828EAA2-2D6D-4B08-A129-714158201CFE}"/>
+              </a:ext>
+            </a:extLst>
+          </p:cNvPr>
+          <p:cNvSpPr>
+            <a:spLocks noGrp="1"/>
+          </p:cNvSpPr>
+          <p:nvPr>
+            <p:ph type="title"/>
+          </p:nvPr>
+        </p:nvSpPr>
+        <p:spPr/>
+        <p:txBody>
+          <a:bodyPr/>
+          <a:lstStyle/>
+          <a:p>
+            <a:r>
+              <a:rPr lang="en-GB" dirty="0"/>
+              <a:t>Live Demonstration</a:t>
+            </a:r>
+          </a:p>
+        </p:txBody>
+      </p:sp>
+      <p:sp>
+        <p:nvSpPr>
+          <p:cNvPr id="3" name="Content Placeholder 2">
+            <a:extLst>
+              <a:ext uri="{FF2B5EF4-FFF2-40B4-BE49-F238E27FC236}">
+                <a16:creationId xmlns:a16="http://schemas.microsoft.com/office/drawing/2014/main" id="{238AC21B-EB2D-4FAB-A286-59C393BBA896}"/>
+              </a:ext>
+            </a:extLst>
+          </p:cNvPr>
+          <p:cNvSpPr>
+            <a:spLocks noGrp="1"/>
+          </p:cNvSpPr>
+          <p:nvPr>
+            <p:ph idx="1"/>
+          </p:nvPr>
+        </p:nvSpPr>
+        <p:spPr/>
+        <p:txBody>
+          <a:bodyPr/>
+          <a:lstStyle/>
+          <a:p>
+            <a:endParaRPr lang="en-GB" dirty="0"/>
+          </a:p>
+        </p:txBody>
+      </p:sp>
+    </p:spTree>
+    <p:extLst>
+      <p:ext uri="{BB962C8B-B14F-4D97-AF65-F5344CB8AC3E}">
+        <p14:creationId xmlns:p14="http://schemas.microsoft.com/office/powerpoint/2010/main" val="915472291"/>
+      </p:ext>
+    </p:extLst>
+  </p:cSld>
+  <p:clrMapOvr>
+    <a:masterClrMapping/>
+  </p:clrMapOvr>
+</p:sld>
+</file>
+
 <file path=ppt/theme/theme1.xml><?xml version="1.0" encoding="utf-8"?>
-<a:theme xmlns:a="http://schemas.openxmlformats.org/drawingml/2006/main" name="Office Theme">
+<a:theme xmlns:a="http://schemas.openxmlformats.org/drawingml/2006/main" name="Facet">
   <a:themeElements>
-    <a:clrScheme name="Office">
+    <a:clrScheme name="Yellow">
       <a:dk1>
         <a:sysClr val="windowText" lastClr="000000"/>
       </a:dk1>
@@ -3416,52 +6626,52 @@
         <a:sysClr val="window" lastClr="FFFFFF"/>
       </a:lt1>
       <a:dk2>
-        <a:srgbClr val="44546A"/>
+        <a:srgbClr val="39302A"/>
       </a:dk2>
       <a:lt2>
-        <a:srgbClr val="E7E6E6"/>
+        <a:srgbClr val="E5DEDB"/>
       </a:lt2>
       <a:accent1>
-        <a:srgbClr val="4472C4"/>
+        <a:srgbClr val="FFCA08"/>
       </a:accent1>
       <a:accent2>
-        <a:srgbClr val="ED7D31"/>
+        <a:srgbClr val="F8931D"/>
       </a:accent2>
       <a:accent3>
-        <a:srgbClr val="A5A5A5"/>
+        <a:srgbClr val="CE8D3E"/>
       </a:accent3>
       <a:accent4>
-        <a:srgbClr val="FFC000"/>
+        <a:srgbClr val="EC7016"/>
       </a:accent4>
       <a:accent5>
-        <a:srgbClr val="5B9BD5"/>
+        <a:srgbClr val="E64823"/>
       </a:accent5>
       <a:accent6>
-        <a:srgbClr val="70AD47"/>
+        <a:srgbClr val="9C6A6A"/>
       </a:accent6>
       <a:hlink>
-        <a:srgbClr val="0563C1"/>
+        <a:srgbClr val="2998E3"/>
       </a:hlink>
       <a:folHlink>
-        <a:srgbClr val="954F72"/>
+        <a:srgbClr val="7F723D"/>
       </a:folHlink>
     </a:clrScheme>
-    <a:fontScheme name="Office">
+    <a:fontScheme name="Facet">
       <a:majorFont>
-        <a:latin typeface="Calibri Light" panose="020F0302020204030204"/>
+        <a:latin typeface="Trebuchet MS" panose="020B0603020202020204"/>
         <a:ea typeface=""/>
         <a:cs typeface=""/>
-        <a:font script="Jpan" typeface="游ゴシック Light"/>
+        <a:font script="Jpan" typeface="メイリオ"/>
         <a:font script="Hang" typeface="맑은 고딕"/>
-        <a:font script="Hans" typeface="等线 Light"/>
-        <a:font script="Hant" typeface="新細明體"/>
-        <a:font script="Arab" typeface="Times New Roman"/>
-        <a:font script="Hebr" typeface="Times New Roman"/>
-        <a:font script="Thai" typeface="Angsana New"/>
+        <a:font script="Hans" typeface="方正姚体"/>
+        <a:font script="Hant" typeface="微軟正黑體"/>
+        <a:font script="Arab" typeface="Tahoma"/>
+        <a:font script="Hebr" typeface="Arial"/>
+        <a:font script="Thai" typeface="Cordia New"/>
         <a:font script="Ethi" typeface="Nyala"/>
         <a:font script="Beng" typeface="Vrinda"/>
         <a:font script="Gujr" typeface="Shruti"/>
-        <a:font script="Khmr" typeface="MoolBoran"/>
+        <a:font script="Khmr" typeface="DaunPenh"/>
         <a:font script="Knda" typeface="Tunga"/>
         <a:font script="Guru" typeface="Raavi"/>
         <a:font script="Cans" typeface="Euphemia"/>
@@ -3478,38 +6688,21 @@
         <a:font script="Laoo" typeface="DokChampa"/>
         <a:font script="Sinh" typeface="Iskoola Pota"/>
         <a:font script="Mong" typeface="Mongolian Baiti"/>
-        <a:font script="Viet" typeface="Times New Roman"/>
+        <a:font script="Viet" typeface="Tahoma"/>
         <a:font script="Uigh" typeface="Microsoft Uighur"/>
         <a:font script="Geor" typeface="Sylfaen"/>
-        <a:font script="Armn" typeface="Arial"/>
-        <a:font script="Bugi" typeface="Leelawadee UI"/>
-        <a:font script="Bopo" typeface="Microsoft JhengHei"/>
-        <a:font script="Java" typeface="Javanese Text"/>
-        <a:font script="Lisu" typeface="Segoe UI"/>
-        <a:font script="Mymr" typeface="Myanmar Text"/>
-        <a:font script="Nkoo" typeface="Ebrima"/>
-        <a:font script="Olck" typeface="Nirmala UI"/>
-        <a:font script="Osma" typeface="Ebrima"/>
-        <a:font script="Phag" typeface="Phagspa"/>
-        <a:font script="Syrn" typeface="Estrangelo Edessa"/>
-        <a:font script="Syrj" typeface="Estrangelo Edessa"/>
-        <a:font script="Syre" typeface="Estrangelo Edessa"/>
-        <a:font script="Sora" typeface="Nirmala UI"/>
-        <a:font script="Tale" typeface="Microsoft Tai Le"/>
-        <a:font script="Talu" typeface="Microsoft New Tai Lue"/>
-        <a:font script="Tfng" typeface="Ebrima"/>
       </a:majorFont>
       <a:minorFont>
-        <a:latin typeface="Calibri" panose="020F0502020204030204"/>
+        <a:latin typeface="Trebuchet MS" panose="020B0603020202020204"/>
         <a:ea typeface=""/>
         <a:cs typeface=""/>
-        <a:font script="Jpan" typeface="游ゴシック"/>
-        <a:font script="Hang" typeface="맑은 고딕"/>
-        <a:font script="Hans" typeface="等线"/>
-        <a:font script="Hant" typeface="新細明體"/>
-        <a:font script="Arab" typeface="Arial"/>
-        <a:font script="Hebr" typeface="Arial"/>
-        <a:font script="Thai" typeface="Cordia New"/>
+        <a:font script="Jpan" typeface="メイリオ"/>
+        <a:font script="Hang" typeface="HY그래픽M"/>
+        <a:font script="Hans" typeface="华文新魏"/>
+        <a:font script="Hant" typeface="微軟正黑體"/>
+        <a:font script="Arab" typeface="Tahoma"/>
+        <a:font script="Hebr" typeface="Gisha"/>
+        <a:font script="Thai" typeface="IrisUPC"/>
         <a:font script="Ethi" typeface="Nyala"/>
         <a:font script="Beng" typeface="Vrinda"/>
         <a:font script="Gujr" typeface="Shruti"/>
@@ -3533,26 +6726,9 @@
         <a:font script="Viet" typeface="Arial"/>
         <a:font script="Uigh" typeface="Microsoft Uighur"/>
         <a:font script="Geor" typeface="Sylfaen"/>
-        <a:font script="Armn" typeface="Arial"/>
-        <a:font script="Bugi" typeface="Leelawadee UI"/>
-        <a:font script="Bopo" typeface="Microsoft JhengHei"/>
-        <a:font script="Java" typeface="Javanese Text"/>
-        <a:font script="Lisu" typeface="Segoe UI"/>
-        <a:font script="Mymr" typeface="Myanmar Text"/>
-        <a:font script="Nkoo" typeface="Ebrima"/>
-        <a:font script="Olck" typeface="Nirmala UI"/>
-        <a:font script="Osma" typeface="Ebrima"/>
-        <a:font script="Phag" typeface="Phagspa"/>
-        <a:font script="Syrn" typeface="Estrangelo Edessa"/>
-        <a:font script="Syrj" typeface="Estrangelo Edessa"/>
-        <a:font script="Syre" typeface="Estrangelo Edessa"/>
-        <a:font script="Sora" typeface="Nirmala UI"/>
-        <a:font script="Tale" typeface="Microsoft Tai Le"/>
-        <a:font script="Talu" typeface="Microsoft New Tai Lue"/>
-        <a:font script="Tfng" typeface="Ebrima"/>
       </a:minorFont>
     </a:fontScheme>
-    <a:fmtScheme name="Office">
+    <a:fmtScheme name="Facet">
       <a:fillStyleLst>
         <a:solidFill>
           <a:schemeClr val="phClr"/>
@@ -3561,23 +6737,13 @@
           <a:gsLst>
             <a:gs pos="0">
               <a:schemeClr val="phClr">
+                <a:tint val="65000"/>
                 <a:lumMod val="110000"/>
-                <a:satMod val="105000"/>
-                <a:tint val="67000"/>
               </a:schemeClr>
             </a:gs>
-            <a:gs pos="50000">
+            <a:gs pos="88000">
               <a:schemeClr val="phClr">
-                <a:lumMod val="105000"/>
-                <a:satMod val="103000"/>
-                <a:tint val="73000"/>
-              </a:schemeClr>
-            </a:gs>
-            <a:gs pos="100000">
-              <a:schemeClr val="phClr">
-                <a:lumMod val="105000"/>
-                <a:satMod val="109000"/>
-                <a:tint val="81000"/>
+                <a:tint val="90000"/>
               </a:schemeClr>
             </a:gs>
           </a:gsLst>
@@ -3587,23 +6753,14 @@
           <a:gsLst>
             <a:gs pos="0">
               <a:schemeClr val="phClr">
-                <a:satMod val="103000"/>
-                <a:lumMod val="102000"/>
-                <a:tint val="94000"/>
+                <a:tint val="96000"/>
+                <a:lumMod val="100000"/>
               </a:schemeClr>
             </a:gs>
-            <a:gs pos="50000">
+            <a:gs pos="78000">
               <a:schemeClr val="phClr">
-                <a:satMod val="110000"/>
-                <a:lumMod val="100000"/>
-                <a:shade val="100000"/>
-              </a:schemeClr>
-            </a:gs>
-            <a:gs pos="100000">
-              <a:schemeClr val="phClr">
-                <a:lumMod val="99000"/>
-                <a:satMod val="120000"/>
-                <a:shade val="78000"/>
+                <a:shade val="94000"/>
+                <a:lumMod val="94000"/>
               </a:schemeClr>
             </a:gs>
           </a:gsLst>
@@ -3611,26 +6768,23 @@
         </a:gradFill>
       </a:fillStyleLst>
       <a:lnStyleLst>
-        <a:ln w="6350" cap="flat" cmpd="sng" algn="ctr">
+        <a:ln w="12700" cap="rnd" cmpd="sng" algn="ctr">
           <a:solidFill>
             <a:schemeClr val="phClr"/>
           </a:solidFill>
           <a:prstDash val="solid"/>
-          <a:miter lim="800000"/>
         </a:ln>
-        <a:ln w="12700" cap="flat" cmpd="sng" algn="ctr">
+        <a:ln w="19050" cap="rnd" cmpd="sng" algn="ctr">
           <a:solidFill>
             <a:schemeClr val="phClr"/>
           </a:solidFill>
           <a:prstDash val="solid"/>
-          <a:miter lim="800000"/>
         </a:ln>
-        <a:ln w="19050" cap="flat" cmpd="sng" algn="ctr">
+        <a:ln w="25400" cap="rnd" cmpd="sng" algn="ctr">
           <a:solidFill>
             <a:schemeClr val="phClr"/>
           </a:solidFill>
           <a:prstDash val="solid"/>
-          <a:miter lim="800000"/>
         </a:ln>
       </a:lnStyleLst>
       <a:effectStyleLst>
@@ -3638,54 +6792,72 @@
           <a:effectLst/>
         </a:effectStyle>
         <a:effectStyle>
-          <a:effectLst/>
+          <a:effectLst>
+            <a:outerShdw blurRad="38100" dist="25400" dir="5400000" rotWithShape="0">
+              <a:srgbClr val="000000">
+                <a:alpha val="35000"/>
+              </a:srgbClr>
+            </a:outerShdw>
+          </a:effectLst>
         </a:effectStyle>
         <a:effectStyle>
           <a:effectLst>
-            <a:outerShdw blurRad="57150" dist="19050" dir="5400000" algn="ctr" rotWithShape="0">
+            <a:outerShdw blurRad="50800" dist="38100" dir="5400000" rotWithShape="0">
               <a:srgbClr val="000000">
-                <a:alpha val="63000"/>
+                <a:alpha val="35000"/>
               </a:srgbClr>
             </a:outerShdw>
           </a:effectLst>
+          <a:scene3d>
+            <a:camera prst="orthographicFront">
+              <a:rot lat="0" lon="0" rev="0"/>
+            </a:camera>
+            <a:lightRig rig="threePt" dir="tl"/>
+          </a:scene3d>
+          <a:sp3d prstMaterial="plastic">
+            <a:bevelT w="0" h="0"/>
+          </a:sp3d>
         </a:effectStyle>
       </a:effectStyleLst>
       <a:bgFillStyleLst>
         <a:solidFill>
           <a:schemeClr val="phClr"/>
         </a:solidFill>
-        <a:solidFill>
-          <a:schemeClr val="phClr">
-            <a:tint val="95000"/>
-            <a:satMod val="170000"/>
-          </a:schemeClr>
-        </a:solidFill>
         <a:gradFill rotWithShape="1">
           <a:gsLst>
             <a:gs pos="0">
               <a:schemeClr val="phClr">
-                <a:tint val="93000"/>
-                <a:satMod val="150000"/>
-                <a:shade val="98000"/>
-                <a:lumMod val="102000"/>
+                <a:tint val="90000"/>
+                <a:lumMod val="104000"/>
               </a:schemeClr>
             </a:gs>
-            <a:gs pos="50000">
+            <a:gs pos="94000">
               <a:schemeClr val="phClr">
-                <a:tint val="98000"/>
-                <a:satMod val="130000"/>
-                <a:shade val="90000"/>
-                <a:lumMod val="103000"/>
+                <a:shade val="96000"/>
+                <a:lumMod val="82000"/>
+              </a:schemeClr>
+            </a:gs>
+          </a:gsLst>
+          <a:lin ang="5400000" scaled="0"/>
+        </a:gradFill>
+        <a:gradFill rotWithShape="1">
+          <a:gsLst>
+            <a:gs pos="0">
+              <a:schemeClr val="phClr">
+                <a:tint val="90000"/>
+                <a:lumMod val="110000"/>
               </a:schemeClr>
             </a:gs>
             <a:gs pos="100000">
               <a:schemeClr val="phClr">
-                <a:shade val="63000"/>
-                <a:satMod val="120000"/>
+                <a:shade val="94000"/>
+                <a:lumMod val="96000"/>
               </a:schemeClr>
             </a:gs>
           </a:gsLst>
-          <a:lin ang="5400000" scaled="0"/>
+          <a:path path="circle">
+            <a:fillToRect l="50000" t="50000" r="100000" b="100000"/>
+          </a:path>
         </a:gradFill>
       </a:bgFillStyleLst>
     </a:fmtScheme>
@@ -3694,7 +6866,7 @@
   <a:extraClrSchemeLst/>
   <a:extLst>
     <a:ext uri="{05A4C25C-085E-4340-85A3-A5531E510DB2}">
-      <thm15:themeFamily xmlns:thm15="http://schemas.microsoft.com/office/thememl/2012/main" name="Office Theme" id="{62F939B6-93AF-4DB8-9C6B-D6C7DFDC589F}" vid="{4A3C46E8-61CC-4603-A589-7422A47A8E4A}"/>
+      <thm15:themeFamily xmlns:thm15="http://schemas.microsoft.com/office/thememl/2012/main" name="Facet" id="{C0C680CD-088A-49FC-A102-D699147F32B2}" vid="{CFBC31BA-B70F-4F30-BCAA-4F3011E16C4D}"/>
     </a:ext>
   </a:extLst>
 </a:theme>

--- a/Presentation.pptx
+++ b/Presentation.pptx
@@ -7,11 +7,13 @@
   <p:sldIdLst>
     <p:sldId id="256" r:id="rId2"/>
     <p:sldId id="257" r:id="rId3"/>
-    <p:sldId id="258" r:id="rId4"/>
-    <p:sldId id="259" r:id="rId5"/>
-    <p:sldId id="260" r:id="rId6"/>
-    <p:sldId id="261" r:id="rId7"/>
-    <p:sldId id="262" r:id="rId8"/>
+    <p:sldId id="259" r:id="rId4"/>
+    <p:sldId id="263" r:id="rId5"/>
+    <p:sldId id="264" r:id="rId6"/>
+    <p:sldId id="260" r:id="rId7"/>
+    <p:sldId id="261" r:id="rId8"/>
+    <p:sldId id="262" r:id="rId9"/>
+    <p:sldId id="265" r:id="rId10"/>
   </p:sldIdLst>
   <p:sldSz cx="12192000" cy="6858000"/>
   <p:notesSz cx="6858000" cy="9144000"/>
@@ -840,7 +842,7 @@
           <a:p>
             <a:fld id="{3EE02DEA-DAE7-412D-98C1-743910D649DD}" type="datetimeFigureOut">
               <a:rPr lang="en-GB" smtClean="0"/>
-              <a:t>23/03/2022</a:t>
+              <a:t>24/03/2022</a:t>
             </a:fld>
             <a:endParaRPr lang="en-GB"/>
           </a:p>
@@ -1091,7 +1093,7 @@
           <a:p>
             <a:fld id="{3EE02DEA-DAE7-412D-98C1-743910D649DD}" type="datetimeFigureOut">
               <a:rPr lang="en-GB" smtClean="0"/>
-              <a:t>23/03/2022</a:t>
+              <a:t>24/03/2022</a:t>
             </a:fld>
             <a:endParaRPr lang="en-GB"/>
           </a:p>
@@ -1405,7 +1407,7 @@
           <a:p>
             <a:fld id="{3EE02DEA-DAE7-412D-98C1-743910D649DD}" type="datetimeFigureOut">
               <a:rPr lang="en-GB" smtClean="0"/>
-              <a:t>23/03/2022</a:t>
+              <a:t>24/03/2022</a:t>
             </a:fld>
             <a:endParaRPr lang="en-GB"/>
           </a:p>
@@ -1746,7 +1748,7 @@
           <a:p>
             <a:fld id="{3EE02DEA-DAE7-412D-98C1-743910D649DD}" type="datetimeFigureOut">
               <a:rPr lang="en-GB" smtClean="0"/>
-              <a:t>23/03/2022</a:t>
+              <a:t>24/03/2022</a:t>
             </a:fld>
             <a:endParaRPr lang="en-GB"/>
           </a:p>
@@ -2060,7 +2062,7 @@
           <a:p>
             <a:fld id="{3EE02DEA-DAE7-412D-98C1-743910D649DD}" type="datetimeFigureOut">
               <a:rPr lang="en-GB" smtClean="0"/>
-              <a:t>23/03/2022</a:t>
+              <a:t>24/03/2022</a:t>
             </a:fld>
             <a:endParaRPr lang="en-GB"/>
           </a:p>
@@ -2453,7 +2455,7 @@
           <a:p>
             <a:fld id="{3EE02DEA-DAE7-412D-98C1-743910D649DD}" type="datetimeFigureOut">
               <a:rPr lang="en-GB" smtClean="0"/>
-              <a:t>23/03/2022</a:t>
+              <a:t>24/03/2022</a:t>
             </a:fld>
             <a:endParaRPr lang="en-GB"/>
           </a:p>
@@ -2623,7 +2625,7 @@
           <a:p>
             <a:fld id="{3EE02DEA-DAE7-412D-98C1-743910D649DD}" type="datetimeFigureOut">
               <a:rPr lang="en-GB" smtClean="0"/>
-              <a:t>23/03/2022</a:t>
+              <a:t>24/03/2022</a:t>
             </a:fld>
             <a:endParaRPr lang="en-GB"/>
           </a:p>
@@ -2803,7 +2805,7 @@
           <a:p>
             <a:fld id="{3EE02DEA-DAE7-412D-98C1-743910D649DD}" type="datetimeFigureOut">
               <a:rPr lang="en-GB" smtClean="0"/>
-              <a:t>23/03/2022</a:t>
+              <a:t>24/03/2022</a:t>
             </a:fld>
             <a:endParaRPr lang="en-GB"/>
           </a:p>
@@ -2979,7 +2981,7 @@
           <a:p>
             <a:fld id="{3EE02DEA-DAE7-412D-98C1-743910D649DD}" type="datetimeFigureOut">
               <a:rPr lang="en-GB" smtClean="0"/>
-              <a:t>23/03/2022</a:t>
+              <a:t>24/03/2022</a:t>
             </a:fld>
             <a:endParaRPr lang="en-GB"/>
           </a:p>
@@ -3226,7 +3228,7 @@
           <a:p>
             <a:fld id="{3EE02DEA-DAE7-412D-98C1-743910D649DD}" type="datetimeFigureOut">
               <a:rPr lang="en-GB" smtClean="0"/>
-              <a:t>23/03/2022</a:t>
+              <a:t>24/03/2022</a:t>
             </a:fld>
             <a:endParaRPr lang="en-GB"/>
           </a:p>
@@ -3458,7 +3460,7 @@
           <a:p>
             <a:fld id="{3EE02DEA-DAE7-412D-98C1-743910D649DD}" type="datetimeFigureOut">
               <a:rPr lang="en-GB" smtClean="0"/>
-              <a:t>23/03/2022</a:t>
+              <a:t>24/03/2022</a:t>
             </a:fld>
             <a:endParaRPr lang="en-GB"/>
           </a:p>
@@ -3832,7 +3834,7 @@
           <a:p>
             <a:fld id="{3EE02DEA-DAE7-412D-98C1-743910D649DD}" type="datetimeFigureOut">
               <a:rPr lang="en-GB" smtClean="0"/>
-              <a:t>23/03/2022</a:t>
+              <a:t>24/03/2022</a:t>
             </a:fld>
             <a:endParaRPr lang="en-GB"/>
           </a:p>
@@ -3955,7 +3957,7 @@
           <a:p>
             <a:fld id="{3EE02DEA-DAE7-412D-98C1-743910D649DD}" type="datetimeFigureOut">
               <a:rPr lang="en-GB" smtClean="0"/>
-              <a:t>23/03/2022</a:t>
+              <a:t>24/03/2022</a:t>
             </a:fld>
             <a:endParaRPr lang="en-GB"/>
           </a:p>
@@ -4050,7 +4052,7 @@
           <a:p>
             <a:fld id="{3EE02DEA-DAE7-412D-98C1-743910D649DD}" type="datetimeFigureOut">
               <a:rPr lang="en-GB" smtClean="0"/>
-              <a:t>23/03/2022</a:t>
+              <a:t>24/03/2022</a:t>
             </a:fld>
             <a:endParaRPr lang="en-GB"/>
           </a:p>
@@ -4305,7 +4307,7 @@
           <a:p>
             <a:fld id="{3EE02DEA-DAE7-412D-98C1-743910D649DD}" type="datetimeFigureOut">
               <a:rPr lang="en-GB" smtClean="0"/>
-              <a:t>23/03/2022</a:t>
+              <a:t>24/03/2022</a:t>
             </a:fld>
             <a:endParaRPr lang="en-GB"/>
           </a:p>
@@ -4568,7 +4570,7 @@
           <a:p>
             <a:fld id="{3EE02DEA-DAE7-412D-98C1-743910D649DD}" type="datetimeFigureOut">
               <a:rPr lang="en-GB" smtClean="0"/>
-              <a:t>23/03/2022</a:t>
+              <a:t>24/03/2022</a:t>
             </a:fld>
             <a:endParaRPr lang="en-GB"/>
           </a:p>
@@ -5311,7 +5313,7 @@
           <a:p>
             <a:fld id="{3EE02DEA-DAE7-412D-98C1-743910D649DD}" type="datetimeFigureOut">
               <a:rPr lang="en-GB" smtClean="0"/>
-              <a:t>23/03/2022</a:t>
+              <a:t>24/03/2022</a:t>
             </a:fld>
             <a:endParaRPr lang="en-GB"/>
           </a:p>
@@ -5823,15 +5825,9 @@
   <p:cSld>
     <p:bg>
       <p:bgPr>
-        <a:blipFill dpi="0" rotWithShape="1">
-          <a:blip r:embed="rId2">
-            <a:lum/>
-          </a:blip>
-          <a:srcRect/>
-          <a:stretch>
-            <a:fillRect t="-9000" b="-9000"/>
-          </a:stretch>
-        </a:blipFill>
+        <a:solidFill>
+          <a:schemeClr val="accent1"/>
+        </a:solidFill>
         <a:effectLst/>
       </p:bgPr>
     </p:bg>
@@ -5867,18 +5863,37 @@
         </p:nvSpPr>
         <p:spPr>
           <a:xfrm>
-            <a:off x="1116542" y="1966384"/>
-            <a:ext cx="7766936" cy="1646302"/>
+            <a:off x="449790" y="2880550"/>
+            <a:ext cx="10058400" cy="1096899"/>
           </a:xfrm>
+          <a:noFill/>
         </p:spPr>
         <p:txBody>
           <a:bodyPr/>
           <a:lstStyle/>
           <a:p>
-            <a:r>
-              <a:rPr lang="en-GB" sz="6600" b="1" dirty="0"/>
-              <a:t>Lecture Finder</a:t>
-            </a:r>
+            <a:pPr algn="ctr"/>
+            <a:r>
+              <a:rPr lang="en-GB" sz="6000" b="1" dirty="0">
+                <a:solidFill>
+                  <a:schemeClr val="bg1"/>
+                </a:solidFill>
+              </a:rPr>
+              <a:t>Find my Lecture: </a:t>
+            </a:r>
+            <a:r>
+              <a:rPr lang="en-GB" sz="6000" b="1" dirty="0" err="1">
+                <a:solidFill>
+                  <a:schemeClr val="bg1"/>
+                </a:solidFill>
+              </a:rPr>
+              <a:t>LectureFinder</a:t>
+            </a:r>
+            <a:endParaRPr lang="en-GB" sz="6000" b="1" dirty="0">
+              <a:solidFill>
+                <a:schemeClr val="bg1"/>
+              </a:solidFill>
+            </a:endParaRPr>
           </a:p>
         </p:txBody>
       </p:sp>
@@ -5900,8 +5915,8 @@
         </p:nvSpPr>
         <p:spPr>
           <a:xfrm>
-            <a:off x="449792" y="4765208"/>
-            <a:ext cx="7766936" cy="1096899"/>
+            <a:off x="1170180" y="1009134"/>
+            <a:ext cx="8617621" cy="1096899"/>
           </a:xfrm>
         </p:spPr>
         <p:txBody>
@@ -5910,14 +5925,290 @@
           </a:bodyPr>
           <a:lstStyle/>
           <a:p>
+            <a:pPr algn="ctr"/>
             <a:r>
               <a:rPr lang="en-GB" sz="2000" b="1" dirty="0">
                 <a:solidFill>
                   <a:schemeClr val="bg1"/>
                 </a:solidFill>
               </a:rPr>
-              <a:t>By WAD2 Team 7A </a:t>
-            </a:r>
+              <a:t>COMPSCI 2021: Web App Development 2- Team Project</a:t>
+            </a:r>
+          </a:p>
+          <a:p>
+            <a:pPr algn="ctr"/>
+            <a:endParaRPr lang="en-GB" sz="2000" b="1" dirty="0">
+              <a:solidFill>
+                <a:schemeClr val="bg1"/>
+              </a:solidFill>
+            </a:endParaRPr>
+          </a:p>
+        </p:txBody>
+      </p:sp>
+      <p:sp>
+        <p:nvSpPr>
+          <p:cNvPr id="8" name="Subtitle 2">
+            <a:extLst>
+              <a:ext uri="{FF2B5EF4-FFF2-40B4-BE49-F238E27FC236}">
+                <a16:creationId xmlns:a16="http://schemas.microsoft.com/office/drawing/2014/main" id="{A895B5A1-E660-AA40-830D-C8B302F1DBD9}"/>
+              </a:ext>
+            </a:extLst>
+          </p:cNvPr>
+          <p:cNvSpPr txBox="1">
+            <a:spLocks/>
+          </p:cNvSpPr>
+          <p:nvPr/>
+        </p:nvSpPr>
+        <p:spPr>
+          <a:xfrm>
+            <a:off x="1170180" y="4509645"/>
+            <a:ext cx="8617621" cy="1096899"/>
+          </a:xfrm>
+          <a:prstGeom prst="rect">
+            <a:avLst/>
+          </a:prstGeom>
+        </p:spPr>
+        <p:txBody>
+          <a:bodyPr vert="horz" lIns="91440" tIns="45720" rIns="91440" bIns="45720" rtlCol="0" anchor="t">
+            <a:normAutofit/>
+          </a:bodyPr>
+          <a:lstStyle>
+            <a:lvl1pPr marL="0" indent="0" algn="r" defTabSz="457200" rtl="0" eaLnBrk="1" latinLnBrk="0" hangingPunct="1">
+              <a:spcBef>
+                <a:spcPts val="1000"/>
+              </a:spcBef>
+              <a:spcAft>
+                <a:spcPts val="0"/>
+              </a:spcAft>
+              <a:buClr>
+                <a:schemeClr val="accent1"/>
+              </a:buClr>
+              <a:buSzPct val="80000"/>
+              <a:buFont typeface="Wingdings 3" charset="2"/>
+              <a:buNone/>
+              <a:defRPr sz="1800" kern="1200">
+                <a:solidFill>
+                  <a:schemeClr val="tx1">
+                    <a:lumMod val="50000"/>
+                    <a:lumOff val="50000"/>
+                  </a:schemeClr>
+                </a:solidFill>
+                <a:latin typeface="+mn-lt"/>
+                <a:ea typeface="+mn-ea"/>
+                <a:cs typeface="+mn-cs"/>
+              </a:defRPr>
+            </a:lvl1pPr>
+            <a:lvl2pPr marL="457200" indent="0" algn="ctr" defTabSz="457200" rtl="0" eaLnBrk="1" latinLnBrk="0" hangingPunct="1">
+              <a:spcBef>
+                <a:spcPts val="1000"/>
+              </a:spcBef>
+              <a:spcAft>
+                <a:spcPts val="0"/>
+              </a:spcAft>
+              <a:buClr>
+                <a:schemeClr val="accent1"/>
+              </a:buClr>
+              <a:buSzPct val="80000"/>
+              <a:buFont typeface="Wingdings 3" charset="2"/>
+              <a:buNone/>
+              <a:defRPr sz="1600" kern="1200">
+                <a:solidFill>
+                  <a:schemeClr val="tx1">
+                    <a:tint val="75000"/>
+                  </a:schemeClr>
+                </a:solidFill>
+                <a:latin typeface="+mn-lt"/>
+                <a:ea typeface="+mn-ea"/>
+                <a:cs typeface="+mn-cs"/>
+              </a:defRPr>
+            </a:lvl2pPr>
+            <a:lvl3pPr marL="914400" indent="0" algn="ctr" defTabSz="457200" rtl="0" eaLnBrk="1" latinLnBrk="0" hangingPunct="1">
+              <a:spcBef>
+                <a:spcPts val="1000"/>
+              </a:spcBef>
+              <a:spcAft>
+                <a:spcPts val="0"/>
+              </a:spcAft>
+              <a:buClr>
+                <a:schemeClr val="accent1"/>
+              </a:buClr>
+              <a:buSzPct val="80000"/>
+              <a:buFont typeface="Wingdings 3" charset="2"/>
+              <a:buNone/>
+              <a:defRPr sz="1400" kern="1200">
+                <a:solidFill>
+                  <a:schemeClr val="tx1">
+                    <a:tint val="75000"/>
+                  </a:schemeClr>
+                </a:solidFill>
+                <a:latin typeface="+mn-lt"/>
+                <a:ea typeface="+mn-ea"/>
+                <a:cs typeface="+mn-cs"/>
+              </a:defRPr>
+            </a:lvl3pPr>
+            <a:lvl4pPr marL="1371600" indent="0" algn="ctr" defTabSz="457200" rtl="0" eaLnBrk="1" latinLnBrk="0" hangingPunct="1">
+              <a:spcBef>
+                <a:spcPts val="1000"/>
+              </a:spcBef>
+              <a:spcAft>
+                <a:spcPts val="0"/>
+              </a:spcAft>
+              <a:buClr>
+                <a:schemeClr val="accent1"/>
+              </a:buClr>
+              <a:buSzPct val="80000"/>
+              <a:buFont typeface="Wingdings 3" charset="2"/>
+              <a:buNone/>
+              <a:defRPr sz="1200" kern="1200">
+                <a:solidFill>
+                  <a:schemeClr val="tx1">
+                    <a:tint val="75000"/>
+                  </a:schemeClr>
+                </a:solidFill>
+                <a:latin typeface="+mn-lt"/>
+                <a:ea typeface="+mn-ea"/>
+                <a:cs typeface="+mn-cs"/>
+              </a:defRPr>
+            </a:lvl4pPr>
+            <a:lvl5pPr marL="1828800" indent="0" algn="ctr" defTabSz="457200" rtl="0" eaLnBrk="1" latinLnBrk="0" hangingPunct="1">
+              <a:spcBef>
+                <a:spcPts val="1000"/>
+              </a:spcBef>
+              <a:spcAft>
+                <a:spcPts val="0"/>
+              </a:spcAft>
+              <a:buClr>
+                <a:schemeClr val="accent1"/>
+              </a:buClr>
+              <a:buSzPct val="80000"/>
+              <a:buFont typeface="Wingdings 3" charset="2"/>
+              <a:buNone/>
+              <a:defRPr sz="1200" kern="1200">
+                <a:solidFill>
+                  <a:schemeClr val="tx1">
+                    <a:tint val="75000"/>
+                  </a:schemeClr>
+                </a:solidFill>
+                <a:latin typeface="+mn-lt"/>
+                <a:ea typeface="+mn-ea"/>
+                <a:cs typeface="+mn-cs"/>
+              </a:defRPr>
+            </a:lvl5pPr>
+            <a:lvl6pPr marL="2286000" indent="0" algn="ctr" defTabSz="457200" rtl="0" eaLnBrk="1" latinLnBrk="0" hangingPunct="1">
+              <a:spcBef>
+                <a:spcPts val="1000"/>
+              </a:spcBef>
+              <a:spcAft>
+                <a:spcPts val="0"/>
+              </a:spcAft>
+              <a:buClr>
+                <a:schemeClr val="accent1"/>
+              </a:buClr>
+              <a:buSzPct val="80000"/>
+              <a:buFont typeface="Wingdings 3" charset="2"/>
+              <a:buNone/>
+              <a:defRPr sz="1200" kern="1200">
+                <a:solidFill>
+                  <a:schemeClr val="tx1">
+                    <a:tint val="75000"/>
+                  </a:schemeClr>
+                </a:solidFill>
+                <a:latin typeface="+mn-lt"/>
+                <a:ea typeface="+mn-ea"/>
+                <a:cs typeface="+mn-cs"/>
+              </a:defRPr>
+            </a:lvl6pPr>
+            <a:lvl7pPr marL="2743200" indent="0" algn="ctr" defTabSz="457200" rtl="0" eaLnBrk="1" latinLnBrk="0" hangingPunct="1">
+              <a:spcBef>
+                <a:spcPts val="1000"/>
+              </a:spcBef>
+              <a:spcAft>
+                <a:spcPts val="0"/>
+              </a:spcAft>
+              <a:buClr>
+                <a:schemeClr val="accent1"/>
+              </a:buClr>
+              <a:buSzPct val="80000"/>
+              <a:buFont typeface="Wingdings 3" charset="2"/>
+              <a:buNone/>
+              <a:defRPr sz="1200" kern="1200">
+                <a:solidFill>
+                  <a:schemeClr val="tx1">
+                    <a:tint val="75000"/>
+                  </a:schemeClr>
+                </a:solidFill>
+                <a:latin typeface="+mn-lt"/>
+                <a:ea typeface="+mn-ea"/>
+                <a:cs typeface="+mn-cs"/>
+              </a:defRPr>
+            </a:lvl7pPr>
+            <a:lvl8pPr marL="3200400" indent="0" algn="ctr" defTabSz="457200" rtl="0" eaLnBrk="1" latinLnBrk="0" hangingPunct="1">
+              <a:spcBef>
+                <a:spcPts val="1000"/>
+              </a:spcBef>
+              <a:spcAft>
+                <a:spcPts val="0"/>
+              </a:spcAft>
+              <a:buClr>
+                <a:schemeClr val="accent1"/>
+              </a:buClr>
+              <a:buSzPct val="80000"/>
+              <a:buFont typeface="Wingdings 3" charset="2"/>
+              <a:buNone/>
+              <a:defRPr sz="1200" kern="1200">
+                <a:solidFill>
+                  <a:schemeClr val="tx1">
+                    <a:tint val="75000"/>
+                  </a:schemeClr>
+                </a:solidFill>
+                <a:latin typeface="+mn-lt"/>
+                <a:ea typeface="+mn-ea"/>
+                <a:cs typeface="+mn-cs"/>
+              </a:defRPr>
+            </a:lvl8pPr>
+            <a:lvl9pPr marL="3657600" indent="0" algn="ctr" defTabSz="457200" rtl="0" eaLnBrk="1" latinLnBrk="0" hangingPunct="1">
+              <a:spcBef>
+                <a:spcPts val="1000"/>
+              </a:spcBef>
+              <a:spcAft>
+                <a:spcPts val="0"/>
+              </a:spcAft>
+              <a:buClr>
+                <a:schemeClr val="accent1"/>
+              </a:buClr>
+              <a:buSzPct val="80000"/>
+              <a:buFont typeface="Wingdings 3" charset="2"/>
+              <a:buNone/>
+              <a:defRPr sz="1200" kern="1200">
+                <a:solidFill>
+                  <a:schemeClr val="tx1">
+                    <a:tint val="75000"/>
+                  </a:schemeClr>
+                </a:solidFill>
+                <a:latin typeface="+mn-lt"/>
+                <a:ea typeface="+mn-ea"/>
+                <a:cs typeface="+mn-cs"/>
+              </a:defRPr>
+            </a:lvl9pPr>
+          </a:lstStyle>
+          <a:p>
+            <a:pPr algn="ctr"/>
+            <a:r>
+              <a:rPr lang="en-GB" sz="2000" b="1" dirty="0">
+                <a:solidFill>
+                  <a:schemeClr val="bg1"/>
+                </a:solidFill>
+              </a:rPr>
+              <a:t>By Group 7A</a:t>
+            </a:r>
+          </a:p>
+          <a:p>
+            <a:pPr algn="ctr"/>
+            <a:endParaRPr lang="en-GB" sz="2000" b="1" dirty="0">
+              <a:solidFill>
+                <a:schemeClr val="bg1"/>
+              </a:solidFill>
+            </a:endParaRPr>
           </a:p>
         </p:txBody>
       </p:sp>
@@ -5967,14 +6258,19 @@
             <p:ph type="title"/>
           </p:nvPr>
         </p:nvSpPr>
-        <p:spPr/>
+        <p:spPr>
+          <a:xfrm>
+            <a:off x="677334" y="609600"/>
+            <a:ext cx="8596668" cy="879012"/>
+          </a:xfrm>
+        </p:spPr>
         <p:txBody>
           <a:bodyPr/>
           <a:lstStyle/>
           <a:p>
             <a:r>
               <a:rPr lang="en-GB" dirty="0"/>
-              <a:t>The concept</a:t>
+              <a:t>Find My Lecture: Overview</a:t>
             </a:r>
           </a:p>
         </p:txBody>
@@ -5995,32 +6291,80 @@
             <p:ph idx="1"/>
           </p:nvPr>
         </p:nvSpPr>
-        <p:spPr/>
-        <p:txBody>
-          <a:bodyPr/>
+        <p:spPr>
+          <a:xfrm>
+            <a:off x="677334" y="1488612"/>
+            <a:ext cx="8596668" cy="5010661"/>
+          </a:xfrm>
+        </p:spPr>
+        <p:txBody>
+          <a:bodyPr>
+            <a:normAutofit lnSpcReduction="10000"/>
+          </a:bodyPr>
           <a:lstStyle/>
           <a:p>
             <a:r>
               <a:rPr lang="en-US" sz="1800" dirty="0"/>
-              <a:t>The objective of this Web Application is to have a platform for professors to upload content (e.g. recorded lectures, reading materials and slides provided for various modules) as to help students find exact instances of a concept being referred to in in this content.</a:t>
+              <a:t>Find my Lecture is a platform for professors to upload Study materials in the form of recorded lectures, reading materials, slides and transcripts to help students find exact instances of specific concepts being referred among one or more modules of study</a:t>
+            </a:r>
+          </a:p>
+          <a:p>
+            <a:r>
+              <a:rPr lang="en-US" dirty="0"/>
+              <a:t>Students can perform keyword searches and get filtered results based on Professor Name / Module Name</a:t>
             </a:r>
           </a:p>
           <a:p>
             <a:r>
               <a:rPr lang="en-US" sz="1800" dirty="0"/>
-              <a:t>Users will be able to perform keyword searches and get filtered results based on professor name/module name</a:t>
-            </a:r>
-          </a:p>
-          <a:p>
-            <a:r>
-              <a:rPr lang="en-US" sz="1800" dirty="0"/>
-              <a:t>Users will also be able to create an account to save this content to their own profile.</a:t>
-            </a:r>
+              <a:t>Student </a:t>
+            </a:r>
+            <a:r>
+              <a:rPr lang="en-US" dirty="0"/>
+              <a:t>also have the flexibility to create an account where they can save searched content to their profile for future reference</a:t>
+            </a:r>
+            <a:endParaRPr lang="en-US" sz="1800" dirty="0"/>
           </a:p>
           <a:p>
             <a:r>
               <a:rPr lang="en-US" sz="1800" dirty="0"/>
               <a:t>Professors will be able to upload study materials for the students to save/highlight</a:t>
+            </a:r>
+          </a:p>
+          <a:p>
+            <a:r>
+              <a:rPr lang="en-US" dirty="0"/>
+              <a:t>Target audience: </a:t>
+            </a:r>
+          </a:p>
+          <a:p>
+            <a:pPr>
+              <a:buFontTx/>
+              <a:buChar char="-"/>
+            </a:pPr>
+            <a:r>
+              <a:rPr lang="en-US" sz="1600" dirty="0"/>
+              <a:t>Students wanting to revise specific concepts from previous semester/year</a:t>
+            </a:r>
+          </a:p>
+          <a:p>
+            <a:pPr>
+              <a:buFontTx/>
+              <a:buChar char="-"/>
+            </a:pPr>
+            <a:r>
+              <a:rPr lang="en-US" sz="1600" dirty="0"/>
+              <a:t>Mature students with limited time to go over each and every single concept- helps them cater their study by concept </a:t>
+            </a:r>
+          </a:p>
+          <a:p>
+            <a:pPr>
+              <a:buFontTx/>
+              <a:buChar char="-"/>
+            </a:pPr>
+            <a:r>
+              <a:rPr lang="en-US" sz="1600" dirty="0"/>
+              <a:t>Teaching Staff who’d like to provide ease of access to study materials in one place with student flexibility to access it</a:t>
             </a:r>
           </a:p>
         </p:txBody>
@@ -6057,10 +6401,10 @@
       </p:grpSpPr>
       <p:sp>
         <p:nvSpPr>
-          <p:cNvPr id="2" name="Title 1">
+          <p:cNvPr id="3" name="Content Placeholder 2">
             <a:extLst>
               <a:ext uri="{FF2B5EF4-FFF2-40B4-BE49-F238E27FC236}">
-                <a16:creationId xmlns:a16="http://schemas.microsoft.com/office/drawing/2014/main" id="{B7BF20CB-A273-486B-BFA1-EA3B9D873B82}"/>
+                <a16:creationId xmlns:a16="http://schemas.microsoft.com/office/drawing/2014/main" id="{C9900962-CA98-4B4A-B722-6392B89614FC}"/>
               </a:ext>
             </a:extLst>
           </p:cNvPr>
@@ -6068,27 +6412,62 @@
             <a:spLocks noGrp="1"/>
           </p:cNvSpPr>
           <p:nvPr>
-            <p:ph type="title"/>
-          </p:nvPr>
-        </p:nvSpPr>
-        <p:spPr/>
-        <p:txBody>
-          <a:bodyPr/>
+            <p:ph idx="1"/>
+          </p:nvPr>
+        </p:nvSpPr>
+        <p:spPr>
+          <a:xfrm>
+            <a:off x="677334" y="1752626"/>
+            <a:ext cx="8596668" cy="3880773"/>
+          </a:xfrm>
+        </p:spPr>
+        <p:txBody>
+          <a:bodyPr>
+            <a:normAutofit/>
+          </a:bodyPr>
           <a:lstStyle/>
           <a:p>
             <a:r>
               <a:rPr lang="en-GB" dirty="0"/>
-              <a:t>Product overview</a:t>
-            </a:r>
-          </a:p>
-        </p:txBody>
-      </p:sp>
-      <p:sp>
-        <p:nvSpPr>
-          <p:cNvPr id="3" name="Content Placeholder 2">
+              <a:t>Cascading Style Sheets &amp; HTML5</a:t>
+            </a:r>
+          </a:p>
+          <a:p>
+            <a:r>
+              <a:rPr lang="en-GB" dirty="0" err="1"/>
+              <a:t>Javascript</a:t>
+            </a:r>
+            <a:endParaRPr lang="en-GB" dirty="0"/>
+          </a:p>
+          <a:p>
+            <a:r>
+              <a:rPr lang="en-GB" dirty="0"/>
+              <a:t>Python </a:t>
+            </a:r>
+          </a:p>
+          <a:p>
+            <a:r>
+              <a:rPr lang="en-GB" dirty="0"/>
+              <a:t>PythonAnywhere</a:t>
+            </a:r>
+          </a:p>
+          <a:p>
+            <a:r>
+              <a:rPr lang="en-GB" dirty="0"/>
+              <a:t>Bootstrap</a:t>
+            </a:r>
+          </a:p>
+          <a:p>
+            <a:endParaRPr lang="en-GB" dirty="0"/>
+          </a:p>
+        </p:txBody>
+      </p:sp>
+      <p:sp>
+        <p:nvSpPr>
+          <p:cNvPr id="7" name="Title 1">
             <a:extLst>
               <a:ext uri="{FF2B5EF4-FFF2-40B4-BE49-F238E27FC236}">
-                <a16:creationId xmlns:a16="http://schemas.microsoft.com/office/drawing/2014/main" id="{63ED5301-AD50-4F7A-B618-9B6037EF7DA0}"/>
+                <a16:creationId xmlns:a16="http://schemas.microsoft.com/office/drawing/2014/main" id="{83A091DA-F57C-2E49-98BC-7D2B00CC4958}"/>
               </a:ext>
             </a:extLst>
           </p:cNvPr>
@@ -6096,22 +6475,30 @@
             <a:spLocks noGrp="1"/>
           </p:cNvSpPr>
           <p:nvPr>
-            <p:ph idx="1"/>
-          </p:nvPr>
-        </p:nvSpPr>
-        <p:spPr/>
+            <p:ph type="title"/>
+          </p:nvPr>
+        </p:nvSpPr>
+        <p:spPr>
+          <a:xfrm>
+            <a:off x="677334" y="609600"/>
+            <a:ext cx="8596668" cy="879012"/>
+          </a:xfrm>
+        </p:spPr>
         <p:txBody>
           <a:bodyPr/>
           <a:lstStyle/>
           <a:p>
-            <a:endParaRPr lang="en-GB" dirty="0"/>
+            <a:r>
+              <a:rPr lang="en-GB" dirty="0"/>
+              <a:t>Find My Lecture: Technologies Used</a:t>
+            </a:r>
           </a:p>
         </p:txBody>
       </p:sp>
     </p:spTree>
     <p:extLst>
       <p:ext uri="{BB962C8B-B14F-4D97-AF65-F5344CB8AC3E}">
-        <p14:creationId xmlns:p14="http://schemas.microsoft.com/office/powerpoint/2010/main" val="2773613496"/>
+        <p14:creationId xmlns:p14="http://schemas.microsoft.com/office/powerpoint/2010/main" val="981801288"/>
       </p:ext>
     </p:extLst>
   </p:cSld>
@@ -6143,7 +6530,7 @@
           <p:cNvPr id="2" name="Title 1">
             <a:extLst>
               <a:ext uri="{FF2B5EF4-FFF2-40B4-BE49-F238E27FC236}">
-                <a16:creationId xmlns:a16="http://schemas.microsoft.com/office/drawing/2014/main" id="{394866E2-EF50-4F67-9533-6E92D8BD8782}"/>
+                <a16:creationId xmlns:a16="http://schemas.microsoft.com/office/drawing/2014/main" id="{762C4EDD-7C4A-4B42-AFA2-B4C3DB293777}"/>
               </a:ext>
             </a:extLst>
           </p:cNvPr>
@@ -6160,8 +6547,8 @@
           <a:lstStyle/>
           <a:p>
             <a:r>
-              <a:rPr lang="en-GB" dirty="0"/>
-              <a:t>Technologies used</a:t>
+              <a:rPr lang="en-US" dirty="0"/>
+              <a:t>Summary of Team’s Contribution</a:t>
             </a:r>
           </a:p>
         </p:txBody>
@@ -6171,7 +6558,7 @@
           <p:cNvPr id="3" name="Content Placeholder 2">
             <a:extLst>
               <a:ext uri="{FF2B5EF4-FFF2-40B4-BE49-F238E27FC236}">
-                <a16:creationId xmlns:a16="http://schemas.microsoft.com/office/drawing/2014/main" id="{C9900962-CA98-4B4A-B722-6392B89614FC}"/>
+                <a16:creationId xmlns:a16="http://schemas.microsoft.com/office/drawing/2014/main" id="{AD5EBBEB-043F-5441-B570-F109D271A3C3}"/>
               </a:ext>
             </a:extLst>
           </p:cNvPr>
@@ -6182,47 +6569,24 @@
             <p:ph idx="1"/>
           </p:nvPr>
         </p:nvSpPr>
-        <p:spPr/>
+        <p:spPr>
+          <a:xfrm>
+            <a:off x="677334" y="1808896"/>
+            <a:ext cx="8596668" cy="3880773"/>
+          </a:xfrm>
+        </p:spPr>
         <p:txBody>
           <a:bodyPr/>
           <a:lstStyle/>
           <a:p>
-            <a:r>
-              <a:rPr lang="en-GB" dirty="0"/>
-              <a:t>CSS &amp; HTML</a:t>
-            </a:r>
-          </a:p>
-          <a:p>
-            <a:r>
-              <a:rPr lang="en-GB" dirty="0"/>
-              <a:t>JavaScript</a:t>
-            </a:r>
-          </a:p>
-          <a:p>
-            <a:pPr lvl="1"/>
-            <a:r>
-              <a:rPr lang="en-GB" dirty="0"/>
-              <a:t>We used JS to code functions like dark mode and popup forms</a:t>
-            </a:r>
-          </a:p>
-          <a:p>
-            <a:r>
-              <a:rPr lang="en-GB" dirty="0"/>
-              <a:t>Python</a:t>
-            </a:r>
-          </a:p>
-          <a:p>
-            <a:r>
-              <a:rPr lang="en-GB" dirty="0"/>
-              <a:t>PythonAnywhere</a:t>
-            </a:r>
+            <a:endParaRPr lang="en-US" dirty="0"/>
           </a:p>
         </p:txBody>
       </p:sp>
     </p:spTree>
     <p:extLst>
       <p:ext uri="{BB962C8B-B14F-4D97-AF65-F5344CB8AC3E}">
-        <p14:creationId xmlns:p14="http://schemas.microsoft.com/office/powerpoint/2010/main" val="981801288"/>
+        <p14:creationId xmlns:p14="http://schemas.microsoft.com/office/powerpoint/2010/main" val="1264792408"/>
       </p:ext>
     </p:extLst>
   </p:cSld>
@@ -6254,7 +6618,7 @@
           <p:cNvPr id="2" name="Title 1">
             <a:extLst>
               <a:ext uri="{FF2B5EF4-FFF2-40B4-BE49-F238E27FC236}">
-                <a16:creationId xmlns:a16="http://schemas.microsoft.com/office/drawing/2014/main" id="{3AAD78B7-FCDE-46E1-9A72-BFA68DB4C49D}"/>
+                <a16:creationId xmlns:a16="http://schemas.microsoft.com/office/drawing/2014/main" id="{07C523F7-0494-584B-B963-B6A4E5CE00F9}"/>
               </a:ext>
             </a:extLst>
           </p:cNvPr>
@@ -6271,8 +6635,8 @@
           <a:lstStyle/>
           <a:p>
             <a:r>
-              <a:rPr lang="en-GB" dirty="0"/>
-              <a:t>Front End</a:t>
+              <a:rPr lang="en-US" dirty="0"/>
+              <a:t>Features of the Web Application</a:t>
             </a:r>
           </a:p>
         </p:txBody>
@@ -6282,7 +6646,7 @@
           <p:cNvPr id="3" name="Content Placeholder 2">
             <a:extLst>
               <a:ext uri="{FF2B5EF4-FFF2-40B4-BE49-F238E27FC236}">
-                <a16:creationId xmlns:a16="http://schemas.microsoft.com/office/drawing/2014/main" id="{013E28E4-9249-4C5A-8C5D-F452377792AC}"/>
+                <a16:creationId xmlns:a16="http://schemas.microsoft.com/office/drawing/2014/main" id="{D2837114-24A8-E64E-9299-1B463D7B5B7E}"/>
               </a:ext>
             </a:extLst>
           </p:cNvPr>
@@ -6293,99 +6657,24 @@
             <p:ph idx="1"/>
           </p:nvPr>
         </p:nvSpPr>
-        <p:spPr/>
-        <p:txBody>
-          <a:bodyPr>
-            <a:normAutofit lnSpcReduction="10000"/>
-          </a:bodyPr>
-          <a:lstStyle/>
-          <a:p>
-            <a:r>
-              <a:rPr lang="en-GB" dirty="0"/>
-              <a:t>Styling</a:t>
-            </a:r>
-          </a:p>
-          <a:p>
-            <a:pPr lvl="1"/>
-            <a:r>
-              <a:rPr lang="en-GB" dirty="0"/>
-              <a:t>Goal was to make the application look polished and refined</a:t>
-            </a:r>
-          </a:p>
-          <a:p>
-            <a:pPr lvl="1"/>
-            <a:r>
-              <a:rPr lang="en-GB" dirty="0"/>
-              <a:t>So we made a separate </a:t>
-            </a:r>
-            <a:r>
-              <a:rPr lang="en-GB" dirty="0" err="1"/>
-              <a:t>css</a:t>
-            </a:r>
-            <a:r>
-              <a:rPr lang="en-GB" dirty="0"/>
-              <a:t> file to implement different styles and formatting into our application</a:t>
-            </a:r>
-          </a:p>
-          <a:p>
-            <a:r>
-              <a:rPr lang="en-GB" dirty="0"/>
-              <a:t>Templates</a:t>
-            </a:r>
-          </a:p>
-          <a:p>
-            <a:pPr lvl="1"/>
-            <a:r>
-              <a:rPr lang="en-GB" dirty="0"/>
-              <a:t>Used the inheritance nature of templates so reduce duplicity </a:t>
-            </a:r>
-          </a:p>
-          <a:p>
-            <a:pPr lvl="1"/>
-            <a:r>
-              <a:rPr lang="en-GB" dirty="0"/>
-              <a:t>Each web page inherits the base.html as to keep formatting </a:t>
-            </a:r>
-            <a:r>
-              <a:rPr lang="en-GB" dirty="0" err="1"/>
-              <a:t>consistant</a:t>
-            </a:r>
-            <a:endParaRPr lang="en-GB" dirty="0"/>
-          </a:p>
-          <a:p>
-            <a:r>
-              <a:rPr lang="en-GB" dirty="0"/>
-              <a:t>User authentication</a:t>
-            </a:r>
-          </a:p>
-          <a:p>
-            <a:pPr lvl="1"/>
-            <a:r>
-              <a:rPr lang="en-GB" dirty="0"/>
-              <a:t>We used JS to help us make our sign in and log in forms functional and forms.py to actually store the user information</a:t>
-            </a:r>
-          </a:p>
-          <a:p>
-            <a:pPr lvl="1"/>
-            <a:r>
-              <a:rPr lang="en-GB" dirty="0"/>
-              <a:t>We created custom </a:t>
-            </a:r>
-            <a:r>
-              <a:rPr lang="en-GB" dirty="0" err="1"/>
-              <a:t>css</a:t>
-            </a:r>
-            <a:r>
-              <a:rPr lang="en-GB" dirty="0"/>
-              <a:t> error messages that clearly state what went wrong to the user, whilst looking polished</a:t>
-            </a:r>
+        <p:spPr>
+          <a:xfrm>
+            <a:off x="677334" y="1724491"/>
+            <a:ext cx="8596668" cy="3880773"/>
+          </a:xfrm>
+        </p:spPr>
+        <p:txBody>
+          <a:bodyPr/>
+          <a:lstStyle/>
+          <a:p>
+            <a:endParaRPr lang="en-US"/>
           </a:p>
         </p:txBody>
       </p:sp>
     </p:spTree>
     <p:extLst>
       <p:ext uri="{BB962C8B-B14F-4D97-AF65-F5344CB8AC3E}">
-        <p14:creationId xmlns:p14="http://schemas.microsoft.com/office/powerpoint/2010/main" val="3565777637"/>
+        <p14:creationId xmlns:p14="http://schemas.microsoft.com/office/powerpoint/2010/main" val="1861220866"/>
       </p:ext>
     </p:extLst>
   </p:cSld>
@@ -6417,7 +6706,7 @@
           <p:cNvPr id="2" name="Title 1">
             <a:extLst>
               <a:ext uri="{FF2B5EF4-FFF2-40B4-BE49-F238E27FC236}">
-                <a16:creationId xmlns:a16="http://schemas.microsoft.com/office/drawing/2014/main" id="{004BA5BC-2C57-4273-BD32-A3A616D49070}"/>
+                <a16:creationId xmlns:a16="http://schemas.microsoft.com/office/drawing/2014/main" id="{3AAD78B7-FCDE-46E1-9A72-BFA68DB4C49D}"/>
               </a:ext>
             </a:extLst>
           </p:cNvPr>
@@ -6435,7 +6724,7 @@
           <a:p>
             <a:r>
               <a:rPr lang="en-GB" dirty="0"/>
-              <a:t>Back End</a:t>
+              <a:t>Approach: Front End</a:t>
             </a:r>
           </a:p>
         </p:txBody>
@@ -6445,7 +6734,7 @@
           <p:cNvPr id="3" name="Content Placeholder 2">
             <a:extLst>
               <a:ext uri="{FF2B5EF4-FFF2-40B4-BE49-F238E27FC236}">
-                <a16:creationId xmlns:a16="http://schemas.microsoft.com/office/drawing/2014/main" id="{F5BB5B4E-238E-4C71-A078-E69FDEC58AB8}"/>
+                <a16:creationId xmlns:a16="http://schemas.microsoft.com/office/drawing/2014/main" id="{013E28E4-9249-4C5A-8C5D-F452377792AC}"/>
               </a:ext>
             </a:extLst>
           </p:cNvPr>
@@ -6456,73 +6745,104 @@
             <p:ph idx="1"/>
           </p:nvPr>
         </p:nvSpPr>
-        <p:spPr/>
-        <p:txBody>
-          <a:bodyPr/>
+        <p:spPr>
+          <a:xfrm>
+            <a:off x="677334" y="1698134"/>
+            <a:ext cx="8596668" cy="3880773"/>
+          </a:xfrm>
+        </p:spPr>
+        <p:txBody>
+          <a:bodyPr>
+            <a:normAutofit lnSpcReduction="10000"/>
+          </a:bodyPr>
           <a:lstStyle/>
           <a:p>
             <a:r>
               <a:rPr lang="en-GB" dirty="0"/>
-              <a:t>Models</a:t>
+              <a:t>Styling</a:t>
             </a:r>
           </a:p>
           <a:p>
             <a:pPr lvl="1"/>
             <a:r>
               <a:rPr lang="en-GB" dirty="0"/>
-              <a:t>Based on ER diagram we created in the design spec (without the </a:t>
+              <a:t>Goal was to make the application look polished and refined</a:t>
+            </a:r>
+          </a:p>
+          <a:p>
+            <a:pPr lvl="1"/>
+            <a:r>
+              <a:rPr lang="en-GB" dirty="0"/>
+              <a:t>So we made a separate </a:t>
             </a:r>
             <a:r>
               <a:rPr lang="en-GB" dirty="0" err="1"/>
-              <a:t>moodle</a:t>
+              <a:t>css</a:t>
             </a:r>
             <a:r>
               <a:rPr lang="en-GB" dirty="0"/>
-              <a:t> API)</a:t>
+              <a:t> file to implement different styles and formatting into our application</a:t>
             </a:r>
           </a:p>
           <a:p>
             <a:r>
               <a:rPr lang="en-GB" dirty="0"/>
-              <a:t>Views</a:t>
+              <a:t>Templates</a:t>
             </a:r>
           </a:p>
           <a:p>
             <a:pPr lvl="1"/>
             <a:r>
               <a:rPr lang="en-GB" dirty="0"/>
-              <a:t>We have separate views for each web page</a:t>
-            </a:r>
-          </a:p>
-          <a:p>
+              <a:t>Used the inheritance nature of templates so reduce duplicity </a:t>
+            </a:r>
+          </a:p>
+          <a:p>
+            <a:pPr lvl="1"/>
             <a:r>
               <a:rPr lang="en-GB" dirty="0"/>
-              <a:t>Population script</a:t>
+              <a:t>Each web page inherits the base.html as to keep formatting </a:t>
+            </a:r>
+            <a:r>
+              <a:rPr lang="en-GB" dirty="0" err="1"/>
+              <a:t>consistant</a:t>
+            </a:r>
+            <a:endParaRPr lang="en-GB" dirty="0"/>
+          </a:p>
+          <a:p>
+            <a:r>
+              <a:rPr lang="en-GB" dirty="0"/>
+              <a:t>User authentication</a:t>
             </a:r>
           </a:p>
           <a:p>
             <a:pPr lvl="1"/>
             <a:r>
               <a:rPr lang="en-GB" dirty="0"/>
-              <a:t>We used this to store user information</a:t>
+              <a:t>We used JS to help us make our sign in and log in forms functional and forms.py to actually store the user information</a:t>
             </a:r>
           </a:p>
           <a:p>
             <a:pPr lvl="1"/>
             <a:r>
               <a:rPr lang="en-GB" dirty="0"/>
-              <a:t>We used this to store the lecture content</a:t>
-            </a:r>
-          </a:p>
-          <a:p>
-            <a:endParaRPr lang="en-GB" dirty="0"/>
+              <a:t>We created custom </a:t>
+            </a:r>
+            <a:r>
+              <a:rPr lang="en-GB" dirty="0" err="1"/>
+              <a:t>css</a:t>
+            </a:r>
+            <a:r>
+              <a:rPr lang="en-GB" dirty="0"/>
+              <a:t> error messages that clearly state what went wrong to the user, whilst looking polished</a:t>
+            </a:r>
           </a:p>
         </p:txBody>
       </p:sp>
     </p:spTree>
     <p:extLst>
       <p:ext uri="{BB962C8B-B14F-4D97-AF65-F5344CB8AC3E}">
-        <p14:creationId xmlns:p14="http://schemas.microsoft.com/office/powerpoint/2010/main" val="1313590333"/>
+        <p14:creationId xmlns:p14="http://schemas.microsoft.com/office/powerpoint/2010/main" val="3565777637"/>
       </p:ext>
     </p:extLst>
   </p:cSld>
@@ -6554,6 +6874,148 @@
           <p:cNvPr id="2" name="Title 1">
             <a:extLst>
               <a:ext uri="{FF2B5EF4-FFF2-40B4-BE49-F238E27FC236}">
+                <a16:creationId xmlns:a16="http://schemas.microsoft.com/office/drawing/2014/main" id="{004BA5BC-2C57-4273-BD32-A3A616D49070}"/>
+              </a:ext>
+            </a:extLst>
+          </p:cNvPr>
+          <p:cNvSpPr>
+            <a:spLocks noGrp="1"/>
+          </p:cNvSpPr>
+          <p:nvPr>
+            <p:ph type="title"/>
+          </p:nvPr>
+        </p:nvSpPr>
+        <p:spPr/>
+        <p:txBody>
+          <a:bodyPr/>
+          <a:lstStyle/>
+          <a:p>
+            <a:r>
+              <a:rPr lang="en-GB" dirty="0"/>
+              <a:t>Approach: Back End</a:t>
+            </a:r>
+          </a:p>
+        </p:txBody>
+      </p:sp>
+      <p:sp>
+        <p:nvSpPr>
+          <p:cNvPr id="3" name="Content Placeholder 2">
+            <a:extLst>
+              <a:ext uri="{FF2B5EF4-FFF2-40B4-BE49-F238E27FC236}">
+                <a16:creationId xmlns:a16="http://schemas.microsoft.com/office/drawing/2014/main" id="{F5BB5B4E-238E-4C71-A078-E69FDEC58AB8}"/>
+              </a:ext>
+            </a:extLst>
+          </p:cNvPr>
+          <p:cNvSpPr>
+            <a:spLocks noGrp="1"/>
+          </p:cNvSpPr>
+          <p:nvPr>
+            <p:ph idx="1"/>
+          </p:nvPr>
+        </p:nvSpPr>
+        <p:spPr>
+          <a:xfrm>
+            <a:off x="677334" y="1677113"/>
+            <a:ext cx="8596668" cy="3880773"/>
+          </a:xfrm>
+        </p:spPr>
+        <p:txBody>
+          <a:bodyPr/>
+          <a:lstStyle/>
+          <a:p>
+            <a:r>
+              <a:rPr lang="en-GB" dirty="0"/>
+              <a:t>Models</a:t>
+            </a:r>
+          </a:p>
+          <a:p>
+            <a:pPr lvl="1"/>
+            <a:r>
+              <a:rPr lang="en-GB" dirty="0"/>
+              <a:t>Based on ER diagram we created in the design spec (without the </a:t>
+            </a:r>
+            <a:r>
+              <a:rPr lang="en-GB" dirty="0" err="1"/>
+              <a:t>moodle</a:t>
+            </a:r>
+            <a:r>
+              <a:rPr lang="en-GB" dirty="0"/>
+              <a:t> API)</a:t>
+            </a:r>
+          </a:p>
+          <a:p>
+            <a:r>
+              <a:rPr lang="en-GB" dirty="0"/>
+              <a:t>Views</a:t>
+            </a:r>
+          </a:p>
+          <a:p>
+            <a:pPr lvl="1"/>
+            <a:r>
+              <a:rPr lang="en-GB" dirty="0"/>
+              <a:t>We have separate views for each web page</a:t>
+            </a:r>
+          </a:p>
+          <a:p>
+            <a:r>
+              <a:rPr lang="en-GB" dirty="0"/>
+              <a:t>Population script</a:t>
+            </a:r>
+          </a:p>
+          <a:p>
+            <a:pPr lvl="1"/>
+            <a:r>
+              <a:rPr lang="en-GB" dirty="0"/>
+              <a:t>We used this to store user information</a:t>
+            </a:r>
+          </a:p>
+          <a:p>
+            <a:pPr lvl="1"/>
+            <a:r>
+              <a:rPr lang="en-GB" dirty="0"/>
+              <a:t>We used this to store the lecture content</a:t>
+            </a:r>
+          </a:p>
+          <a:p>
+            <a:endParaRPr lang="en-GB" dirty="0"/>
+          </a:p>
+        </p:txBody>
+      </p:sp>
+    </p:spTree>
+    <p:extLst>
+      <p:ext uri="{BB962C8B-B14F-4D97-AF65-F5344CB8AC3E}">
+        <p14:creationId xmlns:p14="http://schemas.microsoft.com/office/powerpoint/2010/main" val="1313590333"/>
+      </p:ext>
+    </p:extLst>
+  </p:cSld>
+  <p:clrMapOvr>
+    <a:masterClrMapping/>
+  </p:clrMapOvr>
+</p:sld>
+</file>
+
+<file path=ppt/slides/slide8.xml><?xml version="1.0" encoding="utf-8"?>
+<p:sld xmlns:a="http://schemas.openxmlformats.org/drawingml/2006/main" xmlns:r="http://schemas.openxmlformats.org/officeDocument/2006/relationships" xmlns:p="http://schemas.openxmlformats.org/presentationml/2006/main">
+  <p:cSld>
+    <p:spTree>
+      <p:nvGrpSpPr>
+        <p:cNvPr id="1" name=""/>
+        <p:cNvGrpSpPr/>
+        <p:nvPr/>
+      </p:nvGrpSpPr>
+      <p:grpSpPr>
+        <a:xfrm>
+          <a:off x="0" y="0"/>
+          <a:ext cx="0" cy="0"/>
+          <a:chOff x="0" y="0"/>
+          <a:chExt cx="0" cy="0"/>
+        </a:xfrm>
+      </p:grpSpPr>
+      <p:sp>
+        <p:nvSpPr>
+          <p:cNvPr id="2" name="Title 1">
+            <a:extLst>
+              <a:ext uri="{FF2B5EF4-FFF2-40B4-BE49-F238E27FC236}">
                 <a16:creationId xmlns:a16="http://schemas.microsoft.com/office/drawing/2014/main" id="{0828EAA2-2D6D-4B08-A129-714158201CFE}"/>
               </a:ext>
             </a:extLst>
@@ -6606,6 +7068,163 @@
     <p:extLst>
       <p:ext uri="{BB962C8B-B14F-4D97-AF65-F5344CB8AC3E}">
         <p14:creationId xmlns:p14="http://schemas.microsoft.com/office/powerpoint/2010/main" val="915472291"/>
+      </p:ext>
+    </p:extLst>
+  </p:cSld>
+  <p:clrMapOvr>
+    <a:masterClrMapping/>
+  </p:clrMapOvr>
+</p:sld>
+</file>
+
+<file path=ppt/slides/slide9.xml><?xml version="1.0" encoding="utf-8"?>
+<p:sld xmlns:a="http://schemas.openxmlformats.org/drawingml/2006/main" xmlns:r="http://schemas.openxmlformats.org/officeDocument/2006/relationships" xmlns:p="http://schemas.openxmlformats.org/presentationml/2006/main">
+  <p:cSld>
+    <p:spTree>
+      <p:nvGrpSpPr>
+        <p:cNvPr id="1" name=""/>
+        <p:cNvGrpSpPr/>
+        <p:nvPr/>
+      </p:nvGrpSpPr>
+      <p:grpSpPr>
+        <a:xfrm>
+          <a:off x="0" y="0"/>
+          <a:ext cx="0" cy="0"/>
+          <a:chOff x="0" y="0"/>
+          <a:chExt cx="0" cy="0"/>
+        </a:xfrm>
+      </p:grpSpPr>
+      <p:sp>
+        <p:nvSpPr>
+          <p:cNvPr id="2" name="Title 1">
+            <a:extLst>
+              <a:ext uri="{FF2B5EF4-FFF2-40B4-BE49-F238E27FC236}">
+                <a16:creationId xmlns:a16="http://schemas.microsoft.com/office/drawing/2014/main" id="{6E4132BF-3F8C-AF4F-AA8A-6F5A821895D2}"/>
+              </a:ext>
+            </a:extLst>
+          </p:cNvPr>
+          <p:cNvSpPr>
+            <a:spLocks noGrp="1"/>
+          </p:cNvSpPr>
+          <p:nvPr>
+            <p:ph type="title"/>
+          </p:nvPr>
+        </p:nvSpPr>
+        <p:spPr/>
+        <p:txBody>
+          <a:bodyPr/>
+          <a:lstStyle/>
+          <a:p>
+            <a:r>
+              <a:rPr lang="en-US" dirty="0"/>
+              <a:t>Find My Lecture </a:t>
+            </a:r>
+          </a:p>
+        </p:txBody>
+      </p:sp>
+      <p:sp>
+        <p:nvSpPr>
+          <p:cNvPr id="3" name="Content Placeholder 2">
+            <a:extLst>
+              <a:ext uri="{FF2B5EF4-FFF2-40B4-BE49-F238E27FC236}">
+                <a16:creationId xmlns:a16="http://schemas.microsoft.com/office/drawing/2014/main" id="{A02A0C28-D512-D849-AFBD-9BE84D1F149C}"/>
+              </a:ext>
+            </a:extLst>
+          </p:cNvPr>
+          <p:cNvSpPr>
+            <a:spLocks noGrp="1"/>
+          </p:cNvSpPr>
+          <p:nvPr>
+            <p:ph idx="1"/>
+          </p:nvPr>
+        </p:nvSpPr>
+        <p:spPr/>
+        <p:txBody>
+          <a:bodyPr/>
+          <a:lstStyle/>
+          <a:p>
+            <a:r>
+              <a:rPr lang="en-US" dirty="0">
+                <a:hlinkClick r:id="rId2"/>
+              </a:rPr>
+              <a:t>https://github.com/Ishitanarsiker/WAD2_GroupProject</a:t>
+            </a:r>
+            <a:endParaRPr lang="en-US" dirty="0"/>
+          </a:p>
+          <a:p>
+            <a:r>
+              <a:rPr lang="en-US" dirty="0"/>
+              <a:t>Participants</a:t>
+            </a:r>
+          </a:p>
+          <a:p>
+            <a:pPr>
+              <a:buFont typeface="+mj-lt"/>
+              <a:buAutoNum type="arabicPeriod"/>
+            </a:pPr>
+            <a:r>
+              <a:rPr lang="en-US" dirty="0"/>
+              <a:t>Ishita Narsiker 2579990N</a:t>
+            </a:r>
+          </a:p>
+          <a:p>
+            <a:pPr>
+              <a:buFont typeface="+mj-lt"/>
+              <a:buAutoNum type="arabicPeriod"/>
+            </a:pPr>
+            <a:r>
+              <a:rPr lang="en-US" dirty="0"/>
+              <a:t>Amy Eden 2514468E</a:t>
+            </a:r>
+          </a:p>
+          <a:p>
+            <a:pPr>
+              <a:buFont typeface="+mj-lt"/>
+              <a:buAutoNum type="arabicPeriod"/>
+            </a:pPr>
+            <a:r>
+              <a:rPr lang="en-US" dirty="0"/>
+              <a:t>Luke Mullen 2542408M</a:t>
+            </a:r>
+          </a:p>
+          <a:p>
+            <a:pPr>
+              <a:buFont typeface="+mj-lt"/>
+              <a:buAutoNum type="arabicPeriod"/>
+            </a:pPr>
+            <a:r>
+              <a:rPr lang="en-US" dirty="0"/>
+              <a:t>Petros </a:t>
+            </a:r>
+            <a:r>
+              <a:rPr lang="en-US" dirty="0" err="1"/>
+              <a:t>Kitazos</a:t>
+            </a:r>
+            <a:r>
+              <a:rPr lang="en-US" dirty="0"/>
+              <a:t> 2526547K</a:t>
+            </a:r>
+          </a:p>
+          <a:p>
+            <a:pPr>
+              <a:buFont typeface="+mj-lt"/>
+              <a:buAutoNum type="arabicPeriod"/>
+            </a:pPr>
+            <a:r>
+              <a:rPr lang="en-US" dirty="0" err="1"/>
+              <a:t>SoonKwang</a:t>
+            </a:r>
+            <a:r>
+              <a:rPr lang="en-US" dirty="0"/>
+              <a:t> Hwang 2572157H</a:t>
+            </a:r>
+          </a:p>
+        </p:txBody>
+      </p:sp>
+    </p:spTree>
+    <p:extLst>
+      <p:ext uri="{BB962C8B-B14F-4D97-AF65-F5344CB8AC3E}">
+        <p14:creationId xmlns:p14="http://schemas.microsoft.com/office/powerpoint/2010/main" val="1043717794"/>
       </p:ext>
     </p:extLst>
   </p:cSld>

--- a/Presentation.pptx
+++ b/Presentation.pptx
@@ -8,11 +8,11 @@
     <p:sldId id="256" r:id="rId2"/>
     <p:sldId id="257" r:id="rId3"/>
     <p:sldId id="259" r:id="rId4"/>
-    <p:sldId id="263" r:id="rId5"/>
-    <p:sldId id="264" r:id="rId6"/>
-    <p:sldId id="260" r:id="rId7"/>
-    <p:sldId id="261" r:id="rId8"/>
-    <p:sldId id="262" r:id="rId9"/>
+    <p:sldId id="264" r:id="rId5"/>
+    <p:sldId id="260" r:id="rId6"/>
+    <p:sldId id="261" r:id="rId7"/>
+    <p:sldId id="262" r:id="rId8"/>
+    <p:sldId id="263" r:id="rId9"/>
     <p:sldId id="265" r:id="rId10"/>
   </p:sldIdLst>
   <p:sldSz cx="12192000" cy="6858000"/>
@@ -6530,7 +6530,7 @@
           <p:cNvPr id="2" name="Title 1">
             <a:extLst>
               <a:ext uri="{FF2B5EF4-FFF2-40B4-BE49-F238E27FC236}">
-                <a16:creationId xmlns:a16="http://schemas.microsoft.com/office/drawing/2014/main" id="{762C4EDD-7C4A-4B42-AFA2-B4C3DB293777}"/>
+                <a16:creationId xmlns:a16="http://schemas.microsoft.com/office/drawing/2014/main" id="{07C523F7-0494-584B-B963-B6A4E5CE00F9}"/>
               </a:ext>
             </a:extLst>
           </p:cNvPr>
@@ -6548,7 +6548,7 @@
           <a:p>
             <a:r>
               <a:rPr lang="en-US" dirty="0"/>
-              <a:t>Summary of Team’s Contribution</a:t>
+              <a:t>Features of the Web Application</a:t>
             </a:r>
           </a:p>
         </p:txBody>
@@ -6558,7 +6558,7 @@
           <p:cNvPr id="3" name="Content Placeholder 2">
             <a:extLst>
               <a:ext uri="{FF2B5EF4-FFF2-40B4-BE49-F238E27FC236}">
-                <a16:creationId xmlns:a16="http://schemas.microsoft.com/office/drawing/2014/main" id="{AD5EBBEB-043F-5441-B570-F109D271A3C3}"/>
+                <a16:creationId xmlns:a16="http://schemas.microsoft.com/office/drawing/2014/main" id="{D2837114-24A8-E64E-9299-1B463D7B5B7E}"/>
               </a:ext>
             </a:extLst>
           </p:cNvPr>
@@ -6571,7 +6571,7 @@
         </p:nvSpPr>
         <p:spPr>
           <a:xfrm>
-            <a:off x="677334" y="1808896"/>
+            <a:off x="677334" y="1724491"/>
             <a:ext cx="8596668" cy="3880773"/>
           </a:xfrm>
         </p:spPr>
@@ -6579,14 +6579,59 @@
           <a:bodyPr/>
           <a:lstStyle/>
           <a:p>
-            <a:endParaRPr lang="en-US" dirty="0"/>
+            <a:r>
+              <a:rPr lang="en-US" dirty="0"/>
+              <a:t>Signup – Choose the roll between Professor(Lecturer) and Student</a:t>
+            </a:r>
+          </a:p>
+          <a:p>
+            <a:r>
+              <a:rPr lang="en-US" dirty="0"/>
+              <a:t>Login, Logout, Reset Password</a:t>
+            </a:r>
+          </a:p>
+          <a:p>
+            <a:r>
+              <a:rPr lang="en-US" dirty="0"/>
+              <a:t>Most viewed lectures and recently uploaded lectures</a:t>
+            </a:r>
+          </a:p>
+          <a:p>
+            <a:r>
+              <a:rPr lang="en-US" dirty="0"/>
+              <a:t>Search Lecture documents and videos with transcripts</a:t>
+            </a:r>
+          </a:p>
+          <a:p>
+            <a:r>
+              <a:rPr lang="en-US" dirty="0"/>
+              <a:t>For Students – Saved lectures</a:t>
+            </a:r>
+          </a:p>
+          <a:p>
+            <a:r>
+              <a:rPr lang="en-US" dirty="0"/>
+              <a:t>For Professors – Uploaded lectures</a:t>
+            </a:r>
+          </a:p>
+          <a:p>
+            <a:r>
+              <a:rPr lang="en-US" dirty="0"/>
+              <a:t>Lecture documents (PDF or PPTX)</a:t>
+            </a:r>
+          </a:p>
+          <a:p>
+            <a:r>
+              <a:rPr lang="en-US" dirty="0"/>
+              <a:t>Lecture videos with transcripts</a:t>
+            </a:r>
           </a:p>
         </p:txBody>
       </p:sp>
     </p:spTree>
     <p:extLst>
       <p:ext uri="{BB962C8B-B14F-4D97-AF65-F5344CB8AC3E}">
-        <p14:creationId xmlns:p14="http://schemas.microsoft.com/office/powerpoint/2010/main" val="1264792408"/>
+        <p14:creationId xmlns:p14="http://schemas.microsoft.com/office/powerpoint/2010/main" val="1861220866"/>
       </p:ext>
     </p:extLst>
   </p:cSld>
@@ -6618,7 +6663,7 @@
           <p:cNvPr id="2" name="Title 1">
             <a:extLst>
               <a:ext uri="{FF2B5EF4-FFF2-40B4-BE49-F238E27FC236}">
-                <a16:creationId xmlns:a16="http://schemas.microsoft.com/office/drawing/2014/main" id="{07C523F7-0494-584B-B963-B6A4E5CE00F9}"/>
+                <a16:creationId xmlns:a16="http://schemas.microsoft.com/office/drawing/2014/main" id="{3AAD78B7-FCDE-46E1-9A72-BFA68DB4C49D}"/>
               </a:ext>
             </a:extLst>
           </p:cNvPr>
@@ -6635,8 +6680,8 @@
           <a:lstStyle/>
           <a:p>
             <a:r>
-              <a:rPr lang="en-US" dirty="0"/>
-              <a:t>Features of the Web Application</a:t>
+              <a:rPr lang="en-GB" dirty="0"/>
+              <a:t>Approach: Front End</a:t>
             </a:r>
           </a:p>
         </p:txBody>
@@ -6646,7 +6691,7 @@
           <p:cNvPr id="3" name="Content Placeholder 2">
             <a:extLst>
               <a:ext uri="{FF2B5EF4-FFF2-40B4-BE49-F238E27FC236}">
-                <a16:creationId xmlns:a16="http://schemas.microsoft.com/office/drawing/2014/main" id="{D2837114-24A8-E64E-9299-1B463D7B5B7E}"/>
+                <a16:creationId xmlns:a16="http://schemas.microsoft.com/office/drawing/2014/main" id="{013E28E4-9249-4C5A-8C5D-F452377792AC}"/>
               </a:ext>
             </a:extLst>
           </p:cNvPr>
@@ -6659,22 +6704,102 @@
         </p:nvSpPr>
         <p:spPr>
           <a:xfrm>
-            <a:off x="677334" y="1724491"/>
+            <a:off x="677334" y="1698134"/>
             <a:ext cx="8596668" cy="3880773"/>
           </a:xfrm>
         </p:spPr>
         <p:txBody>
-          <a:bodyPr/>
-          <a:lstStyle/>
-          <a:p>
-            <a:endParaRPr lang="en-US"/>
+          <a:bodyPr>
+            <a:normAutofit lnSpcReduction="10000"/>
+          </a:bodyPr>
+          <a:lstStyle/>
+          <a:p>
+            <a:r>
+              <a:rPr lang="en-GB" dirty="0"/>
+              <a:t>Styling</a:t>
+            </a:r>
+          </a:p>
+          <a:p>
+            <a:pPr lvl="1"/>
+            <a:r>
+              <a:rPr lang="en-GB" dirty="0"/>
+              <a:t>Goal was to make the application look polished and refined</a:t>
+            </a:r>
+          </a:p>
+          <a:p>
+            <a:pPr lvl="1"/>
+            <a:r>
+              <a:rPr lang="en-GB" dirty="0"/>
+              <a:t>So we made a separate </a:t>
+            </a:r>
+            <a:r>
+              <a:rPr lang="en-GB" dirty="0" err="1"/>
+              <a:t>css</a:t>
+            </a:r>
+            <a:r>
+              <a:rPr lang="en-GB" dirty="0"/>
+              <a:t> file to implement different styles and formatting into our application</a:t>
+            </a:r>
+          </a:p>
+          <a:p>
+            <a:r>
+              <a:rPr lang="en-GB" dirty="0"/>
+              <a:t>Templates</a:t>
+            </a:r>
+          </a:p>
+          <a:p>
+            <a:pPr lvl="1"/>
+            <a:r>
+              <a:rPr lang="en-GB" dirty="0"/>
+              <a:t>Used the inheritance nature of templates so reduce duplicity </a:t>
+            </a:r>
+          </a:p>
+          <a:p>
+            <a:pPr lvl="1"/>
+            <a:r>
+              <a:rPr lang="en-GB" dirty="0"/>
+              <a:t>Each web page inherits the base.html as to keep formatting </a:t>
+            </a:r>
+            <a:r>
+              <a:rPr lang="en-GB" dirty="0" err="1"/>
+              <a:t>consistant</a:t>
+            </a:r>
+            <a:endParaRPr lang="en-GB" dirty="0"/>
+          </a:p>
+          <a:p>
+            <a:r>
+              <a:rPr lang="en-GB" dirty="0"/>
+              <a:t>User authentication</a:t>
+            </a:r>
+          </a:p>
+          <a:p>
+            <a:pPr lvl="1"/>
+            <a:r>
+              <a:rPr lang="en-GB" dirty="0"/>
+              <a:t>We used JS to help us make our sign in and log in forms functional and forms.py to actually store the user information</a:t>
+            </a:r>
+          </a:p>
+          <a:p>
+            <a:pPr lvl="1"/>
+            <a:r>
+              <a:rPr lang="en-GB" dirty="0"/>
+              <a:t>We created custom </a:t>
+            </a:r>
+            <a:r>
+              <a:rPr lang="en-GB" dirty="0" err="1"/>
+              <a:t>css</a:t>
+            </a:r>
+            <a:r>
+              <a:rPr lang="en-GB" dirty="0"/>
+              <a:t> error messages that clearly state what went wrong to the user, whilst looking polished</a:t>
+            </a:r>
           </a:p>
         </p:txBody>
       </p:sp>
     </p:spTree>
     <p:extLst>
       <p:ext uri="{BB962C8B-B14F-4D97-AF65-F5344CB8AC3E}">
-        <p14:creationId xmlns:p14="http://schemas.microsoft.com/office/powerpoint/2010/main" val="1861220866"/>
+        <p14:creationId xmlns:p14="http://schemas.microsoft.com/office/powerpoint/2010/main" val="3565777637"/>
       </p:ext>
     </p:extLst>
   </p:cSld>
@@ -6706,7 +6831,7 @@
           <p:cNvPr id="2" name="Title 1">
             <a:extLst>
               <a:ext uri="{FF2B5EF4-FFF2-40B4-BE49-F238E27FC236}">
-                <a16:creationId xmlns:a16="http://schemas.microsoft.com/office/drawing/2014/main" id="{3AAD78B7-FCDE-46E1-9A72-BFA68DB4C49D}"/>
+                <a16:creationId xmlns:a16="http://schemas.microsoft.com/office/drawing/2014/main" id="{004BA5BC-2C57-4273-BD32-A3A616D49070}"/>
               </a:ext>
             </a:extLst>
           </p:cNvPr>
@@ -6724,7 +6849,7 @@
           <a:p>
             <a:r>
               <a:rPr lang="en-GB" dirty="0"/>
-              <a:t>Approach: Front End</a:t>
+              <a:t>Approach: Back End</a:t>
             </a:r>
           </a:p>
         </p:txBody>
@@ -6734,7 +6859,7 @@
           <p:cNvPr id="3" name="Content Placeholder 2">
             <a:extLst>
               <a:ext uri="{FF2B5EF4-FFF2-40B4-BE49-F238E27FC236}">
-                <a16:creationId xmlns:a16="http://schemas.microsoft.com/office/drawing/2014/main" id="{013E28E4-9249-4C5A-8C5D-F452377792AC}"/>
+                <a16:creationId xmlns:a16="http://schemas.microsoft.com/office/drawing/2014/main" id="{F5BB5B4E-238E-4C71-A078-E69FDEC58AB8}"/>
               </a:ext>
             </a:extLst>
           </p:cNvPr>
@@ -6747,102 +6872,76 @@
         </p:nvSpPr>
         <p:spPr>
           <a:xfrm>
-            <a:off x="677334" y="1698134"/>
+            <a:off x="677334" y="1677113"/>
             <a:ext cx="8596668" cy="3880773"/>
           </a:xfrm>
         </p:spPr>
         <p:txBody>
-          <a:bodyPr>
-            <a:normAutofit lnSpcReduction="10000"/>
-          </a:bodyPr>
+          <a:bodyPr/>
           <a:lstStyle/>
           <a:p>
             <a:r>
               <a:rPr lang="en-GB" dirty="0"/>
-              <a:t>Styling</a:t>
+              <a:t>Models</a:t>
             </a:r>
           </a:p>
           <a:p>
             <a:pPr lvl="1"/>
             <a:r>
               <a:rPr lang="en-GB" dirty="0"/>
-              <a:t>Goal was to make the application look polished and refined</a:t>
+              <a:t>Based on ER diagram we created in the design spec (without the </a:t>
+            </a:r>
+            <a:r>
+              <a:rPr lang="en-GB" dirty="0" err="1"/>
+              <a:t>moodle</a:t>
+            </a:r>
+            <a:r>
+              <a:rPr lang="en-GB" dirty="0"/>
+              <a:t> API)</a:t>
+            </a:r>
+          </a:p>
+          <a:p>
+            <a:r>
+              <a:rPr lang="en-GB" dirty="0"/>
+              <a:t>Views</a:t>
             </a:r>
           </a:p>
           <a:p>
             <a:pPr lvl="1"/>
             <a:r>
               <a:rPr lang="en-GB" dirty="0"/>
-              <a:t>So we made a separate </a:t>
-            </a:r>
-            <a:r>
-              <a:rPr lang="en-GB" dirty="0" err="1"/>
-              <a:t>css</a:t>
-            </a:r>
+              <a:t>We have separate views for each web page</a:t>
+            </a:r>
+          </a:p>
+          <a:p>
             <a:r>
               <a:rPr lang="en-GB" dirty="0"/>
-              <a:t> file to implement different styles and formatting into our application</a:t>
-            </a:r>
-          </a:p>
-          <a:p>
+              <a:t>Population script</a:t>
+            </a:r>
+          </a:p>
+          <a:p>
+            <a:pPr lvl="1"/>
             <a:r>
               <a:rPr lang="en-GB" dirty="0"/>
-              <a:t>Templates</a:t>
+              <a:t>We used this to store user information</a:t>
             </a:r>
           </a:p>
           <a:p>
             <a:pPr lvl="1"/>
             <a:r>
               <a:rPr lang="en-GB" dirty="0"/>
-              <a:t>Used the inheritance nature of templates so reduce duplicity </a:t>
-            </a:r>
-          </a:p>
-          <a:p>
-            <a:pPr lvl="1"/>
-            <a:r>
-              <a:rPr lang="en-GB" dirty="0"/>
-              <a:t>Each web page inherits the base.html as to keep formatting </a:t>
-            </a:r>
-            <a:r>
-              <a:rPr lang="en-GB" dirty="0" err="1"/>
-              <a:t>consistant</a:t>
-            </a:r>
+              <a:t>We used this to store the lecture content</a:t>
+            </a:r>
+          </a:p>
+          <a:p>
             <a:endParaRPr lang="en-GB" dirty="0"/>
-          </a:p>
-          <a:p>
-            <a:r>
-              <a:rPr lang="en-GB" dirty="0"/>
-              <a:t>User authentication</a:t>
-            </a:r>
-          </a:p>
-          <a:p>
-            <a:pPr lvl="1"/>
-            <a:r>
-              <a:rPr lang="en-GB" dirty="0"/>
-              <a:t>We used JS to help us make our sign in and log in forms functional and forms.py to actually store the user information</a:t>
-            </a:r>
-          </a:p>
-          <a:p>
-            <a:pPr lvl="1"/>
-            <a:r>
-              <a:rPr lang="en-GB" dirty="0"/>
-              <a:t>We created custom </a:t>
-            </a:r>
-            <a:r>
-              <a:rPr lang="en-GB" dirty="0" err="1"/>
-              <a:t>css</a:t>
-            </a:r>
-            <a:r>
-              <a:rPr lang="en-GB" dirty="0"/>
-              <a:t> error messages that clearly state what went wrong to the user, whilst looking polished</a:t>
-            </a:r>
           </a:p>
         </p:txBody>
       </p:sp>
     </p:spTree>
     <p:extLst>
       <p:ext uri="{BB962C8B-B14F-4D97-AF65-F5344CB8AC3E}">
-        <p14:creationId xmlns:p14="http://schemas.microsoft.com/office/powerpoint/2010/main" val="3565777637"/>
+        <p14:creationId xmlns:p14="http://schemas.microsoft.com/office/powerpoint/2010/main" val="1313590333"/>
       </p:ext>
     </p:extLst>
   </p:cSld>
@@ -6874,7 +6973,7 @@
           <p:cNvPr id="2" name="Title 1">
             <a:extLst>
               <a:ext uri="{FF2B5EF4-FFF2-40B4-BE49-F238E27FC236}">
-                <a16:creationId xmlns:a16="http://schemas.microsoft.com/office/drawing/2014/main" id="{004BA5BC-2C57-4273-BD32-A3A616D49070}"/>
+                <a16:creationId xmlns:a16="http://schemas.microsoft.com/office/drawing/2014/main" id="{0828EAA2-2D6D-4B08-A129-714158201CFE}"/>
               </a:ext>
             </a:extLst>
           </p:cNvPr>
@@ -6892,7 +6991,7 @@
           <a:p>
             <a:r>
               <a:rPr lang="en-GB" dirty="0"/>
-              <a:t>Approach: Back End</a:t>
+              <a:t>Live Demonstration</a:t>
             </a:r>
           </a:p>
         </p:txBody>
@@ -6902,7 +7001,7 @@
           <p:cNvPr id="3" name="Content Placeholder 2">
             <a:extLst>
               <a:ext uri="{FF2B5EF4-FFF2-40B4-BE49-F238E27FC236}">
-                <a16:creationId xmlns:a16="http://schemas.microsoft.com/office/drawing/2014/main" id="{F5BB5B4E-238E-4C71-A078-E69FDEC58AB8}"/>
+                <a16:creationId xmlns:a16="http://schemas.microsoft.com/office/drawing/2014/main" id="{238AC21B-EB2D-4FAB-A286-59C393BBA896}"/>
               </a:ext>
             </a:extLst>
           </p:cNvPr>
@@ -6913,69 +7012,10 @@
             <p:ph idx="1"/>
           </p:nvPr>
         </p:nvSpPr>
-        <p:spPr>
-          <a:xfrm>
-            <a:off x="677334" y="1677113"/>
-            <a:ext cx="8596668" cy="3880773"/>
-          </a:xfrm>
-        </p:spPr>
+        <p:spPr/>
         <p:txBody>
           <a:bodyPr/>
           <a:lstStyle/>
-          <a:p>
-            <a:r>
-              <a:rPr lang="en-GB" dirty="0"/>
-              <a:t>Models</a:t>
-            </a:r>
-          </a:p>
-          <a:p>
-            <a:pPr lvl="1"/>
-            <a:r>
-              <a:rPr lang="en-GB" dirty="0"/>
-              <a:t>Based on ER diagram we created in the design spec (without the </a:t>
-            </a:r>
-            <a:r>
-              <a:rPr lang="en-GB" dirty="0" err="1"/>
-              <a:t>moodle</a:t>
-            </a:r>
-            <a:r>
-              <a:rPr lang="en-GB" dirty="0"/>
-              <a:t> API)</a:t>
-            </a:r>
-          </a:p>
-          <a:p>
-            <a:r>
-              <a:rPr lang="en-GB" dirty="0"/>
-              <a:t>Views</a:t>
-            </a:r>
-          </a:p>
-          <a:p>
-            <a:pPr lvl="1"/>
-            <a:r>
-              <a:rPr lang="en-GB" dirty="0"/>
-              <a:t>We have separate views for each web page</a:t>
-            </a:r>
-          </a:p>
-          <a:p>
-            <a:r>
-              <a:rPr lang="en-GB" dirty="0"/>
-              <a:t>Population script</a:t>
-            </a:r>
-          </a:p>
-          <a:p>
-            <a:pPr lvl="1"/>
-            <a:r>
-              <a:rPr lang="en-GB" dirty="0"/>
-              <a:t>We used this to store user information</a:t>
-            </a:r>
-          </a:p>
-          <a:p>
-            <a:pPr lvl="1"/>
-            <a:r>
-              <a:rPr lang="en-GB" dirty="0"/>
-              <a:t>We used this to store the lecture content</a:t>
-            </a:r>
-          </a:p>
           <a:p>
             <a:endParaRPr lang="en-GB" dirty="0"/>
           </a:p>
@@ -6984,7 +7024,7 @@
     </p:spTree>
     <p:extLst>
       <p:ext uri="{BB962C8B-B14F-4D97-AF65-F5344CB8AC3E}">
-        <p14:creationId xmlns:p14="http://schemas.microsoft.com/office/powerpoint/2010/main" val="1313590333"/>
+        <p14:creationId xmlns:p14="http://schemas.microsoft.com/office/powerpoint/2010/main" val="915472291"/>
       </p:ext>
     </p:extLst>
   </p:cSld>
@@ -7016,7 +7056,7 @@
           <p:cNvPr id="2" name="Title 1">
             <a:extLst>
               <a:ext uri="{FF2B5EF4-FFF2-40B4-BE49-F238E27FC236}">
-                <a16:creationId xmlns:a16="http://schemas.microsoft.com/office/drawing/2014/main" id="{0828EAA2-2D6D-4B08-A129-714158201CFE}"/>
+                <a16:creationId xmlns:a16="http://schemas.microsoft.com/office/drawing/2014/main" id="{762C4EDD-7C4A-4B42-AFA2-B4C3DB293777}"/>
               </a:ext>
             </a:extLst>
           </p:cNvPr>
@@ -7033,8 +7073,8 @@
           <a:lstStyle/>
           <a:p>
             <a:r>
-              <a:rPr lang="en-GB" dirty="0"/>
-              <a:t>Live Demonstration</a:t>
+              <a:rPr lang="en-US" dirty="0"/>
+              <a:t>Summary of Team’s Contribution</a:t>
             </a:r>
           </a:p>
         </p:txBody>
@@ -7044,7 +7084,7 @@
           <p:cNvPr id="3" name="Content Placeholder 2">
             <a:extLst>
               <a:ext uri="{FF2B5EF4-FFF2-40B4-BE49-F238E27FC236}">
-                <a16:creationId xmlns:a16="http://schemas.microsoft.com/office/drawing/2014/main" id="{238AC21B-EB2D-4FAB-A286-59C393BBA896}"/>
+                <a16:creationId xmlns:a16="http://schemas.microsoft.com/office/drawing/2014/main" id="{AD5EBBEB-043F-5441-B570-F109D271A3C3}"/>
               </a:ext>
             </a:extLst>
           </p:cNvPr>
@@ -7055,19 +7095,83 @@
             <p:ph idx="1"/>
           </p:nvPr>
         </p:nvSpPr>
-        <p:spPr/>
-        <p:txBody>
-          <a:bodyPr/>
-          <a:lstStyle/>
-          <a:p>
-            <a:endParaRPr lang="en-GB" dirty="0"/>
+        <p:spPr>
+          <a:xfrm>
+            <a:off x="677334" y="1808896"/>
+            <a:ext cx="8596668" cy="3880773"/>
+          </a:xfrm>
+        </p:spPr>
+        <p:txBody>
+          <a:bodyPr>
+            <a:normAutofit/>
+          </a:bodyPr>
+          <a:lstStyle/>
+          <a:p>
+            <a:r>
+              <a:rPr lang="en-US" dirty="0"/>
+              <a:t>Ishita</a:t>
+            </a:r>
+            <a:r>
+              <a:rPr lang="ko-KR" altLang="en-US" dirty="0"/>
+              <a:t> </a:t>
+            </a:r>
+            <a:r>
+              <a:rPr lang="en-US" altLang="ko-KR" dirty="0" err="1"/>
+              <a:t>Narsiker</a:t>
+            </a:r>
+            <a:r>
+              <a:rPr lang="en-US" altLang="ko-KR" dirty="0"/>
+              <a:t> : Backend related with lecture search</a:t>
+            </a:r>
+          </a:p>
+          <a:p>
+            <a:r>
+              <a:rPr lang="en-US" dirty="0"/>
+              <a:t>Amy Eden : Frontend</a:t>
+            </a:r>
+          </a:p>
+          <a:p>
+            <a:r>
+              <a:rPr lang="en-US" dirty="0"/>
+              <a:t>Luke Mullen : Backend related with lectures documents, videos, transcript, and search</a:t>
+            </a:r>
+          </a:p>
+          <a:p>
+            <a:r>
+              <a:rPr lang="en-US" dirty="0"/>
+              <a:t>Petros </a:t>
+            </a:r>
+            <a:r>
+              <a:rPr lang="en-US" dirty="0" err="1"/>
+              <a:t>Kitazos</a:t>
+            </a:r>
+            <a:r>
+              <a:rPr lang="en-US" dirty="0"/>
+              <a:t> </a:t>
+            </a:r>
+            <a:r>
+              <a:rPr lang="en-US"/>
+              <a:t>: Frontend</a:t>
+            </a:r>
+            <a:endParaRPr lang="en-US" dirty="0"/>
+          </a:p>
+          <a:p>
+            <a:r>
+              <a:rPr lang="en-US" dirty="0"/>
+              <a:t>SoonKwang Hwang : Backend for reset password, </a:t>
+            </a:r>
+            <a:r>
+              <a:rPr lang="en-US" dirty="0" err="1"/>
+              <a:t>darkmode</a:t>
+            </a:r>
+            <a:endParaRPr lang="en-US" dirty="0"/>
           </a:p>
         </p:txBody>
       </p:sp>
     </p:spTree>
     <p:extLst>
       <p:ext uri="{BB962C8B-B14F-4D97-AF65-F5344CB8AC3E}">
-        <p14:creationId xmlns:p14="http://schemas.microsoft.com/office/powerpoint/2010/main" val="915472291"/>
+        <p14:creationId xmlns:p14="http://schemas.microsoft.com/office/powerpoint/2010/main" val="1264792408"/>
       </p:ext>
     </p:extLst>
   </p:cSld>

--- a/Presentation.pptx
+++ b/Presentation.pptx
@@ -7147,18 +7147,13 @@
             </a:r>
             <a:r>
               <a:rPr lang="en-US" dirty="0"/>
-              <a:t> </a:t>
-            </a:r>
-            <a:r>
-              <a:rPr lang="en-US"/>
-              <a:t>: Frontend</a:t>
-            </a:r>
-            <a:endParaRPr lang="en-US" dirty="0"/>
+              <a:t> : Frontend</a:t>
+            </a:r>
           </a:p>
           <a:p>
             <a:r>
               <a:rPr lang="en-US" dirty="0"/>
-              <a:t>SoonKwang Hwang : Backend for reset password, </a:t>
+              <a:t>SoonKwang Hwang : Backend related with account, </a:t>
             </a:r>
             <a:r>
               <a:rPr lang="en-US" dirty="0" err="1"/>

--- a/Presentation.pptx
+++ b/Presentation.pptx
@@ -7,13 +7,14 @@
   <p:sldIdLst>
     <p:sldId id="256" r:id="rId2"/>
     <p:sldId id="257" r:id="rId3"/>
-    <p:sldId id="259" r:id="rId4"/>
-    <p:sldId id="264" r:id="rId5"/>
-    <p:sldId id="260" r:id="rId6"/>
-    <p:sldId id="261" r:id="rId7"/>
-    <p:sldId id="262" r:id="rId8"/>
-    <p:sldId id="263" r:id="rId9"/>
-    <p:sldId id="265" r:id="rId10"/>
+    <p:sldId id="266" r:id="rId4"/>
+    <p:sldId id="259" r:id="rId5"/>
+    <p:sldId id="264" r:id="rId6"/>
+    <p:sldId id="260" r:id="rId7"/>
+    <p:sldId id="261" r:id="rId8"/>
+    <p:sldId id="262" r:id="rId9"/>
+    <p:sldId id="263" r:id="rId10"/>
+    <p:sldId id="265" r:id="rId11"/>
   </p:sldIdLst>
   <p:sldSz cx="12192000" cy="6858000"/>
   <p:notesSz cx="6858000" cy="9144000"/>
@@ -6225,6 +6226,163 @@
 </p:sld>
 </file>
 
+<file path=ppt/slides/slide10.xml><?xml version="1.0" encoding="utf-8"?>
+<p:sld xmlns:a="http://schemas.openxmlformats.org/drawingml/2006/main" xmlns:r="http://schemas.openxmlformats.org/officeDocument/2006/relationships" xmlns:p="http://schemas.openxmlformats.org/presentationml/2006/main">
+  <p:cSld>
+    <p:spTree>
+      <p:nvGrpSpPr>
+        <p:cNvPr id="1" name=""/>
+        <p:cNvGrpSpPr/>
+        <p:nvPr/>
+      </p:nvGrpSpPr>
+      <p:grpSpPr>
+        <a:xfrm>
+          <a:off x="0" y="0"/>
+          <a:ext cx="0" cy="0"/>
+          <a:chOff x="0" y="0"/>
+          <a:chExt cx="0" cy="0"/>
+        </a:xfrm>
+      </p:grpSpPr>
+      <p:sp>
+        <p:nvSpPr>
+          <p:cNvPr id="2" name="Title 1">
+            <a:extLst>
+              <a:ext uri="{FF2B5EF4-FFF2-40B4-BE49-F238E27FC236}">
+                <a16:creationId xmlns:a16="http://schemas.microsoft.com/office/drawing/2014/main" id="{6E4132BF-3F8C-AF4F-AA8A-6F5A821895D2}"/>
+              </a:ext>
+            </a:extLst>
+          </p:cNvPr>
+          <p:cNvSpPr>
+            <a:spLocks noGrp="1"/>
+          </p:cNvSpPr>
+          <p:nvPr>
+            <p:ph type="title"/>
+          </p:nvPr>
+        </p:nvSpPr>
+        <p:spPr/>
+        <p:txBody>
+          <a:bodyPr/>
+          <a:lstStyle/>
+          <a:p>
+            <a:r>
+              <a:rPr lang="en-US" dirty="0"/>
+              <a:t>Find My Lecture </a:t>
+            </a:r>
+          </a:p>
+        </p:txBody>
+      </p:sp>
+      <p:sp>
+        <p:nvSpPr>
+          <p:cNvPr id="3" name="Content Placeholder 2">
+            <a:extLst>
+              <a:ext uri="{FF2B5EF4-FFF2-40B4-BE49-F238E27FC236}">
+                <a16:creationId xmlns:a16="http://schemas.microsoft.com/office/drawing/2014/main" id="{A02A0C28-D512-D849-AFBD-9BE84D1F149C}"/>
+              </a:ext>
+            </a:extLst>
+          </p:cNvPr>
+          <p:cNvSpPr>
+            <a:spLocks noGrp="1"/>
+          </p:cNvSpPr>
+          <p:nvPr>
+            <p:ph idx="1"/>
+          </p:nvPr>
+        </p:nvSpPr>
+        <p:spPr/>
+        <p:txBody>
+          <a:bodyPr/>
+          <a:lstStyle/>
+          <a:p>
+            <a:r>
+              <a:rPr lang="en-US" dirty="0">
+                <a:hlinkClick r:id="rId2"/>
+              </a:rPr>
+              <a:t>https://github.com/Ishitanarsiker/WAD2_GroupProject</a:t>
+            </a:r>
+            <a:endParaRPr lang="en-US" dirty="0"/>
+          </a:p>
+          <a:p>
+            <a:r>
+              <a:rPr lang="en-US" dirty="0"/>
+              <a:t>Participants</a:t>
+            </a:r>
+          </a:p>
+          <a:p>
+            <a:pPr>
+              <a:buFont typeface="+mj-lt"/>
+              <a:buAutoNum type="arabicPeriod"/>
+            </a:pPr>
+            <a:r>
+              <a:rPr lang="en-US" dirty="0"/>
+              <a:t>Ishita Narsiker 2579990N</a:t>
+            </a:r>
+          </a:p>
+          <a:p>
+            <a:pPr>
+              <a:buFont typeface="+mj-lt"/>
+              <a:buAutoNum type="arabicPeriod"/>
+            </a:pPr>
+            <a:r>
+              <a:rPr lang="en-US" dirty="0"/>
+              <a:t>Amy Eden 2514468E</a:t>
+            </a:r>
+          </a:p>
+          <a:p>
+            <a:pPr>
+              <a:buFont typeface="+mj-lt"/>
+              <a:buAutoNum type="arabicPeriod"/>
+            </a:pPr>
+            <a:r>
+              <a:rPr lang="en-US" dirty="0"/>
+              <a:t>Luke Mullen 2542408M</a:t>
+            </a:r>
+          </a:p>
+          <a:p>
+            <a:pPr>
+              <a:buFont typeface="+mj-lt"/>
+              <a:buAutoNum type="arabicPeriod"/>
+            </a:pPr>
+            <a:r>
+              <a:rPr lang="en-US" dirty="0"/>
+              <a:t>Petros </a:t>
+            </a:r>
+            <a:r>
+              <a:rPr lang="en-US" dirty="0" err="1"/>
+              <a:t>Kitazos</a:t>
+            </a:r>
+            <a:r>
+              <a:rPr lang="en-US" dirty="0"/>
+              <a:t> 2526547K</a:t>
+            </a:r>
+          </a:p>
+          <a:p>
+            <a:pPr>
+              <a:buFont typeface="+mj-lt"/>
+              <a:buAutoNum type="arabicPeriod"/>
+            </a:pPr>
+            <a:r>
+              <a:rPr lang="en-US" dirty="0" err="1"/>
+              <a:t>SoonKwang</a:t>
+            </a:r>
+            <a:r>
+              <a:rPr lang="en-US" dirty="0"/>
+              <a:t> Hwang 2572157H</a:t>
+            </a:r>
+          </a:p>
+        </p:txBody>
+      </p:sp>
+    </p:spTree>
+    <p:extLst>
+      <p:ext uri="{BB962C8B-B14F-4D97-AF65-F5344CB8AC3E}">
+        <p14:creationId xmlns:p14="http://schemas.microsoft.com/office/powerpoint/2010/main" val="1043717794"/>
+      </p:ext>
+    </p:extLst>
+  </p:cSld>
+  <p:clrMapOvr>
+    <a:masterClrMapping/>
+  </p:clrMapOvr>
+</p:sld>
+</file>
+
 <file path=ppt/slides/slide2.xml><?xml version="1.0" encoding="utf-8"?>
 <p:sld xmlns:a="http://schemas.openxmlformats.org/drawingml/2006/main" xmlns:r="http://schemas.openxmlformats.org/officeDocument/2006/relationships" xmlns:p="http://schemas.openxmlformats.org/presentationml/2006/main">
   <p:cSld>
@@ -6401,10 +6559,38 @@
       </p:grpSpPr>
       <p:sp>
         <p:nvSpPr>
+          <p:cNvPr id="2" name="Title 1">
+            <a:extLst>
+              <a:ext uri="{FF2B5EF4-FFF2-40B4-BE49-F238E27FC236}">
+                <a16:creationId xmlns:a16="http://schemas.microsoft.com/office/drawing/2014/main" id="{EF7131D9-D6D2-478E-826B-29C3A32C086F}"/>
+              </a:ext>
+            </a:extLst>
+          </p:cNvPr>
+          <p:cNvSpPr>
+            <a:spLocks noGrp="1"/>
+          </p:cNvSpPr>
+          <p:nvPr>
+            <p:ph type="title"/>
+          </p:nvPr>
+        </p:nvSpPr>
+        <p:spPr/>
+        <p:txBody>
+          <a:bodyPr/>
+          <a:lstStyle/>
+          <a:p>
+            <a:r>
+              <a:rPr lang="en-GB" dirty="0"/>
+              <a:t>Target Audience </a:t>
+            </a:r>
+          </a:p>
+        </p:txBody>
+      </p:sp>
+      <p:sp>
+        <p:nvSpPr>
           <p:cNvPr id="3" name="Content Placeholder 2">
             <a:extLst>
               <a:ext uri="{FF2B5EF4-FFF2-40B4-BE49-F238E27FC236}">
-                <a16:creationId xmlns:a16="http://schemas.microsoft.com/office/drawing/2014/main" id="{C9900962-CA98-4B4A-B722-6392B89614FC}"/>
+                <a16:creationId xmlns:a16="http://schemas.microsoft.com/office/drawing/2014/main" id="{2B98C396-AEC4-42E8-BF14-62D36C603BF0}"/>
               </a:ext>
             </a:extLst>
           </p:cNvPr>
@@ -6415,90 +6601,49 @@
             <p:ph idx="1"/>
           </p:nvPr>
         </p:nvSpPr>
-        <p:spPr>
-          <a:xfrm>
-            <a:off x="677334" y="1752626"/>
-            <a:ext cx="8596668" cy="3880773"/>
-          </a:xfrm>
-        </p:spPr>
-        <p:txBody>
-          <a:bodyPr>
-            <a:normAutofit/>
-          </a:bodyPr>
+        <p:spPr/>
+        <p:txBody>
+          <a:bodyPr/>
           <a:lstStyle/>
           <a:p>
             <a:r>
               <a:rPr lang="en-GB" dirty="0"/>
-              <a:t>Cascading Style Sheets &amp; HTML5</a:t>
-            </a:r>
-          </a:p>
-          <a:p>
-            <a:r>
-              <a:rPr lang="en-GB" dirty="0" err="1"/>
-              <a:t>Javascript</a:t>
-            </a:r>
+              <a:t>Stu</a:t>
+            </a:r>
+            <a:r>
+              <a:rPr lang="en-US" sz="1800" dirty="0"/>
+              <a:t>dents wanting to revise specific concepts from previous semester/year</a:t>
+            </a:r>
+          </a:p>
+          <a:p>
+            <a:r>
+              <a:rPr lang="en-US" sz="1800" dirty="0"/>
+              <a:t>Mature students with limited time to go over each and every single concept- helps them cater their study by concept </a:t>
+            </a:r>
+          </a:p>
+          <a:p>
+            <a:r>
+              <a:rPr lang="en-GB" sz="1800" dirty="0"/>
+              <a:t>Tea</a:t>
+            </a:r>
+            <a:r>
+              <a:rPr lang="en-US" sz="1800" dirty="0" err="1"/>
+              <a:t>ching</a:t>
+            </a:r>
+            <a:r>
+              <a:rPr lang="en-US" sz="1800" dirty="0"/>
+              <a:t> Staff who’d like to provide ease of access to study materials in one place with student flexibility to access it</a:t>
+            </a:r>
+          </a:p>
+          <a:p>
             <a:endParaRPr lang="en-GB" dirty="0"/>
-          </a:p>
-          <a:p>
-            <a:r>
-              <a:rPr lang="en-GB" dirty="0"/>
-              <a:t>Python </a:t>
-            </a:r>
-          </a:p>
-          <a:p>
-            <a:r>
-              <a:rPr lang="en-GB" dirty="0"/>
-              <a:t>PythonAnywhere</a:t>
-            </a:r>
-          </a:p>
-          <a:p>
-            <a:r>
-              <a:rPr lang="en-GB" dirty="0"/>
-              <a:t>Bootstrap</a:t>
-            </a:r>
-          </a:p>
-          <a:p>
-            <a:endParaRPr lang="en-GB" dirty="0"/>
-          </a:p>
-        </p:txBody>
-      </p:sp>
-      <p:sp>
-        <p:nvSpPr>
-          <p:cNvPr id="7" name="Title 1">
-            <a:extLst>
-              <a:ext uri="{FF2B5EF4-FFF2-40B4-BE49-F238E27FC236}">
-                <a16:creationId xmlns:a16="http://schemas.microsoft.com/office/drawing/2014/main" id="{83A091DA-F57C-2E49-98BC-7D2B00CC4958}"/>
-              </a:ext>
-            </a:extLst>
-          </p:cNvPr>
-          <p:cNvSpPr>
-            <a:spLocks noGrp="1"/>
-          </p:cNvSpPr>
-          <p:nvPr>
-            <p:ph type="title"/>
-          </p:nvPr>
-        </p:nvSpPr>
-        <p:spPr>
-          <a:xfrm>
-            <a:off x="677334" y="609600"/>
-            <a:ext cx="8596668" cy="879012"/>
-          </a:xfrm>
-        </p:spPr>
-        <p:txBody>
-          <a:bodyPr/>
-          <a:lstStyle/>
-          <a:p>
-            <a:r>
-              <a:rPr lang="en-GB" dirty="0"/>
-              <a:t>Find My Lecture: Technologies Used</a:t>
-            </a:r>
           </a:p>
         </p:txBody>
       </p:sp>
     </p:spTree>
     <p:extLst>
       <p:ext uri="{BB962C8B-B14F-4D97-AF65-F5344CB8AC3E}">
-        <p14:creationId xmlns:p14="http://schemas.microsoft.com/office/powerpoint/2010/main" val="981801288"/>
+        <p14:creationId xmlns:p14="http://schemas.microsoft.com/office/powerpoint/2010/main" val="1576517480"/>
       </p:ext>
     </p:extLst>
   </p:cSld>
@@ -6527,10 +6672,10 @@
       </p:grpSpPr>
       <p:sp>
         <p:nvSpPr>
-          <p:cNvPr id="2" name="Title 1">
+          <p:cNvPr id="3" name="Content Placeholder 2">
             <a:extLst>
               <a:ext uri="{FF2B5EF4-FFF2-40B4-BE49-F238E27FC236}">
-                <a16:creationId xmlns:a16="http://schemas.microsoft.com/office/drawing/2014/main" id="{07C523F7-0494-584B-B963-B6A4E5CE00F9}"/>
+                <a16:creationId xmlns:a16="http://schemas.microsoft.com/office/drawing/2014/main" id="{C9900962-CA98-4B4A-B722-6392B89614FC}"/>
               </a:ext>
             </a:extLst>
           </p:cNvPr>
@@ -6538,27 +6683,125 @@
             <a:spLocks noGrp="1"/>
           </p:cNvSpPr>
           <p:nvPr>
-            <p:ph type="title"/>
-          </p:nvPr>
-        </p:nvSpPr>
-        <p:spPr/>
-        <p:txBody>
-          <a:bodyPr/>
-          <a:lstStyle/>
-          <a:p>
-            <a:r>
-              <a:rPr lang="en-US" dirty="0"/>
-              <a:t>Features of the Web Application</a:t>
-            </a:r>
-          </a:p>
-        </p:txBody>
-      </p:sp>
-      <p:sp>
-        <p:nvSpPr>
-          <p:cNvPr id="3" name="Content Placeholder 2">
+            <p:ph idx="1"/>
+          </p:nvPr>
+        </p:nvSpPr>
+        <p:spPr>
+          <a:xfrm>
+            <a:off x="677334" y="1752626"/>
+            <a:ext cx="8596668" cy="3880773"/>
+          </a:xfrm>
+        </p:spPr>
+        <p:txBody>
+          <a:bodyPr>
+            <a:normAutofit lnSpcReduction="10000"/>
+          </a:bodyPr>
+          <a:lstStyle/>
+          <a:p>
+            <a:r>
+              <a:rPr lang="en-GB" dirty="0"/>
+              <a:t>Cascading Style Sheets &amp; HTML5</a:t>
+            </a:r>
+          </a:p>
+          <a:p>
+            <a:pPr lvl="1"/>
+            <a:r>
+              <a:rPr lang="en-GB" dirty="0"/>
+              <a:t>To format the web pages and make it look polished and refined</a:t>
+            </a:r>
+          </a:p>
+          <a:p>
+            <a:r>
+              <a:rPr lang="en-GB" dirty="0"/>
+              <a:t>JavaScript</a:t>
+            </a:r>
+          </a:p>
+          <a:p>
+            <a:pPr lvl="1"/>
+            <a:r>
+              <a:rPr lang="en-GB" dirty="0"/>
+              <a:t>To keep certain functions working (e.g. animations, popups, etc.)</a:t>
+            </a:r>
+          </a:p>
+          <a:p>
+            <a:r>
+              <a:rPr lang="en-GB" dirty="0"/>
+              <a:t>Python </a:t>
+            </a:r>
+          </a:p>
+          <a:p>
+            <a:pPr lvl="1"/>
+            <a:r>
+              <a:rPr lang="en-GB" dirty="0"/>
+              <a:t>To make and store our database</a:t>
+            </a:r>
+          </a:p>
+          <a:p>
+            <a:r>
+              <a:rPr lang="en-GB" dirty="0"/>
+              <a:t>PythonAnywhere</a:t>
+            </a:r>
+          </a:p>
+          <a:p>
+            <a:pPr lvl="1"/>
+            <a:r>
+              <a:rPr lang="en-GB" dirty="0"/>
+              <a:t>To host our web application</a:t>
+            </a:r>
+          </a:p>
+          <a:p>
+            <a:r>
+              <a:rPr lang="en-GB" dirty="0"/>
+              <a:t>JSON</a:t>
+            </a:r>
+          </a:p>
+          <a:p>
+            <a:pPr lvl="1"/>
+            <a:r>
+              <a:rPr lang="en-GB" b="0" i="0" dirty="0">
+                <a:effectLst/>
+                <a:latin typeface="Segoe UI" panose="020B0502040204020203" pitchFamily="34" charset="0"/>
+              </a:rPr>
+              <a:t>saved the </a:t>
+            </a:r>
+            <a:r>
+              <a:rPr lang="en-GB" b="0" i="0" dirty="0" err="1">
+                <a:effectLst/>
+                <a:latin typeface="Segoe UI" panose="020B0502040204020203" pitchFamily="34" charset="0"/>
+              </a:rPr>
+              <a:t>secret_key</a:t>
+            </a:r>
+            <a:r>
+              <a:rPr lang="en-GB" b="0" i="0" dirty="0">
+                <a:effectLst/>
+                <a:latin typeface="Segoe UI" panose="020B0502040204020203" pitchFamily="34" charset="0"/>
+              </a:rPr>
+              <a:t> which is originally in the settings.py and </a:t>
+            </a:r>
+            <a:r>
+              <a:rPr lang="en-GB" b="0" i="0" dirty="0" err="1">
+                <a:effectLst/>
+                <a:latin typeface="Segoe UI" panose="020B0502040204020203" pitchFamily="34" charset="0"/>
+              </a:rPr>
+              <a:t>gmail</a:t>
+            </a:r>
+            <a:r>
+              <a:rPr lang="en-GB" b="0" i="0" dirty="0">
+                <a:effectLst/>
+                <a:latin typeface="Segoe UI" panose="020B0502040204020203" pitchFamily="34" charset="0"/>
+              </a:rPr>
+              <a:t> password for lectureFinder91</a:t>
+            </a:r>
+            <a:endParaRPr lang="en-GB" dirty="0"/>
+          </a:p>
+        </p:txBody>
+      </p:sp>
+      <p:sp>
+        <p:nvSpPr>
+          <p:cNvPr id="7" name="Title 1">
             <a:extLst>
               <a:ext uri="{FF2B5EF4-FFF2-40B4-BE49-F238E27FC236}">
-                <a16:creationId xmlns:a16="http://schemas.microsoft.com/office/drawing/2014/main" id="{D2837114-24A8-E64E-9299-1B463D7B5B7E}"/>
+                <a16:creationId xmlns:a16="http://schemas.microsoft.com/office/drawing/2014/main" id="{83A091DA-F57C-2E49-98BC-7D2B00CC4958}"/>
               </a:ext>
             </a:extLst>
           </p:cNvPr>
@@ -6566,13 +6809,13 @@
             <a:spLocks noGrp="1"/>
           </p:cNvSpPr>
           <p:nvPr>
-            <p:ph idx="1"/>
+            <p:ph type="title"/>
           </p:nvPr>
         </p:nvSpPr>
         <p:spPr>
           <a:xfrm>
-            <a:off x="677334" y="1724491"/>
-            <a:ext cx="8596668" cy="3880773"/>
+            <a:off x="677334" y="609600"/>
+            <a:ext cx="8596668" cy="879012"/>
           </a:xfrm>
         </p:spPr>
         <p:txBody>
@@ -6580,50 +6823,8 @@
           <a:lstStyle/>
           <a:p>
             <a:r>
-              <a:rPr lang="en-US" dirty="0"/>
-              <a:t>Signup – Choose the roll between Professor(Lecturer) and Student</a:t>
-            </a:r>
-          </a:p>
-          <a:p>
-            <a:r>
-              <a:rPr lang="en-US" dirty="0"/>
-              <a:t>Login, Logout, Reset Password</a:t>
-            </a:r>
-          </a:p>
-          <a:p>
-            <a:r>
-              <a:rPr lang="en-US" dirty="0"/>
-              <a:t>Most viewed lectures and recently uploaded lectures</a:t>
-            </a:r>
-          </a:p>
-          <a:p>
-            <a:r>
-              <a:rPr lang="en-US" dirty="0"/>
-              <a:t>Search Lecture documents and videos with transcripts</a:t>
-            </a:r>
-          </a:p>
-          <a:p>
-            <a:r>
-              <a:rPr lang="en-US" dirty="0"/>
-              <a:t>For Students – Saved lectures</a:t>
-            </a:r>
-          </a:p>
-          <a:p>
-            <a:r>
-              <a:rPr lang="en-US" dirty="0"/>
-              <a:t>For Professors – Uploaded lectures</a:t>
-            </a:r>
-          </a:p>
-          <a:p>
-            <a:r>
-              <a:rPr lang="en-US" dirty="0"/>
-              <a:t>Lecture documents (PDF or PPTX)</a:t>
-            </a:r>
-          </a:p>
-          <a:p>
-            <a:r>
-              <a:rPr lang="en-US" dirty="0"/>
-              <a:t>Lecture videos with transcripts</a:t>
+              <a:rPr lang="en-GB" dirty="0"/>
+              <a:t>Find My Lecture: Technologies Used</a:t>
             </a:r>
           </a:p>
         </p:txBody>
@@ -6631,7 +6832,7 @@
     </p:spTree>
     <p:extLst>
       <p:ext uri="{BB962C8B-B14F-4D97-AF65-F5344CB8AC3E}">
-        <p14:creationId xmlns:p14="http://schemas.microsoft.com/office/powerpoint/2010/main" val="1861220866"/>
+        <p14:creationId xmlns:p14="http://schemas.microsoft.com/office/powerpoint/2010/main" val="981801288"/>
       </p:ext>
     </p:extLst>
   </p:cSld>
@@ -6663,7 +6864,7 @@
           <p:cNvPr id="2" name="Title 1">
             <a:extLst>
               <a:ext uri="{FF2B5EF4-FFF2-40B4-BE49-F238E27FC236}">
-                <a16:creationId xmlns:a16="http://schemas.microsoft.com/office/drawing/2014/main" id="{3AAD78B7-FCDE-46E1-9A72-BFA68DB4C49D}"/>
+                <a16:creationId xmlns:a16="http://schemas.microsoft.com/office/drawing/2014/main" id="{07C523F7-0494-584B-B963-B6A4E5CE00F9}"/>
               </a:ext>
             </a:extLst>
           </p:cNvPr>
@@ -6680,8 +6881,8 @@
           <a:lstStyle/>
           <a:p>
             <a:r>
-              <a:rPr lang="en-GB" dirty="0"/>
-              <a:t>Approach: Front End</a:t>
+              <a:rPr lang="en-US" dirty="0"/>
+              <a:t>Features of the Web Application</a:t>
             </a:r>
           </a:p>
         </p:txBody>
@@ -6691,7 +6892,7 @@
           <p:cNvPr id="3" name="Content Placeholder 2">
             <a:extLst>
               <a:ext uri="{FF2B5EF4-FFF2-40B4-BE49-F238E27FC236}">
-                <a16:creationId xmlns:a16="http://schemas.microsoft.com/office/drawing/2014/main" id="{013E28E4-9249-4C5A-8C5D-F452377792AC}"/>
+                <a16:creationId xmlns:a16="http://schemas.microsoft.com/office/drawing/2014/main" id="{D2837114-24A8-E64E-9299-1B463D7B5B7E}"/>
               </a:ext>
             </a:extLst>
           </p:cNvPr>
@@ -6704,94 +6905,59 @@
         </p:nvSpPr>
         <p:spPr>
           <a:xfrm>
-            <a:off x="677334" y="1698134"/>
+            <a:off x="677334" y="1724491"/>
             <a:ext cx="8596668" cy="3880773"/>
           </a:xfrm>
         </p:spPr>
         <p:txBody>
-          <a:bodyPr>
-            <a:normAutofit lnSpcReduction="10000"/>
-          </a:bodyPr>
-          <a:lstStyle/>
-          <a:p>
-            <a:r>
-              <a:rPr lang="en-GB" dirty="0"/>
-              <a:t>Styling</a:t>
-            </a:r>
-          </a:p>
-          <a:p>
-            <a:pPr lvl="1"/>
-            <a:r>
-              <a:rPr lang="en-GB" dirty="0"/>
-              <a:t>Goal was to make the application look polished and refined</a:t>
-            </a:r>
-          </a:p>
-          <a:p>
-            <a:pPr lvl="1"/>
-            <a:r>
-              <a:rPr lang="en-GB" dirty="0"/>
-              <a:t>So we made a separate </a:t>
-            </a:r>
-            <a:r>
-              <a:rPr lang="en-GB" dirty="0" err="1"/>
-              <a:t>css</a:t>
-            </a:r>
-            <a:r>
-              <a:rPr lang="en-GB" dirty="0"/>
-              <a:t> file to implement different styles and formatting into our application</a:t>
-            </a:r>
-          </a:p>
-          <a:p>
-            <a:r>
-              <a:rPr lang="en-GB" dirty="0"/>
-              <a:t>Templates</a:t>
-            </a:r>
-          </a:p>
-          <a:p>
-            <a:pPr lvl="1"/>
-            <a:r>
-              <a:rPr lang="en-GB" dirty="0"/>
-              <a:t>Used the inheritance nature of templates so reduce duplicity </a:t>
-            </a:r>
-          </a:p>
-          <a:p>
-            <a:pPr lvl="1"/>
-            <a:r>
-              <a:rPr lang="en-GB" dirty="0"/>
-              <a:t>Each web page inherits the base.html as to keep formatting </a:t>
-            </a:r>
-            <a:r>
-              <a:rPr lang="en-GB" dirty="0" err="1"/>
-              <a:t>consistant</a:t>
-            </a:r>
-            <a:endParaRPr lang="en-GB" dirty="0"/>
-          </a:p>
-          <a:p>
-            <a:r>
-              <a:rPr lang="en-GB" dirty="0"/>
-              <a:t>User authentication</a:t>
-            </a:r>
-          </a:p>
-          <a:p>
-            <a:pPr lvl="1"/>
-            <a:r>
-              <a:rPr lang="en-GB" dirty="0"/>
-              <a:t>We used JS to help us make our sign in and log in forms functional and forms.py to actually store the user information</a:t>
-            </a:r>
-          </a:p>
-          <a:p>
-            <a:pPr lvl="1"/>
-            <a:r>
-              <a:rPr lang="en-GB" dirty="0"/>
-              <a:t>We created custom </a:t>
-            </a:r>
-            <a:r>
-              <a:rPr lang="en-GB" dirty="0" err="1"/>
-              <a:t>css</a:t>
-            </a:r>
-            <a:r>
-              <a:rPr lang="en-GB" dirty="0"/>
-              <a:t> error messages that clearly state what went wrong to the user, whilst looking polished</a:t>
+          <a:bodyPr/>
+          <a:lstStyle/>
+          <a:p>
+            <a:r>
+              <a:rPr lang="en-US" dirty="0"/>
+              <a:t>Signup – Choose the roll between Professor/Lecturer or Student</a:t>
+            </a:r>
+          </a:p>
+          <a:p>
+            <a:r>
+              <a:rPr lang="en-US" dirty="0"/>
+              <a:t>Login, Logout, Reset Password</a:t>
+            </a:r>
+          </a:p>
+          <a:p>
+            <a:r>
+              <a:rPr lang="en-US" dirty="0"/>
+              <a:t>Most viewed lectures and recently uploaded lectures</a:t>
+            </a:r>
+          </a:p>
+          <a:p>
+            <a:r>
+              <a:rPr lang="en-US" dirty="0"/>
+              <a:t>Search Lecture documents and videos with transcripts for key words</a:t>
+            </a:r>
+          </a:p>
+          <a:p>
+            <a:r>
+              <a:rPr lang="en-US" dirty="0"/>
+              <a:t>For Students – Saved lectures</a:t>
+            </a:r>
+          </a:p>
+          <a:p>
+            <a:r>
+              <a:rPr lang="en-US" dirty="0"/>
+              <a:t>For Professors – Uploaded lectures and Saved Lectures</a:t>
+            </a:r>
+          </a:p>
+          <a:p>
+            <a:r>
+              <a:rPr lang="en-US" dirty="0"/>
+              <a:t>Lecture documents links (PDF or PPTX)</a:t>
+            </a:r>
+          </a:p>
+          <a:p>
+            <a:r>
+              <a:rPr lang="en-US" dirty="0"/>
+              <a:t>Lecture video links with transcripts</a:t>
             </a:r>
           </a:p>
         </p:txBody>
@@ -6799,7 +6965,7 @@
     </p:spTree>
     <p:extLst>
       <p:ext uri="{BB962C8B-B14F-4D97-AF65-F5344CB8AC3E}">
-        <p14:creationId xmlns:p14="http://schemas.microsoft.com/office/powerpoint/2010/main" val="3565777637"/>
+        <p14:creationId xmlns:p14="http://schemas.microsoft.com/office/powerpoint/2010/main" val="1861220866"/>
       </p:ext>
     </p:extLst>
   </p:cSld>
@@ -6831,7 +6997,7 @@
           <p:cNvPr id="2" name="Title 1">
             <a:extLst>
               <a:ext uri="{FF2B5EF4-FFF2-40B4-BE49-F238E27FC236}">
-                <a16:creationId xmlns:a16="http://schemas.microsoft.com/office/drawing/2014/main" id="{004BA5BC-2C57-4273-BD32-A3A616D49070}"/>
+                <a16:creationId xmlns:a16="http://schemas.microsoft.com/office/drawing/2014/main" id="{3AAD78B7-FCDE-46E1-9A72-BFA68DB4C49D}"/>
               </a:ext>
             </a:extLst>
           </p:cNvPr>
@@ -6849,7 +7015,7 @@
           <a:p>
             <a:r>
               <a:rPr lang="en-GB" dirty="0"/>
-              <a:t>Approach: Back End</a:t>
+              <a:t>Approach: Front End</a:t>
             </a:r>
           </a:p>
         </p:txBody>
@@ -6859,7 +7025,7 @@
           <p:cNvPr id="3" name="Content Placeholder 2">
             <a:extLst>
               <a:ext uri="{FF2B5EF4-FFF2-40B4-BE49-F238E27FC236}">
-                <a16:creationId xmlns:a16="http://schemas.microsoft.com/office/drawing/2014/main" id="{F5BB5B4E-238E-4C71-A078-E69FDEC58AB8}"/>
+                <a16:creationId xmlns:a16="http://schemas.microsoft.com/office/drawing/2014/main" id="{013E28E4-9249-4C5A-8C5D-F452377792AC}"/>
               </a:ext>
             </a:extLst>
           </p:cNvPr>
@@ -6872,76 +7038,102 @@
         </p:nvSpPr>
         <p:spPr>
           <a:xfrm>
-            <a:off x="677334" y="1677113"/>
+            <a:off x="677334" y="1698134"/>
             <a:ext cx="8596668" cy="3880773"/>
           </a:xfrm>
         </p:spPr>
         <p:txBody>
-          <a:bodyPr/>
+          <a:bodyPr>
+            <a:normAutofit lnSpcReduction="10000"/>
+          </a:bodyPr>
           <a:lstStyle/>
           <a:p>
             <a:r>
               <a:rPr lang="en-GB" dirty="0"/>
-              <a:t>Models</a:t>
+              <a:t>Styling</a:t>
             </a:r>
           </a:p>
           <a:p>
             <a:pPr lvl="1"/>
             <a:r>
               <a:rPr lang="en-GB" dirty="0"/>
-              <a:t>Based on ER diagram we created in the design spec (without the </a:t>
+              <a:t>Goal was to make the application look polished and refined</a:t>
+            </a:r>
+          </a:p>
+          <a:p>
+            <a:pPr lvl="1"/>
+            <a:r>
+              <a:rPr lang="en-GB" dirty="0"/>
+              <a:t>So we made a separate </a:t>
             </a:r>
             <a:r>
               <a:rPr lang="en-GB" dirty="0" err="1"/>
-              <a:t>moodle</a:t>
+              <a:t>css</a:t>
             </a:r>
             <a:r>
               <a:rPr lang="en-GB" dirty="0"/>
-              <a:t> API)</a:t>
+              <a:t> file to implement different styles and formatting into our application</a:t>
             </a:r>
           </a:p>
           <a:p>
             <a:r>
               <a:rPr lang="en-GB" dirty="0"/>
-              <a:t>Views</a:t>
+              <a:t>Templates</a:t>
             </a:r>
           </a:p>
           <a:p>
             <a:pPr lvl="1"/>
             <a:r>
               <a:rPr lang="en-GB" dirty="0"/>
-              <a:t>We have separate views for each web page</a:t>
-            </a:r>
-          </a:p>
-          <a:p>
+              <a:t>Used the inheritance nature of templates so reduce duplicity </a:t>
+            </a:r>
+          </a:p>
+          <a:p>
+            <a:pPr lvl="1"/>
             <a:r>
               <a:rPr lang="en-GB" dirty="0"/>
-              <a:t>Population script</a:t>
+              <a:t>Each web page inherits the base.html as to keep formatting </a:t>
+            </a:r>
+            <a:r>
+              <a:rPr lang="en-GB" dirty="0" err="1"/>
+              <a:t>consistant</a:t>
+            </a:r>
+            <a:endParaRPr lang="en-GB" dirty="0"/>
+          </a:p>
+          <a:p>
+            <a:r>
+              <a:rPr lang="en-GB" dirty="0"/>
+              <a:t>User authentication</a:t>
             </a:r>
           </a:p>
           <a:p>
             <a:pPr lvl="1"/>
             <a:r>
               <a:rPr lang="en-GB" dirty="0"/>
-              <a:t>We used this to store user information</a:t>
+              <a:t>We used JS to help us make our sign in and log in forms functional and forms.py to actually store the user information</a:t>
             </a:r>
           </a:p>
           <a:p>
             <a:pPr lvl="1"/>
             <a:r>
               <a:rPr lang="en-GB" dirty="0"/>
-              <a:t>We used this to store the lecture content</a:t>
-            </a:r>
-          </a:p>
-          <a:p>
-            <a:endParaRPr lang="en-GB" dirty="0"/>
+              <a:t>We created custom </a:t>
+            </a:r>
+            <a:r>
+              <a:rPr lang="en-GB" dirty="0" err="1"/>
+              <a:t>css</a:t>
+            </a:r>
+            <a:r>
+              <a:rPr lang="en-GB" dirty="0"/>
+              <a:t> error messages that clearly state what went wrong to the user, whilst looking polished</a:t>
+            </a:r>
           </a:p>
         </p:txBody>
       </p:sp>
     </p:spTree>
     <p:extLst>
       <p:ext uri="{BB962C8B-B14F-4D97-AF65-F5344CB8AC3E}">
-        <p14:creationId xmlns:p14="http://schemas.microsoft.com/office/powerpoint/2010/main" val="1313590333"/>
+        <p14:creationId xmlns:p14="http://schemas.microsoft.com/office/powerpoint/2010/main" val="3565777637"/>
       </p:ext>
     </p:extLst>
   </p:cSld>
@@ -6973,7 +7165,7 @@
           <p:cNvPr id="2" name="Title 1">
             <a:extLst>
               <a:ext uri="{FF2B5EF4-FFF2-40B4-BE49-F238E27FC236}">
-                <a16:creationId xmlns:a16="http://schemas.microsoft.com/office/drawing/2014/main" id="{0828EAA2-2D6D-4B08-A129-714158201CFE}"/>
+                <a16:creationId xmlns:a16="http://schemas.microsoft.com/office/drawing/2014/main" id="{004BA5BC-2C57-4273-BD32-A3A616D49070}"/>
               </a:ext>
             </a:extLst>
           </p:cNvPr>
@@ -6991,7 +7183,7 @@
           <a:p>
             <a:r>
               <a:rPr lang="en-GB" dirty="0"/>
-              <a:t>Live Demonstration</a:t>
+              <a:t>Approach: Back End</a:t>
             </a:r>
           </a:p>
         </p:txBody>
@@ -7001,7 +7193,7 @@
           <p:cNvPr id="3" name="Content Placeholder 2">
             <a:extLst>
               <a:ext uri="{FF2B5EF4-FFF2-40B4-BE49-F238E27FC236}">
-                <a16:creationId xmlns:a16="http://schemas.microsoft.com/office/drawing/2014/main" id="{238AC21B-EB2D-4FAB-A286-59C393BBA896}"/>
+                <a16:creationId xmlns:a16="http://schemas.microsoft.com/office/drawing/2014/main" id="{F5BB5B4E-238E-4C71-A078-E69FDEC58AB8}"/>
               </a:ext>
             </a:extLst>
           </p:cNvPr>
@@ -7012,10 +7204,69 @@
             <p:ph idx="1"/>
           </p:nvPr>
         </p:nvSpPr>
-        <p:spPr/>
+        <p:spPr>
+          <a:xfrm>
+            <a:off x="677334" y="1677113"/>
+            <a:ext cx="8596668" cy="3880773"/>
+          </a:xfrm>
+        </p:spPr>
         <p:txBody>
           <a:bodyPr/>
           <a:lstStyle/>
+          <a:p>
+            <a:r>
+              <a:rPr lang="en-GB" dirty="0"/>
+              <a:t>Models</a:t>
+            </a:r>
+          </a:p>
+          <a:p>
+            <a:pPr lvl="1"/>
+            <a:r>
+              <a:rPr lang="en-GB" dirty="0"/>
+              <a:t>Based on ER diagram we created in the design spec (without the </a:t>
+            </a:r>
+            <a:r>
+              <a:rPr lang="en-GB" dirty="0" err="1"/>
+              <a:t>moodle</a:t>
+            </a:r>
+            <a:r>
+              <a:rPr lang="en-GB" dirty="0"/>
+              <a:t> API)</a:t>
+            </a:r>
+          </a:p>
+          <a:p>
+            <a:r>
+              <a:rPr lang="en-GB" dirty="0"/>
+              <a:t>Views</a:t>
+            </a:r>
+          </a:p>
+          <a:p>
+            <a:pPr lvl="1"/>
+            <a:r>
+              <a:rPr lang="en-GB" dirty="0"/>
+              <a:t>We have separate views for each web page, pop up and lecture</a:t>
+            </a:r>
+          </a:p>
+          <a:p>
+            <a:r>
+              <a:rPr lang="en-GB" dirty="0"/>
+              <a:t>Population script</a:t>
+            </a:r>
+          </a:p>
+          <a:p>
+            <a:pPr lvl="1"/>
+            <a:r>
+              <a:rPr lang="en-GB" dirty="0"/>
+              <a:t>We used this to store user information</a:t>
+            </a:r>
+          </a:p>
+          <a:p>
+            <a:pPr lvl="1"/>
+            <a:r>
+              <a:rPr lang="en-GB" dirty="0"/>
+              <a:t>We used this to store the lecture content, saved lectures and courses</a:t>
+            </a:r>
+          </a:p>
           <a:p>
             <a:endParaRPr lang="en-GB" dirty="0"/>
           </a:p>
@@ -7024,7 +7275,7 @@
     </p:spTree>
     <p:extLst>
       <p:ext uri="{BB962C8B-B14F-4D97-AF65-F5344CB8AC3E}">
-        <p14:creationId xmlns:p14="http://schemas.microsoft.com/office/powerpoint/2010/main" val="915472291"/>
+        <p14:creationId xmlns:p14="http://schemas.microsoft.com/office/powerpoint/2010/main" val="1313590333"/>
       </p:ext>
     </p:extLst>
   </p:cSld>
@@ -7056,7 +7307,7 @@
           <p:cNvPr id="2" name="Title 1">
             <a:extLst>
               <a:ext uri="{FF2B5EF4-FFF2-40B4-BE49-F238E27FC236}">
-                <a16:creationId xmlns:a16="http://schemas.microsoft.com/office/drawing/2014/main" id="{762C4EDD-7C4A-4B42-AFA2-B4C3DB293777}"/>
+                <a16:creationId xmlns:a16="http://schemas.microsoft.com/office/drawing/2014/main" id="{0828EAA2-2D6D-4B08-A129-714158201CFE}"/>
               </a:ext>
             </a:extLst>
           </p:cNvPr>
@@ -7073,100 +7324,16 @@
           <a:lstStyle/>
           <a:p>
             <a:r>
-              <a:rPr lang="en-US" dirty="0"/>
-              <a:t>Summary of Team’s Contribution</a:t>
-            </a:r>
-          </a:p>
-        </p:txBody>
-      </p:sp>
-      <p:sp>
-        <p:nvSpPr>
-          <p:cNvPr id="3" name="Content Placeholder 2">
-            <a:extLst>
-              <a:ext uri="{FF2B5EF4-FFF2-40B4-BE49-F238E27FC236}">
-                <a16:creationId xmlns:a16="http://schemas.microsoft.com/office/drawing/2014/main" id="{AD5EBBEB-043F-5441-B570-F109D271A3C3}"/>
-              </a:ext>
-            </a:extLst>
-          </p:cNvPr>
-          <p:cNvSpPr>
-            <a:spLocks noGrp="1"/>
-          </p:cNvSpPr>
-          <p:nvPr>
-            <p:ph idx="1"/>
-          </p:nvPr>
-        </p:nvSpPr>
-        <p:spPr>
-          <a:xfrm>
-            <a:off x="677334" y="1808896"/>
-            <a:ext cx="8596668" cy="3880773"/>
-          </a:xfrm>
-        </p:spPr>
-        <p:txBody>
-          <a:bodyPr>
-            <a:normAutofit/>
-          </a:bodyPr>
-          <a:lstStyle/>
-          <a:p>
-            <a:r>
-              <a:rPr lang="en-US" dirty="0"/>
-              <a:t>Ishita</a:t>
-            </a:r>
-            <a:r>
-              <a:rPr lang="ko-KR" altLang="en-US" dirty="0"/>
-              <a:t> </a:t>
-            </a:r>
-            <a:r>
-              <a:rPr lang="en-US" altLang="ko-KR" dirty="0" err="1"/>
-              <a:t>Narsiker</a:t>
-            </a:r>
-            <a:r>
-              <a:rPr lang="en-US" altLang="ko-KR" dirty="0"/>
-              <a:t> : Backend related with lecture search</a:t>
-            </a:r>
-          </a:p>
-          <a:p>
-            <a:r>
-              <a:rPr lang="en-US" dirty="0"/>
-              <a:t>Amy Eden : Frontend</a:t>
-            </a:r>
-          </a:p>
-          <a:p>
-            <a:r>
-              <a:rPr lang="en-US" dirty="0"/>
-              <a:t>Luke Mullen : Backend related with lectures documents, videos, transcript, and search</a:t>
-            </a:r>
-          </a:p>
-          <a:p>
-            <a:r>
-              <a:rPr lang="en-US" dirty="0"/>
-              <a:t>Petros </a:t>
-            </a:r>
-            <a:r>
-              <a:rPr lang="en-US" dirty="0" err="1"/>
-              <a:t>Kitazos</a:t>
-            </a:r>
-            <a:r>
-              <a:rPr lang="en-US" dirty="0"/>
-              <a:t> : Frontend</a:t>
-            </a:r>
-          </a:p>
-          <a:p>
-            <a:r>
-              <a:rPr lang="en-US" dirty="0"/>
-              <a:t>SoonKwang Hwang : Backend related with account, </a:t>
-            </a:r>
-            <a:r>
-              <a:rPr lang="en-US" dirty="0" err="1"/>
-              <a:t>darkmode</a:t>
-            </a:r>
-            <a:endParaRPr lang="en-US" dirty="0"/>
+              <a:rPr lang="en-GB" dirty="0"/>
+              <a:t>Live Demonstration</a:t>
+            </a:r>
           </a:p>
         </p:txBody>
       </p:sp>
     </p:spTree>
     <p:extLst>
       <p:ext uri="{BB962C8B-B14F-4D97-AF65-F5344CB8AC3E}">
-        <p14:creationId xmlns:p14="http://schemas.microsoft.com/office/powerpoint/2010/main" val="1264792408"/>
+        <p14:creationId xmlns:p14="http://schemas.microsoft.com/office/powerpoint/2010/main" val="915472291"/>
       </p:ext>
     </p:extLst>
   </p:cSld>
@@ -7198,7 +7365,7 @@
           <p:cNvPr id="2" name="Title 1">
             <a:extLst>
               <a:ext uri="{FF2B5EF4-FFF2-40B4-BE49-F238E27FC236}">
-                <a16:creationId xmlns:a16="http://schemas.microsoft.com/office/drawing/2014/main" id="{6E4132BF-3F8C-AF4F-AA8A-6F5A821895D2}"/>
+                <a16:creationId xmlns:a16="http://schemas.microsoft.com/office/drawing/2014/main" id="{762C4EDD-7C4A-4B42-AFA2-B4C3DB293777}"/>
               </a:ext>
             </a:extLst>
           </p:cNvPr>
@@ -7216,7 +7383,7 @@
           <a:p>
             <a:r>
               <a:rPr lang="en-US" dirty="0"/>
-              <a:t>Find My Lecture </a:t>
+              <a:t>Summary of Team’s Contribution</a:t>
             </a:r>
           </a:p>
         </p:txBody>
@@ -7226,7 +7393,7 @@
           <p:cNvPr id="3" name="Content Placeholder 2">
             <a:extLst>
               <a:ext uri="{FF2B5EF4-FFF2-40B4-BE49-F238E27FC236}">
-                <a16:creationId xmlns:a16="http://schemas.microsoft.com/office/drawing/2014/main" id="{A02A0C28-D512-D849-AFBD-9BE84D1F149C}"/>
+                <a16:creationId xmlns:a16="http://schemas.microsoft.com/office/drawing/2014/main" id="{AD5EBBEB-043F-5441-B570-F109D271A3C3}"/>
               </a:ext>
             </a:extLst>
           </p:cNvPr>
@@ -7237,60 +7404,72 @@
             <p:ph idx="1"/>
           </p:nvPr>
         </p:nvSpPr>
-        <p:spPr/>
-        <p:txBody>
-          <a:bodyPr/>
-          <a:lstStyle/>
-          <a:p>
-            <a:r>
-              <a:rPr lang="en-US" dirty="0">
-                <a:hlinkClick r:id="rId2"/>
-              </a:rPr>
-              <a:t>https://github.com/Ishitanarsiker/WAD2_GroupProject</a:t>
-            </a:r>
-            <a:endParaRPr lang="en-US" dirty="0"/>
-          </a:p>
+        <p:spPr>
+          <a:xfrm>
+            <a:off x="677334" y="1808896"/>
+            <a:ext cx="8596668" cy="3880773"/>
+          </a:xfrm>
+        </p:spPr>
+        <p:txBody>
+          <a:bodyPr>
+            <a:normAutofit/>
+          </a:bodyPr>
+          <a:lstStyle/>
           <a:p>
             <a:r>
               <a:rPr lang="en-US" dirty="0"/>
-              <a:t>Participants</a:t>
-            </a:r>
-          </a:p>
-          <a:p>
-            <a:pPr>
-              <a:buFont typeface="+mj-lt"/>
-              <a:buAutoNum type="arabicPeriod"/>
-            </a:pPr>
+              <a:t>Ishita</a:t>
+            </a:r>
+            <a:r>
+              <a:rPr lang="ko-KR" altLang="en-US" dirty="0"/>
+              <a:t> </a:t>
+            </a:r>
+            <a:r>
+              <a:rPr lang="en-US" altLang="ko-KR" dirty="0" err="1"/>
+              <a:t>Narsiker</a:t>
+            </a:r>
+            <a:r>
+              <a:rPr lang="en-US" altLang="ko-KR" dirty="0"/>
+              <a:t> : Backend related with starting lecture search function</a:t>
+            </a:r>
+          </a:p>
+          <a:p>
             <a:r>
               <a:rPr lang="en-US" dirty="0"/>
-              <a:t>Ishita Narsiker 2579990N</a:t>
-            </a:r>
-          </a:p>
-          <a:p>
-            <a:pPr>
-              <a:buFont typeface="+mj-lt"/>
-              <a:buAutoNum type="arabicPeriod"/>
-            </a:pPr>
+              <a:t>Amy Eden : Frontend related with formatting the web pages with </a:t>
+            </a:r>
+            <a:r>
+              <a:rPr lang="en-US" dirty="0" err="1"/>
+              <a:t>css</a:t>
+            </a:r>
             <a:r>
               <a:rPr lang="en-US" dirty="0"/>
-              <a:t>Amy Eden 2514468E</a:t>
-            </a:r>
-          </a:p>
-          <a:p>
-            <a:pPr>
-              <a:buFont typeface="+mj-lt"/>
-              <a:buAutoNum type="arabicPeriod"/>
-            </a:pPr>
+              <a:t> and </a:t>
+            </a:r>
+            <a:r>
+              <a:rPr lang="en-US" dirty="0" err="1"/>
+              <a:t>js</a:t>
+            </a:r>
             <a:r>
               <a:rPr lang="en-US" dirty="0"/>
-              <a:t>Luke Mullen 2542408M</a:t>
-            </a:r>
-          </a:p>
-          <a:p>
-            <a:pPr>
-              <a:buFont typeface="+mj-lt"/>
-              <a:buAutoNum type="arabicPeriod"/>
-            </a:pPr>
+              <a:t>, formatting </a:t>
+            </a:r>
+            <a:r>
+              <a:rPr lang="en-US" dirty="0" err="1"/>
+              <a:t>darkmode</a:t>
+            </a:r>
+            <a:r>
+              <a:rPr lang="en-US" dirty="0"/>
+              <a:t>, signup and login forms. Backend related with mapping the URLs and starting the models/forms</a:t>
+            </a:r>
+          </a:p>
+          <a:p>
+            <a:r>
+              <a:rPr lang="en-US" dirty="0"/>
+              <a:t>Luke Mullen : Backend related with population script (to hold lecture content, user information), views, forms, unit tests, a functional search function and cleaning up code</a:t>
+            </a:r>
+          </a:p>
+          <a:p>
             <a:r>
               <a:rPr lang="en-US" dirty="0"/>
               <a:t>Petros </a:t>
@@ -7301,29 +7480,42 @@
             </a:r>
             <a:r>
               <a:rPr lang="en-US" dirty="0"/>
-              <a:t> 2526547K</a:t>
-            </a:r>
-          </a:p>
-          <a:p>
-            <a:pPr>
-              <a:buFont typeface="+mj-lt"/>
-              <a:buAutoNum type="arabicPeriod"/>
-            </a:pPr>
+              <a:t> : Frontend related with formatting the web pages with </a:t>
+            </a:r>
             <a:r>
               <a:rPr lang="en-US" dirty="0" err="1"/>
-              <a:t>SoonKwang</a:t>
+              <a:t>css</a:t>
             </a:r>
             <a:r>
               <a:rPr lang="en-US" dirty="0"/>
-              <a:t> Hwang 2572157H</a:t>
-            </a:r>
+              <a:t> and </a:t>
+            </a:r>
+            <a:r>
+              <a:rPr lang="en-US" dirty="0" err="1"/>
+              <a:t>js</a:t>
+            </a:r>
+            <a:r>
+              <a:rPr lang="en-US" dirty="0"/>
+              <a:t>, added animations and images to clean up visually</a:t>
+            </a:r>
+          </a:p>
+          <a:p>
+            <a:r>
+              <a:rPr lang="en-US" dirty="0"/>
+              <a:t>SoonKwang Hwang : Backend related with account reset, </a:t>
+            </a:r>
+            <a:r>
+              <a:rPr lang="en-US" dirty="0" err="1"/>
+              <a:t>darkmode</a:t>
+            </a:r>
+            <a:endParaRPr lang="en-US" dirty="0"/>
           </a:p>
         </p:txBody>
       </p:sp>
     </p:spTree>
     <p:extLst>
       <p:ext uri="{BB962C8B-B14F-4D97-AF65-F5344CB8AC3E}">
-        <p14:creationId xmlns:p14="http://schemas.microsoft.com/office/powerpoint/2010/main" val="1043717794"/>
+        <p14:creationId xmlns:p14="http://schemas.microsoft.com/office/powerpoint/2010/main" val="1264792408"/>
       </p:ext>
     </p:extLst>
   </p:cSld>

--- a/Presentation.pptx
+++ b/Presentation.pptx
@@ -6451,13 +6451,13 @@
         </p:nvSpPr>
         <p:spPr>
           <a:xfrm>
-            <a:off x="677334" y="1488612"/>
-            <a:ext cx="8596668" cy="5010661"/>
+            <a:off x="677334" y="1686757"/>
+            <a:ext cx="8596668" cy="4812516"/>
           </a:xfrm>
         </p:spPr>
         <p:txBody>
           <a:bodyPr>
-            <a:normAutofit lnSpcReduction="10000"/>
+            <a:normAutofit/>
           </a:bodyPr>
           <a:lstStyle/>
           <a:p>
@@ -6487,42 +6487,6 @@
             <a:r>
               <a:rPr lang="en-US" sz="1800" dirty="0"/>
               <a:t>Professors will be able to upload study materials for the students to save/highlight</a:t>
-            </a:r>
-          </a:p>
-          <a:p>
-            <a:r>
-              <a:rPr lang="en-US" dirty="0"/>
-              <a:t>Target audience: </a:t>
-            </a:r>
-          </a:p>
-          <a:p>
-            <a:pPr>
-              <a:buFontTx/>
-              <a:buChar char="-"/>
-            </a:pPr>
-            <a:r>
-              <a:rPr lang="en-US" sz="1600" dirty="0"/>
-              <a:t>Students wanting to revise specific concepts from previous semester/year</a:t>
-            </a:r>
-          </a:p>
-          <a:p>
-            <a:pPr>
-              <a:buFontTx/>
-              <a:buChar char="-"/>
-            </a:pPr>
-            <a:r>
-              <a:rPr lang="en-US" sz="1600" dirty="0"/>
-              <a:t>Mature students with limited time to go over each and every single concept- helps them cater their study by concept </a:t>
-            </a:r>
-          </a:p>
-          <a:p>
-            <a:pPr>
-              <a:buFontTx/>
-              <a:buChar char="-"/>
-            </a:pPr>
-            <a:r>
-              <a:rPr lang="en-US" sz="1600" dirty="0"/>
-              <a:t>Teaching Staff who’d like to provide ease of access to study materials in one place with student flexibility to access it</a:t>
             </a:r>
           </a:p>
         </p:txBody>

--- a/Presentation.pptx
+++ b/Presentation.pptx
@@ -7,11 +7,14 @@
   <p:sldIdLst>
     <p:sldId id="256" r:id="rId2"/>
     <p:sldId id="257" r:id="rId3"/>
-    <p:sldId id="258" r:id="rId4"/>
+    <p:sldId id="266" r:id="rId4"/>
     <p:sldId id="259" r:id="rId5"/>
-    <p:sldId id="260" r:id="rId6"/>
-    <p:sldId id="261" r:id="rId7"/>
-    <p:sldId id="262" r:id="rId8"/>
+    <p:sldId id="264" r:id="rId6"/>
+    <p:sldId id="260" r:id="rId7"/>
+    <p:sldId id="261" r:id="rId8"/>
+    <p:sldId id="262" r:id="rId9"/>
+    <p:sldId id="263" r:id="rId10"/>
+    <p:sldId id="265" r:id="rId11"/>
   </p:sldIdLst>
   <p:sldSz cx="12192000" cy="6858000"/>
   <p:notesSz cx="6858000" cy="9144000"/>
@@ -840,7 +843,7 @@
           <a:p>
             <a:fld id="{3EE02DEA-DAE7-412D-98C1-743910D649DD}" type="datetimeFigureOut">
               <a:rPr lang="en-GB" smtClean="0"/>
-              <a:t>23/03/2022</a:t>
+              <a:t>24/03/2022</a:t>
             </a:fld>
             <a:endParaRPr lang="en-GB"/>
           </a:p>
@@ -1091,7 +1094,7 @@
           <a:p>
             <a:fld id="{3EE02DEA-DAE7-412D-98C1-743910D649DD}" type="datetimeFigureOut">
               <a:rPr lang="en-GB" smtClean="0"/>
-              <a:t>23/03/2022</a:t>
+              <a:t>24/03/2022</a:t>
             </a:fld>
             <a:endParaRPr lang="en-GB"/>
           </a:p>
@@ -1405,7 +1408,7 @@
           <a:p>
             <a:fld id="{3EE02DEA-DAE7-412D-98C1-743910D649DD}" type="datetimeFigureOut">
               <a:rPr lang="en-GB" smtClean="0"/>
-              <a:t>23/03/2022</a:t>
+              <a:t>24/03/2022</a:t>
             </a:fld>
             <a:endParaRPr lang="en-GB"/>
           </a:p>
@@ -1746,7 +1749,7 @@
           <a:p>
             <a:fld id="{3EE02DEA-DAE7-412D-98C1-743910D649DD}" type="datetimeFigureOut">
               <a:rPr lang="en-GB" smtClean="0"/>
-              <a:t>23/03/2022</a:t>
+              <a:t>24/03/2022</a:t>
             </a:fld>
             <a:endParaRPr lang="en-GB"/>
           </a:p>
@@ -2060,7 +2063,7 @@
           <a:p>
             <a:fld id="{3EE02DEA-DAE7-412D-98C1-743910D649DD}" type="datetimeFigureOut">
               <a:rPr lang="en-GB" smtClean="0"/>
-              <a:t>23/03/2022</a:t>
+              <a:t>24/03/2022</a:t>
             </a:fld>
             <a:endParaRPr lang="en-GB"/>
           </a:p>
@@ -2453,7 +2456,7 @@
           <a:p>
             <a:fld id="{3EE02DEA-DAE7-412D-98C1-743910D649DD}" type="datetimeFigureOut">
               <a:rPr lang="en-GB" smtClean="0"/>
-              <a:t>23/03/2022</a:t>
+              <a:t>24/03/2022</a:t>
             </a:fld>
             <a:endParaRPr lang="en-GB"/>
           </a:p>
@@ -2623,7 +2626,7 @@
           <a:p>
             <a:fld id="{3EE02DEA-DAE7-412D-98C1-743910D649DD}" type="datetimeFigureOut">
               <a:rPr lang="en-GB" smtClean="0"/>
-              <a:t>23/03/2022</a:t>
+              <a:t>24/03/2022</a:t>
             </a:fld>
             <a:endParaRPr lang="en-GB"/>
           </a:p>
@@ -2803,7 +2806,7 @@
           <a:p>
             <a:fld id="{3EE02DEA-DAE7-412D-98C1-743910D649DD}" type="datetimeFigureOut">
               <a:rPr lang="en-GB" smtClean="0"/>
-              <a:t>23/03/2022</a:t>
+              <a:t>24/03/2022</a:t>
             </a:fld>
             <a:endParaRPr lang="en-GB"/>
           </a:p>
@@ -2979,7 +2982,7 @@
           <a:p>
             <a:fld id="{3EE02DEA-DAE7-412D-98C1-743910D649DD}" type="datetimeFigureOut">
               <a:rPr lang="en-GB" smtClean="0"/>
-              <a:t>23/03/2022</a:t>
+              <a:t>24/03/2022</a:t>
             </a:fld>
             <a:endParaRPr lang="en-GB"/>
           </a:p>
@@ -3226,7 +3229,7 @@
           <a:p>
             <a:fld id="{3EE02DEA-DAE7-412D-98C1-743910D649DD}" type="datetimeFigureOut">
               <a:rPr lang="en-GB" smtClean="0"/>
-              <a:t>23/03/2022</a:t>
+              <a:t>24/03/2022</a:t>
             </a:fld>
             <a:endParaRPr lang="en-GB"/>
           </a:p>
@@ -3458,7 +3461,7 @@
           <a:p>
             <a:fld id="{3EE02DEA-DAE7-412D-98C1-743910D649DD}" type="datetimeFigureOut">
               <a:rPr lang="en-GB" smtClean="0"/>
-              <a:t>23/03/2022</a:t>
+              <a:t>24/03/2022</a:t>
             </a:fld>
             <a:endParaRPr lang="en-GB"/>
           </a:p>
@@ -3832,7 +3835,7 @@
           <a:p>
             <a:fld id="{3EE02DEA-DAE7-412D-98C1-743910D649DD}" type="datetimeFigureOut">
               <a:rPr lang="en-GB" smtClean="0"/>
-              <a:t>23/03/2022</a:t>
+              <a:t>24/03/2022</a:t>
             </a:fld>
             <a:endParaRPr lang="en-GB"/>
           </a:p>
@@ -3955,7 +3958,7 @@
           <a:p>
             <a:fld id="{3EE02DEA-DAE7-412D-98C1-743910D649DD}" type="datetimeFigureOut">
               <a:rPr lang="en-GB" smtClean="0"/>
-              <a:t>23/03/2022</a:t>
+              <a:t>24/03/2022</a:t>
             </a:fld>
             <a:endParaRPr lang="en-GB"/>
           </a:p>
@@ -4050,7 +4053,7 @@
           <a:p>
             <a:fld id="{3EE02DEA-DAE7-412D-98C1-743910D649DD}" type="datetimeFigureOut">
               <a:rPr lang="en-GB" smtClean="0"/>
-              <a:t>23/03/2022</a:t>
+              <a:t>24/03/2022</a:t>
             </a:fld>
             <a:endParaRPr lang="en-GB"/>
           </a:p>
@@ -4305,7 +4308,7 @@
           <a:p>
             <a:fld id="{3EE02DEA-DAE7-412D-98C1-743910D649DD}" type="datetimeFigureOut">
               <a:rPr lang="en-GB" smtClean="0"/>
-              <a:t>23/03/2022</a:t>
+              <a:t>24/03/2022</a:t>
             </a:fld>
             <a:endParaRPr lang="en-GB"/>
           </a:p>
@@ -4568,7 +4571,7 @@
           <a:p>
             <a:fld id="{3EE02DEA-DAE7-412D-98C1-743910D649DD}" type="datetimeFigureOut">
               <a:rPr lang="en-GB" smtClean="0"/>
-              <a:t>23/03/2022</a:t>
+              <a:t>24/03/2022</a:t>
             </a:fld>
             <a:endParaRPr lang="en-GB"/>
           </a:p>
@@ -5311,7 +5314,7 @@
           <a:p>
             <a:fld id="{3EE02DEA-DAE7-412D-98C1-743910D649DD}" type="datetimeFigureOut">
               <a:rPr lang="en-GB" smtClean="0"/>
-              <a:t>23/03/2022</a:t>
+              <a:t>24/03/2022</a:t>
             </a:fld>
             <a:endParaRPr lang="en-GB"/>
           </a:p>
@@ -5823,15 +5826,9 @@
   <p:cSld>
     <p:bg>
       <p:bgPr>
-        <a:blipFill dpi="0" rotWithShape="1">
-          <a:blip r:embed="rId2">
-            <a:lum/>
-          </a:blip>
-          <a:srcRect/>
-          <a:stretch>
-            <a:fillRect t="-9000" b="-9000"/>
-          </a:stretch>
-        </a:blipFill>
+        <a:solidFill>
+          <a:schemeClr val="accent1"/>
+        </a:solidFill>
         <a:effectLst/>
       </p:bgPr>
     </p:bg>
@@ -5867,18 +5864,37 @@
         </p:nvSpPr>
         <p:spPr>
           <a:xfrm>
-            <a:off x="1116542" y="1966384"/>
-            <a:ext cx="7766936" cy="1646302"/>
+            <a:off x="449790" y="2880550"/>
+            <a:ext cx="10058400" cy="1096899"/>
           </a:xfrm>
+          <a:noFill/>
         </p:spPr>
         <p:txBody>
           <a:bodyPr/>
           <a:lstStyle/>
           <a:p>
-            <a:r>
-              <a:rPr lang="en-GB" sz="6600" b="1" dirty="0"/>
-              <a:t>Lecture Finder</a:t>
-            </a:r>
+            <a:pPr algn="ctr"/>
+            <a:r>
+              <a:rPr lang="en-GB" sz="6000" b="1" dirty="0">
+                <a:solidFill>
+                  <a:schemeClr val="bg1"/>
+                </a:solidFill>
+              </a:rPr>
+              <a:t>Find my Lecture: </a:t>
+            </a:r>
+            <a:r>
+              <a:rPr lang="en-GB" sz="6000" b="1" dirty="0" err="1">
+                <a:solidFill>
+                  <a:schemeClr val="bg1"/>
+                </a:solidFill>
+              </a:rPr>
+              <a:t>LectureFinder</a:t>
+            </a:r>
+            <a:endParaRPr lang="en-GB" sz="6000" b="1" dirty="0">
+              <a:solidFill>
+                <a:schemeClr val="bg1"/>
+              </a:solidFill>
+            </a:endParaRPr>
           </a:p>
         </p:txBody>
       </p:sp>
@@ -5900,8 +5916,8 @@
         </p:nvSpPr>
         <p:spPr>
           <a:xfrm>
-            <a:off x="449792" y="4765208"/>
-            <a:ext cx="7766936" cy="1096899"/>
+            <a:off x="1170180" y="1009134"/>
+            <a:ext cx="8617621" cy="1096899"/>
           </a:xfrm>
         </p:spPr>
         <p:txBody>
@@ -5910,14 +5926,290 @@
           </a:bodyPr>
           <a:lstStyle/>
           <a:p>
+            <a:pPr algn="ctr"/>
             <a:r>
               <a:rPr lang="en-GB" sz="2000" b="1" dirty="0">
                 <a:solidFill>
                   <a:schemeClr val="bg1"/>
                 </a:solidFill>
               </a:rPr>
-              <a:t>By WAD2 Team 7A </a:t>
-            </a:r>
+              <a:t>COMPSCI 2021: Web App Development 2- Team Project</a:t>
+            </a:r>
+          </a:p>
+          <a:p>
+            <a:pPr algn="ctr"/>
+            <a:endParaRPr lang="en-GB" sz="2000" b="1" dirty="0">
+              <a:solidFill>
+                <a:schemeClr val="bg1"/>
+              </a:solidFill>
+            </a:endParaRPr>
+          </a:p>
+        </p:txBody>
+      </p:sp>
+      <p:sp>
+        <p:nvSpPr>
+          <p:cNvPr id="8" name="Subtitle 2">
+            <a:extLst>
+              <a:ext uri="{FF2B5EF4-FFF2-40B4-BE49-F238E27FC236}">
+                <a16:creationId xmlns:a16="http://schemas.microsoft.com/office/drawing/2014/main" id="{A895B5A1-E660-AA40-830D-C8B302F1DBD9}"/>
+              </a:ext>
+            </a:extLst>
+          </p:cNvPr>
+          <p:cNvSpPr txBox="1">
+            <a:spLocks/>
+          </p:cNvSpPr>
+          <p:nvPr/>
+        </p:nvSpPr>
+        <p:spPr>
+          <a:xfrm>
+            <a:off x="1170180" y="4509645"/>
+            <a:ext cx="8617621" cy="1096899"/>
+          </a:xfrm>
+          <a:prstGeom prst="rect">
+            <a:avLst/>
+          </a:prstGeom>
+        </p:spPr>
+        <p:txBody>
+          <a:bodyPr vert="horz" lIns="91440" tIns="45720" rIns="91440" bIns="45720" rtlCol="0" anchor="t">
+            <a:normAutofit/>
+          </a:bodyPr>
+          <a:lstStyle>
+            <a:lvl1pPr marL="0" indent="0" algn="r" defTabSz="457200" rtl="0" eaLnBrk="1" latinLnBrk="0" hangingPunct="1">
+              <a:spcBef>
+                <a:spcPts val="1000"/>
+              </a:spcBef>
+              <a:spcAft>
+                <a:spcPts val="0"/>
+              </a:spcAft>
+              <a:buClr>
+                <a:schemeClr val="accent1"/>
+              </a:buClr>
+              <a:buSzPct val="80000"/>
+              <a:buFont typeface="Wingdings 3" charset="2"/>
+              <a:buNone/>
+              <a:defRPr sz="1800" kern="1200">
+                <a:solidFill>
+                  <a:schemeClr val="tx1">
+                    <a:lumMod val="50000"/>
+                    <a:lumOff val="50000"/>
+                  </a:schemeClr>
+                </a:solidFill>
+                <a:latin typeface="+mn-lt"/>
+                <a:ea typeface="+mn-ea"/>
+                <a:cs typeface="+mn-cs"/>
+              </a:defRPr>
+            </a:lvl1pPr>
+            <a:lvl2pPr marL="457200" indent="0" algn="ctr" defTabSz="457200" rtl="0" eaLnBrk="1" latinLnBrk="0" hangingPunct="1">
+              <a:spcBef>
+                <a:spcPts val="1000"/>
+              </a:spcBef>
+              <a:spcAft>
+                <a:spcPts val="0"/>
+              </a:spcAft>
+              <a:buClr>
+                <a:schemeClr val="accent1"/>
+              </a:buClr>
+              <a:buSzPct val="80000"/>
+              <a:buFont typeface="Wingdings 3" charset="2"/>
+              <a:buNone/>
+              <a:defRPr sz="1600" kern="1200">
+                <a:solidFill>
+                  <a:schemeClr val="tx1">
+                    <a:tint val="75000"/>
+                  </a:schemeClr>
+                </a:solidFill>
+                <a:latin typeface="+mn-lt"/>
+                <a:ea typeface="+mn-ea"/>
+                <a:cs typeface="+mn-cs"/>
+              </a:defRPr>
+            </a:lvl2pPr>
+            <a:lvl3pPr marL="914400" indent="0" algn="ctr" defTabSz="457200" rtl="0" eaLnBrk="1" latinLnBrk="0" hangingPunct="1">
+              <a:spcBef>
+                <a:spcPts val="1000"/>
+              </a:spcBef>
+              <a:spcAft>
+                <a:spcPts val="0"/>
+              </a:spcAft>
+              <a:buClr>
+                <a:schemeClr val="accent1"/>
+              </a:buClr>
+              <a:buSzPct val="80000"/>
+              <a:buFont typeface="Wingdings 3" charset="2"/>
+              <a:buNone/>
+              <a:defRPr sz="1400" kern="1200">
+                <a:solidFill>
+                  <a:schemeClr val="tx1">
+                    <a:tint val="75000"/>
+                  </a:schemeClr>
+                </a:solidFill>
+                <a:latin typeface="+mn-lt"/>
+                <a:ea typeface="+mn-ea"/>
+                <a:cs typeface="+mn-cs"/>
+              </a:defRPr>
+            </a:lvl3pPr>
+            <a:lvl4pPr marL="1371600" indent="0" algn="ctr" defTabSz="457200" rtl="0" eaLnBrk="1" latinLnBrk="0" hangingPunct="1">
+              <a:spcBef>
+                <a:spcPts val="1000"/>
+              </a:spcBef>
+              <a:spcAft>
+                <a:spcPts val="0"/>
+              </a:spcAft>
+              <a:buClr>
+                <a:schemeClr val="accent1"/>
+              </a:buClr>
+              <a:buSzPct val="80000"/>
+              <a:buFont typeface="Wingdings 3" charset="2"/>
+              <a:buNone/>
+              <a:defRPr sz="1200" kern="1200">
+                <a:solidFill>
+                  <a:schemeClr val="tx1">
+                    <a:tint val="75000"/>
+                  </a:schemeClr>
+                </a:solidFill>
+                <a:latin typeface="+mn-lt"/>
+                <a:ea typeface="+mn-ea"/>
+                <a:cs typeface="+mn-cs"/>
+              </a:defRPr>
+            </a:lvl4pPr>
+            <a:lvl5pPr marL="1828800" indent="0" algn="ctr" defTabSz="457200" rtl="0" eaLnBrk="1" latinLnBrk="0" hangingPunct="1">
+              <a:spcBef>
+                <a:spcPts val="1000"/>
+              </a:spcBef>
+              <a:spcAft>
+                <a:spcPts val="0"/>
+              </a:spcAft>
+              <a:buClr>
+                <a:schemeClr val="accent1"/>
+              </a:buClr>
+              <a:buSzPct val="80000"/>
+              <a:buFont typeface="Wingdings 3" charset="2"/>
+              <a:buNone/>
+              <a:defRPr sz="1200" kern="1200">
+                <a:solidFill>
+                  <a:schemeClr val="tx1">
+                    <a:tint val="75000"/>
+                  </a:schemeClr>
+                </a:solidFill>
+                <a:latin typeface="+mn-lt"/>
+                <a:ea typeface="+mn-ea"/>
+                <a:cs typeface="+mn-cs"/>
+              </a:defRPr>
+            </a:lvl5pPr>
+            <a:lvl6pPr marL="2286000" indent="0" algn="ctr" defTabSz="457200" rtl="0" eaLnBrk="1" latinLnBrk="0" hangingPunct="1">
+              <a:spcBef>
+                <a:spcPts val="1000"/>
+              </a:spcBef>
+              <a:spcAft>
+                <a:spcPts val="0"/>
+              </a:spcAft>
+              <a:buClr>
+                <a:schemeClr val="accent1"/>
+              </a:buClr>
+              <a:buSzPct val="80000"/>
+              <a:buFont typeface="Wingdings 3" charset="2"/>
+              <a:buNone/>
+              <a:defRPr sz="1200" kern="1200">
+                <a:solidFill>
+                  <a:schemeClr val="tx1">
+                    <a:tint val="75000"/>
+                  </a:schemeClr>
+                </a:solidFill>
+                <a:latin typeface="+mn-lt"/>
+                <a:ea typeface="+mn-ea"/>
+                <a:cs typeface="+mn-cs"/>
+              </a:defRPr>
+            </a:lvl6pPr>
+            <a:lvl7pPr marL="2743200" indent="0" algn="ctr" defTabSz="457200" rtl="0" eaLnBrk="1" latinLnBrk="0" hangingPunct="1">
+              <a:spcBef>
+                <a:spcPts val="1000"/>
+              </a:spcBef>
+              <a:spcAft>
+                <a:spcPts val="0"/>
+              </a:spcAft>
+              <a:buClr>
+                <a:schemeClr val="accent1"/>
+              </a:buClr>
+              <a:buSzPct val="80000"/>
+              <a:buFont typeface="Wingdings 3" charset="2"/>
+              <a:buNone/>
+              <a:defRPr sz="1200" kern="1200">
+                <a:solidFill>
+                  <a:schemeClr val="tx1">
+                    <a:tint val="75000"/>
+                  </a:schemeClr>
+                </a:solidFill>
+                <a:latin typeface="+mn-lt"/>
+                <a:ea typeface="+mn-ea"/>
+                <a:cs typeface="+mn-cs"/>
+              </a:defRPr>
+            </a:lvl7pPr>
+            <a:lvl8pPr marL="3200400" indent="0" algn="ctr" defTabSz="457200" rtl="0" eaLnBrk="1" latinLnBrk="0" hangingPunct="1">
+              <a:spcBef>
+                <a:spcPts val="1000"/>
+              </a:spcBef>
+              <a:spcAft>
+                <a:spcPts val="0"/>
+              </a:spcAft>
+              <a:buClr>
+                <a:schemeClr val="accent1"/>
+              </a:buClr>
+              <a:buSzPct val="80000"/>
+              <a:buFont typeface="Wingdings 3" charset="2"/>
+              <a:buNone/>
+              <a:defRPr sz="1200" kern="1200">
+                <a:solidFill>
+                  <a:schemeClr val="tx1">
+                    <a:tint val="75000"/>
+                  </a:schemeClr>
+                </a:solidFill>
+                <a:latin typeface="+mn-lt"/>
+                <a:ea typeface="+mn-ea"/>
+                <a:cs typeface="+mn-cs"/>
+              </a:defRPr>
+            </a:lvl8pPr>
+            <a:lvl9pPr marL="3657600" indent="0" algn="ctr" defTabSz="457200" rtl="0" eaLnBrk="1" latinLnBrk="0" hangingPunct="1">
+              <a:spcBef>
+                <a:spcPts val="1000"/>
+              </a:spcBef>
+              <a:spcAft>
+                <a:spcPts val="0"/>
+              </a:spcAft>
+              <a:buClr>
+                <a:schemeClr val="accent1"/>
+              </a:buClr>
+              <a:buSzPct val="80000"/>
+              <a:buFont typeface="Wingdings 3" charset="2"/>
+              <a:buNone/>
+              <a:defRPr sz="1200" kern="1200">
+                <a:solidFill>
+                  <a:schemeClr val="tx1">
+                    <a:tint val="75000"/>
+                  </a:schemeClr>
+                </a:solidFill>
+                <a:latin typeface="+mn-lt"/>
+                <a:ea typeface="+mn-ea"/>
+                <a:cs typeface="+mn-cs"/>
+              </a:defRPr>
+            </a:lvl9pPr>
+          </a:lstStyle>
+          <a:p>
+            <a:pPr algn="ctr"/>
+            <a:r>
+              <a:rPr lang="en-GB" sz="2000" b="1" dirty="0">
+                <a:solidFill>
+                  <a:schemeClr val="bg1"/>
+                </a:solidFill>
+              </a:rPr>
+              <a:t>By Group 7A</a:t>
+            </a:r>
+          </a:p>
+          <a:p>
+            <a:pPr algn="ctr"/>
+            <a:endParaRPr lang="en-GB" sz="2000" b="1" dirty="0">
+              <a:solidFill>
+                <a:schemeClr val="bg1"/>
+              </a:solidFill>
+            </a:endParaRPr>
           </a:p>
         </p:txBody>
       </p:sp>
@@ -5925,6 +6217,163 @@
     <p:extLst>
       <p:ext uri="{BB962C8B-B14F-4D97-AF65-F5344CB8AC3E}">
         <p14:creationId xmlns:p14="http://schemas.microsoft.com/office/powerpoint/2010/main" val="1576973075"/>
+      </p:ext>
+    </p:extLst>
+  </p:cSld>
+  <p:clrMapOvr>
+    <a:masterClrMapping/>
+  </p:clrMapOvr>
+</p:sld>
+</file>
+
+<file path=ppt/slides/slide10.xml><?xml version="1.0" encoding="utf-8"?>
+<p:sld xmlns:a="http://schemas.openxmlformats.org/drawingml/2006/main" xmlns:r="http://schemas.openxmlformats.org/officeDocument/2006/relationships" xmlns:p="http://schemas.openxmlformats.org/presentationml/2006/main">
+  <p:cSld>
+    <p:spTree>
+      <p:nvGrpSpPr>
+        <p:cNvPr id="1" name=""/>
+        <p:cNvGrpSpPr/>
+        <p:nvPr/>
+      </p:nvGrpSpPr>
+      <p:grpSpPr>
+        <a:xfrm>
+          <a:off x="0" y="0"/>
+          <a:ext cx="0" cy="0"/>
+          <a:chOff x="0" y="0"/>
+          <a:chExt cx="0" cy="0"/>
+        </a:xfrm>
+      </p:grpSpPr>
+      <p:sp>
+        <p:nvSpPr>
+          <p:cNvPr id="2" name="Title 1">
+            <a:extLst>
+              <a:ext uri="{FF2B5EF4-FFF2-40B4-BE49-F238E27FC236}">
+                <a16:creationId xmlns:a16="http://schemas.microsoft.com/office/drawing/2014/main" id="{6E4132BF-3F8C-AF4F-AA8A-6F5A821895D2}"/>
+              </a:ext>
+            </a:extLst>
+          </p:cNvPr>
+          <p:cNvSpPr>
+            <a:spLocks noGrp="1"/>
+          </p:cNvSpPr>
+          <p:nvPr>
+            <p:ph type="title"/>
+          </p:nvPr>
+        </p:nvSpPr>
+        <p:spPr/>
+        <p:txBody>
+          <a:bodyPr/>
+          <a:lstStyle/>
+          <a:p>
+            <a:r>
+              <a:rPr lang="en-US" dirty="0"/>
+              <a:t>Find My Lecture </a:t>
+            </a:r>
+          </a:p>
+        </p:txBody>
+      </p:sp>
+      <p:sp>
+        <p:nvSpPr>
+          <p:cNvPr id="3" name="Content Placeholder 2">
+            <a:extLst>
+              <a:ext uri="{FF2B5EF4-FFF2-40B4-BE49-F238E27FC236}">
+                <a16:creationId xmlns:a16="http://schemas.microsoft.com/office/drawing/2014/main" id="{A02A0C28-D512-D849-AFBD-9BE84D1F149C}"/>
+              </a:ext>
+            </a:extLst>
+          </p:cNvPr>
+          <p:cNvSpPr>
+            <a:spLocks noGrp="1"/>
+          </p:cNvSpPr>
+          <p:nvPr>
+            <p:ph idx="1"/>
+          </p:nvPr>
+        </p:nvSpPr>
+        <p:spPr/>
+        <p:txBody>
+          <a:bodyPr/>
+          <a:lstStyle/>
+          <a:p>
+            <a:r>
+              <a:rPr lang="en-US" dirty="0">
+                <a:hlinkClick r:id="rId2"/>
+              </a:rPr>
+              <a:t>https://github.com/Ishitanarsiker/WAD2_GroupProject</a:t>
+            </a:r>
+            <a:endParaRPr lang="en-US" dirty="0"/>
+          </a:p>
+          <a:p>
+            <a:r>
+              <a:rPr lang="en-US" dirty="0"/>
+              <a:t>Participants</a:t>
+            </a:r>
+          </a:p>
+          <a:p>
+            <a:pPr>
+              <a:buFont typeface="+mj-lt"/>
+              <a:buAutoNum type="arabicPeriod"/>
+            </a:pPr>
+            <a:r>
+              <a:rPr lang="en-US" dirty="0"/>
+              <a:t>Ishita Narsiker 2579990N</a:t>
+            </a:r>
+          </a:p>
+          <a:p>
+            <a:pPr>
+              <a:buFont typeface="+mj-lt"/>
+              <a:buAutoNum type="arabicPeriod"/>
+            </a:pPr>
+            <a:r>
+              <a:rPr lang="en-US" dirty="0"/>
+              <a:t>Amy Eden 2514468E</a:t>
+            </a:r>
+          </a:p>
+          <a:p>
+            <a:pPr>
+              <a:buFont typeface="+mj-lt"/>
+              <a:buAutoNum type="arabicPeriod"/>
+            </a:pPr>
+            <a:r>
+              <a:rPr lang="en-US" dirty="0"/>
+              <a:t>Luke Mullen 2542408M</a:t>
+            </a:r>
+          </a:p>
+          <a:p>
+            <a:pPr>
+              <a:buFont typeface="+mj-lt"/>
+              <a:buAutoNum type="arabicPeriod"/>
+            </a:pPr>
+            <a:r>
+              <a:rPr lang="en-US" dirty="0"/>
+              <a:t>Petros </a:t>
+            </a:r>
+            <a:r>
+              <a:rPr lang="en-US" dirty="0" err="1"/>
+              <a:t>Kitazos</a:t>
+            </a:r>
+            <a:r>
+              <a:rPr lang="en-US" dirty="0"/>
+              <a:t> 2526547K</a:t>
+            </a:r>
+          </a:p>
+          <a:p>
+            <a:pPr>
+              <a:buFont typeface="+mj-lt"/>
+              <a:buAutoNum type="arabicPeriod"/>
+            </a:pPr>
+            <a:r>
+              <a:rPr lang="en-US" dirty="0" err="1"/>
+              <a:t>SoonKwang</a:t>
+            </a:r>
+            <a:r>
+              <a:rPr lang="en-US" dirty="0"/>
+              <a:t> Hwang 2572157H</a:t>
+            </a:r>
+          </a:p>
+        </p:txBody>
+      </p:sp>
+    </p:spTree>
+    <p:extLst>
+      <p:ext uri="{BB962C8B-B14F-4D97-AF65-F5344CB8AC3E}">
+        <p14:creationId xmlns:p14="http://schemas.microsoft.com/office/powerpoint/2010/main" val="1043717794"/>
       </p:ext>
     </p:extLst>
   </p:cSld>
@@ -5967,14 +6416,19 @@
             <p:ph type="title"/>
           </p:nvPr>
         </p:nvSpPr>
-        <p:spPr/>
+        <p:spPr>
+          <a:xfrm>
+            <a:off x="677334" y="609600"/>
+            <a:ext cx="8596668" cy="879012"/>
+          </a:xfrm>
+        </p:spPr>
         <p:txBody>
           <a:bodyPr/>
           <a:lstStyle/>
           <a:p>
             <a:r>
               <a:rPr lang="en-GB" dirty="0"/>
-              <a:t>The concept</a:t>
+              <a:t>Find My Lecture: Overview</a:t>
             </a:r>
           </a:p>
         </p:txBody>
@@ -5995,27 +6449,39 @@
             <p:ph idx="1"/>
           </p:nvPr>
         </p:nvSpPr>
-        <p:spPr/>
-        <p:txBody>
-          <a:bodyPr/>
+        <p:spPr>
+          <a:xfrm>
+            <a:off x="677334" y="1686757"/>
+            <a:ext cx="8596668" cy="4812516"/>
+          </a:xfrm>
+        </p:spPr>
+        <p:txBody>
+          <a:bodyPr>
+            <a:normAutofit/>
+          </a:bodyPr>
           <a:lstStyle/>
           <a:p>
             <a:r>
               <a:rPr lang="en-US" sz="1800" dirty="0"/>
-              <a:t>The objective of this Web Application is to have a platform for professors to upload content (e.g. recorded lectures, reading materials and slides provided for various modules) as to help students find exact instances of a concept being referred to in in this content.</a:t>
+              <a:t>Find my Lecture is a platform for professors to upload Study materials in the form of recorded lectures, reading materials, slides and transcripts to help students find exact instances of specific concepts being referred among one or more modules of study</a:t>
+            </a:r>
+          </a:p>
+          <a:p>
+            <a:r>
+              <a:rPr lang="en-US" dirty="0"/>
+              <a:t>Students can perform keyword searches and get filtered results based on Professor Name / Module Name</a:t>
             </a:r>
           </a:p>
           <a:p>
             <a:r>
               <a:rPr lang="en-US" sz="1800" dirty="0"/>
-              <a:t>Users will be able to perform keyword searches and get filtered results based on professor name/module name</a:t>
-            </a:r>
-          </a:p>
-          <a:p>
-            <a:r>
-              <a:rPr lang="en-US" sz="1800" dirty="0"/>
-              <a:t>Users will also be able to create an account to save this content to their own profile.</a:t>
-            </a:r>
+              <a:t>Student </a:t>
+            </a:r>
+            <a:r>
+              <a:rPr lang="en-US" dirty="0"/>
+              <a:t>also have the flexibility to create an account where they can save searched content to their profile for future reference</a:t>
+            </a:r>
+            <a:endParaRPr lang="en-US" sz="1800" dirty="0"/>
           </a:p>
           <a:p>
             <a:r>
@@ -6060,7 +6526,7 @@
           <p:cNvPr id="2" name="Title 1">
             <a:extLst>
               <a:ext uri="{FF2B5EF4-FFF2-40B4-BE49-F238E27FC236}">
-                <a16:creationId xmlns:a16="http://schemas.microsoft.com/office/drawing/2014/main" id="{B7BF20CB-A273-486B-BFA1-EA3B9D873B82}"/>
+                <a16:creationId xmlns:a16="http://schemas.microsoft.com/office/drawing/2014/main" id="{EF7131D9-D6D2-478E-826B-29C3A32C086F}"/>
               </a:ext>
             </a:extLst>
           </p:cNvPr>
@@ -6078,7 +6544,7 @@
           <a:p>
             <a:r>
               <a:rPr lang="en-GB" dirty="0"/>
-              <a:t>Product overview</a:t>
+              <a:t>Target Audience </a:t>
             </a:r>
           </a:p>
         </p:txBody>
@@ -6088,7 +6554,7 @@
           <p:cNvPr id="3" name="Content Placeholder 2">
             <a:extLst>
               <a:ext uri="{FF2B5EF4-FFF2-40B4-BE49-F238E27FC236}">
-                <a16:creationId xmlns:a16="http://schemas.microsoft.com/office/drawing/2014/main" id="{63ED5301-AD50-4F7A-B618-9B6037EF7DA0}"/>
+                <a16:creationId xmlns:a16="http://schemas.microsoft.com/office/drawing/2014/main" id="{2B98C396-AEC4-42E8-BF14-62D36C603BF0}"/>
               </a:ext>
             </a:extLst>
           </p:cNvPr>
@@ -6104,6 +6570,36 @@
           <a:bodyPr/>
           <a:lstStyle/>
           <a:p>
+            <a:r>
+              <a:rPr lang="en-GB" dirty="0"/>
+              <a:t>Stu</a:t>
+            </a:r>
+            <a:r>
+              <a:rPr lang="en-US" sz="1800" dirty="0"/>
+              <a:t>dents wanting to revise specific concepts from previous semester/year</a:t>
+            </a:r>
+          </a:p>
+          <a:p>
+            <a:r>
+              <a:rPr lang="en-US" sz="1800" dirty="0"/>
+              <a:t>Mature students with limited time to go over each and every single concept- helps them cater their study by concept </a:t>
+            </a:r>
+          </a:p>
+          <a:p>
+            <a:r>
+              <a:rPr lang="en-GB" sz="1800" dirty="0"/>
+              <a:t>Tea</a:t>
+            </a:r>
+            <a:r>
+              <a:rPr lang="en-US" sz="1800" dirty="0" err="1"/>
+              <a:t>ching</a:t>
+            </a:r>
+            <a:r>
+              <a:rPr lang="en-US" sz="1800" dirty="0"/>
+              <a:t> Staff who’d like to provide ease of access to study materials in one place with student flexibility to access it</a:t>
+            </a:r>
+          </a:p>
+          <a:p>
             <a:endParaRPr lang="en-GB" dirty="0"/>
           </a:p>
         </p:txBody>
@@ -6111,7 +6607,7 @@
     </p:spTree>
     <p:extLst>
       <p:ext uri="{BB962C8B-B14F-4D97-AF65-F5344CB8AC3E}">
-        <p14:creationId xmlns:p14="http://schemas.microsoft.com/office/powerpoint/2010/main" val="2773613496"/>
+        <p14:creationId xmlns:p14="http://schemas.microsoft.com/office/powerpoint/2010/main" val="1576517480"/>
       </p:ext>
     </p:extLst>
   </p:cSld>
@@ -6140,34 +6636,6 @@
       </p:grpSpPr>
       <p:sp>
         <p:nvSpPr>
-          <p:cNvPr id="2" name="Title 1">
-            <a:extLst>
-              <a:ext uri="{FF2B5EF4-FFF2-40B4-BE49-F238E27FC236}">
-                <a16:creationId xmlns:a16="http://schemas.microsoft.com/office/drawing/2014/main" id="{394866E2-EF50-4F67-9533-6E92D8BD8782}"/>
-              </a:ext>
-            </a:extLst>
-          </p:cNvPr>
-          <p:cNvSpPr>
-            <a:spLocks noGrp="1"/>
-          </p:cNvSpPr>
-          <p:nvPr>
-            <p:ph type="title"/>
-          </p:nvPr>
-        </p:nvSpPr>
-        <p:spPr/>
-        <p:txBody>
-          <a:bodyPr/>
-          <a:lstStyle/>
-          <a:p>
-            <a:r>
-              <a:rPr lang="en-GB" dirty="0"/>
-              <a:t>Technologies used</a:t>
-            </a:r>
-          </a:p>
-        </p:txBody>
-      </p:sp>
-      <p:sp>
-        <p:nvSpPr>
           <p:cNvPr id="3" name="Content Placeholder 2">
             <a:extLst>
               <a:ext uri="{FF2B5EF4-FFF2-40B4-BE49-F238E27FC236}">
@@ -6182,14 +6650,28 @@
             <p:ph idx="1"/>
           </p:nvPr>
         </p:nvSpPr>
-        <p:spPr/>
-        <p:txBody>
-          <a:bodyPr/>
+        <p:spPr>
+          <a:xfrm>
+            <a:off x="677334" y="1752626"/>
+            <a:ext cx="8596668" cy="3880773"/>
+          </a:xfrm>
+        </p:spPr>
+        <p:txBody>
+          <a:bodyPr>
+            <a:normAutofit lnSpcReduction="10000"/>
+          </a:bodyPr>
           <a:lstStyle/>
           <a:p>
             <a:r>
               <a:rPr lang="en-GB" dirty="0"/>
-              <a:t>CSS &amp; HTML</a:t>
+              <a:t>Cascading Style Sheets &amp; HTML5</a:t>
+            </a:r>
+          </a:p>
+          <a:p>
+            <a:pPr lvl="1"/>
+            <a:r>
+              <a:rPr lang="en-GB" dirty="0"/>
+              <a:t>To format the web pages and make it look polished and refined</a:t>
             </a:r>
           </a:p>
           <a:p>
@@ -6202,19 +6684,111 @@
             <a:pPr lvl="1"/>
             <a:r>
               <a:rPr lang="en-GB" dirty="0"/>
-              <a:t>We used JS to code functions like dark mode and popup forms</a:t>
+              <a:t>To keep certain functions working (e.g. animations, popups, etc.)</a:t>
             </a:r>
           </a:p>
           <a:p>
             <a:r>
               <a:rPr lang="en-GB" dirty="0"/>
-              <a:t>Python</a:t>
+              <a:t>Python </a:t>
+            </a:r>
+          </a:p>
+          <a:p>
+            <a:pPr lvl="1"/>
+            <a:r>
+              <a:rPr lang="en-GB" dirty="0"/>
+              <a:t>To make and store our database</a:t>
             </a:r>
           </a:p>
           <a:p>
             <a:r>
               <a:rPr lang="en-GB" dirty="0"/>
               <a:t>PythonAnywhere</a:t>
+            </a:r>
+          </a:p>
+          <a:p>
+            <a:pPr lvl="1"/>
+            <a:r>
+              <a:rPr lang="en-GB" dirty="0"/>
+              <a:t>To host our web application</a:t>
+            </a:r>
+          </a:p>
+          <a:p>
+            <a:r>
+              <a:rPr lang="en-GB" dirty="0"/>
+              <a:t>JSON</a:t>
+            </a:r>
+          </a:p>
+          <a:p>
+            <a:pPr lvl="1"/>
+            <a:r>
+              <a:rPr lang="en-GB" b="0" i="0" dirty="0">
+                <a:effectLst/>
+                <a:latin typeface="Segoe UI" panose="020B0502040204020203" pitchFamily="34" charset="0"/>
+              </a:rPr>
+              <a:t>saved the </a:t>
+            </a:r>
+            <a:r>
+              <a:rPr lang="en-GB" b="0" i="0" dirty="0" err="1">
+                <a:effectLst/>
+                <a:latin typeface="Segoe UI" panose="020B0502040204020203" pitchFamily="34" charset="0"/>
+              </a:rPr>
+              <a:t>secret_key</a:t>
+            </a:r>
+            <a:r>
+              <a:rPr lang="en-GB" b="0" i="0" dirty="0">
+                <a:effectLst/>
+                <a:latin typeface="Segoe UI" panose="020B0502040204020203" pitchFamily="34" charset="0"/>
+              </a:rPr>
+              <a:t> which is originally in the settings.py and </a:t>
+            </a:r>
+            <a:r>
+              <a:rPr lang="en-GB" b="0" i="0" dirty="0" err="1">
+                <a:effectLst/>
+                <a:latin typeface="Segoe UI" panose="020B0502040204020203" pitchFamily="34" charset="0"/>
+              </a:rPr>
+              <a:t>gmail</a:t>
+            </a:r>
+            <a:r>
+              <a:rPr lang="en-GB" b="0" i="0" dirty="0">
+                <a:effectLst/>
+                <a:latin typeface="Segoe UI" panose="020B0502040204020203" pitchFamily="34" charset="0"/>
+              </a:rPr>
+              <a:t> password for lectureFinder91</a:t>
+            </a:r>
+            <a:endParaRPr lang="en-GB" dirty="0"/>
+          </a:p>
+        </p:txBody>
+      </p:sp>
+      <p:sp>
+        <p:nvSpPr>
+          <p:cNvPr id="7" name="Title 1">
+            <a:extLst>
+              <a:ext uri="{FF2B5EF4-FFF2-40B4-BE49-F238E27FC236}">
+                <a16:creationId xmlns:a16="http://schemas.microsoft.com/office/drawing/2014/main" id="{83A091DA-F57C-2E49-98BC-7D2B00CC4958}"/>
+              </a:ext>
+            </a:extLst>
+          </p:cNvPr>
+          <p:cNvSpPr>
+            <a:spLocks noGrp="1"/>
+          </p:cNvSpPr>
+          <p:nvPr>
+            <p:ph type="title"/>
+          </p:nvPr>
+        </p:nvSpPr>
+        <p:spPr>
+          <a:xfrm>
+            <a:off x="677334" y="609600"/>
+            <a:ext cx="8596668" cy="879012"/>
+          </a:xfrm>
+        </p:spPr>
+        <p:txBody>
+          <a:bodyPr/>
+          <a:lstStyle/>
+          <a:p>
+            <a:r>
+              <a:rPr lang="en-GB" dirty="0"/>
+              <a:t>Find My Lecture: Technologies Used</a:t>
             </a:r>
           </a:p>
         </p:txBody>
@@ -6254,7 +6828,7 @@
           <p:cNvPr id="2" name="Title 1">
             <a:extLst>
               <a:ext uri="{FF2B5EF4-FFF2-40B4-BE49-F238E27FC236}">
-                <a16:creationId xmlns:a16="http://schemas.microsoft.com/office/drawing/2014/main" id="{3AAD78B7-FCDE-46E1-9A72-BFA68DB4C49D}"/>
+                <a16:creationId xmlns:a16="http://schemas.microsoft.com/office/drawing/2014/main" id="{07C523F7-0494-584B-B963-B6A4E5CE00F9}"/>
               </a:ext>
             </a:extLst>
           </p:cNvPr>
@@ -6271,8 +6845,8 @@
           <a:lstStyle/>
           <a:p>
             <a:r>
-              <a:rPr lang="en-GB" dirty="0"/>
-              <a:t>Front End</a:t>
+              <a:rPr lang="en-US" dirty="0"/>
+              <a:t>Features of the Web Application</a:t>
             </a:r>
           </a:p>
         </p:txBody>
@@ -6282,7 +6856,7 @@
           <p:cNvPr id="3" name="Content Placeholder 2">
             <a:extLst>
               <a:ext uri="{FF2B5EF4-FFF2-40B4-BE49-F238E27FC236}">
-                <a16:creationId xmlns:a16="http://schemas.microsoft.com/office/drawing/2014/main" id="{013E28E4-9249-4C5A-8C5D-F452377792AC}"/>
+                <a16:creationId xmlns:a16="http://schemas.microsoft.com/office/drawing/2014/main" id="{D2837114-24A8-E64E-9299-1B463D7B5B7E}"/>
               </a:ext>
             </a:extLst>
           </p:cNvPr>
@@ -6293,91 +6867,61 @@
             <p:ph idx="1"/>
           </p:nvPr>
         </p:nvSpPr>
-        <p:spPr/>
-        <p:txBody>
-          <a:bodyPr>
-            <a:normAutofit lnSpcReduction="10000"/>
-          </a:bodyPr>
-          <a:lstStyle/>
-          <a:p>
-            <a:r>
-              <a:rPr lang="en-GB" dirty="0"/>
-              <a:t>Styling</a:t>
-            </a:r>
-          </a:p>
-          <a:p>
-            <a:pPr lvl="1"/>
-            <a:r>
-              <a:rPr lang="en-GB" dirty="0"/>
-              <a:t>Goal was to make the application look polished and refined</a:t>
-            </a:r>
-          </a:p>
-          <a:p>
-            <a:pPr lvl="1"/>
-            <a:r>
-              <a:rPr lang="en-GB" dirty="0"/>
-              <a:t>So we made a separate </a:t>
-            </a:r>
-            <a:r>
-              <a:rPr lang="en-GB" dirty="0" err="1"/>
-              <a:t>css</a:t>
-            </a:r>
-            <a:r>
-              <a:rPr lang="en-GB" dirty="0"/>
-              <a:t> file to implement different styles and formatting into our application</a:t>
-            </a:r>
-          </a:p>
-          <a:p>
-            <a:r>
-              <a:rPr lang="en-GB" dirty="0"/>
-              <a:t>Templates</a:t>
-            </a:r>
-          </a:p>
-          <a:p>
-            <a:pPr lvl="1"/>
-            <a:r>
-              <a:rPr lang="en-GB" dirty="0"/>
-              <a:t>Used the inheritance nature of templates so reduce duplicity </a:t>
-            </a:r>
-          </a:p>
-          <a:p>
-            <a:pPr lvl="1"/>
-            <a:r>
-              <a:rPr lang="en-GB" dirty="0"/>
-              <a:t>Each web page inherits the base.html as to keep formatting </a:t>
-            </a:r>
-            <a:r>
-              <a:rPr lang="en-GB" dirty="0" err="1"/>
-              <a:t>consistant</a:t>
-            </a:r>
-            <a:endParaRPr lang="en-GB" dirty="0"/>
-          </a:p>
-          <a:p>
-            <a:r>
-              <a:rPr lang="en-GB" dirty="0"/>
-              <a:t>User authentication</a:t>
-            </a:r>
-          </a:p>
-          <a:p>
-            <a:pPr lvl="1"/>
-            <a:r>
-              <a:rPr lang="en-GB" dirty="0"/>
-              <a:t>We used JS to help us make our sign in and log in forms functional and forms.py to actually store the user information</a:t>
-            </a:r>
-          </a:p>
-          <a:p>
-            <a:pPr lvl="1"/>
-            <a:r>
-              <a:rPr lang="en-GB" dirty="0"/>
-              <a:t>We created custom </a:t>
-            </a:r>
-            <a:r>
-              <a:rPr lang="en-GB" dirty="0" err="1"/>
-              <a:t>css</a:t>
-            </a:r>
-            <a:r>
-              <a:rPr lang="en-GB" dirty="0"/>
-              <a:t> error messages that clearly state what went wrong to the user, whilst looking polished</a:t>
+        <p:spPr>
+          <a:xfrm>
+            <a:off x="677334" y="1724491"/>
+            <a:ext cx="8596668" cy="3880773"/>
+          </a:xfrm>
+        </p:spPr>
+        <p:txBody>
+          <a:bodyPr/>
+          <a:lstStyle/>
+          <a:p>
+            <a:r>
+              <a:rPr lang="en-US" dirty="0"/>
+              <a:t>Signup – Choose the roll between Professor/Lecturer or Student</a:t>
+            </a:r>
+          </a:p>
+          <a:p>
+            <a:r>
+              <a:rPr lang="en-US" dirty="0"/>
+              <a:t>Login, Logout, Reset Password</a:t>
+            </a:r>
+          </a:p>
+          <a:p>
+            <a:r>
+              <a:rPr lang="en-US" dirty="0"/>
+              <a:t>Most viewed lectures and recently uploaded lectures</a:t>
+            </a:r>
+          </a:p>
+          <a:p>
+            <a:r>
+              <a:rPr lang="en-US" dirty="0"/>
+              <a:t>Search Lecture documents and videos with transcripts for key words</a:t>
+            </a:r>
+          </a:p>
+          <a:p>
+            <a:r>
+              <a:rPr lang="en-US" dirty="0"/>
+              <a:t>For Students – Saved lectures</a:t>
+            </a:r>
+          </a:p>
+          <a:p>
+            <a:r>
+              <a:rPr lang="en-US" dirty="0"/>
+              <a:t>For Professors – Uploaded lectures and Saved Lectures</a:t>
+            </a:r>
+          </a:p>
+          <a:p>
+            <a:r>
+              <a:rPr lang="en-US" dirty="0"/>
+              <a:t>Lecture documents links (PDF or PPTX)</a:t>
+            </a:r>
+          </a:p>
+          <a:p>
+            <a:r>
+              <a:rPr lang="en-US" dirty="0"/>
+              <a:t>Lecture video links with transcripts</a:t>
             </a:r>
           </a:p>
         </p:txBody>
@@ -6385,7 +6929,7 @@
     </p:spTree>
     <p:extLst>
       <p:ext uri="{BB962C8B-B14F-4D97-AF65-F5344CB8AC3E}">
-        <p14:creationId xmlns:p14="http://schemas.microsoft.com/office/powerpoint/2010/main" val="3565777637"/>
+        <p14:creationId xmlns:p14="http://schemas.microsoft.com/office/powerpoint/2010/main" val="1861220866"/>
       </p:ext>
     </p:extLst>
   </p:cSld>
@@ -6417,7 +6961,7 @@
           <p:cNvPr id="2" name="Title 1">
             <a:extLst>
               <a:ext uri="{FF2B5EF4-FFF2-40B4-BE49-F238E27FC236}">
-                <a16:creationId xmlns:a16="http://schemas.microsoft.com/office/drawing/2014/main" id="{004BA5BC-2C57-4273-BD32-A3A616D49070}"/>
+                <a16:creationId xmlns:a16="http://schemas.microsoft.com/office/drawing/2014/main" id="{3AAD78B7-FCDE-46E1-9A72-BFA68DB4C49D}"/>
               </a:ext>
             </a:extLst>
           </p:cNvPr>
@@ -6435,7 +6979,7 @@
           <a:p>
             <a:r>
               <a:rPr lang="en-GB" dirty="0"/>
-              <a:t>Back End</a:t>
+              <a:t>Approach: Front End</a:t>
             </a:r>
           </a:p>
         </p:txBody>
@@ -6445,7 +6989,7 @@
           <p:cNvPr id="3" name="Content Placeholder 2">
             <a:extLst>
               <a:ext uri="{FF2B5EF4-FFF2-40B4-BE49-F238E27FC236}">
-                <a16:creationId xmlns:a16="http://schemas.microsoft.com/office/drawing/2014/main" id="{F5BB5B4E-238E-4C71-A078-E69FDEC58AB8}"/>
+                <a16:creationId xmlns:a16="http://schemas.microsoft.com/office/drawing/2014/main" id="{013E28E4-9249-4C5A-8C5D-F452377792AC}"/>
               </a:ext>
             </a:extLst>
           </p:cNvPr>
@@ -6456,73 +7000,104 @@
             <p:ph idx="1"/>
           </p:nvPr>
         </p:nvSpPr>
-        <p:spPr/>
-        <p:txBody>
-          <a:bodyPr/>
+        <p:spPr>
+          <a:xfrm>
+            <a:off x="677334" y="1698134"/>
+            <a:ext cx="8596668" cy="3880773"/>
+          </a:xfrm>
+        </p:spPr>
+        <p:txBody>
+          <a:bodyPr>
+            <a:normAutofit lnSpcReduction="10000"/>
+          </a:bodyPr>
           <a:lstStyle/>
           <a:p>
             <a:r>
               <a:rPr lang="en-GB" dirty="0"/>
-              <a:t>Models</a:t>
+              <a:t>Styling</a:t>
             </a:r>
           </a:p>
           <a:p>
             <a:pPr lvl="1"/>
             <a:r>
               <a:rPr lang="en-GB" dirty="0"/>
-              <a:t>Based on ER diagram we created in the design spec (without the </a:t>
+              <a:t>Goal was to make the application look polished and refined</a:t>
+            </a:r>
+          </a:p>
+          <a:p>
+            <a:pPr lvl="1"/>
+            <a:r>
+              <a:rPr lang="en-GB" dirty="0"/>
+              <a:t>So we made a separate </a:t>
             </a:r>
             <a:r>
               <a:rPr lang="en-GB" dirty="0" err="1"/>
-              <a:t>moodle</a:t>
+              <a:t>css</a:t>
             </a:r>
             <a:r>
               <a:rPr lang="en-GB" dirty="0"/>
-              <a:t> API)</a:t>
+              <a:t> file to implement different styles and formatting into our application</a:t>
             </a:r>
           </a:p>
           <a:p>
             <a:r>
               <a:rPr lang="en-GB" dirty="0"/>
-              <a:t>Views</a:t>
+              <a:t>Templates</a:t>
             </a:r>
           </a:p>
           <a:p>
             <a:pPr lvl="1"/>
             <a:r>
               <a:rPr lang="en-GB" dirty="0"/>
-              <a:t>We have separate views for each web page</a:t>
-            </a:r>
-          </a:p>
-          <a:p>
+              <a:t>Used the inheritance nature of templates so reduce duplicity </a:t>
+            </a:r>
+          </a:p>
+          <a:p>
+            <a:pPr lvl="1"/>
             <a:r>
               <a:rPr lang="en-GB" dirty="0"/>
-              <a:t>Population script</a:t>
+              <a:t>Each web page inherits the base.html as to keep formatting </a:t>
+            </a:r>
+            <a:r>
+              <a:rPr lang="en-GB" dirty="0" err="1"/>
+              <a:t>consistant</a:t>
+            </a:r>
+            <a:endParaRPr lang="en-GB" dirty="0"/>
+          </a:p>
+          <a:p>
+            <a:r>
+              <a:rPr lang="en-GB" dirty="0"/>
+              <a:t>User authentication</a:t>
             </a:r>
           </a:p>
           <a:p>
             <a:pPr lvl="1"/>
             <a:r>
               <a:rPr lang="en-GB" dirty="0"/>
-              <a:t>We used this to store user information</a:t>
+              <a:t>We used JS to help us make our sign in and log in forms functional and forms.py to actually store the user information</a:t>
             </a:r>
           </a:p>
           <a:p>
             <a:pPr lvl="1"/>
             <a:r>
               <a:rPr lang="en-GB" dirty="0"/>
-              <a:t>We used this to store the lecture content</a:t>
-            </a:r>
-          </a:p>
-          <a:p>
-            <a:endParaRPr lang="en-GB" dirty="0"/>
+              <a:t>We created custom </a:t>
+            </a:r>
+            <a:r>
+              <a:rPr lang="en-GB" dirty="0" err="1"/>
+              <a:t>css</a:t>
+            </a:r>
+            <a:r>
+              <a:rPr lang="en-GB" dirty="0"/>
+              <a:t> error messages that clearly state what went wrong to the user, whilst looking polished</a:t>
+            </a:r>
           </a:p>
         </p:txBody>
       </p:sp>
     </p:spTree>
     <p:extLst>
       <p:ext uri="{BB962C8B-B14F-4D97-AF65-F5344CB8AC3E}">
-        <p14:creationId xmlns:p14="http://schemas.microsoft.com/office/powerpoint/2010/main" val="1313590333"/>
+        <p14:creationId xmlns:p14="http://schemas.microsoft.com/office/powerpoint/2010/main" val="3565777637"/>
       </p:ext>
     </p:extLst>
   </p:cSld>
@@ -6554,6 +7129,148 @@
           <p:cNvPr id="2" name="Title 1">
             <a:extLst>
               <a:ext uri="{FF2B5EF4-FFF2-40B4-BE49-F238E27FC236}">
+                <a16:creationId xmlns:a16="http://schemas.microsoft.com/office/drawing/2014/main" id="{004BA5BC-2C57-4273-BD32-A3A616D49070}"/>
+              </a:ext>
+            </a:extLst>
+          </p:cNvPr>
+          <p:cNvSpPr>
+            <a:spLocks noGrp="1"/>
+          </p:cNvSpPr>
+          <p:nvPr>
+            <p:ph type="title"/>
+          </p:nvPr>
+        </p:nvSpPr>
+        <p:spPr/>
+        <p:txBody>
+          <a:bodyPr/>
+          <a:lstStyle/>
+          <a:p>
+            <a:r>
+              <a:rPr lang="en-GB" dirty="0"/>
+              <a:t>Approach: Back End</a:t>
+            </a:r>
+          </a:p>
+        </p:txBody>
+      </p:sp>
+      <p:sp>
+        <p:nvSpPr>
+          <p:cNvPr id="3" name="Content Placeholder 2">
+            <a:extLst>
+              <a:ext uri="{FF2B5EF4-FFF2-40B4-BE49-F238E27FC236}">
+                <a16:creationId xmlns:a16="http://schemas.microsoft.com/office/drawing/2014/main" id="{F5BB5B4E-238E-4C71-A078-E69FDEC58AB8}"/>
+              </a:ext>
+            </a:extLst>
+          </p:cNvPr>
+          <p:cNvSpPr>
+            <a:spLocks noGrp="1"/>
+          </p:cNvSpPr>
+          <p:nvPr>
+            <p:ph idx="1"/>
+          </p:nvPr>
+        </p:nvSpPr>
+        <p:spPr>
+          <a:xfrm>
+            <a:off x="677334" y="1677113"/>
+            <a:ext cx="8596668" cy="3880773"/>
+          </a:xfrm>
+        </p:spPr>
+        <p:txBody>
+          <a:bodyPr/>
+          <a:lstStyle/>
+          <a:p>
+            <a:r>
+              <a:rPr lang="en-GB" dirty="0"/>
+              <a:t>Models</a:t>
+            </a:r>
+          </a:p>
+          <a:p>
+            <a:pPr lvl="1"/>
+            <a:r>
+              <a:rPr lang="en-GB" dirty="0"/>
+              <a:t>Based on ER diagram we created in the design spec (without the </a:t>
+            </a:r>
+            <a:r>
+              <a:rPr lang="en-GB" dirty="0" err="1"/>
+              <a:t>moodle</a:t>
+            </a:r>
+            <a:r>
+              <a:rPr lang="en-GB" dirty="0"/>
+              <a:t> API)</a:t>
+            </a:r>
+          </a:p>
+          <a:p>
+            <a:r>
+              <a:rPr lang="en-GB" dirty="0"/>
+              <a:t>Views</a:t>
+            </a:r>
+          </a:p>
+          <a:p>
+            <a:pPr lvl="1"/>
+            <a:r>
+              <a:rPr lang="en-GB" dirty="0"/>
+              <a:t>We have separate views for each web page, pop up and lecture</a:t>
+            </a:r>
+          </a:p>
+          <a:p>
+            <a:r>
+              <a:rPr lang="en-GB" dirty="0"/>
+              <a:t>Population script</a:t>
+            </a:r>
+          </a:p>
+          <a:p>
+            <a:pPr lvl="1"/>
+            <a:r>
+              <a:rPr lang="en-GB" dirty="0"/>
+              <a:t>We used this to store user information</a:t>
+            </a:r>
+          </a:p>
+          <a:p>
+            <a:pPr lvl="1"/>
+            <a:r>
+              <a:rPr lang="en-GB" dirty="0"/>
+              <a:t>We used this to store the lecture content, saved lectures and courses</a:t>
+            </a:r>
+          </a:p>
+          <a:p>
+            <a:endParaRPr lang="en-GB" dirty="0"/>
+          </a:p>
+        </p:txBody>
+      </p:sp>
+    </p:spTree>
+    <p:extLst>
+      <p:ext uri="{BB962C8B-B14F-4D97-AF65-F5344CB8AC3E}">
+        <p14:creationId xmlns:p14="http://schemas.microsoft.com/office/powerpoint/2010/main" val="1313590333"/>
+      </p:ext>
+    </p:extLst>
+  </p:cSld>
+  <p:clrMapOvr>
+    <a:masterClrMapping/>
+  </p:clrMapOvr>
+</p:sld>
+</file>
+
+<file path=ppt/slides/slide8.xml><?xml version="1.0" encoding="utf-8"?>
+<p:sld xmlns:a="http://schemas.openxmlformats.org/drawingml/2006/main" xmlns:r="http://schemas.openxmlformats.org/officeDocument/2006/relationships" xmlns:p="http://schemas.openxmlformats.org/presentationml/2006/main">
+  <p:cSld>
+    <p:spTree>
+      <p:nvGrpSpPr>
+        <p:cNvPr id="1" name=""/>
+        <p:cNvGrpSpPr/>
+        <p:nvPr/>
+      </p:nvGrpSpPr>
+      <p:grpSpPr>
+        <a:xfrm>
+          <a:off x="0" y="0"/>
+          <a:ext cx="0" cy="0"/>
+          <a:chOff x="0" y="0"/>
+          <a:chExt cx="0" cy="0"/>
+        </a:xfrm>
+      </p:grpSpPr>
+      <p:sp>
+        <p:nvSpPr>
+          <p:cNvPr id="2" name="Title 1">
+            <a:extLst>
+              <a:ext uri="{FF2B5EF4-FFF2-40B4-BE49-F238E27FC236}">
                 <a16:creationId xmlns:a16="http://schemas.microsoft.com/office/drawing/2014/main" id="{0828EAA2-2D6D-4B08-A129-714158201CFE}"/>
               </a:ext>
             </a:extLst>
@@ -6577,35 +7294,192 @@
           </a:p>
         </p:txBody>
       </p:sp>
-      <p:sp>
-        <p:nvSpPr>
-          <p:cNvPr id="3" name="Content Placeholder 2">
-            <a:extLst>
-              <a:ext uri="{FF2B5EF4-FFF2-40B4-BE49-F238E27FC236}">
-                <a16:creationId xmlns:a16="http://schemas.microsoft.com/office/drawing/2014/main" id="{238AC21B-EB2D-4FAB-A286-59C393BBA896}"/>
-              </a:ext>
-            </a:extLst>
-          </p:cNvPr>
-          <p:cNvSpPr>
-            <a:spLocks noGrp="1"/>
-          </p:cNvSpPr>
-          <p:nvPr>
-            <p:ph idx="1"/>
-          </p:nvPr>
-        </p:nvSpPr>
-        <p:spPr/>
-        <p:txBody>
-          <a:bodyPr/>
-          <a:lstStyle/>
-          <a:p>
-            <a:endParaRPr lang="en-GB" dirty="0"/>
-          </a:p>
-        </p:txBody>
-      </p:sp>
     </p:spTree>
     <p:extLst>
       <p:ext uri="{BB962C8B-B14F-4D97-AF65-F5344CB8AC3E}">
         <p14:creationId xmlns:p14="http://schemas.microsoft.com/office/powerpoint/2010/main" val="915472291"/>
+      </p:ext>
+    </p:extLst>
+  </p:cSld>
+  <p:clrMapOvr>
+    <a:masterClrMapping/>
+  </p:clrMapOvr>
+</p:sld>
+</file>
+
+<file path=ppt/slides/slide9.xml><?xml version="1.0" encoding="utf-8"?>
+<p:sld xmlns:a="http://schemas.openxmlformats.org/drawingml/2006/main" xmlns:r="http://schemas.openxmlformats.org/officeDocument/2006/relationships" xmlns:p="http://schemas.openxmlformats.org/presentationml/2006/main">
+  <p:cSld>
+    <p:spTree>
+      <p:nvGrpSpPr>
+        <p:cNvPr id="1" name=""/>
+        <p:cNvGrpSpPr/>
+        <p:nvPr/>
+      </p:nvGrpSpPr>
+      <p:grpSpPr>
+        <a:xfrm>
+          <a:off x="0" y="0"/>
+          <a:ext cx="0" cy="0"/>
+          <a:chOff x="0" y="0"/>
+          <a:chExt cx="0" cy="0"/>
+        </a:xfrm>
+      </p:grpSpPr>
+      <p:sp>
+        <p:nvSpPr>
+          <p:cNvPr id="2" name="Title 1">
+            <a:extLst>
+              <a:ext uri="{FF2B5EF4-FFF2-40B4-BE49-F238E27FC236}">
+                <a16:creationId xmlns:a16="http://schemas.microsoft.com/office/drawing/2014/main" id="{762C4EDD-7C4A-4B42-AFA2-B4C3DB293777}"/>
+              </a:ext>
+            </a:extLst>
+          </p:cNvPr>
+          <p:cNvSpPr>
+            <a:spLocks noGrp="1"/>
+          </p:cNvSpPr>
+          <p:nvPr>
+            <p:ph type="title"/>
+          </p:nvPr>
+        </p:nvSpPr>
+        <p:spPr/>
+        <p:txBody>
+          <a:bodyPr/>
+          <a:lstStyle/>
+          <a:p>
+            <a:r>
+              <a:rPr lang="en-US" dirty="0"/>
+              <a:t>Summary of Team’s Contribution</a:t>
+            </a:r>
+          </a:p>
+        </p:txBody>
+      </p:sp>
+      <p:sp>
+        <p:nvSpPr>
+          <p:cNvPr id="3" name="Content Placeholder 2">
+            <a:extLst>
+              <a:ext uri="{FF2B5EF4-FFF2-40B4-BE49-F238E27FC236}">
+                <a16:creationId xmlns:a16="http://schemas.microsoft.com/office/drawing/2014/main" id="{AD5EBBEB-043F-5441-B570-F109D271A3C3}"/>
+              </a:ext>
+            </a:extLst>
+          </p:cNvPr>
+          <p:cNvSpPr>
+            <a:spLocks noGrp="1"/>
+          </p:cNvSpPr>
+          <p:nvPr>
+            <p:ph idx="1"/>
+          </p:nvPr>
+        </p:nvSpPr>
+        <p:spPr>
+          <a:xfrm>
+            <a:off x="677334" y="1808896"/>
+            <a:ext cx="8596668" cy="3880773"/>
+          </a:xfrm>
+        </p:spPr>
+        <p:txBody>
+          <a:bodyPr>
+            <a:normAutofit/>
+          </a:bodyPr>
+          <a:lstStyle/>
+          <a:p>
+            <a:r>
+              <a:rPr lang="en-US" dirty="0"/>
+              <a:t>Ishita</a:t>
+            </a:r>
+            <a:r>
+              <a:rPr lang="ko-KR" altLang="en-US" dirty="0"/>
+              <a:t> </a:t>
+            </a:r>
+            <a:r>
+              <a:rPr lang="en-US" altLang="ko-KR" dirty="0" err="1"/>
+              <a:t>Narsiker</a:t>
+            </a:r>
+            <a:r>
+              <a:rPr lang="en-US" altLang="ko-KR" dirty="0"/>
+              <a:t> : Backend related with starting lecture search function</a:t>
+            </a:r>
+          </a:p>
+          <a:p>
+            <a:r>
+              <a:rPr lang="en-US" dirty="0"/>
+              <a:t>Amy Eden : Frontend related with formatting the web pages with </a:t>
+            </a:r>
+            <a:r>
+              <a:rPr lang="en-US" dirty="0" err="1"/>
+              <a:t>css</a:t>
+            </a:r>
+            <a:r>
+              <a:rPr lang="en-US" dirty="0"/>
+              <a:t> and </a:t>
+            </a:r>
+            <a:r>
+              <a:rPr lang="en-US" dirty="0" err="1"/>
+              <a:t>js</a:t>
+            </a:r>
+            <a:r>
+              <a:rPr lang="en-US" dirty="0"/>
+              <a:t>, formatting </a:t>
+            </a:r>
+            <a:r>
+              <a:rPr lang="en-US" dirty="0" err="1"/>
+              <a:t>darkmode</a:t>
+            </a:r>
+            <a:r>
+              <a:rPr lang="en-US" dirty="0"/>
+              <a:t>, signup and login forms. Backend related with mapping the URLs and starting the models/forms</a:t>
+            </a:r>
+          </a:p>
+          <a:p>
+            <a:r>
+              <a:rPr lang="en-US" dirty="0"/>
+              <a:t>Luke Mullen : Backend related with population script (to hold lecture content, user information), views, forms, unit tests, a functional search function and cleaning up code</a:t>
+            </a:r>
+          </a:p>
+          <a:p>
+            <a:r>
+              <a:rPr lang="en-US" dirty="0"/>
+              <a:t>Petros </a:t>
+            </a:r>
+            <a:r>
+              <a:rPr lang="en-US" dirty="0" err="1"/>
+              <a:t>Kitazos</a:t>
+            </a:r>
+            <a:r>
+              <a:rPr lang="en-US" dirty="0"/>
+              <a:t> : Frontend related with formatting the web pages with </a:t>
+            </a:r>
+            <a:r>
+              <a:rPr lang="en-US" dirty="0" err="1"/>
+              <a:t>css</a:t>
+            </a:r>
+            <a:r>
+              <a:rPr lang="en-US" dirty="0"/>
+              <a:t> and </a:t>
+            </a:r>
+            <a:r>
+              <a:rPr lang="en-US" dirty="0" err="1"/>
+              <a:t>js</a:t>
+            </a:r>
+            <a:r>
+              <a:rPr lang="en-US" dirty="0"/>
+              <a:t>, added animations and images to clean up visually</a:t>
+            </a:r>
+          </a:p>
+          <a:p>
+            <a:r>
+              <a:rPr lang="en-US" dirty="0"/>
+              <a:t>SoonKwang Hwang : Backend related with account reset, </a:t>
+            </a:r>
+            <a:r>
+              <a:rPr lang="en-US" dirty="0" err="1"/>
+              <a:t>darkmode</a:t>
+            </a:r>
+            <a:endParaRPr lang="en-US" dirty="0"/>
+          </a:p>
+        </p:txBody>
+      </p:sp>
+    </p:spTree>
+    <p:extLst>
+      <p:ext uri="{BB962C8B-B14F-4D97-AF65-F5344CB8AC3E}">
+        <p14:creationId xmlns:p14="http://schemas.microsoft.com/office/powerpoint/2010/main" val="1264792408"/>
       </p:ext>
     </p:extLst>
   </p:cSld>

--- a/Presentation.pptx
+++ b/Presentation.pptx
@@ -6,15 +6,15 @@
   </p:sldMasterIdLst>
   <p:sldIdLst>
     <p:sldId id="256" r:id="rId2"/>
-    <p:sldId id="257" r:id="rId3"/>
-    <p:sldId id="266" r:id="rId4"/>
-    <p:sldId id="259" r:id="rId5"/>
-    <p:sldId id="264" r:id="rId6"/>
-    <p:sldId id="260" r:id="rId7"/>
-    <p:sldId id="261" r:id="rId8"/>
-    <p:sldId id="262" r:id="rId9"/>
+    <p:sldId id="265" r:id="rId3"/>
+    <p:sldId id="257" r:id="rId4"/>
+    <p:sldId id="266" r:id="rId5"/>
+    <p:sldId id="259" r:id="rId6"/>
+    <p:sldId id="264" r:id="rId7"/>
+    <p:sldId id="260" r:id="rId8"/>
+    <p:sldId id="261" r:id="rId9"/>
     <p:sldId id="263" r:id="rId10"/>
-    <p:sldId id="265" r:id="rId11"/>
+    <p:sldId id="262" r:id="rId11"/>
   </p:sldIdLst>
   <p:sldSz cx="12192000" cy="6858000"/>
   <p:notesSz cx="6858000" cy="9144000"/>
@@ -5864,7 +5864,7 @@
         </p:nvSpPr>
         <p:spPr>
           <a:xfrm>
-            <a:off x="449790" y="2880550"/>
+            <a:off x="449790" y="2614220"/>
             <a:ext cx="10058400" cy="1096899"/>
           </a:xfrm>
           <a:noFill/>
@@ -5874,14 +5874,6 @@
           <a:lstStyle/>
           <a:p>
             <a:pPr algn="ctr"/>
-            <a:r>
-              <a:rPr lang="en-GB" sz="6000" b="1" dirty="0">
-                <a:solidFill>
-                  <a:schemeClr val="bg1"/>
-                </a:solidFill>
-              </a:rPr>
-              <a:t>Find my Lecture: </a:t>
-            </a:r>
             <a:r>
               <a:rPr lang="en-GB" sz="6000" b="1" dirty="0" err="1">
                 <a:solidFill>
@@ -6248,7 +6240,7 @@
           <p:cNvPr id="2" name="Title 1">
             <a:extLst>
               <a:ext uri="{FF2B5EF4-FFF2-40B4-BE49-F238E27FC236}">
-                <a16:creationId xmlns:a16="http://schemas.microsoft.com/office/drawing/2014/main" id="{6E4132BF-3F8C-AF4F-AA8A-6F5A821895D2}"/>
+                <a16:creationId xmlns:a16="http://schemas.microsoft.com/office/drawing/2014/main" id="{0828EAA2-2D6D-4B08-A129-714158201CFE}"/>
               </a:ext>
             </a:extLst>
           </p:cNvPr>
@@ -6265,107 +6257,8 @@
           <a:lstStyle/>
           <a:p>
             <a:r>
-              <a:rPr lang="en-US" dirty="0"/>
-              <a:t>Find My Lecture </a:t>
-            </a:r>
-          </a:p>
-        </p:txBody>
-      </p:sp>
-      <p:sp>
-        <p:nvSpPr>
-          <p:cNvPr id="3" name="Content Placeholder 2">
-            <a:extLst>
-              <a:ext uri="{FF2B5EF4-FFF2-40B4-BE49-F238E27FC236}">
-                <a16:creationId xmlns:a16="http://schemas.microsoft.com/office/drawing/2014/main" id="{A02A0C28-D512-D849-AFBD-9BE84D1F149C}"/>
-              </a:ext>
-            </a:extLst>
-          </p:cNvPr>
-          <p:cNvSpPr>
-            <a:spLocks noGrp="1"/>
-          </p:cNvSpPr>
-          <p:nvPr>
-            <p:ph idx="1"/>
-          </p:nvPr>
-        </p:nvSpPr>
-        <p:spPr/>
-        <p:txBody>
-          <a:bodyPr/>
-          <a:lstStyle/>
-          <a:p>
-            <a:r>
-              <a:rPr lang="en-US" dirty="0">
-                <a:hlinkClick r:id="rId2"/>
-              </a:rPr>
-              <a:t>https://github.com/Ishitanarsiker/WAD2_GroupProject</a:t>
-            </a:r>
-            <a:endParaRPr lang="en-US" dirty="0"/>
-          </a:p>
-          <a:p>
-            <a:r>
-              <a:rPr lang="en-US" dirty="0"/>
-              <a:t>Participants</a:t>
-            </a:r>
-          </a:p>
-          <a:p>
-            <a:pPr>
-              <a:buFont typeface="+mj-lt"/>
-              <a:buAutoNum type="arabicPeriod"/>
-            </a:pPr>
-            <a:r>
-              <a:rPr lang="en-US" dirty="0"/>
-              <a:t>Ishita Narsiker 2579990N</a:t>
-            </a:r>
-          </a:p>
-          <a:p>
-            <a:pPr>
-              <a:buFont typeface="+mj-lt"/>
-              <a:buAutoNum type="arabicPeriod"/>
-            </a:pPr>
-            <a:r>
-              <a:rPr lang="en-US" dirty="0"/>
-              <a:t>Amy Eden 2514468E</a:t>
-            </a:r>
-          </a:p>
-          <a:p>
-            <a:pPr>
-              <a:buFont typeface="+mj-lt"/>
-              <a:buAutoNum type="arabicPeriod"/>
-            </a:pPr>
-            <a:r>
-              <a:rPr lang="en-US" dirty="0"/>
-              <a:t>Luke Mullen 2542408M</a:t>
-            </a:r>
-          </a:p>
-          <a:p>
-            <a:pPr>
-              <a:buFont typeface="+mj-lt"/>
-              <a:buAutoNum type="arabicPeriod"/>
-            </a:pPr>
-            <a:r>
-              <a:rPr lang="en-US" dirty="0"/>
-              <a:t>Petros </a:t>
-            </a:r>
-            <a:r>
-              <a:rPr lang="en-US" dirty="0" err="1"/>
-              <a:t>Kitazos</a:t>
-            </a:r>
-            <a:r>
-              <a:rPr lang="en-US" dirty="0"/>
-              <a:t> 2526547K</a:t>
-            </a:r>
-          </a:p>
-          <a:p>
-            <a:pPr>
-              <a:buFont typeface="+mj-lt"/>
-              <a:buAutoNum type="arabicPeriod"/>
-            </a:pPr>
-            <a:r>
-              <a:rPr lang="en-US" dirty="0" err="1"/>
-              <a:t>SoonKwang</a:t>
-            </a:r>
-            <a:r>
-              <a:rPr lang="en-US" dirty="0"/>
-              <a:t> Hwang 2572157H</a:t>
+              <a:rPr lang="en-GB" dirty="0"/>
+              <a:t>Live Demonstration</a:t>
             </a:r>
           </a:p>
         </p:txBody>
@@ -6373,7 +6266,7 @@
     </p:spTree>
     <p:extLst>
       <p:ext uri="{BB962C8B-B14F-4D97-AF65-F5344CB8AC3E}">
-        <p14:creationId xmlns:p14="http://schemas.microsoft.com/office/powerpoint/2010/main" val="1043717794"/>
+        <p14:creationId xmlns:p14="http://schemas.microsoft.com/office/powerpoint/2010/main" val="915472291"/>
       </p:ext>
     </p:extLst>
   </p:cSld>
@@ -6405,7 +6298,7 @@
           <p:cNvPr id="2" name="Title 1">
             <a:extLst>
               <a:ext uri="{FF2B5EF4-FFF2-40B4-BE49-F238E27FC236}">
-                <a16:creationId xmlns:a16="http://schemas.microsoft.com/office/drawing/2014/main" id="{515F3DFF-04DA-4AD0-BB85-1C2C14D7E666}"/>
+                <a16:creationId xmlns:a16="http://schemas.microsoft.com/office/drawing/2014/main" id="{6E4132BF-3F8C-AF4F-AA8A-6F5A821895D2}"/>
               </a:ext>
             </a:extLst>
           </p:cNvPr>
@@ -6416,20 +6309,16 @@
             <p:ph type="title"/>
           </p:nvPr>
         </p:nvSpPr>
-        <p:spPr>
-          <a:xfrm>
-            <a:off x="677334" y="609600"/>
-            <a:ext cx="8596668" cy="879012"/>
-          </a:xfrm>
-        </p:spPr>
+        <p:spPr/>
         <p:txBody>
           <a:bodyPr/>
           <a:lstStyle/>
           <a:p>
             <a:r>
-              <a:rPr lang="en-GB" dirty="0"/>
-              <a:t>Find My Lecture: Overview</a:t>
-            </a:r>
+              <a:rPr lang="en-US"/>
+              <a:t>LectureFinder</a:t>
+            </a:r>
+            <a:endParaRPr lang="en-US" dirty="0"/>
           </a:p>
         </p:txBody>
       </p:sp>
@@ -6438,7 +6327,7 @@
           <p:cNvPr id="3" name="Content Placeholder 2">
             <a:extLst>
               <a:ext uri="{FF2B5EF4-FFF2-40B4-BE49-F238E27FC236}">
-                <a16:creationId xmlns:a16="http://schemas.microsoft.com/office/drawing/2014/main" id="{2642CF70-E4DD-4C96-B937-609CE4D3CF49}"/>
+                <a16:creationId xmlns:a16="http://schemas.microsoft.com/office/drawing/2014/main" id="{A02A0C28-D512-D849-AFBD-9BE84D1F149C}"/>
               </a:ext>
             </a:extLst>
           </p:cNvPr>
@@ -6449,44 +6338,85 @@
             <p:ph idx="1"/>
           </p:nvPr>
         </p:nvSpPr>
-        <p:spPr>
-          <a:xfrm>
-            <a:off x="677334" y="1686757"/>
-            <a:ext cx="8596668" cy="4812516"/>
-          </a:xfrm>
-        </p:spPr>
-        <p:txBody>
-          <a:bodyPr>
-            <a:normAutofit/>
-          </a:bodyPr>
-          <a:lstStyle/>
-          <a:p>
-            <a:r>
-              <a:rPr lang="en-US" sz="1800" dirty="0"/>
-              <a:t>Find my Lecture is a platform for professors to upload Study materials in the form of recorded lectures, reading materials, slides and transcripts to help students find exact instances of specific concepts being referred among one or more modules of study</a:t>
-            </a:r>
+        <p:spPr/>
+        <p:txBody>
+          <a:bodyPr/>
+          <a:lstStyle/>
+          <a:p>
+            <a:r>
+              <a:rPr lang="en-US" dirty="0">
+                <a:hlinkClick r:id="rId2"/>
+              </a:rPr>
+              <a:t>https://github.com/Ishitanarsiker/WAD2_GroupProject</a:t>
+            </a:r>
+            <a:endParaRPr lang="en-US" dirty="0"/>
           </a:p>
           <a:p>
             <a:r>
               <a:rPr lang="en-US" dirty="0"/>
-              <a:t>Students can perform keyword searches and get filtered results based on Professor Name / Module Name</a:t>
-            </a:r>
-          </a:p>
-          <a:p>
-            <a:r>
-              <a:rPr lang="en-US" sz="1800" dirty="0"/>
-              <a:t>Student </a:t>
-            </a:r>
+              <a:t>Participants</a:t>
+            </a:r>
+          </a:p>
+          <a:p>
+            <a:pPr>
+              <a:buFont typeface="+mj-lt"/>
+              <a:buAutoNum type="arabicPeriod"/>
+            </a:pPr>
             <a:r>
               <a:rPr lang="en-US" dirty="0"/>
-              <a:t>also have the flexibility to create an account where they can save searched content to their profile for future reference</a:t>
-            </a:r>
-            <a:endParaRPr lang="en-US" sz="1800" dirty="0"/>
-          </a:p>
-          <a:p>
-            <a:r>
-              <a:rPr lang="en-US" sz="1800" dirty="0"/>
-              <a:t>Professors will be able to upload study materials for the students to save/highlight</a:t>
+              <a:t>Ishita Narsiker 2579990N</a:t>
+            </a:r>
+          </a:p>
+          <a:p>
+            <a:pPr>
+              <a:buFont typeface="+mj-lt"/>
+              <a:buAutoNum type="arabicPeriod"/>
+            </a:pPr>
+            <a:r>
+              <a:rPr lang="en-US" dirty="0"/>
+              <a:t>Amy Eden 2514468E</a:t>
+            </a:r>
+          </a:p>
+          <a:p>
+            <a:pPr>
+              <a:buFont typeface="+mj-lt"/>
+              <a:buAutoNum type="arabicPeriod"/>
+            </a:pPr>
+            <a:r>
+              <a:rPr lang="en-US" dirty="0"/>
+              <a:t>Luke Mullen 2542408M</a:t>
+            </a:r>
+          </a:p>
+          <a:p>
+            <a:pPr>
+              <a:buFont typeface="+mj-lt"/>
+              <a:buAutoNum type="arabicPeriod"/>
+            </a:pPr>
+            <a:r>
+              <a:rPr lang="en-US" dirty="0"/>
+              <a:t>Petros </a:t>
+            </a:r>
+            <a:r>
+              <a:rPr lang="en-US" dirty="0" err="1"/>
+              <a:t>Kitazos</a:t>
+            </a:r>
+            <a:r>
+              <a:rPr lang="en-US" dirty="0"/>
+              <a:t> 2526547K</a:t>
+            </a:r>
+          </a:p>
+          <a:p>
+            <a:pPr>
+              <a:buFont typeface="+mj-lt"/>
+              <a:buAutoNum type="arabicPeriod"/>
+            </a:pPr>
+            <a:r>
+              <a:rPr lang="en-US" dirty="0" err="1"/>
+              <a:t>SoonKwang</a:t>
+            </a:r>
+            <a:r>
+              <a:rPr lang="en-US" dirty="0"/>
+              <a:t> Hwang 2572157H</a:t>
             </a:r>
           </a:p>
         </p:txBody>
@@ -6494,7 +6424,7 @@
     </p:spTree>
     <p:extLst>
       <p:ext uri="{BB962C8B-B14F-4D97-AF65-F5344CB8AC3E}">
-        <p14:creationId xmlns:p14="http://schemas.microsoft.com/office/powerpoint/2010/main" val="380141780"/>
+        <p14:creationId xmlns:p14="http://schemas.microsoft.com/office/powerpoint/2010/main" val="1043717794"/>
       </p:ext>
     </p:extLst>
   </p:cSld>
@@ -6526,7 +6456,7 @@
           <p:cNvPr id="2" name="Title 1">
             <a:extLst>
               <a:ext uri="{FF2B5EF4-FFF2-40B4-BE49-F238E27FC236}">
-                <a16:creationId xmlns:a16="http://schemas.microsoft.com/office/drawing/2014/main" id="{EF7131D9-D6D2-478E-826B-29C3A32C086F}"/>
+                <a16:creationId xmlns:a16="http://schemas.microsoft.com/office/drawing/2014/main" id="{515F3DFF-04DA-4AD0-BB85-1C2C14D7E666}"/>
               </a:ext>
             </a:extLst>
           </p:cNvPr>
@@ -6537,14 +6467,23 @@
             <p:ph type="title"/>
           </p:nvPr>
         </p:nvSpPr>
-        <p:spPr/>
+        <p:spPr>
+          <a:xfrm>
+            <a:off x="677334" y="609600"/>
+            <a:ext cx="8596668" cy="879012"/>
+          </a:xfrm>
+        </p:spPr>
         <p:txBody>
           <a:bodyPr/>
           <a:lstStyle/>
           <a:p>
             <a:r>
+              <a:rPr lang="en-GB" dirty="0" err="1"/>
+              <a:t>LectureFinder</a:t>
+            </a:r>
+            <a:r>
               <a:rPr lang="en-GB" dirty="0"/>
-              <a:t>Target Audience </a:t>
+              <a:t>: Overview</a:t>
             </a:r>
           </a:p>
         </p:txBody>
@@ -6554,7 +6493,7 @@
           <p:cNvPr id="3" name="Content Placeholder 2">
             <a:extLst>
               <a:ext uri="{FF2B5EF4-FFF2-40B4-BE49-F238E27FC236}">
-                <a16:creationId xmlns:a16="http://schemas.microsoft.com/office/drawing/2014/main" id="{2B98C396-AEC4-42E8-BF14-62D36C603BF0}"/>
+                <a16:creationId xmlns:a16="http://schemas.microsoft.com/office/drawing/2014/main" id="{2642CF70-E4DD-4C96-B937-609CE4D3CF49}"/>
               </a:ext>
             </a:extLst>
           </p:cNvPr>
@@ -6565,49 +6504,60 @@
             <p:ph idx="1"/>
           </p:nvPr>
         </p:nvSpPr>
-        <p:spPr/>
-        <p:txBody>
-          <a:bodyPr/>
-          <a:lstStyle/>
-          <a:p>
+        <p:spPr>
+          <a:xfrm>
+            <a:off x="677334" y="1686757"/>
+            <a:ext cx="8596668" cy="4812516"/>
+          </a:xfrm>
+        </p:spPr>
+        <p:txBody>
+          <a:bodyPr>
+            <a:normAutofit/>
+          </a:bodyPr>
+          <a:lstStyle/>
+          <a:p>
+            <a:r>
+              <a:rPr lang="en-GB" dirty="0" err="1"/>
+              <a:t>LectureFinder</a:t>
+            </a:r>
             <a:r>
               <a:rPr lang="en-GB" dirty="0"/>
-              <a:t>Stu</a:t>
+              <a:t> </a:t>
             </a:r>
             <a:r>
               <a:rPr lang="en-US" sz="1800" dirty="0"/>
-              <a:t>dents wanting to revise specific concepts from previous semester/year</a:t>
+              <a:t>is a platform for professors to upload study materials in the form of recorded lectures, reading materials, slides and transcripts to help students find exact instances of specific concepts being referred among one or more modules of study</a:t>
+            </a:r>
+          </a:p>
+          <a:p>
+            <a:r>
+              <a:rPr lang="en-US" dirty="0"/>
+              <a:t>Students can perform keyword searches and get filtered results based on Professor Name / Module Name</a:t>
             </a:r>
           </a:p>
           <a:p>
             <a:r>
               <a:rPr lang="en-US" sz="1800" dirty="0"/>
-              <a:t>Mature students with limited time to go over each and every single concept- helps them cater their study by concept </a:t>
-            </a:r>
-          </a:p>
-          <a:p>
-            <a:r>
-              <a:rPr lang="en-GB" sz="1800" dirty="0"/>
-              <a:t>Tea</a:t>
-            </a:r>
-            <a:r>
-              <a:rPr lang="en-US" sz="1800" dirty="0" err="1"/>
-              <a:t>ching</a:t>
-            </a:r>
+              <a:t>Student </a:t>
+            </a:r>
+            <a:r>
+              <a:rPr lang="en-US" dirty="0"/>
+              <a:t>also have the flexibility to create an account where they can save searched content to their profile for future reference</a:t>
+            </a:r>
+            <a:endParaRPr lang="en-US" sz="1800" dirty="0"/>
+          </a:p>
+          <a:p>
             <a:r>
               <a:rPr lang="en-US" sz="1800" dirty="0"/>
-              <a:t> Staff who’d like to provide ease of access to study materials in one place with student flexibility to access it</a:t>
-            </a:r>
-          </a:p>
-          <a:p>
-            <a:endParaRPr lang="en-GB" dirty="0"/>
+              <a:t>Professors will be able to upload study materials for the students to save/highlight</a:t>
+            </a:r>
           </a:p>
         </p:txBody>
       </p:sp>
     </p:spTree>
     <p:extLst>
       <p:ext uri="{BB962C8B-B14F-4D97-AF65-F5344CB8AC3E}">
-        <p14:creationId xmlns:p14="http://schemas.microsoft.com/office/powerpoint/2010/main" val="1576517480"/>
+        <p14:creationId xmlns:p14="http://schemas.microsoft.com/office/powerpoint/2010/main" val="380141780"/>
       </p:ext>
     </p:extLst>
   </p:cSld>
@@ -6636,10 +6586,38 @@
       </p:grpSpPr>
       <p:sp>
         <p:nvSpPr>
+          <p:cNvPr id="2" name="Title 1">
+            <a:extLst>
+              <a:ext uri="{FF2B5EF4-FFF2-40B4-BE49-F238E27FC236}">
+                <a16:creationId xmlns:a16="http://schemas.microsoft.com/office/drawing/2014/main" id="{EF7131D9-D6D2-478E-826B-29C3A32C086F}"/>
+              </a:ext>
+            </a:extLst>
+          </p:cNvPr>
+          <p:cNvSpPr>
+            <a:spLocks noGrp="1"/>
+          </p:cNvSpPr>
+          <p:nvPr>
+            <p:ph type="title"/>
+          </p:nvPr>
+        </p:nvSpPr>
+        <p:spPr/>
+        <p:txBody>
+          <a:bodyPr/>
+          <a:lstStyle/>
+          <a:p>
+            <a:r>
+              <a:rPr lang="en-GB" dirty="0"/>
+              <a:t>Target Audience </a:t>
+            </a:r>
+          </a:p>
+        </p:txBody>
+      </p:sp>
+      <p:sp>
+        <p:nvSpPr>
           <p:cNvPr id="3" name="Content Placeholder 2">
             <a:extLst>
               <a:ext uri="{FF2B5EF4-FFF2-40B4-BE49-F238E27FC236}">
-                <a16:creationId xmlns:a16="http://schemas.microsoft.com/office/drawing/2014/main" id="{C9900962-CA98-4B4A-B722-6392B89614FC}"/>
+                <a16:creationId xmlns:a16="http://schemas.microsoft.com/office/drawing/2014/main" id="{2B98C396-AEC4-42E8-BF14-62D36C603BF0}"/>
               </a:ext>
             </a:extLst>
           </p:cNvPr>
@@ -6650,153 +6628,49 @@
             <p:ph idx="1"/>
           </p:nvPr>
         </p:nvSpPr>
-        <p:spPr>
-          <a:xfrm>
-            <a:off x="677334" y="1752626"/>
-            <a:ext cx="8596668" cy="3880773"/>
-          </a:xfrm>
-        </p:spPr>
-        <p:txBody>
-          <a:bodyPr>
-            <a:normAutofit lnSpcReduction="10000"/>
-          </a:bodyPr>
+        <p:spPr/>
+        <p:txBody>
+          <a:bodyPr/>
           <a:lstStyle/>
           <a:p>
             <a:r>
               <a:rPr lang="en-GB" dirty="0"/>
-              <a:t>Cascading Style Sheets &amp; HTML5</a:t>
-            </a:r>
-          </a:p>
-          <a:p>
-            <a:pPr lvl="1"/>
-            <a:r>
-              <a:rPr lang="en-GB" dirty="0"/>
-              <a:t>To format the web pages and make it look polished and refined</a:t>
-            </a:r>
-          </a:p>
-          <a:p>
-            <a:r>
-              <a:rPr lang="en-GB" dirty="0"/>
-              <a:t>JavaScript</a:t>
-            </a:r>
-          </a:p>
-          <a:p>
-            <a:pPr lvl="1"/>
-            <a:r>
-              <a:rPr lang="en-GB" dirty="0"/>
-              <a:t>To keep certain functions working (e.g. animations, popups, etc.)</a:t>
-            </a:r>
-          </a:p>
-          <a:p>
-            <a:r>
-              <a:rPr lang="en-GB" dirty="0"/>
-              <a:t>Python </a:t>
-            </a:r>
-          </a:p>
-          <a:p>
-            <a:pPr lvl="1"/>
-            <a:r>
-              <a:rPr lang="en-GB" dirty="0"/>
-              <a:t>To make and store our database</a:t>
-            </a:r>
-          </a:p>
-          <a:p>
-            <a:r>
-              <a:rPr lang="en-GB" dirty="0"/>
-              <a:t>PythonAnywhere</a:t>
-            </a:r>
-          </a:p>
-          <a:p>
-            <a:pPr lvl="1"/>
-            <a:r>
-              <a:rPr lang="en-GB" dirty="0"/>
-              <a:t>To host our web application</a:t>
-            </a:r>
-          </a:p>
-          <a:p>
-            <a:r>
-              <a:rPr lang="en-GB" dirty="0"/>
-              <a:t>JSON</a:t>
-            </a:r>
-          </a:p>
-          <a:p>
-            <a:pPr lvl="1"/>
-            <a:r>
-              <a:rPr lang="en-GB" b="0" i="0" dirty="0">
-                <a:effectLst/>
-                <a:latin typeface="Segoe UI" panose="020B0502040204020203" pitchFamily="34" charset="0"/>
-              </a:rPr>
-              <a:t>saved the </a:t>
-            </a:r>
-            <a:r>
-              <a:rPr lang="en-GB" b="0" i="0" dirty="0" err="1">
-                <a:effectLst/>
-                <a:latin typeface="Segoe UI" panose="020B0502040204020203" pitchFamily="34" charset="0"/>
-              </a:rPr>
-              <a:t>secret_key</a:t>
-            </a:r>
-            <a:r>
-              <a:rPr lang="en-GB" b="0" i="0" dirty="0">
-                <a:effectLst/>
-                <a:latin typeface="Segoe UI" panose="020B0502040204020203" pitchFamily="34" charset="0"/>
-              </a:rPr>
-              <a:t> which is originally in the settings.py and </a:t>
-            </a:r>
-            <a:r>
-              <a:rPr lang="en-GB" b="0" i="0" dirty="0" err="1">
-                <a:effectLst/>
-                <a:latin typeface="Segoe UI" panose="020B0502040204020203" pitchFamily="34" charset="0"/>
-              </a:rPr>
-              <a:t>gmail</a:t>
-            </a:r>
-            <a:r>
-              <a:rPr lang="en-GB" b="0" i="0" dirty="0">
-                <a:effectLst/>
-                <a:latin typeface="Segoe UI" panose="020B0502040204020203" pitchFamily="34" charset="0"/>
-              </a:rPr>
-              <a:t> password for lectureFinder91</a:t>
-            </a:r>
+              <a:t>Stu</a:t>
+            </a:r>
+            <a:r>
+              <a:rPr lang="en-US" sz="1800" dirty="0"/>
+              <a:t>dents wanting to revise specific concepts from previous semester/year</a:t>
+            </a:r>
+          </a:p>
+          <a:p>
+            <a:r>
+              <a:rPr lang="en-US" sz="1800" dirty="0"/>
+              <a:t>Mature students with limited time to go over each and every single concept- helps them cater their study by concept </a:t>
+            </a:r>
+          </a:p>
+          <a:p>
+            <a:r>
+              <a:rPr lang="en-GB" sz="1800" dirty="0"/>
+              <a:t>Tea</a:t>
+            </a:r>
+            <a:r>
+              <a:rPr lang="en-US" sz="1800" dirty="0" err="1"/>
+              <a:t>ching</a:t>
+            </a:r>
+            <a:r>
+              <a:rPr lang="en-US" sz="1800" dirty="0"/>
+              <a:t> Staff who’d like to provide ease of access to study materials in one place with student flexibility to access it</a:t>
+            </a:r>
+          </a:p>
+          <a:p>
             <a:endParaRPr lang="en-GB" dirty="0"/>
-          </a:p>
-        </p:txBody>
-      </p:sp>
-      <p:sp>
-        <p:nvSpPr>
-          <p:cNvPr id="7" name="Title 1">
-            <a:extLst>
-              <a:ext uri="{FF2B5EF4-FFF2-40B4-BE49-F238E27FC236}">
-                <a16:creationId xmlns:a16="http://schemas.microsoft.com/office/drawing/2014/main" id="{83A091DA-F57C-2E49-98BC-7D2B00CC4958}"/>
-              </a:ext>
-            </a:extLst>
-          </p:cNvPr>
-          <p:cNvSpPr>
-            <a:spLocks noGrp="1"/>
-          </p:cNvSpPr>
-          <p:nvPr>
-            <p:ph type="title"/>
-          </p:nvPr>
-        </p:nvSpPr>
-        <p:spPr>
-          <a:xfrm>
-            <a:off x="677334" y="609600"/>
-            <a:ext cx="8596668" cy="879012"/>
-          </a:xfrm>
-        </p:spPr>
-        <p:txBody>
-          <a:bodyPr/>
-          <a:lstStyle/>
-          <a:p>
-            <a:r>
-              <a:rPr lang="en-GB" dirty="0"/>
-              <a:t>Find My Lecture: Technologies Used</a:t>
-            </a:r>
           </a:p>
         </p:txBody>
       </p:sp>
     </p:spTree>
     <p:extLst>
       <p:ext uri="{BB962C8B-B14F-4D97-AF65-F5344CB8AC3E}">
-        <p14:creationId xmlns:p14="http://schemas.microsoft.com/office/powerpoint/2010/main" val="981801288"/>
+        <p14:creationId xmlns:p14="http://schemas.microsoft.com/office/powerpoint/2010/main" val="1576517480"/>
       </p:ext>
     </p:extLst>
   </p:cSld>
@@ -6825,10 +6699,10 @@
       </p:grpSpPr>
       <p:sp>
         <p:nvSpPr>
-          <p:cNvPr id="2" name="Title 1">
+          <p:cNvPr id="3" name="Content Placeholder 2">
             <a:extLst>
               <a:ext uri="{FF2B5EF4-FFF2-40B4-BE49-F238E27FC236}">
-                <a16:creationId xmlns:a16="http://schemas.microsoft.com/office/drawing/2014/main" id="{07C523F7-0494-584B-B963-B6A4E5CE00F9}"/>
+                <a16:creationId xmlns:a16="http://schemas.microsoft.com/office/drawing/2014/main" id="{C9900962-CA98-4B4A-B722-6392B89614FC}"/>
               </a:ext>
             </a:extLst>
           </p:cNvPr>
@@ -6836,27 +6710,125 @@
             <a:spLocks noGrp="1"/>
           </p:cNvSpPr>
           <p:nvPr>
-            <p:ph type="title"/>
-          </p:nvPr>
-        </p:nvSpPr>
-        <p:spPr/>
-        <p:txBody>
-          <a:bodyPr/>
-          <a:lstStyle/>
-          <a:p>
-            <a:r>
-              <a:rPr lang="en-US" dirty="0"/>
-              <a:t>Features of the Web Application</a:t>
-            </a:r>
-          </a:p>
-        </p:txBody>
-      </p:sp>
-      <p:sp>
-        <p:nvSpPr>
-          <p:cNvPr id="3" name="Content Placeholder 2">
+            <p:ph idx="1"/>
+          </p:nvPr>
+        </p:nvSpPr>
+        <p:spPr>
+          <a:xfrm>
+            <a:off x="677334" y="1752626"/>
+            <a:ext cx="8596668" cy="3880773"/>
+          </a:xfrm>
+        </p:spPr>
+        <p:txBody>
+          <a:bodyPr>
+            <a:normAutofit lnSpcReduction="10000"/>
+          </a:bodyPr>
+          <a:lstStyle/>
+          <a:p>
+            <a:r>
+              <a:rPr lang="en-GB" dirty="0"/>
+              <a:t>Cascading Style Sheets &amp; HTML5</a:t>
+            </a:r>
+          </a:p>
+          <a:p>
+            <a:pPr lvl="1"/>
+            <a:r>
+              <a:rPr lang="en-GB" dirty="0"/>
+              <a:t>To format the web pages and make it look polished and refined</a:t>
+            </a:r>
+          </a:p>
+          <a:p>
+            <a:r>
+              <a:rPr lang="en-GB" dirty="0"/>
+              <a:t>JavaScript</a:t>
+            </a:r>
+          </a:p>
+          <a:p>
+            <a:pPr lvl="1"/>
+            <a:r>
+              <a:rPr lang="en-GB" dirty="0"/>
+              <a:t>To keep certain functions working (e.g. animations, popups, etc.)</a:t>
+            </a:r>
+          </a:p>
+          <a:p>
+            <a:r>
+              <a:rPr lang="en-GB" dirty="0"/>
+              <a:t>Python </a:t>
+            </a:r>
+          </a:p>
+          <a:p>
+            <a:pPr lvl="1"/>
+            <a:r>
+              <a:rPr lang="en-GB" dirty="0"/>
+              <a:t>To make and store our database</a:t>
+            </a:r>
+          </a:p>
+          <a:p>
+            <a:r>
+              <a:rPr lang="en-GB" dirty="0"/>
+              <a:t>PythonAnywhere</a:t>
+            </a:r>
+          </a:p>
+          <a:p>
+            <a:pPr lvl="1"/>
+            <a:r>
+              <a:rPr lang="en-GB" dirty="0"/>
+              <a:t>To host our web application</a:t>
+            </a:r>
+          </a:p>
+          <a:p>
+            <a:r>
+              <a:rPr lang="en-GB" dirty="0"/>
+              <a:t>JSON</a:t>
+            </a:r>
+          </a:p>
+          <a:p>
+            <a:pPr lvl="1"/>
+            <a:r>
+              <a:rPr lang="en-GB" b="0" i="0" dirty="0">
+                <a:effectLst/>
+                <a:latin typeface="Segoe UI" panose="020B0502040204020203" pitchFamily="34" charset="0"/>
+              </a:rPr>
+              <a:t>saved the </a:t>
+            </a:r>
+            <a:r>
+              <a:rPr lang="en-GB" b="0" i="0" dirty="0" err="1">
+                <a:effectLst/>
+                <a:latin typeface="Segoe UI" panose="020B0502040204020203" pitchFamily="34" charset="0"/>
+              </a:rPr>
+              <a:t>secret_key</a:t>
+            </a:r>
+            <a:r>
+              <a:rPr lang="en-GB" b="0" i="0" dirty="0">
+                <a:effectLst/>
+                <a:latin typeface="Segoe UI" panose="020B0502040204020203" pitchFamily="34" charset="0"/>
+              </a:rPr>
+              <a:t> which is originally in the settings.py and </a:t>
+            </a:r>
+            <a:r>
+              <a:rPr lang="en-GB" b="0" i="0" dirty="0" err="1">
+                <a:effectLst/>
+                <a:latin typeface="Segoe UI" panose="020B0502040204020203" pitchFamily="34" charset="0"/>
+              </a:rPr>
+              <a:t>gmail</a:t>
+            </a:r>
+            <a:r>
+              <a:rPr lang="en-GB" b="0" i="0" dirty="0">
+                <a:effectLst/>
+                <a:latin typeface="Segoe UI" panose="020B0502040204020203" pitchFamily="34" charset="0"/>
+              </a:rPr>
+              <a:t> password for lectureFinder91</a:t>
+            </a:r>
+            <a:endParaRPr lang="en-GB" dirty="0"/>
+          </a:p>
+        </p:txBody>
+      </p:sp>
+      <p:sp>
+        <p:nvSpPr>
+          <p:cNvPr id="7" name="Title 1">
             <a:extLst>
               <a:ext uri="{FF2B5EF4-FFF2-40B4-BE49-F238E27FC236}">
-                <a16:creationId xmlns:a16="http://schemas.microsoft.com/office/drawing/2014/main" id="{D2837114-24A8-E64E-9299-1B463D7B5B7E}"/>
+                <a16:creationId xmlns:a16="http://schemas.microsoft.com/office/drawing/2014/main" id="{83A091DA-F57C-2E49-98BC-7D2B00CC4958}"/>
               </a:ext>
             </a:extLst>
           </p:cNvPr>
@@ -6864,13 +6836,13 @@
             <a:spLocks noGrp="1"/>
           </p:cNvSpPr>
           <p:nvPr>
-            <p:ph idx="1"/>
+            <p:ph type="title"/>
           </p:nvPr>
         </p:nvSpPr>
         <p:spPr>
           <a:xfrm>
-            <a:off x="677334" y="1724491"/>
-            <a:ext cx="8596668" cy="3880773"/>
+            <a:off x="677334" y="609600"/>
+            <a:ext cx="8596668" cy="879012"/>
           </a:xfrm>
         </p:spPr>
         <p:txBody>
@@ -6878,50 +6850,8 @@
           <a:lstStyle/>
           <a:p>
             <a:r>
-              <a:rPr lang="en-US" dirty="0"/>
-              <a:t>Signup – Choose the roll between Professor/Lecturer or Student</a:t>
-            </a:r>
-          </a:p>
-          <a:p>
-            <a:r>
-              <a:rPr lang="en-US" dirty="0"/>
-              <a:t>Login, Logout, Reset Password</a:t>
-            </a:r>
-          </a:p>
-          <a:p>
-            <a:r>
-              <a:rPr lang="en-US" dirty="0"/>
-              <a:t>Most viewed lectures and recently uploaded lectures</a:t>
-            </a:r>
-          </a:p>
-          <a:p>
-            <a:r>
-              <a:rPr lang="en-US" dirty="0"/>
-              <a:t>Search Lecture documents and videos with transcripts for key words</a:t>
-            </a:r>
-          </a:p>
-          <a:p>
-            <a:r>
-              <a:rPr lang="en-US" dirty="0"/>
-              <a:t>For Students – Saved lectures</a:t>
-            </a:r>
-          </a:p>
-          <a:p>
-            <a:r>
-              <a:rPr lang="en-US" dirty="0"/>
-              <a:t>For Professors – Uploaded lectures and Saved Lectures</a:t>
-            </a:r>
-          </a:p>
-          <a:p>
-            <a:r>
-              <a:rPr lang="en-US" dirty="0"/>
-              <a:t>Lecture documents links (PDF or PPTX)</a:t>
-            </a:r>
-          </a:p>
-          <a:p>
-            <a:r>
-              <a:rPr lang="en-US" dirty="0"/>
-              <a:t>Lecture video links with transcripts</a:t>
+              <a:rPr lang="en-GB" dirty="0"/>
+              <a:t>Find My Lecture: Technologies Used</a:t>
             </a:r>
           </a:p>
         </p:txBody>
@@ -6929,7 +6859,7 @@
     </p:spTree>
     <p:extLst>
       <p:ext uri="{BB962C8B-B14F-4D97-AF65-F5344CB8AC3E}">
-        <p14:creationId xmlns:p14="http://schemas.microsoft.com/office/powerpoint/2010/main" val="1861220866"/>
+        <p14:creationId xmlns:p14="http://schemas.microsoft.com/office/powerpoint/2010/main" val="981801288"/>
       </p:ext>
     </p:extLst>
   </p:cSld>
@@ -6961,7 +6891,7 @@
           <p:cNvPr id="2" name="Title 1">
             <a:extLst>
               <a:ext uri="{FF2B5EF4-FFF2-40B4-BE49-F238E27FC236}">
-                <a16:creationId xmlns:a16="http://schemas.microsoft.com/office/drawing/2014/main" id="{3AAD78B7-FCDE-46E1-9A72-BFA68DB4C49D}"/>
+                <a16:creationId xmlns:a16="http://schemas.microsoft.com/office/drawing/2014/main" id="{07C523F7-0494-584B-B963-B6A4E5CE00F9}"/>
               </a:ext>
             </a:extLst>
           </p:cNvPr>
@@ -6978,8 +6908,8 @@
           <a:lstStyle/>
           <a:p>
             <a:r>
-              <a:rPr lang="en-GB" dirty="0"/>
-              <a:t>Approach: Front End</a:t>
+              <a:rPr lang="en-US" dirty="0"/>
+              <a:t>Features of the Web Application</a:t>
             </a:r>
           </a:p>
         </p:txBody>
@@ -6989,7 +6919,7 @@
           <p:cNvPr id="3" name="Content Placeholder 2">
             <a:extLst>
               <a:ext uri="{FF2B5EF4-FFF2-40B4-BE49-F238E27FC236}">
-                <a16:creationId xmlns:a16="http://schemas.microsoft.com/office/drawing/2014/main" id="{013E28E4-9249-4C5A-8C5D-F452377792AC}"/>
+                <a16:creationId xmlns:a16="http://schemas.microsoft.com/office/drawing/2014/main" id="{D2837114-24A8-E64E-9299-1B463D7B5B7E}"/>
               </a:ext>
             </a:extLst>
           </p:cNvPr>
@@ -7002,94 +6932,59 @@
         </p:nvSpPr>
         <p:spPr>
           <a:xfrm>
-            <a:off x="677334" y="1698134"/>
+            <a:off x="677334" y="1724491"/>
             <a:ext cx="8596668" cy="3880773"/>
           </a:xfrm>
         </p:spPr>
         <p:txBody>
-          <a:bodyPr>
-            <a:normAutofit lnSpcReduction="10000"/>
-          </a:bodyPr>
-          <a:lstStyle/>
-          <a:p>
-            <a:r>
-              <a:rPr lang="en-GB" dirty="0"/>
-              <a:t>Styling</a:t>
-            </a:r>
-          </a:p>
-          <a:p>
-            <a:pPr lvl="1"/>
-            <a:r>
-              <a:rPr lang="en-GB" dirty="0"/>
-              <a:t>Goal was to make the application look polished and refined</a:t>
-            </a:r>
-          </a:p>
-          <a:p>
-            <a:pPr lvl="1"/>
-            <a:r>
-              <a:rPr lang="en-GB" dirty="0"/>
-              <a:t>So we made a separate </a:t>
-            </a:r>
-            <a:r>
-              <a:rPr lang="en-GB" dirty="0" err="1"/>
-              <a:t>css</a:t>
-            </a:r>
-            <a:r>
-              <a:rPr lang="en-GB" dirty="0"/>
-              <a:t> file to implement different styles and formatting into our application</a:t>
-            </a:r>
-          </a:p>
-          <a:p>
-            <a:r>
-              <a:rPr lang="en-GB" dirty="0"/>
-              <a:t>Templates</a:t>
-            </a:r>
-          </a:p>
-          <a:p>
-            <a:pPr lvl="1"/>
-            <a:r>
-              <a:rPr lang="en-GB" dirty="0"/>
-              <a:t>Used the inheritance nature of templates so reduce duplicity </a:t>
-            </a:r>
-          </a:p>
-          <a:p>
-            <a:pPr lvl="1"/>
-            <a:r>
-              <a:rPr lang="en-GB" dirty="0"/>
-              <a:t>Each web page inherits the base.html as to keep formatting </a:t>
-            </a:r>
-            <a:r>
-              <a:rPr lang="en-GB" dirty="0" err="1"/>
-              <a:t>consistant</a:t>
-            </a:r>
-            <a:endParaRPr lang="en-GB" dirty="0"/>
-          </a:p>
-          <a:p>
-            <a:r>
-              <a:rPr lang="en-GB" dirty="0"/>
-              <a:t>User authentication</a:t>
-            </a:r>
-          </a:p>
-          <a:p>
-            <a:pPr lvl="1"/>
-            <a:r>
-              <a:rPr lang="en-GB" dirty="0"/>
-              <a:t>We used JS to help us make our sign in and log in forms functional and forms.py to actually store the user information</a:t>
-            </a:r>
-          </a:p>
-          <a:p>
-            <a:pPr lvl="1"/>
-            <a:r>
-              <a:rPr lang="en-GB" dirty="0"/>
-              <a:t>We created custom </a:t>
-            </a:r>
-            <a:r>
-              <a:rPr lang="en-GB" dirty="0" err="1"/>
-              <a:t>css</a:t>
-            </a:r>
-            <a:r>
-              <a:rPr lang="en-GB" dirty="0"/>
-              <a:t> error messages that clearly state what went wrong to the user, whilst looking polished</a:t>
+          <a:bodyPr/>
+          <a:lstStyle/>
+          <a:p>
+            <a:r>
+              <a:rPr lang="en-US" dirty="0"/>
+              <a:t>Signup – Choose the roll between Professor/Lecturer or Student</a:t>
+            </a:r>
+          </a:p>
+          <a:p>
+            <a:r>
+              <a:rPr lang="en-US" dirty="0"/>
+              <a:t>Login, Logout, Reset Password</a:t>
+            </a:r>
+          </a:p>
+          <a:p>
+            <a:r>
+              <a:rPr lang="en-US" dirty="0"/>
+              <a:t>Most viewed lectures and recently uploaded lectures</a:t>
+            </a:r>
+          </a:p>
+          <a:p>
+            <a:r>
+              <a:rPr lang="en-US" dirty="0"/>
+              <a:t>Search Lecture documents and videos with transcripts for key words</a:t>
+            </a:r>
+          </a:p>
+          <a:p>
+            <a:r>
+              <a:rPr lang="en-US" dirty="0"/>
+              <a:t>For Students – Saved lectures</a:t>
+            </a:r>
+          </a:p>
+          <a:p>
+            <a:r>
+              <a:rPr lang="en-US" dirty="0"/>
+              <a:t>For Professors – Uploaded lectures and Saved Lectures</a:t>
+            </a:r>
+          </a:p>
+          <a:p>
+            <a:r>
+              <a:rPr lang="en-US" dirty="0"/>
+              <a:t>Lecture documents links (PDF or PPTX)</a:t>
+            </a:r>
+          </a:p>
+          <a:p>
+            <a:r>
+              <a:rPr lang="en-US" dirty="0"/>
+              <a:t>Lecture video links with transcripts</a:t>
             </a:r>
           </a:p>
         </p:txBody>
@@ -7097,7 +6992,7 @@
     </p:spTree>
     <p:extLst>
       <p:ext uri="{BB962C8B-B14F-4D97-AF65-F5344CB8AC3E}">
-        <p14:creationId xmlns:p14="http://schemas.microsoft.com/office/powerpoint/2010/main" val="3565777637"/>
+        <p14:creationId xmlns:p14="http://schemas.microsoft.com/office/powerpoint/2010/main" val="1861220866"/>
       </p:ext>
     </p:extLst>
   </p:cSld>
@@ -7129,7 +7024,7 @@
           <p:cNvPr id="2" name="Title 1">
             <a:extLst>
               <a:ext uri="{FF2B5EF4-FFF2-40B4-BE49-F238E27FC236}">
-                <a16:creationId xmlns:a16="http://schemas.microsoft.com/office/drawing/2014/main" id="{004BA5BC-2C57-4273-BD32-A3A616D49070}"/>
+                <a16:creationId xmlns:a16="http://schemas.microsoft.com/office/drawing/2014/main" id="{3AAD78B7-FCDE-46E1-9A72-BFA68DB4C49D}"/>
               </a:ext>
             </a:extLst>
           </p:cNvPr>
@@ -7147,7 +7042,7 @@
           <a:p>
             <a:r>
               <a:rPr lang="en-GB" dirty="0"/>
-              <a:t>Approach: Back End</a:t>
+              <a:t>Approach: Front End</a:t>
             </a:r>
           </a:p>
         </p:txBody>
@@ -7157,7 +7052,7 @@
           <p:cNvPr id="3" name="Content Placeholder 2">
             <a:extLst>
               <a:ext uri="{FF2B5EF4-FFF2-40B4-BE49-F238E27FC236}">
-                <a16:creationId xmlns:a16="http://schemas.microsoft.com/office/drawing/2014/main" id="{F5BB5B4E-238E-4C71-A078-E69FDEC58AB8}"/>
+                <a16:creationId xmlns:a16="http://schemas.microsoft.com/office/drawing/2014/main" id="{013E28E4-9249-4C5A-8C5D-F452377792AC}"/>
               </a:ext>
             </a:extLst>
           </p:cNvPr>
@@ -7170,76 +7065,102 @@
         </p:nvSpPr>
         <p:spPr>
           <a:xfrm>
-            <a:off x="677334" y="1677113"/>
+            <a:off x="677334" y="1698134"/>
             <a:ext cx="8596668" cy="3880773"/>
           </a:xfrm>
         </p:spPr>
         <p:txBody>
-          <a:bodyPr/>
+          <a:bodyPr>
+            <a:normAutofit lnSpcReduction="10000"/>
+          </a:bodyPr>
           <a:lstStyle/>
           <a:p>
             <a:r>
               <a:rPr lang="en-GB" dirty="0"/>
-              <a:t>Models</a:t>
+              <a:t>Styling</a:t>
             </a:r>
           </a:p>
           <a:p>
             <a:pPr lvl="1"/>
             <a:r>
               <a:rPr lang="en-GB" dirty="0"/>
-              <a:t>Based on ER diagram we created in the design spec (without the </a:t>
+              <a:t>Goal was to make the application look polished and refined</a:t>
+            </a:r>
+          </a:p>
+          <a:p>
+            <a:pPr lvl="1"/>
+            <a:r>
+              <a:rPr lang="en-GB" dirty="0"/>
+              <a:t>So we made a separate </a:t>
             </a:r>
             <a:r>
               <a:rPr lang="en-GB" dirty="0" err="1"/>
-              <a:t>moodle</a:t>
+              <a:t>css</a:t>
             </a:r>
             <a:r>
               <a:rPr lang="en-GB" dirty="0"/>
-              <a:t> API)</a:t>
+              <a:t> file to implement different styles and formatting into our application</a:t>
             </a:r>
           </a:p>
           <a:p>
             <a:r>
               <a:rPr lang="en-GB" dirty="0"/>
-              <a:t>Views</a:t>
+              <a:t>Templates</a:t>
             </a:r>
           </a:p>
           <a:p>
             <a:pPr lvl="1"/>
             <a:r>
               <a:rPr lang="en-GB" dirty="0"/>
-              <a:t>We have separate views for each web page, pop up and lecture</a:t>
-            </a:r>
-          </a:p>
-          <a:p>
+              <a:t>Used the inheritance nature of templates so reduce duplicity </a:t>
+            </a:r>
+          </a:p>
+          <a:p>
+            <a:pPr lvl="1"/>
             <a:r>
               <a:rPr lang="en-GB" dirty="0"/>
-              <a:t>Population script</a:t>
+              <a:t>Each web page inherits the base.html as to keep formatting </a:t>
+            </a:r>
+            <a:r>
+              <a:rPr lang="en-GB" dirty="0" err="1"/>
+              <a:t>consistant</a:t>
+            </a:r>
+            <a:endParaRPr lang="en-GB" dirty="0"/>
+          </a:p>
+          <a:p>
+            <a:r>
+              <a:rPr lang="en-GB" dirty="0"/>
+              <a:t>User authentication</a:t>
             </a:r>
           </a:p>
           <a:p>
             <a:pPr lvl="1"/>
             <a:r>
               <a:rPr lang="en-GB" dirty="0"/>
-              <a:t>We used this to store user information</a:t>
+              <a:t>We used JS to help us make our sign in and log in forms functional and forms.py to actually store the user information</a:t>
             </a:r>
           </a:p>
           <a:p>
             <a:pPr lvl="1"/>
             <a:r>
               <a:rPr lang="en-GB" dirty="0"/>
-              <a:t>We used this to store the lecture content, saved lectures and courses</a:t>
-            </a:r>
-          </a:p>
-          <a:p>
-            <a:endParaRPr lang="en-GB" dirty="0"/>
+              <a:t>We created custom </a:t>
+            </a:r>
+            <a:r>
+              <a:rPr lang="en-GB" dirty="0" err="1"/>
+              <a:t>css</a:t>
+            </a:r>
+            <a:r>
+              <a:rPr lang="en-GB" dirty="0"/>
+              <a:t> error messages that clearly state what went wrong to the user, whilst looking polished</a:t>
+            </a:r>
           </a:p>
         </p:txBody>
       </p:sp>
     </p:spTree>
     <p:extLst>
       <p:ext uri="{BB962C8B-B14F-4D97-AF65-F5344CB8AC3E}">
-        <p14:creationId xmlns:p14="http://schemas.microsoft.com/office/powerpoint/2010/main" val="1313590333"/>
+        <p14:creationId xmlns:p14="http://schemas.microsoft.com/office/powerpoint/2010/main" val="3565777637"/>
       </p:ext>
     </p:extLst>
   </p:cSld>
@@ -7271,7 +7192,7 @@
           <p:cNvPr id="2" name="Title 1">
             <a:extLst>
               <a:ext uri="{FF2B5EF4-FFF2-40B4-BE49-F238E27FC236}">
-                <a16:creationId xmlns:a16="http://schemas.microsoft.com/office/drawing/2014/main" id="{0828EAA2-2D6D-4B08-A129-714158201CFE}"/>
+                <a16:creationId xmlns:a16="http://schemas.microsoft.com/office/drawing/2014/main" id="{004BA5BC-2C57-4273-BD32-A3A616D49070}"/>
               </a:ext>
             </a:extLst>
           </p:cNvPr>
@@ -7289,15 +7210,99 @@
           <a:p>
             <a:r>
               <a:rPr lang="en-GB" dirty="0"/>
-              <a:t>Live Demonstration</a:t>
-            </a:r>
+              <a:t>Approach: Back End</a:t>
+            </a:r>
+          </a:p>
+        </p:txBody>
+      </p:sp>
+      <p:sp>
+        <p:nvSpPr>
+          <p:cNvPr id="3" name="Content Placeholder 2">
+            <a:extLst>
+              <a:ext uri="{FF2B5EF4-FFF2-40B4-BE49-F238E27FC236}">
+                <a16:creationId xmlns:a16="http://schemas.microsoft.com/office/drawing/2014/main" id="{F5BB5B4E-238E-4C71-A078-E69FDEC58AB8}"/>
+              </a:ext>
+            </a:extLst>
+          </p:cNvPr>
+          <p:cNvSpPr>
+            <a:spLocks noGrp="1"/>
+          </p:cNvSpPr>
+          <p:nvPr>
+            <p:ph idx="1"/>
+          </p:nvPr>
+        </p:nvSpPr>
+        <p:spPr>
+          <a:xfrm>
+            <a:off x="677334" y="1677113"/>
+            <a:ext cx="8596668" cy="3880773"/>
+          </a:xfrm>
+        </p:spPr>
+        <p:txBody>
+          <a:bodyPr/>
+          <a:lstStyle/>
+          <a:p>
+            <a:r>
+              <a:rPr lang="en-GB" dirty="0"/>
+              <a:t>Models</a:t>
+            </a:r>
+          </a:p>
+          <a:p>
+            <a:pPr lvl="1"/>
+            <a:r>
+              <a:rPr lang="en-GB" dirty="0"/>
+              <a:t>Based on ER diagram we created in the design spec (without the </a:t>
+            </a:r>
+            <a:r>
+              <a:rPr lang="en-GB" dirty="0" err="1"/>
+              <a:t>moodle</a:t>
+            </a:r>
+            <a:r>
+              <a:rPr lang="en-GB" dirty="0"/>
+              <a:t> API)</a:t>
+            </a:r>
+          </a:p>
+          <a:p>
+            <a:r>
+              <a:rPr lang="en-GB" dirty="0"/>
+              <a:t>Views</a:t>
+            </a:r>
+          </a:p>
+          <a:p>
+            <a:pPr lvl="1"/>
+            <a:r>
+              <a:rPr lang="en-GB" dirty="0"/>
+              <a:t>We have separate views for each web page, pop up and lecture</a:t>
+            </a:r>
+          </a:p>
+          <a:p>
+            <a:r>
+              <a:rPr lang="en-GB" dirty="0"/>
+              <a:t>Population script</a:t>
+            </a:r>
+          </a:p>
+          <a:p>
+            <a:pPr lvl="1"/>
+            <a:r>
+              <a:rPr lang="en-GB" dirty="0"/>
+              <a:t>We used this to store user information</a:t>
+            </a:r>
+          </a:p>
+          <a:p>
+            <a:pPr lvl="1"/>
+            <a:r>
+              <a:rPr lang="en-GB" dirty="0"/>
+              <a:t>We used this to store the lecture content, saved lectures and courses</a:t>
+            </a:r>
+          </a:p>
+          <a:p>
+            <a:endParaRPr lang="en-GB" dirty="0"/>
           </a:p>
         </p:txBody>
       </p:sp>
     </p:spTree>
     <p:extLst>
       <p:ext uri="{BB962C8B-B14F-4D97-AF65-F5344CB8AC3E}">
-        <p14:creationId xmlns:p14="http://schemas.microsoft.com/office/powerpoint/2010/main" val="915472291"/>
+        <p14:creationId xmlns:p14="http://schemas.microsoft.com/office/powerpoint/2010/main" val="1313590333"/>
       </p:ext>
     </p:extLst>
   </p:cSld>

--- a/Presentation.pptx
+++ b/Presentation.pptx
@@ -843,7 +843,7 @@
           <a:p>
             <a:fld id="{3EE02DEA-DAE7-412D-98C1-743910D649DD}" type="datetimeFigureOut">
               <a:rPr lang="en-GB" smtClean="0"/>
-              <a:t>24/03/2022</a:t>
+              <a:t>25/03/2022</a:t>
             </a:fld>
             <a:endParaRPr lang="en-GB"/>
           </a:p>
@@ -1094,7 +1094,7 @@
           <a:p>
             <a:fld id="{3EE02DEA-DAE7-412D-98C1-743910D649DD}" type="datetimeFigureOut">
               <a:rPr lang="en-GB" smtClean="0"/>
-              <a:t>24/03/2022</a:t>
+              <a:t>25/03/2022</a:t>
             </a:fld>
             <a:endParaRPr lang="en-GB"/>
           </a:p>
@@ -1408,7 +1408,7 @@
           <a:p>
             <a:fld id="{3EE02DEA-DAE7-412D-98C1-743910D649DD}" type="datetimeFigureOut">
               <a:rPr lang="en-GB" smtClean="0"/>
-              <a:t>24/03/2022</a:t>
+              <a:t>25/03/2022</a:t>
             </a:fld>
             <a:endParaRPr lang="en-GB"/>
           </a:p>
@@ -1749,7 +1749,7 @@
           <a:p>
             <a:fld id="{3EE02DEA-DAE7-412D-98C1-743910D649DD}" type="datetimeFigureOut">
               <a:rPr lang="en-GB" smtClean="0"/>
-              <a:t>24/03/2022</a:t>
+              <a:t>25/03/2022</a:t>
             </a:fld>
             <a:endParaRPr lang="en-GB"/>
           </a:p>
@@ -2063,7 +2063,7 @@
           <a:p>
             <a:fld id="{3EE02DEA-DAE7-412D-98C1-743910D649DD}" type="datetimeFigureOut">
               <a:rPr lang="en-GB" smtClean="0"/>
-              <a:t>24/03/2022</a:t>
+              <a:t>25/03/2022</a:t>
             </a:fld>
             <a:endParaRPr lang="en-GB"/>
           </a:p>
@@ -2456,7 +2456,7 @@
           <a:p>
             <a:fld id="{3EE02DEA-DAE7-412D-98C1-743910D649DD}" type="datetimeFigureOut">
               <a:rPr lang="en-GB" smtClean="0"/>
-              <a:t>24/03/2022</a:t>
+              <a:t>25/03/2022</a:t>
             </a:fld>
             <a:endParaRPr lang="en-GB"/>
           </a:p>
@@ -2626,7 +2626,7 @@
           <a:p>
             <a:fld id="{3EE02DEA-DAE7-412D-98C1-743910D649DD}" type="datetimeFigureOut">
               <a:rPr lang="en-GB" smtClean="0"/>
-              <a:t>24/03/2022</a:t>
+              <a:t>25/03/2022</a:t>
             </a:fld>
             <a:endParaRPr lang="en-GB"/>
           </a:p>
@@ -2806,7 +2806,7 @@
           <a:p>
             <a:fld id="{3EE02DEA-DAE7-412D-98C1-743910D649DD}" type="datetimeFigureOut">
               <a:rPr lang="en-GB" smtClean="0"/>
-              <a:t>24/03/2022</a:t>
+              <a:t>25/03/2022</a:t>
             </a:fld>
             <a:endParaRPr lang="en-GB"/>
           </a:p>
@@ -2982,7 +2982,7 @@
           <a:p>
             <a:fld id="{3EE02DEA-DAE7-412D-98C1-743910D649DD}" type="datetimeFigureOut">
               <a:rPr lang="en-GB" smtClean="0"/>
-              <a:t>24/03/2022</a:t>
+              <a:t>25/03/2022</a:t>
             </a:fld>
             <a:endParaRPr lang="en-GB"/>
           </a:p>
@@ -3229,7 +3229,7 @@
           <a:p>
             <a:fld id="{3EE02DEA-DAE7-412D-98C1-743910D649DD}" type="datetimeFigureOut">
               <a:rPr lang="en-GB" smtClean="0"/>
-              <a:t>24/03/2022</a:t>
+              <a:t>25/03/2022</a:t>
             </a:fld>
             <a:endParaRPr lang="en-GB"/>
           </a:p>
@@ -3461,7 +3461,7 @@
           <a:p>
             <a:fld id="{3EE02DEA-DAE7-412D-98C1-743910D649DD}" type="datetimeFigureOut">
               <a:rPr lang="en-GB" smtClean="0"/>
-              <a:t>24/03/2022</a:t>
+              <a:t>25/03/2022</a:t>
             </a:fld>
             <a:endParaRPr lang="en-GB"/>
           </a:p>
@@ -3835,7 +3835,7 @@
           <a:p>
             <a:fld id="{3EE02DEA-DAE7-412D-98C1-743910D649DD}" type="datetimeFigureOut">
               <a:rPr lang="en-GB" smtClean="0"/>
-              <a:t>24/03/2022</a:t>
+              <a:t>25/03/2022</a:t>
             </a:fld>
             <a:endParaRPr lang="en-GB"/>
           </a:p>
@@ -3958,7 +3958,7 @@
           <a:p>
             <a:fld id="{3EE02DEA-DAE7-412D-98C1-743910D649DD}" type="datetimeFigureOut">
               <a:rPr lang="en-GB" smtClean="0"/>
-              <a:t>24/03/2022</a:t>
+              <a:t>25/03/2022</a:t>
             </a:fld>
             <a:endParaRPr lang="en-GB"/>
           </a:p>
@@ -4053,7 +4053,7 @@
           <a:p>
             <a:fld id="{3EE02DEA-DAE7-412D-98C1-743910D649DD}" type="datetimeFigureOut">
               <a:rPr lang="en-GB" smtClean="0"/>
-              <a:t>24/03/2022</a:t>
+              <a:t>25/03/2022</a:t>
             </a:fld>
             <a:endParaRPr lang="en-GB"/>
           </a:p>
@@ -4308,7 +4308,7 @@
           <a:p>
             <a:fld id="{3EE02DEA-DAE7-412D-98C1-743910D649DD}" type="datetimeFigureOut">
               <a:rPr lang="en-GB" smtClean="0"/>
-              <a:t>24/03/2022</a:t>
+              <a:t>25/03/2022</a:t>
             </a:fld>
             <a:endParaRPr lang="en-GB"/>
           </a:p>
@@ -4571,7 +4571,7 @@
           <a:p>
             <a:fld id="{3EE02DEA-DAE7-412D-98C1-743910D649DD}" type="datetimeFigureOut">
               <a:rPr lang="en-GB" smtClean="0"/>
-              <a:t>24/03/2022</a:t>
+              <a:t>25/03/2022</a:t>
             </a:fld>
             <a:endParaRPr lang="en-GB"/>
           </a:p>
@@ -5314,7 +5314,7 @@
           <a:p>
             <a:fld id="{3EE02DEA-DAE7-412D-98C1-743910D649DD}" type="datetimeFigureOut">
               <a:rPr lang="en-GB" smtClean="0"/>
-              <a:t>24/03/2022</a:t>
+              <a:t>25/03/2022</a:t>
             </a:fld>
             <a:endParaRPr lang="en-GB"/>
           </a:p>
@@ -6315,7 +6315,7 @@
           <a:lstStyle/>
           <a:p>
             <a:r>
-              <a:rPr lang="en-US"/>
+              <a:rPr lang="en-US" dirty="0" err="1"/>
               <a:t>LectureFinder</a:t>
             </a:r>
             <a:endParaRPr lang="en-US" dirty="0"/>
@@ -6715,8 +6715,8 @@
         </p:nvSpPr>
         <p:spPr>
           <a:xfrm>
-            <a:off x="677334" y="1752626"/>
-            <a:ext cx="8596668" cy="3880773"/>
+            <a:off x="677334" y="1109306"/>
+            <a:ext cx="8596668" cy="5390763"/>
           </a:xfrm>
         </p:spPr>
         <p:txBody>
@@ -6774,6 +6774,36 @@
             <a:r>
               <a:rPr lang="en-GB" dirty="0"/>
               <a:t>To host our web application</a:t>
+            </a:r>
+          </a:p>
+          <a:p>
+            <a:r>
+              <a:rPr lang="en-GB" dirty="0"/>
+              <a:t>AJAX and jQuery</a:t>
+            </a:r>
+          </a:p>
+          <a:p>
+            <a:pPr lvl="1"/>
+            <a:r>
+              <a:rPr lang="en-GB" dirty="0"/>
+              <a:t>To make the like button functional</a:t>
+            </a:r>
+          </a:p>
+          <a:p>
+            <a:r>
+              <a:rPr lang="en-GB"/>
+              <a:t>JUnit </a:t>
+            </a:r>
+            <a:r>
+              <a:rPr lang="en-GB" dirty="0"/>
+              <a:t>tests</a:t>
+            </a:r>
+          </a:p>
+          <a:p>
+            <a:pPr lvl="1"/>
+            <a:r>
+              <a:rPr lang="en-GB" dirty="0"/>
+              <a:t>To make sure our web application functions as expected</a:t>
             </a:r>
           </a:p>
           <a:p>
@@ -6819,7 +6849,13 @@
               </a:rPr>
               <a:t> password for lectureFinder91</a:t>
             </a:r>
-            <a:endParaRPr lang="en-GB" dirty="0"/>
+          </a:p>
+          <a:p>
+            <a:pPr lvl="1"/>
+            <a:endParaRPr lang="en-GB" b="0" i="0" dirty="0">
+              <a:effectLst/>
+              <a:latin typeface="Segoe UI" panose="020B0502040204020203" pitchFamily="34" charset="0"/>
+            </a:endParaRPr>
           </a:p>
         </p:txBody>
       </p:sp>
@@ -6841,7 +6877,7 @@
         </p:nvSpPr>
         <p:spPr>
           <a:xfrm>
-            <a:off x="677334" y="609600"/>
+            <a:off x="677334" y="357931"/>
             <a:ext cx="8596668" cy="879012"/>
           </a:xfrm>
         </p:spPr>
